--- a/Proyecto Ambientes No Propietarios.pptx
+++ b/Proyecto Ambientes No Propietarios.pptx
@@ -2,18 +2,21 @@
 <file path=ppt/presentation.xml><?xml version="1.0" encoding="utf-8"?>
 <p:presentation xmlns:a="http://schemas.openxmlformats.org/drawingml/2006/main" xmlns:r="http://schemas.openxmlformats.org/officeDocument/2006/relationships" xmlns:p="http://schemas.openxmlformats.org/presentationml/2006/main" saveSubsetFonts="1">
   <p:sldMasterIdLst>
-    <p:sldMasterId id="2147483648" r:id="rId1"/>
+    <p:sldMasterId id="2147483719" r:id="rId1"/>
   </p:sldMasterIdLst>
   <p:sldIdLst>
     <p:sldId id="256" r:id="rId2"/>
+    <p:sldId id="258" r:id="rId3"/>
+    <p:sldId id="259" r:id="rId4"/>
+    <p:sldId id="260" r:id="rId5"/>
   </p:sldIdLst>
   <p:sldSz cx="12192000" cy="6858000"/>
   <p:notesSz cx="6858000" cy="9144000"/>
   <p:defaultTextStyle>
     <a:defPPr>
-      <a:defRPr lang="es-EC"/>
+      <a:defRPr lang="en-US"/>
     </a:defPPr>
-    <a:lvl1pPr marL="0" algn="l" defTabSz="914400" rtl="0" eaLnBrk="1" latinLnBrk="0" hangingPunct="1">
+    <a:lvl1pPr marL="0" algn="l" defTabSz="457200" rtl="0" eaLnBrk="1" latinLnBrk="0" hangingPunct="1">
       <a:defRPr sz="1800" kern="1200">
         <a:solidFill>
           <a:schemeClr val="tx1"/>
@@ -23,7 +26,7 @@
         <a:cs typeface="+mn-cs"/>
       </a:defRPr>
     </a:lvl1pPr>
-    <a:lvl2pPr marL="457200" algn="l" defTabSz="914400" rtl="0" eaLnBrk="1" latinLnBrk="0" hangingPunct="1">
+    <a:lvl2pPr marL="457200" algn="l" defTabSz="457200" rtl="0" eaLnBrk="1" latinLnBrk="0" hangingPunct="1">
       <a:defRPr sz="1800" kern="1200">
         <a:solidFill>
           <a:schemeClr val="tx1"/>
@@ -33,7 +36,7 @@
         <a:cs typeface="+mn-cs"/>
       </a:defRPr>
     </a:lvl2pPr>
-    <a:lvl3pPr marL="914400" algn="l" defTabSz="914400" rtl="0" eaLnBrk="1" latinLnBrk="0" hangingPunct="1">
+    <a:lvl3pPr marL="914400" algn="l" defTabSz="457200" rtl="0" eaLnBrk="1" latinLnBrk="0" hangingPunct="1">
       <a:defRPr sz="1800" kern="1200">
         <a:solidFill>
           <a:schemeClr val="tx1"/>
@@ -43,7 +46,7 @@
         <a:cs typeface="+mn-cs"/>
       </a:defRPr>
     </a:lvl3pPr>
-    <a:lvl4pPr marL="1371600" algn="l" defTabSz="914400" rtl="0" eaLnBrk="1" latinLnBrk="0" hangingPunct="1">
+    <a:lvl4pPr marL="1371600" algn="l" defTabSz="457200" rtl="0" eaLnBrk="1" latinLnBrk="0" hangingPunct="1">
       <a:defRPr sz="1800" kern="1200">
         <a:solidFill>
           <a:schemeClr val="tx1"/>
@@ -53,7 +56,7 @@
         <a:cs typeface="+mn-cs"/>
       </a:defRPr>
     </a:lvl4pPr>
-    <a:lvl5pPr marL="1828800" algn="l" defTabSz="914400" rtl="0" eaLnBrk="1" latinLnBrk="0" hangingPunct="1">
+    <a:lvl5pPr marL="1828800" algn="l" defTabSz="457200" rtl="0" eaLnBrk="1" latinLnBrk="0" hangingPunct="1">
       <a:defRPr sz="1800" kern="1200">
         <a:solidFill>
           <a:schemeClr val="tx1"/>
@@ -63,7 +66,7 @@
         <a:cs typeface="+mn-cs"/>
       </a:defRPr>
     </a:lvl5pPr>
-    <a:lvl6pPr marL="2286000" algn="l" defTabSz="914400" rtl="0" eaLnBrk="1" latinLnBrk="0" hangingPunct="1">
+    <a:lvl6pPr marL="2286000" algn="l" defTabSz="457200" rtl="0" eaLnBrk="1" latinLnBrk="0" hangingPunct="1">
       <a:defRPr sz="1800" kern="1200">
         <a:solidFill>
           <a:schemeClr val="tx1"/>
@@ -73,7 +76,7 @@
         <a:cs typeface="+mn-cs"/>
       </a:defRPr>
     </a:lvl6pPr>
-    <a:lvl7pPr marL="2743200" algn="l" defTabSz="914400" rtl="0" eaLnBrk="1" latinLnBrk="0" hangingPunct="1">
+    <a:lvl7pPr marL="2743200" algn="l" defTabSz="457200" rtl="0" eaLnBrk="1" latinLnBrk="0" hangingPunct="1">
       <a:defRPr sz="1800" kern="1200">
         <a:solidFill>
           <a:schemeClr val="tx1"/>
@@ -83,7 +86,7 @@
         <a:cs typeface="+mn-cs"/>
       </a:defRPr>
     </a:lvl7pPr>
-    <a:lvl8pPr marL="3200400" algn="l" defTabSz="914400" rtl="0" eaLnBrk="1" latinLnBrk="0" hangingPunct="1">
+    <a:lvl8pPr marL="3200400" algn="l" defTabSz="457200" rtl="0" eaLnBrk="1" latinLnBrk="0" hangingPunct="1">
       <a:defRPr sz="1800" kern="1200">
         <a:solidFill>
           <a:schemeClr val="tx1"/>
@@ -93,7 +96,7 @@
         <a:cs typeface="+mn-cs"/>
       </a:defRPr>
     </a:lvl8pPr>
-    <a:lvl9pPr marL="3657600" algn="l" defTabSz="914400" rtl="0" eaLnBrk="1" latinLnBrk="0" hangingPunct="1">
+    <a:lvl9pPr marL="3657600" algn="l" defTabSz="457200" rtl="0" eaLnBrk="1" latinLnBrk="0" hangingPunct="1">
       <a:defRPr sz="1800" kern="1200">
         <a:solidFill>
           <a:schemeClr val="tx1"/>
@@ -104,7 +107,2865 @@
       </a:defRPr>
     </a:lvl9pPr>
   </p:defaultTextStyle>
+  <p:extLst>
+    <p:ext uri="{EFAFB233-063F-42B5-8137-9DF3F51BA10A}">
+      <p15:sldGuideLst xmlns:p15="http://schemas.microsoft.com/office/powerpoint/2012/main"/>
+    </p:ext>
+  </p:extLst>
 </p:presentation>
+</file>
+
+<file path=ppt/diagrams/colors1.xml><?xml version="1.0" encoding="utf-8"?>
+<dgm:colorsDef xmlns:dgm="http://schemas.openxmlformats.org/drawingml/2006/diagram" xmlns:a="http://schemas.openxmlformats.org/drawingml/2006/main" uniqueId="urn:microsoft.com/office/officeart/2018/5/colors/Iconchunking_neutralbg_accent0_3">
+  <dgm:title val=""/>
+  <dgm:desc val=""/>
+  <dgm:catLst>
+    <dgm:cat type="mainScheme" pri="10300"/>
+  </dgm:catLst>
+  <dgm:styleLbl name="node0">
+    <dgm:fillClrLst meth="repeat">
+      <a:schemeClr val="dk2"/>
+    </dgm:fillClrLst>
+    <dgm:linClrLst meth="repeat">
+      <a:schemeClr val="lt2"/>
+    </dgm:linClrLst>
+    <dgm:effectClrLst/>
+    <dgm:txLinClrLst/>
+    <dgm:txFillClrLst/>
+    <dgm:txEffectClrLst/>
+  </dgm:styleLbl>
+  <dgm:styleLbl name="alignNode1">
+    <dgm:fillClrLst meth="repeat">
+      <a:schemeClr val="dk2"/>
+    </dgm:fillClrLst>
+    <dgm:linClrLst meth="repeat">
+      <a:schemeClr val="dk2"/>
+    </dgm:linClrLst>
+    <dgm:effectClrLst/>
+    <dgm:txLinClrLst/>
+    <dgm:txFillClrLst/>
+    <dgm:txEffectClrLst/>
+  </dgm:styleLbl>
+  <dgm:styleLbl name="node1">
+    <dgm:fillClrLst meth="repeat">
+      <a:schemeClr val="dk2"/>
+    </dgm:fillClrLst>
+    <dgm:linClrLst meth="repeat">
+      <a:schemeClr val="lt2">
+        <a:alpha val="0"/>
+      </a:schemeClr>
+    </dgm:linClrLst>
+    <dgm:effectClrLst/>
+    <dgm:txLinClrLst/>
+    <dgm:txFillClrLst/>
+    <dgm:txEffectClrLst/>
+  </dgm:styleLbl>
+  <dgm:styleLbl name="lnNode1">
+    <dgm:fillClrLst meth="repeat">
+      <a:schemeClr val="dk2"/>
+    </dgm:fillClrLst>
+    <dgm:linClrLst meth="repeat">
+      <a:schemeClr val="lt2"/>
+    </dgm:linClrLst>
+    <dgm:effectClrLst/>
+    <dgm:txLinClrLst/>
+    <dgm:txFillClrLst/>
+    <dgm:txEffectClrLst/>
+  </dgm:styleLbl>
+  <dgm:styleLbl name="vennNode1">
+    <dgm:fillClrLst meth="repeat">
+      <a:schemeClr val="dk2">
+        <a:alpha val="50000"/>
+      </a:schemeClr>
+    </dgm:fillClrLst>
+    <dgm:linClrLst meth="repeat">
+      <a:schemeClr val="lt2"/>
+    </dgm:linClrLst>
+    <dgm:effectClrLst/>
+    <dgm:txLinClrLst/>
+    <dgm:txFillClrLst/>
+    <dgm:txEffectClrLst/>
+  </dgm:styleLbl>
+  <dgm:styleLbl name="node2">
+    <dgm:fillClrLst meth="repeat">
+      <a:schemeClr val="dk2"/>
+    </dgm:fillClrLst>
+    <dgm:linClrLst meth="repeat">
+      <a:schemeClr val="lt2"/>
+    </dgm:linClrLst>
+    <dgm:effectClrLst/>
+    <dgm:txLinClrLst/>
+    <dgm:txFillClrLst/>
+    <dgm:txEffectClrLst/>
+  </dgm:styleLbl>
+  <dgm:styleLbl name="node3">
+    <dgm:fillClrLst meth="repeat">
+      <a:schemeClr val="dk2"/>
+    </dgm:fillClrLst>
+    <dgm:linClrLst meth="repeat">
+      <a:schemeClr val="lt2"/>
+    </dgm:linClrLst>
+    <dgm:effectClrLst/>
+    <dgm:txLinClrLst/>
+    <dgm:txFillClrLst/>
+    <dgm:txEffectClrLst/>
+  </dgm:styleLbl>
+  <dgm:styleLbl name="node4">
+    <dgm:fillClrLst meth="repeat">
+      <a:schemeClr val="dk2"/>
+    </dgm:fillClrLst>
+    <dgm:linClrLst meth="repeat">
+      <a:schemeClr val="lt2"/>
+    </dgm:linClrLst>
+    <dgm:effectClrLst/>
+    <dgm:txLinClrLst/>
+    <dgm:txFillClrLst/>
+    <dgm:txEffectClrLst/>
+  </dgm:styleLbl>
+  <dgm:styleLbl name="fgImgPlace1">
+    <dgm:fillClrLst meth="repeat">
+      <a:schemeClr val="dk2">
+        <a:tint val="50000"/>
+      </a:schemeClr>
+    </dgm:fillClrLst>
+    <dgm:linClrLst meth="repeat">
+      <a:schemeClr val="lt2"/>
+    </dgm:linClrLst>
+    <dgm:effectClrLst/>
+    <dgm:txLinClrLst/>
+    <dgm:txFillClrLst meth="repeat">
+      <a:schemeClr val="lt2"/>
+    </dgm:txFillClrLst>
+    <dgm:txEffectClrLst/>
+  </dgm:styleLbl>
+  <dgm:styleLbl name="alignImgPlace1">
+    <dgm:fillClrLst meth="repeat">
+      <a:schemeClr val="dk2">
+        <a:tint val="50000"/>
+      </a:schemeClr>
+    </dgm:fillClrLst>
+    <dgm:linClrLst meth="repeat">
+      <a:schemeClr val="dk2">
+        <a:shade val="80000"/>
+      </a:schemeClr>
+    </dgm:linClrLst>
+    <dgm:effectClrLst/>
+    <dgm:txLinClrLst/>
+    <dgm:txFillClrLst meth="repeat">
+      <a:schemeClr val="lt2"/>
+    </dgm:txFillClrLst>
+    <dgm:txEffectClrLst/>
+  </dgm:styleLbl>
+  <dgm:styleLbl name="bgImgPlace1">
+    <dgm:fillClrLst meth="repeat">
+      <a:schemeClr val="dk2">
+        <a:tint val="50000"/>
+      </a:schemeClr>
+    </dgm:fillClrLst>
+    <dgm:linClrLst meth="repeat">
+      <a:schemeClr val="dk2">
+        <a:shade val="80000"/>
+      </a:schemeClr>
+    </dgm:linClrLst>
+    <dgm:effectClrLst/>
+    <dgm:txLinClrLst/>
+    <dgm:txFillClrLst meth="repeat">
+      <a:schemeClr val="lt2"/>
+    </dgm:txFillClrLst>
+    <dgm:txEffectClrLst/>
+  </dgm:styleLbl>
+  <dgm:styleLbl name="sibTrans2D1">
+    <dgm:fillClrLst meth="repeat">
+      <a:schemeClr val="dk2">
+        <a:tint val="60000"/>
+      </a:schemeClr>
+    </dgm:fillClrLst>
+    <dgm:linClrLst meth="repeat">
+      <a:schemeClr val="dk2">
+        <a:tint val="60000"/>
+      </a:schemeClr>
+    </dgm:linClrLst>
+    <dgm:effectClrLst/>
+    <dgm:txLinClrLst/>
+    <dgm:txFillClrLst/>
+    <dgm:txEffectClrLst/>
+  </dgm:styleLbl>
+  <dgm:styleLbl name="fgSibTrans2D1">
+    <dgm:fillClrLst meth="repeat">
+      <a:schemeClr val="dk2">
+        <a:tint val="60000"/>
+      </a:schemeClr>
+    </dgm:fillClrLst>
+    <dgm:linClrLst meth="repeat">
+      <a:schemeClr val="dk2">
+        <a:tint val="60000"/>
+      </a:schemeClr>
+    </dgm:linClrLst>
+    <dgm:effectClrLst/>
+    <dgm:txLinClrLst/>
+    <dgm:txFillClrLst/>
+    <dgm:txEffectClrLst/>
+  </dgm:styleLbl>
+  <dgm:styleLbl name="bgSibTrans2D1">
+    <dgm:fillClrLst meth="repeat">
+      <a:schemeClr val="dk2">
+        <a:tint val="60000"/>
+      </a:schemeClr>
+    </dgm:fillClrLst>
+    <dgm:linClrLst meth="repeat">
+      <a:schemeClr val="dk2">
+        <a:tint val="60000"/>
+      </a:schemeClr>
+    </dgm:linClrLst>
+    <dgm:effectClrLst/>
+    <dgm:txLinClrLst/>
+    <dgm:txFillClrLst/>
+    <dgm:txEffectClrLst/>
+  </dgm:styleLbl>
+  <dgm:styleLbl name="sibTrans1D1">
+    <dgm:fillClrLst meth="repeat">
+      <a:schemeClr val="dk2"/>
+    </dgm:fillClrLst>
+    <dgm:linClrLst meth="repeat">
+      <a:schemeClr val="dk2"/>
+    </dgm:linClrLst>
+    <dgm:effectClrLst/>
+    <dgm:txLinClrLst/>
+    <dgm:txFillClrLst meth="repeat">
+      <a:schemeClr val="lt2"/>
+    </dgm:txFillClrLst>
+    <dgm:txEffectClrLst/>
+  </dgm:styleLbl>
+  <dgm:styleLbl name="callout">
+    <dgm:fillClrLst meth="repeat">
+      <a:schemeClr val="dk2"/>
+    </dgm:fillClrLst>
+    <dgm:linClrLst meth="repeat">
+      <a:schemeClr val="dk2">
+        <a:tint val="50000"/>
+      </a:schemeClr>
+    </dgm:linClrLst>
+    <dgm:effectClrLst/>
+    <dgm:txLinClrLst/>
+    <dgm:txFillClrLst meth="repeat">
+      <a:schemeClr val="lt2"/>
+    </dgm:txFillClrLst>
+    <dgm:txEffectClrLst/>
+  </dgm:styleLbl>
+  <dgm:styleLbl name="asst0">
+    <dgm:fillClrLst meth="repeat">
+      <a:schemeClr val="dk2"/>
+    </dgm:fillClrLst>
+    <dgm:linClrLst meth="repeat">
+      <a:schemeClr val="lt2"/>
+    </dgm:linClrLst>
+    <dgm:effectClrLst/>
+    <dgm:txLinClrLst/>
+    <dgm:txFillClrLst/>
+    <dgm:txEffectClrLst/>
+  </dgm:styleLbl>
+  <dgm:styleLbl name="asst1">
+    <dgm:fillClrLst meth="repeat">
+      <a:schemeClr val="dk2"/>
+    </dgm:fillClrLst>
+    <dgm:linClrLst meth="repeat">
+      <a:schemeClr val="lt2"/>
+    </dgm:linClrLst>
+    <dgm:effectClrLst/>
+    <dgm:txLinClrLst/>
+    <dgm:txFillClrLst/>
+    <dgm:txEffectClrLst/>
+  </dgm:styleLbl>
+  <dgm:styleLbl name="asst2">
+    <dgm:fillClrLst meth="repeat">
+      <a:schemeClr val="dk2"/>
+    </dgm:fillClrLst>
+    <dgm:linClrLst meth="repeat">
+      <a:schemeClr val="lt2"/>
+    </dgm:linClrLst>
+    <dgm:effectClrLst/>
+    <dgm:txLinClrLst/>
+    <dgm:txFillClrLst/>
+    <dgm:txEffectClrLst/>
+  </dgm:styleLbl>
+  <dgm:styleLbl name="asst3">
+    <dgm:fillClrLst meth="repeat">
+      <a:schemeClr val="dk2"/>
+    </dgm:fillClrLst>
+    <dgm:linClrLst meth="repeat">
+      <a:schemeClr val="lt2"/>
+    </dgm:linClrLst>
+    <dgm:effectClrLst/>
+    <dgm:txLinClrLst/>
+    <dgm:txFillClrLst/>
+    <dgm:txEffectClrLst/>
+  </dgm:styleLbl>
+  <dgm:styleLbl name="asst4">
+    <dgm:fillClrLst meth="repeat">
+      <a:schemeClr val="dk2"/>
+    </dgm:fillClrLst>
+    <dgm:linClrLst meth="repeat">
+      <a:schemeClr val="lt2"/>
+    </dgm:linClrLst>
+    <dgm:effectClrLst/>
+    <dgm:txLinClrLst/>
+    <dgm:txFillClrLst/>
+    <dgm:txEffectClrLst/>
+  </dgm:styleLbl>
+  <dgm:styleLbl name="parChTrans2D1">
+    <dgm:fillClrLst meth="repeat">
+      <a:schemeClr val="dk2">
+        <a:tint val="60000"/>
+      </a:schemeClr>
+    </dgm:fillClrLst>
+    <dgm:linClrLst meth="repeat">
+      <a:schemeClr val="dk2">
+        <a:tint val="60000"/>
+      </a:schemeClr>
+    </dgm:linClrLst>
+    <dgm:effectClrLst/>
+    <dgm:txLinClrLst/>
+    <dgm:txFillClrLst meth="repeat">
+      <a:schemeClr val="lt2"/>
+    </dgm:txFillClrLst>
+    <dgm:txEffectClrLst/>
+  </dgm:styleLbl>
+  <dgm:styleLbl name="parChTrans2D2">
+    <dgm:fillClrLst meth="repeat">
+      <a:schemeClr val="dk2"/>
+    </dgm:fillClrLst>
+    <dgm:linClrLst meth="repeat">
+      <a:schemeClr val="dk2"/>
+    </dgm:linClrLst>
+    <dgm:effectClrLst/>
+    <dgm:txLinClrLst/>
+    <dgm:txFillClrLst meth="repeat">
+      <a:schemeClr val="lt2"/>
+    </dgm:txFillClrLst>
+    <dgm:txEffectClrLst/>
+  </dgm:styleLbl>
+  <dgm:styleLbl name="parChTrans2D3">
+    <dgm:fillClrLst meth="repeat">
+      <a:schemeClr val="dk2"/>
+    </dgm:fillClrLst>
+    <dgm:linClrLst meth="repeat">
+      <a:schemeClr val="dk2"/>
+    </dgm:linClrLst>
+    <dgm:effectClrLst/>
+    <dgm:txLinClrLst/>
+    <dgm:txFillClrLst meth="repeat">
+      <a:schemeClr val="lt2"/>
+    </dgm:txFillClrLst>
+    <dgm:txEffectClrLst/>
+  </dgm:styleLbl>
+  <dgm:styleLbl name="parChTrans2D4">
+    <dgm:fillClrLst meth="repeat">
+      <a:schemeClr val="dk2"/>
+    </dgm:fillClrLst>
+    <dgm:linClrLst meth="repeat">
+      <a:schemeClr val="dk2"/>
+    </dgm:linClrLst>
+    <dgm:effectClrLst/>
+    <dgm:txLinClrLst/>
+    <dgm:txFillClrLst meth="repeat">
+      <a:schemeClr val="lt2"/>
+    </dgm:txFillClrLst>
+    <dgm:txEffectClrLst/>
+  </dgm:styleLbl>
+  <dgm:styleLbl name="parChTrans1D1">
+    <dgm:fillClrLst meth="repeat">
+      <a:schemeClr val="dk2"/>
+    </dgm:fillClrLst>
+    <dgm:linClrLst meth="repeat">
+      <a:schemeClr val="dk2">
+        <a:shade val="60000"/>
+      </a:schemeClr>
+    </dgm:linClrLst>
+    <dgm:effectClrLst/>
+    <dgm:txLinClrLst/>
+    <dgm:txFillClrLst meth="repeat">
+      <a:schemeClr val="tx1"/>
+    </dgm:txFillClrLst>
+    <dgm:txEffectClrLst/>
+  </dgm:styleLbl>
+  <dgm:styleLbl name="parChTrans1D2">
+    <dgm:fillClrLst meth="repeat">
+      <a:schemeClr val="dk2"/>
+    </dgm:fillClrLst>
+    <dgm:linClrLst meth="repeat">
+      <a:schemeClr val="dk2">
+        <a:shade val="60000"/>
+      </a:schemeClr>
+    </dgm:linClrLst>
+    <dgm:effectClrLst/>
+    <dgm:txLinClrLst/>
+    <dgm:txFillClrLst meth="repeat">
+      <a:schemeClr val="tx1"/>
+    </dgm:txFillClrLst>
+    <dgm:txEffectClrLst/>
+  </dgm:styleLbl>
+  <dgm:styleLbl name="parChTrans1D3">
+    <dgm:fillClrLst meth="repeat">
+      <a:schemeClr val="dk2"/>
+    </dgm:fillClrLst>
+    <dgm:linClrLst meth="repeat">
+      <a:schemeClr val="dk2">
+        <a:shade val="80000"/>
+      </a:schemeClr>
+    </dgm:linClrLst>
+    <dgm:effectClrLst/>
+    <dgm:txLinClrLst/>
+    <dgm:txFillClrLst meth="repeat">
+      <a:schemeClr val="tx1"/>
+    </dgm:txFillClrLst>
+    <dgm:txEffectClrLst/>
+  </dgm:styleLbl>
+  <dgm:styleLbl name="parChTrans1D4">
+    <dgm:fillClrLst meth="repeat">
+      <a:schemeClr val="dk2"/>
+    </dgm:fillClrLst>
+    <dgm:linClrLst meth="repeat">
+      <a:schemeClr val="dk2">
+        <a:shade val="80000"/>
+      </a:schemeClr>
+    </dgm:linClrLst>
+    <dgm:effectClrLst/>
+    <dgm:txLinClrLst/>
+    <dgm:txFillClrLst meth="repeat">
+      <a:schemeClr val="tx1"/>
+    </dgm:txFillClrLst>
+    <dgm:txEffectClrLst/>
+  </dgm:styleLbl>
+  <dgm:styleLbl name="fgAcc1">
+    <dgm:fillClrLst meth="repeat">
+      <a:schemeClr val="lt2">
+        <a:alpha val="90000"/>
+      </a:schemeClr>
+    </dgm:fillClrLst>
+    <dgm:linClrLst meth="repeat">
+      <a:schemeClr val="dk2"/>
+    </dgm:linClrLst>
+    <dgm:effectClrLst/>
+    <dgm:txLinClrLst/>
+    <dgm:txFillClrLst meth="repeat">
+      <a:schemeClr val="dk1"/>
+    </dgm:txFillClrLst>
+    <dgm:txEffectClrLst/>
+  </dgm:styleLbl>
+  <dgm:styleLbl name="conFgAcc1">
+    <dgm:fillClrLst meth="repeat">
+      <a:schemeClr val="lt2">
+        <a:alpha val="90000"/>
+      </a:schemeClr>
+    </dgm:fillClrLst>
+    <dgm:linClrLst meth="repeat">
+      <a:schemeClr val="dk2"/>
+    </dgm:linClrLst>
+    <dgm:effectClrLst/>
+    <dgm:txLinClrLst/>
+    <dgm:txFillClrLst meth="repeat">
+      <a:schemeClr val="dk1"/>
+    </dgm:txFillClrLst>
+    <dgm:txEffectClrLst/>
+  </dgm:styleLbl>
+  <dgm:styleLbl name="alignAcc1">
+    <dgm:fillClrLst meth="repeat">
+      <a:schemeClr val="lt2">
+        <a:alpha val="90000"/>
+      </a:schemeClr>
+    </dgm:fillClrLst>
+    <dgm:linClrLst meth="repeat">
+      <a:schemeClr val="dk2"/>
+    </dgm:linClrLst>
+    <dgm:effectClrLst/>
+    <dgm:txLinClrLst/>
+    <dgm:txFillClrLst meth="repeat">
+      <a:schemeClr val="dk1"/>
+    </dgm:txFillClrLst>
+    <dgm:txEffectClrLst/>
+  </dgm:styleLbl>
+  <dgm:styleLbl name="trAlignAcc1">
+    <dgm:fillClrLst meth="repeat">
+      <a:schemeClr val="lt2">
+        <a:alpha val="40000"/>
+      </a:schemeClr>
+    </dgm:fillClrLst>
+    <dgm:linClrLst meth="repeat">
+      <a:schemeClr val="dk2"/>
+    </dgm:linClrLst>
+    <dgm:effectClrLst/>
+    <dgm:txLinClrLst/>
+    <dgm:txFillClrLst meth="repeat">
+      <a:schemeClr val="dk1"/>
+    </dgm:txFillClrLst>
+    <dgm:txEffectClrLst/>
+  </dgm:styleLbl>
+  <dgm:styleLbl name="bgAcc1">
+    <dgm:fillClrLst meth="repeat">
+      <a:schemeClr val="lt2">
+        <a:alpha val="90000"/>
+      </a:schemeClr>
+    </dgm:fillClrLst>
+    <dgm:linClrLst meth="repeat">
+      <a:schemeClr val="dk2"/>
+    </dgm:linClrLst>
+    <dgm:effectClrLst/>
+    <dgm:txLinClrLst/>
+    <dgm:txFillClrLst meth="repeat">
+      <a:schemeClr val="dk1"/>
+    </dgm:txFillClrLst>
+    <dgm:txEffectClrLst/>
+  </dgm:styleLbl>
+  <dgm:styleLbl name="solidFgAcc1">
+    <dgm:fillClrLst meth="repeat">
+      <a:schemeClr val="lt2"/>
+    </dgm:fillClrLst>
+    <dgm:linClrLst meth="repeat">
+      <a:schemeClr val="dk2"/>
+    </dgm:linClrLst>
+    <dgm:effectClrLst/>
+    <dgm:txLinClrLst/>
+    <dgm:txFillClrLst meth="repeat">
+      <a:schemeClr val="dk1"/>
+    </dgm:txFillClrLst>
+    <dgm:txEffectClrLst/>
+  </dgm:styleLbl>
+  <dgm:styleLbl name="solidAlignAcc1">
+    <dgm:fillClrLst meth="repeat">
+      <a:schemeClr val="lt2"/>
+    </dgm:fillClrLst>
+    <dgm:linClrLst meth="repeat">
+      <a:schemeClr val="dk2"/>
+    </dgm:linClrLst>
+    <dgm:effectClrLst/>
+    <dgm:txLinClrLst/>
+    <dgm:txFillClrLst meth="repeat">
+      <a:schemeClr val="dk1"/>
+    </dgm:txFillClrLst>
+    <dgm:txEffectClrLst/>
+  </dgm:styleLbl>
+  <dgm:styleLbl name="solidBgAcc1">
+    <dgm:fillClrLst meth="repeat">
+      <a:schemeClr val="lt2"/>
+    </dgm:fillClrLst>
+    <dgm:linClrLst meth="repeat">
+      <a:schemeClr val="dk2"/>
+    </dgm:linClrLst>
+    <dgm:effectClrLst/>
+    <dgm:txLinClrLst/>
+    <dgm:txFillClrLst meth="repeat">
+      <a:schemeClr val="dk1"/>
+    </dgm:txFillClrLst>
+    <dgm:txEffectClrLst/>
+  </dgm:styleLbl>
+  <dgm:styleLbl name="fgAccFollowNode1">
+    <dgm:fillClrLst meth="repeat">
+      <a:schemeClr val="dk2">
+        <a:alpha val="90000"/>
+        <a:tint val="40000"/>
+      </a:schemeClr>
+    </dgm:fillClrLst>
+    <dgm:linClrLst meth="repeat">
+      <a:schemeClr val="dk2">
+        <a:alpha val="90000"/>
+        <a:tint val="40000"/>
+      </a:schemeClr>
+    </dgm:linClrLst>
+    <dgm:effectClrLst/>
+    <dgm:txLinClrLst/>
+    <dgm:txFillClrLst meth="repeat">
+      <a:schemeClr val="dk1"/>
+    </dgm:txFillClrLst>
+    <dgm:txEffectClrLst/>
+  </dgm:styleLbl>
+  <dgm:styleLbl name="alignAccFollowNode1">
+    <dgm:fillClrLst meth="repeat">
+      <a:schemeClr val="dk2">
+        <a:alpha val="90000"/>
+        <a:tint val="40000"/>
+      </a:schemeClr>
+    </dgm:fillClrLst>
+    <dgm:linClrLst meth="repeat">
+      <a:schemeClr val="dk2">
+        <a:alpha val="90000"/>
+        <a:tint val="40000"/>
+      </a:schemeClr>
+    </dgm:linClrLst>
+    <dgm:effectClrLst/>
+    <dgm:txLinClrLst/>
+    <dgm:txFillClrLst meth="repeat">
+      <a:schemeClr val="dk1"/>
+    </dgm:txFillClrLst>
+    <dgm:txEffectClrLst/>
+  </dgm:styleLbl>
+  <dgm:styleLbl name="bgAccFollowNode1">
+    <dgm:fillClrLst meth="repeat">
+      <a:schemeClr val="dk2">
+        <a:alpha val="90000"/>
+        <a:tint val="40000"/>
+      </a:schemeClr>
+    </dgm:fillClrLst>
+    <dgm:linClrLst meth="repeat">
+      <a:schemeClr val="dk2">
+        <a:alpha val="90000"/>
+        <a:tint val="40000"/>
+      </a:schemeClr>
+    </dgm:linClrLst>
+    <dgm:effectClrLst/>
+    <dgm:txLinClrLst/>
+    <dgm:txFillClrLst meth="repeat">
+      <a:schemeClr val="dk1"/>
+    </dgm:txFillClrLst>
+    <dgm:txEffectClrLst/>
+  </dgm:styleLbl>
+  <dgm:styleLbl name="fgAcc0">
+    <dgm:fillClrLst meth="repeat">
+      <a:schemeClr val="lt2">
+        <a:alpha val="90000"/>
+      </a:schemeClr>
+    </dgm:fillClrLst>
+    <dgm:linClrLst meth="repeat">
+      <a:schemeClr val="dk2"/>
+    </dgm:linClrLst>
+    <dgm:effectClrLst/>
+    <dgm:txLinClrLst/>
+    <dgm:txFillClrLst meth="repeat">
+      <a:schemeClr val="dk1"/>
+    </dgm:txFillClrLst>
+    <dgm:txEffectClrLst/>
+  </dgm:styleLbl>
+  <dgm:styleLbl name="fgAcc2">
+    <dgm:fillClrLst meth="repeat">
+      <a:schemeClr val="lt2">
+        <a:alpha val="90000"/>
+      </a:schemeClr>
+    </dgm:fillClrLst>
+    <dgm:linClrLst meth="repeat">
+      <a:schemeClr val="dk2"/>
+    </dgm:linClrLst>
+    <dgm:effectClrLst/>
+    <dgm:txLinClrLst/>
+    <dgm:txFillClrLst meth="repeat">
+      <a:schemeClr val="dk1"/>
+    </dgm:txFillClrLst>
+    <dgm:txEffectClrLst/>
+  </dgm:styleLbl>
+  <dgm:styleLbl name="fgAcc3">
+    <dgm:fillClrLst meth="repeat">
+      <a:schemeClr val="lt2">
+        <a:alpha val="90000"/>
+      </a:schemeClr>
+    </dgm:fillClrLst>
+    <dgm:linClrLst meth="repeat">
+      <a:schemeClr val="dk2"/>
+    </dgm:linClrLst>
+    <dgm:effectClrLst/>
+    <dgm:txLinClrLst/>
+    <dgm:txFillClrLst meth="repeat">
+      <a:schemeClr val="dk1"/>
+    </dgm:txFillClrLst>
+    <dgm:txEffectClrLst/>
+  </dgm:styleLbl>
+  <dgm:styleLbl name="fgAcc4">
+    <dgm:fillClrLst meth="repeat">
+      <a:schemeClr val="lt2">
+        <a:alpha val="90000"/>
+      </a:schemeClr>
+    </dgm:fillClrLst>
+    <dgm:linClrLst meth="repeat">
+      <a:schemeClr val="dk2"/>
+    </dgm:linClrLst>
+    <dgm:effectClrLst/>
+    <dgm:txLinClrLst/>
+    <dgm:txFillClrLst meth="repeat">
+      <a:schemeClr val="dk1"/>
+    </dgm:txFillClrLst>
+    <dgm:txEffectClrLst/>
+  </dgm:styleLbl>
+  <dgm:styleLbl name="bgShp">
+    <dgm:fillClrLst meth="repeat">
+      <a:schemeClr val="bg1">
+        <a:lumMod val="95000"/>
+      </a:schemeClr>
+    </dgm:fillClrLst>
+    <dgm:linClrLst meth="repeat">
+      <a:schemeClr val="dk2"/>
+    </dgm:linClrLst>
+    <dgm:effectClrLst/>
+    <dgm:txLinClrLst/>
+    <dgm:txFillClrLst meth="repeat">
+      <a:schemeClr val="dk1"/>
+    </dgm:txFillClrLst>
+    <dgm:txEffectClrLst/>
+  </dgm:styleLbl>
+  <dgm:styleLbl name="dkBgShp">
+    <dgm:fillClrLst meth="repeat">
+      <a:schemeClr val="dk2">
+        <a:shade val="80000"/>
+      </a:schemeClr>
+    </dgm:fillClrLst>
+    <dgm:linClrLst meth="repeat">
+      <a:schemeClr val="dk2"/>
+    </dgm:linClrLst>
+    <dgm:effectClrLst/>
+    <dgm:txLinClrLst/>
+    <dgm:txFillClrLst meth="repeat">
+      <a:schemeClr val="lt1"/>
+    </dgm:txFillClrLst>
+    <dgm:txEffectClrLst/>
+  </dgm:styleLbl>
+  <dgm:styleLbl name="trBgShp">
+    <dgm:fillClrLst meth="repeat">
+      <a:schemeClr val="dk2">
+        <a:tint val="50000"/>
+        <a:alpha val="40000"/>
+      </a:schemeClr>
+    </dgm:fillClrLst>
+    <dgm:linClrLst meth="repeat">
+      <a:schemeClr val="dk2"/>
+    </dgm:linClrLst>
+    <dgm:effectClrLst/>
+    <dgm:txLinClrLst/>
+    <dgm:txFillClrLst meth="repeat">
+      <a:schemeClr val="lt1"/>
+    </dgm:txFillClrLst>
+    <dgm:txEffectClrLst/>
+  </dgm:styleLbl>
+  <dgm:styleLbl name="fgShp">
+    <dgm:fillClrLst meth="repeat">
+      <a:schemeClr val="dk2">
+        <a:tint val="60000"/>
+      </a:schemeClr>
+    </dgm:fillClrLst>
+    <dgm:linClrLst meth="repeat">
+      <a:schemeClr val="lt2"/>
+    </dgm:linClrLst>
+    <dgm:effectClrLst/>
+    <dgm:txLinClrLst/>
+    <dgm:txFillClrLst meth="repeat">
+      <a:schemeClr val="dk1"/>
+    </dgm:txFillClrLst>
+    <dgm:txEffectClrLst/>
+  </dgm:styleLbl>
+  <dgm:styleLbl name="revTx">
+    <dgm:fillClrLst meth="repeat">
+      <a:schemeClr val="lt2">
+        <a:alpha val="0"/>
+      </a:schemeClr>
+    </dgm:fillClrLst>
+    <dgm:linClrLst meth="repeat">
+      <a:schemeClr val="dk1">
+        <a:alpha val="0"/>
+      </a:schemeClr>
+    </dgm:linClrLst>
+    <dgm:effectClrLst/>
+    <dgm:txLinClrLst/>
+    <dgm:txFillClrLst meth="repeat">
+      <a:schemeClr val="tx1"/>
+    </dgm:txFillClrLst>
+    <dgm:txEffectClrLst/>
+  </dgm:styleLbl>
+</dgm:colorsDef>
+</file>
+
+<file path=ppt/diagrams/data1.xml><?xml version="1.0" encoding="utf-8"?>
+<dgm:dataModel xmlns:dgm="http://schemas.openxmlformats.org/drawingml/2006/diagram" xmlns:a="http://schemas.openxmlformats.org/drawingml/2006/main">
+  <dgm:ptLst>
+    <dgm:pt modelId="{1FBBAEE2-0C55-4632-989A-343344003A80}" type="doc">
+      <dgm:prSet loTypeId="urn:microsoft.com/office/officeart/2018/5/layout/IconLeafLabelList" loCatId="icon" qsTypeId="urn:microsoft.com/office/officeart/2005/8/quickstyle/simple1" qsCatId="simple" csTypeId="urn:microsoft.com/office/officeart/2018/5/colors/Iconchunking_neutralbg_accent0_3" csCatId="mainScheme" phldr="1"/>
+      <dgm:spPr/>
+      <dgm:t>
+        <a:bodyPr/>
+        <a:lstStyle/>
+        <a:p>
+          <a:endParaRPr lang="en-US"/>
+        </a:p>
+      </dgm:t>
+    </dgm:pt>
+    <dgm:pt modelId="{5BF25B86-A5EF-438C-8D79-BA63AA124D3B}">
+      <dgm:prSet/>
+      <dgm:spPr/>
+      <dgm:t>
+        <a:bodyPr/>
+        <a:lstStyle/>
+        <a:p>
+          <a:pPr>
+            <a:lnSpc>
+              <a:spcPct val="100000"/>
+            </a:lnSpc>
+            <a:defRPr cap="all"/>
+          </a:pPr>
+          <a:r>
+            <a:rPr lang="es-EC"/>
+            <a:t>Clientes </a:t>
+          </a:r>
+          <a:endParaRPr lang="en-US"/>
+        </a:p>
+      </dgm:t>
+    </dgm:pt>
+    <dgm:pt modelId="{2CFF4365-AD27-4BB6-B400-B9617E502DA8}" type="parTrans" cxnId="{A66D6F60-E483-4E3E-A429-AF28BBC8B98C}">
+      <dgm:prSet/>
+      <dgm:spPr/>
+      <dgm:t>
+        <a:bodyPr/>
+        <a:lstStyle/>
+        <a:p>
+          <a:endParaRPr lang="en-US"/>
+        </a:p>
+      </dgm:t>
+    </dgm:pt>
+    <dgm:pt modelId="{ACB478F3-DFF2-4601-B340-FF95D790D6C2}" type="sibTrans" cxnId="{A66D6F60-E483-4E3E-A429-AF28BBC8B98C}">
+      <dgm:prSet/>
+      <dgm:spPr/>
+      <dgm:t>
+        <a:bodyPr/>
+        <a:lstStyle/>
+        <a:p>
+          <a:endParaRPr lang="en-US"/>
+        </a:p>
+      </dgm:t>
+    </dgm:pt>
+    <dgm:pt modelId="{F03C2972-4FD6-4AAB-95E2-EF161F9FEB7C}">
+      <dgm:prSet/>
+      <dgm:spPr/>
+      <dgm:t>
+        <a:bodyPr/>
+        <a:lstStyle/>
+        <a:p>
+          <a:pPr>
+            <a:lnSpc>
+              <a:spcPct val="100000"/>
+            </a:lnSpc>
+            <a:defRPr cap="all"/>
+          </a:pPr>
+          <a:r>
+            <a:rPr lang="es-EC"/>
+            <a:t>Empresas Aliadas</a:t>
+          </a:r>
+          <a:endParaRPr lang="en-US"/>
+        </a:p>
+      </dgm:t>
+    </dgm:pt>
+    <dgm:pt modelId="{D854370B-F30C-4FF8-8BCE-63FB96AA9895}" type="parTrans" cxnId="{2A0B72AB-0182-4CA6-888A-48D7B510F087}">
+      <dgm:prSet/>
+      <dgm:spPr/>
+      <dgm:t>
+        <a:bodyPr/>
+        <a:lstStyle/>
+        <a:p>
+          <a:endParaRPr lang="en-US"/>
+        </a:p>
+      </dgm:t>
+    </dgm:pt>
+    <dgm:pt modelId="{027834A0-09D7-48DA-A375-1AADED90F254}" type="sibTrans" cxnId="{2A0B72AB-0182-4CA6-888A-48D7B510F087}">
+      <dgm:prSet/>
+      <dgm:spPr/>
+      <dgm:t>
+        <a:bodyPr/>
+        <a:lstStyle/>
+        <a:p>
+          <a:endParaRPr lang="en-US"/>
+        </a:p>
+      </dgm:t>
+    </dgm:pt>
+    <dgm:pt modelId="{66BB2FB4-1BD5-4FBF-8B62-50E4D564060E}">
+      <dgm:prSet/>
+      <dgm:spPr/>
+      <dgm:t>
+        <a:bodyPr/>
+        <a:lstStyle/>
+        <a:p>
+          <a:pPr>
+            <a:lnSpc>
+              <a:spcPct val="100000"/>
+            </a:lnSpc>
+            <a:defRPr cap="all"/>
+          </a:pPr>
+          <a:r>
+            <a:rPr lang="es-EC"/>
+            <a:t>Administrador</a:t>
+          </a:r>
+          <a:endParaRPr lang="en-US"/>
+        </a:p>
+      </dgm:t>
+    </dgm:pt>
+    <dgm:pt modelId="{2722059D-3B54-4172-89A1-05306D0E58BA}" type="parTrans" cxnId="{75F32A35-6F8E-4B0F-9A09-5D8E94D5FD53}">
+      <dgm:prSet/>
+      <dgm:spPr/>
+      <dgm:t>
+        <a:bodyPr/>
+        <a:lstStyle/>
+        <a:p>
+          <a:endParaRPr lang="en-US"/>
+        </a:p>
+      </dgm:t>
+    </dgm:pt>
+    <dgm:pt modelId="{41FCB870-BF41-4C5A-8451-4AC351054E4A}" type="sibTrans" cxnId="{75F32A35-6F8E-4B0F-9A09-5D8E94D5FD53}">
+      <dgm:prSet/>
+      <dgm:spPr/>
+      <dgm:t>
+        <a:bodyPr/>
+        <a:lstStyle/>
+        <a:p>
+          <a:endParaRPr lang="en-US"/>
+        </a:p>
+      </dgm:t>
+    </dgm:pt>
+    <dgm:pt modelId="{C155B8CF-294F-49FA-9690-402720DF8B8E}" type="pres">
+      <dgm:prSet presAssocID="{1FBBAEE2-0C55-4632-989A-343344003A80}" presName="root" presStyleCnt="0">
+        <dgm:presLayoutVars>
+          <dgm:dir/>
+          <dgm:resizeHandles val="exact"/>
+        </dgm:presLayoutVars>
+      </dgm:prSet>
+      <dgm:spPr/>
+    </dgm:pt>
+    <dgm:pt modelId="{53B14151-8822-4DC5-9A77-52A25D12C232}" type="pres">
+      <dgm:prSet presAssocID="{5BF25B86-A5EF-438C-8D79-BA63AA124D3B}" presName="compNode" presStyleCnt="0"/>
+      <dgm:spPr/>
+    </dgm:pt>
+    <dgm:pt modelId="{2FBEDC3B-314C-4951-AB8F-C3A3AF8AEF79}" type="pres">
+      <dgm:prSet presAssocID="{5BF25B86-A5EF-438C-8D79-BA63AA124D3B}" presName="iconBgRect" presStyleLbl="bgShp" presStyleIdx="0" presStyleCnt="3"/>
+      <dgm:spPr>
+        <a:prstGeom prst="round2DiagRect">
+          <a:avLst>
+            <a:gd name="adj1" fmla="val 29727"/>
+            <a:gd name="adj2" fmla="val 0"/>
+          </a:avLst>
+        </a:prstGeom>
+      </dgm:spPr>
+    </dgm:pt>
+    <dgm:pt modelId="{6A73FF33-72B1-4B34-A0EF-8DFB188B1881}" type="pres">
+      <dgm:prSet presAssocID="{5BF25B86-A5EF-438C-8D79-BA63AA124D3B}" presName="iconRect" presStyleLbl="node1" presStyleIdx="0" presStyleCnt="3"/>
+      <dgm:spPr>
+        <a:blipFill>
+          <a:blip xmlns:r="http://schemas.openxmlformats.org/officeDocument/2006/relationships" r:embed="rId1">
+            <a:extLst>
+              <a:ext uri="{28A0092B-C50C-407E-A947-70E740481C1C}">
+                <a14:useLocalDpi xmlns:a14="http://schemas.microsoft.com/office/drawing/2010/main" val="0"/>
+              </a:ext>
+              <a:ext uri="{96DAC541-7B7A-43D3-8B79-37D633B846F1}">
+                <asvg:svgBlip xmlns:asvg="http://schemas.microsoft.com/office/drawing/2016/SVG/main" r:embed="rId2"/>
+              </a:ext>
+            </a:extLst>
+          </a:blip>
+          <a:stretch>
+            <a:fillRect/>
+          </a:stretch>
+        </a:blipFill>
+        <a:ln>
+          <a:noFill/>
+        </a:ln>
+      </dgm:spPr>
+      <dgm:extLst>
+        <a:ext uri="{E40237B7-FDA0-4F09-8148-C483321AD2D9}">
+          <dgm14:cNvPr xmlns:dgm14="http://schemas.microsoft.com/office/drawing/2010/diagram" id="0" name="" descr="Users"/>
+        </a:ext>
+      </dgm:extLst>
+    </dgm:pt>
+    <dgm:pt modelId="{EAF79B90-42C0-45A7-B14F-FFC655F4F98D}" type="pres">
+      <dgm:prSet presAssocID="{5BF25B86-A5EF-438C-8D79-BA63AA124D3B}" presName="spaceRect" presStyleCnt="0"/>
+      <dgm:spPr/>
+    </dgm:pt>
+    <dgm:pt modelId="{DEF78C13-85C1-40C9-AAD8-E384A7FC62CA}" type="pres">
+      <dgm:prSet presAssocID="{5BF25B86-A5EF-438C-8D79-BA63AA124D3B}" presName="textRect" presStyleLbl="revTx" presStyleIdx="0" presStyleCnt="3">
+        <dgm:presLayoutVars>
+          <dgm:chMax val="1"/>
+          <dgm:chPref val="1"/>
+        </dgm:presLayoutVars>
+      </dgm:prSet>
+      <dgm:spPr/>
+    </dgm:pt>
+    <dgm:pt modelId="{E862CA57-A042-435E-90E4-2CBEA3440F4F}" type="pres">
+      <dgm:prSet presAssocID="{ACB478F3-DFF2-4601-B340-FF95D790D6C2}" presName="sibTrans" presStyleCnt="0"/>
+      <dgm:spPr/>
+    </dgm:pt>
+    <dgm:pt modelId="{52779DBD-EADC-4EF2-9EEB-09A60D67D88B}" type="pres">
+      <dgm:prSet presAssocID="{F03C2972-4FD6-4AAB-95E2-EF161F9FEB7C}" presName="compNode" presStyleCnt="0"/>
+      <dgm:spPr/>
+    </dgm:pt>
+    <dgm:pt modelId="{F2591D20-AF99-4B0E-BF91-2307F11BE41C}" type="pres">
+      <dgm:prSet presAssocID="{F03C2972-4FD6-4AAB-95E2-EF161F9FEB7C}" presName="iconBgRect" presStyleLbl="bgShp" presStyleIdx="1" presStyleCnt="3"/>
+      <dgm:spPr>
+        <a:prstGeom prst="round2DiagRect">
+          <a:avLst>
+            <a:gd name="adj1" fmla="val 29727"/>
+            <a:gd name="adj2" fmla="val 0"/>
+          </a:avLst>
+        </a:prstGeom>
+      </dgm:spPr>
+    </dgm:pt>
+    <dgm:pt modelId="{9D2F3B06-179E-4D73-A3B2-2DE882D2071C}" type="pres">
+      <dgm:prSet presAssocID="{F03C2972-4FD6-4AAB-95E2-EF161F9FEB7C}" presName="iconRect" presStyleLbl="node1" presStyleIdx="1" presStyleCnt="3"/>
+      <dgm:spPr>
+        <a:blipFill>
+          <a:blip xmlns:r="http://schemas.openxmlformats.org/officeDocument/2006/relationships" r:embed="rId3">
+            <a:extLst>
+              <a:ext uri="{28A0092B-C50C-407E-A947-70E740481C1C}">
+                <a14:useLocalDpi xmlns:a14="http://schemas.microsoft.com/office/drawing/2010/main" val="0"/>
+              </a:ext>
+              <a:ext uri="{96DAC541-7B7A-43D3-8B79-37D633B846F1}">
+                <asvg:svgBlip xmlns:asvg="http://schemas.microsoft.com/office/drawing/2016/SVG/main" r:embed="rId4"/>
+              </a:ext>
+            </a:extLst>
+          </a:blip>
+          <a:stretch>
+            <a:fillRect/>
+          </a:stretch>
+        </a:blipFill>
+        <a:ln>
+          <a:noFill/>
+        </a:ln>
+      </dgm:spPr>
+      <dgm:extLst>
+        <a:ext uri="{E40237B7-FDA0-4F09-8148-C483321AD2D9}">
+          <dgm14:cNvPr xmlns:dgm14="http://schemas.microsoft.com/office/drawing/2010/diagram" id="0" name="" descr="Handshake"/>
+        </a:ext>
+      </dgm:extLst>
+    </dgm:pt>
+    <dgm:pt modelId="{DA690077-6A19-4B5F-A36B-C32B8B54E2A2}" type="pres">
+      <dgm:prSet presAssocID="{F03C2972-4FD6-4AAB-95E2-EF161F9FEB7C}" presName="spaceRect" presStyleCnt="0"/>
+      <dgm:spPr/>
+    </dgm:pt>
+    <dgm:pt modelId="{462F9478-B62A-4D42-8B37-2FBDEEB06601}" type="pres">
+      <dgm:prSet presAssocID="{F03C2972-4FD6-4AAB-95E2-EF161F9FEB7C}" presName="textRect" presStyleLbl="revTx" presStyleIdx="1" presStyleCnt="3">
+        <dgm:presLayoutVars>
+          <dgm:chMax val="1"/>
+          <dgm:chPref val="1"/>
+        </dgm:presLayoutVars>
+      </dgm:prSet>
+      <dgm:spPr/>
+    </dgm:pt>
+    <dgm:pt modelId="{2986198A-44D6-45EF-B2AF-FA4E33DCCFA6}" type="pres">
+      <dgm:prSet presAssocID="{027834A0-09D7-48DA-A375-1AADED90F254}" presName="sibTrans" presStyleCnt="0"/>
+      <dgm:spPr/>
+    </dgm:pt>
+    <dgm:pt modelId="{2395DA47-AC95-4522-8D3B-88D72803EDBF}" type="pres">
+      <dgm:prSet presAssocID="{66BB2FB4-1BD5-4FBF-8B62-50E4D564060E}" presName="compNode" presStyleCnt="0"/>
+      <dgm:spPr/>
+    </dgm:pt>
+    <dgm:pt modelId="{117D7DC0-E6E5-4BDB-8B97-784588422104}" type="pres">
+      <dgm:prSet presAssocID="{66BB2FB4-1BD5-4FBF-8B62-50E4D564060E}" presName="iconBgRect" presStyleLbl="bgShp" presStyleIdx="2" presStyleCnt="3"/>
+      <dgm:spPr>
+        <a:prstGeom prst="round2DiagRect">
+          <a:avLst>
+            <a:gd name="adj1" fmla="val 29727"/>
+            <a:gd name="adj2" fmla="val 0"/>
+          </a:avLst>
+        </a:prstGeom>
+      </dgm:spPr>
+    </dgm:pt>
+    <dgm:pt modelId="{D61C5000-F8EC-4A95-BAC7-7C653C6F0763}" type="pres">
+      <dgm:prSet presAssocID="{66BB2FB4-1BD5-4FBF-8B62-50E4D564060E}" presName="iconRect" presStyleLbl="node1" presStyleIdx="2" presStyleCnt="3"/>
+      <dgm:spPr>
+        <a:blipFill>
+          <a:blip xmlns:r="http://schemas.openxmlformats.org/officeDocument/2006/relationships" r:embed="rId5">
+            <a:extLst>
+              <a:ext uri="{28A0092B-C50C-407E-A947-70E740481C1C}">
+                <a14:useLocalDpi xmlns:a14="http://schemas.microsoft.com/office/drawing/2010/main" val="0"/>
+              </a:ext>
+              <a:ext uri="{96DAC541-7B7A-43D3-8B79-37D633B846F1}">
+                <asvg:svgBlip xmlns:asvg="http://schemas.microsoft.com/office/drawing/2016/SVG/main" r:embed="rId6"/>
+              </a:ext>
+            </a:extLst>
+          </a:blip>
+          <a:stretch>
+            <a:fillRect/>
+          </a:stretch>
+        </a:blipFill>
+        <a:ln>
+          <a:noFill/>
+        </a:ln>
+      </dgm:spPr>
+      <dgm:extLst>
+        <a:ext uri="{E40237B7-FDA0-4F09-8148-C483321AD2D9}">
+          <dgm14:cNvPr xmlns:dgm14="http://schemas.microsoft.com/office/drawing/2010/diagram" id="0" name="" descr="Hierarchy"/>
+        </a:ext>
+      </dgm:extLst>
+    </dgm:pt>
+    <dgm:pt modelId="{8496E7E7-A636-455A-8CB3-5927D2DCE3E1}" type="pres">
+      <dgm:prSet presAssocID="{66BB2FB4-1BD5-4FBF-8B62-50E4D564060E}" presName="spaceRect" presStyleCnt="0"/>
+      <dgm:spPr/>
+    </dgm:pt>
+    <dgm:pt modelId="{6B5C1859-E361-46B7-ADB6-D2726F18EB6E}" type="pres">
+      <dgm:prSet presAssocID="{66BB2FB4-1BD5-4FBF-8B62-50E4D564060E}" presName="textRect" presStyleLbl="revTx" presStyleIdx="2" presStyleCnt="3">
+        <dgm:presLayoutVars>
+          <dgm:chMax val="1"/>
+          <dgm:chPref val="1"/>
+        </dgm:presLayoutVars>
+      </dgm:prSet>
+      <dgm:spPr/>
+    </dgm:pt>
+  </dgm:ptLst>
+  <dgm:cxnLst>
+    <dgm:cxn modelId="{37966025-8324-425F-9148-364B7EF38767}" type="presOf" srcId="{66BB2FB4-1BD5-4FBF-8B62-50E4D564060E}" destId="{6B5C1859-E361-46B7-ADB6-D2726F18EB6E}" srcOrd="0" destOrd="0" presId="urn:microsoft.com/office/officeart/2018/5/layout/IconLeafLabelList"/>
+    <dgm:cxn modelId="{75F32A35-6F8E-4B0F-9A09-5D8E94D5FD53}" srcId="{1FBBAEE2-0C55-4632-989A-343344003A80}" destId="{66BB2FB4-1BD5-4FBF-8B62-50E4D564060E}" srcOrd="2" destOrd="0" parTransId="{2722059D-3B54-4172-89A1-05306D0E58BA}" sibTransId="{41FCB870-BF41-4C5A-8451-4AC351054E4A}"/>
+    <dgm:cxn modelId="{ABB98936-C0F6-4DBC-B822-B7738A462A52}" type="presOf" srcId="{5BF25B86-A5EF-438C-8D79-BA63AA124D3B}" destId="{DEF78C13-85C1-40C9-AAD8-E384A7FC62CA}" srcOrd="0" destOrd="0" presId="urn:microsoft.com/office/officeart/2018/5/layout/IconLeafLabelList"/>
+    <dgm:cxn modelId="{469D0E5F-E0A5-4EDA-B39B-75A59930E7C1}" type="presOf" srcId="{1FBBAEE2-0C55-4632-989A-343344003A80}" destId="{C155B8CF-294F-49FA-9690-402720DF8B8E}" srcOrd="0" destOrd="0" presId="urn:microsoft.com/office/officeart/2018/5/layout/IconLeafLabelList"/>
+    <dgm:cxn modelId="{A66D6F60-E483-4E3E-A429-AF28BBC8B98C}" srcId="{1FBBAEE2-0C55-4632-989A-343344003A80}" destId="{5BF25B86-A5EF-438C-8D79-BA63AA124D3B}" srcOrd="0" destOrd="0" parTransId="{2CFF4365-AD27-4BB6-B400-B9617E502DA8}" sibTransId="{ACB478F3-DFF2-4601-B340-FF95D790D6C2}"/>
+    <dgm:cxn modelId="{2A0B72AB-0182-4CA6-888A-48D7B510F087}" srcId="{1FBBAEE2-0C55-4632-989A-343344003A80}" destId="{F03C2972-4FD6-4AAB-95E2-EF161F9FEB7C}" srcOrd="1" destOrd="0" parTransId="{D854370B-F30C-4FF8-8BCE-63FB96AA9895}" sibTransId="{027834A0-09D7-48DA-A375-1AADED90F254}"/>
+    <dgm:cxn modelId="{8B05B0CC-4943-4E2C-B19B-658A262E3000}" type="presOf" srcId="{F03C2972-4FD6-4AAB-95E2-EF161F9FEB7C}" destId="{462F9478-B62A-4D42-8B37-2FBDEEB06601}" srcOrd="0" destOrd="0" presId="urn:microsoft.com/office/officeart/2018/5/layout/IconLeafLabelList"/>
+    <dgm:cxn modelId="{80CE0ADA-47EE-469E-AE6E-D1567270BFFD}" type="presParOf" srcId="{C155B8CF-294F-49FA-9690-402720DF8B8E}" destId="{53B14151-8822-4DC5-9A77-52A25D12C232}" srcOrd="0" destOrd="0" presId="urn:microsoft.com/office/officeart/2018/5/layout/IconLeafLabelList"/>
+    <dgm:cxn modelId="{C5E2CB59-81A3-4443-842A-869061F69989}" type="presParOf" srcId="{53B14151-8822-4DC5-9A77-52A25D12C232}" destId="{2FBEDC3B-314C-4951-AB8F-C3A3AF8AEF79}" srcOrd="0" destOrd="0" presId="urn:microsoft.com/office/officeart/2018/5/layout/IconLeafLabelList"/>
+    <dgm:cxn modelId="{4548859B-B5D1-4B9C-8C2A-186719DC0409}" type="presParOf" srcId="{53B14151-8822-4DC5-9A77-52A25D12C232}" destId="{6A73FF33-72B1-4B34-A0EF-8DFB188B1881}" srcOrd="1" destOrd="0" presId="urn:microsoft.com/office/officeart/2018/5/layout/IconLeafLabelList"/>
+    <dgm:cxn modelId="{27606702-BF74-43D8-A9F8-D8BBE5495EA7}" type="presParOf" srcId="{53B14151-8822-4DC5-9A77-52A25D12C232}" destId="{EAF79B90-42C0-45A7-B14F-FFC655F4F98D}" srcOrd="2" destOrd="0" presId="urn:microsoft.com/office/officeart/2018/5/layout/IconLeafLabelList"/>
+    <dgm:cxn modelId="{37007091-E917-40D5-BBF1-3E3A9609BCBE}" type="presParOf" srcId="{53B14151-8822-4DC5-9A77-52A25D12C232}" destId="{DEF78C13-85C1-40C9-AAD8-E384A7FC62CA}" srcOrd="3" destOrd="0" presId="urn:microsoft.com/office/officeart/2018/5/layout/IconLeafLabelList"/>
+    <dgm:cxn modelId="{35A3A003-E19F-4CEF-8CA6-F0BBB2D258F5}" type="presParOf" srcId="{C155B8CF-294F-49FA-9690-402720DF8B8E}" destId="{E862CA57-A042-435E-90E4-2CBEA3440F4F}" srcOrd="1" destOrd="0" presId="urn:microsoft.com/office/officeart/2018/5/layout/IconLeafLabelList"/>
+    <dgm:cxn modelId="{92A8AC67-EE5E-4E2E-92D6-69D661E725DC}" type="presParOf" srcId="{C155B8CF-294F-49FA-9690-402720DF8B8E}" destId="{52779DBD-EADC-4EF2-9EEB-09A60D67D88B}" srcOrd="2" destOrd="0" presId="urn:microsoft.com/office/officeart/2018/5/layout/IconLeafLabelList"/>
+    <dgm:cxn modelId="{6A66B4D9-3045-4742-8D1B-A92BA7E237A0}" type="presParOf" srcId="{52779DBD-EADC-4EF2-9EEB-09A60D67D88B}" destId="{F2591D20-AF99-4B0E-BF91-2307F11BE41C}" srcOrd="0" destOrd="0" presId="urn:microsoft.com/office/officeart/2018/5/layout/IconLeafLabelList"/>
+    <dgm:cxn modelId="{51F69C8B-188D-4380-B6D7-0BB0EF505A66}" type="presParOf" srcId="{52779DBD-EADC-4EF2-9EEB-09A60D67D88B}" destId="{9D2F3B06-179E-4D73-A3B2-2DE882D2071C}" srcOrd="1" destOrd="0" presId="urn:microsoft.com/office/officeart/2018/5/layout/IconLeafLabelList"/>
+    <dgm:cxn modelId="{6BA17767-7DA7-4AD8-B9E9-1BE7B75F7440}" type="presParOf" srcId="{52779DBD-EADC-4EF2-9EEB-09A60D67D88B}" destId="{DA690077-6A19-4B5F-A36B-C32B8B54E2A2}" srcOrd="2" destOrd="0" presId="urn:microsoft.com/office/officeart/2018/5/layout/IconLeafLabelList"/>
+    <dgm:cxn modelId="{39524BDE-899C-4319-8926-3A46D13834C1}" type="presParOf" srcId="{52779DBD-EADC-4EF2-9EEB-09A60D67D88B}" destId="{462F9478-B62A-4D42-8B37-2FBDEEB06601}" srcOrd="3" destOrd="0" presId="urn:microsoft.com/office/officeart/2018/5/layout/IconLeafLabelList"/>
+    <dgm:cxn modelId="{55C2EBD9-BB11-48ED-A494-14AF6F1962F8}" type="presParOf" srcId="{C155B8CF-294F-49FA-9690-402720DF8B8E}" destId="{2986198A-44D6-45EF-B2AF-FA4E33DCCFA6}" srcOrd="3" destOrd="0" presId="urn:microsoft.com/office/officeart/2018/5/layout/IconLeafLabelList"/>
+    <dgm:cxn modelId="{D92D3F82-E270-4202-82C1-80D410F59F6D}" type="presParOf" srcId="{C155B8CF-294F-49FA-9690-402720DF8B8E}" destId="{2395DA47-AC95-4522-8D3B-88D72803EDBF}" srcOrd="4" destOrd="0" presId="urn:microsoft.com/office/officeart/2018/5/layout/IconLeafLabelList"/>
+    <dgm:cxn modelId="{B6F548F7-1009-4FEF-94BF-360D85455201}" type="presParOf" srcId="{2395DA47-AC95-4522-8D3B-88D72803EDBF}" destId="{117D7DC0-E6E5-4BDB-8B97-784588422104}" srcOrd="0" destOrd="0" presId="urn:microsoft.com/office/officeart/2018/5/layout/IconLeafLabelList"/>
+    <dgm:cxn modelId="{61151C11-93B3-4B8D-9BAF-53C0D4A4087E}" type="presParOf" srcId="{2395DA47-AC95-4522-8D3B-88D72803EDBF}" destId="{D61C5000-F8EC-4A95-BAC7-7C653C6F0763}" srcOrd="1" destOrd="0" presId="urn:microsoft.com/office/officeart/2018/5/layout/IconLeafLabelList"/>
+    <dgm:cxn modelId="{AD2DF5AB-5BC6-485D-B515-B97DDB91ADFC}" type="presParOf" srcId="{2395DA47-AC95-4522-8D3B-88D72803EDBF}" destId="{8496E7E7-A636-455A-8CB3-5927D2DCE3E1}" srcOrd="2" destOrd="0" presId="urn:microsoft.com/office/officeart/2018/5/layout/IconLeafLabelList"/>
+    <dgm:cxn modelId="{ADA349DF-9DFF-44E9-A774-EEBB71005DD4}" type="presParOf" srcId="{2395DA47-AC95-4522-8D3B-88D72803EDBF}" destId="{6B5C1859-E361-46B7-ADB6-D2726F18EB6E}" srcOrd="3" destOrd="0" presId="urn:microsoft.com/office/officeart/2018/5/layout/IconLeafLabelList"/>
+  </dgm:cxnLst>
+  <dgm:bg/>
+  <dgm:whole/>
+  <dgm:extLst>
+    <a:ext uri="http://schemas.microsoft.com/office/drawing/2008/diagram">
+      <dsp:dataModelExt xmlns:dsp="http://schemas.microsoft.com/office/drawing/2008/diagram" relId="rId7" minVer="http://schemas.openxmlformats.org/drawingml/2006/diagram"/>
+    </a:ext>
+  </dgm:extLst>
+</dgm:dataModel>
+</file>
+
+<file path=ppt/diagrams/drawing1.xml><?xml version="1.0" encoding="utf-8"?>
+<dsp:drawing xmlns:dgm="http://schemas.openxmlformats.org/drawingml/2006/diagram" xmlns:dsp="http://schemas.microsoft.com/office/drawing/2008/diagram" xmlns:a="http://schemas.openxmlformats.org/drawingml/2006/main">
+  <dsp:spTree>
+    <dsp:nvGrpSpPr>
+      <dsp:cNvPr id="0" name=""/>
+      <dsp:cNvGrpSpPr/>
+    </dsp:nvGrpSpPr>
+    <dsp:grpSpPr/>
+    <dsp:sp modelId="{2FBEDC3B-314C-4951-AB8F-C3A3AF8AEF79}">
+      <dsp:nvSpPr>
+        <dsp:cNvPr id="0" name=""/>
+        <dsp:cNvSpPr/>
+      </dsp:nvSpPr>
+      <dsp:spPr>
+        <a:xfrm>
+          <a:off x="326219" y="1206792"/>
+          <a:ext cx="1019724" cy="1019724"/>
+        </a:xfrm>
+        <a:prstGeom prst="round2DiagRect">
+          <a:avLst>
+            <a:gd name="adj1" fmla="val 29727"/>
+            <a:gd name="adj2" fmla="val 0"/>
+          </a:avLst>
+        </a:prstGeom>
+        <a:solidFill>
+          <a:schemeClr val="bg1">
+            <a:lumMod val="95000"/>
+            <a:hueOff val="0"/>
+            <a:satOff val="0"/>
+            <a:lumOff val="0"/>
+            <a:alphaOff val="0"/>
+          </a:schemeClr>
+        </a:solidFill>
+        <a:ln>
+          <a:noFill/>
+        </a:ln>
+        <a:effectLst/>
+      </dsp:spPr>
+      <dsp:style>
+        <a:lnRef idx="0">
+          <a:scrgbClr r="0" g="0" b="0"/>
+        </a:lnRef>
+        <a:fillRef idx="1">
+          <a:scrgbClr r="0" g="0" b="0"/>
+        </a:fillRef>
+        <a:effectRef idx="0">
+          <a:scrgbClr r="0" g="0" b="0"/>
+        </a:effectRef>
+        <a:fontRef idx="minor"/>
+      </dsp:style>
+    </dsp:sp>
+    <dsp:sp modelId="{6A73FF33-72B1-4B34-A0EF-8DFB188B1881}">
+      <dsp:nvSpPr>
+        <dsp:cNvPr id="0" name=""/>
+        <dsp:cNvSpPr/>
+      </dsp:nvSpPr>
+      <dsp:spPr>
+        <a:xfrm>
+          <a:off x="543537" y="1424110"/>
+          <a:ext cx="585087" cy="585087"/>
+        </a:xfrm>
+        <a:prstGeom prst="rect">
+          <a:avLst/>
+        </a:prstGeom>
+        <a:blipFill>
+          <a:blip xmlns:r="http://schemas.openxmlformats.org/officeDocument/2006/relationships" r:embed="rId1">
+            <a:extLst>
+              <a:ext uri="{28A0092B-C50C-407E-A947-70E740481C1C}">
+                <a14:useLocalDpi xmlns:a14="http://schemas.microsoft.com/office/drawing/2010/main" val="0"/>
+              </a:ext>
+              <a:ext uri="{96DAC541-7B7A-43D3-8B79-37D633B846F1}">
+                <asvg:svgBlip xmlns:asvg="http://schemas.microsoft.com/office/drawing/2016/SVG/main" r:embed="rId2"/>
+              </a:ext>
+            </a:extLst>
+          </a:blip>
+          <a:stretch>
+            <a:fillRect/>
+          </a:stretch>
+        </a:blipFill>
+        <a:ln w="19050" cap="flat" cmpd="sng" algn="ctr">
+          <a:noFill/>
+          <a:prstDash val="solid"/>
+        </a:ln>
+        <a:effectLst/>
+      </dsp:spPr>
+      <dsp:style>
+        <a:lnRef idx="2">
+          <a:scrgbClr r="0" g="0" b="0"/>
+        </a:lnRef>
+        <a:fillRef idx="1">
+          <a:scrgbClr r="0" g="0" b="0"/>
+        </a:fillRef>
+        <a:effectRef idx="0">
+          <a:scrgbClr r="0" g="0" b="0"/>
+        </a:effectRef>
+        <a:fontRef idx="minor">
+          <a:schemeClr val="lt1"/>
+        </a:fontRef>
+      </dsp:style>
+    </dsp:sp>
+    <dsp:sp modelId="{DEF78C13-85C1-40C9-AAD8-E384A7FC62CA}">
+      <dsp:nvSpPr>
+        <dsp:cNvPr id="0" name=""/>
+        <dsp:cNvSpPr/>
+      </dsp:nvSpPr>
+      <dsp:spPr>
+        <a:xfrm>
+          <a:off x="241" y="2544135"/>
+          <a:ext cx="1671679" cy="668671"/>
+        </a:xfrm>
+        <a:prstGeom prst="rect">
+          <a:avLst/>
+        </a:prstGeom>
+        <a:noFill/>
+        <a:ln>
+          <a:noFill/>
+        </a:ln>
+        <a:effectLst/>
+      </dsp:spPr>
+      <dsp:style>
+        <a:lnRef idx="0">
+          <a:scrgbClr r="0" g="0" b="0"/>
+        </a:lnRef>
+        <a:fillRef idx="0">
+          <a:scrgbClr r="0" g="0" b="0"/>
+        </a:fillRef>
+        <a:effectRef idx="0">
+          <a:scrgbClr r="0" g="0" b="0"/>
+        </a:effectRef>
+        <a:fontRef idx="minor"/>
+      </dsp:style>
+      <dsp:txBody>
+        <a:bodyPr spcFirstLastPara="0" vert="horz" wrap="square" lIns="0" tIns="0" rIns="0" bIns="0" numCol="1" spcCol="1270" anchor="t" anchorCtr="0">
+          <a:noAutofit/>
+        </a:bodyPr>
+        <a:lstStyle/>
+        <a:p>
+          <a:pPr marL="0" lvl="0" indent="0" algn="ctr" defTabSz="755650">
+            <a:lnSpc>
+              <a:spcPct val="100000"/>
+            </a:lnSpc>
+            <a:spcBef>
+              <a:spcPct val="0"/>
+            </a:spcBef>
+            <a:spcAft>
+              <a:spcPct val="35000"/>
+            </a:spcAft>
+            <a:buNone/>
+            <a:defRPr cap="all"/>
+          </a:pPr>
+          <a:r>
+            <a:rPr lang="es-EC" sz="1700" kern="1200"/>
+            <a:t>Clientes </a:t>
+          </a:r>
+          <a:endParaRPr lang="en-US" sz="1700" kern="1200"/>
+        </a:p>
+      </dsp:txBody>
+      <dsp:txXfrm>
+        <a:off x="241" y="2544135"/>
+        <a:ext cx="1671679" cy="668671"/>
+      </dsp:txXfrm>
+    </dsp:sp>
+    <dsp:sp modelId="{F2591D20-AF99-4B0E-BF91-2307F11BE41C}">
+      <dsp:nvSpPr>
+        <dsp:cNvPr id="0" name=""/>
+        <dsp:cNvSpPr/>
+      </dsp:nvSpPr>
+      <dsp:spPr>
+        <a:xfrm>
+          <a:off x="2290442" y="1206792"/>
+          <a:ext cx="1019724" cy="1019724"/>
+        </a:xfrm>
+        <a:prstGeom prst="round2DiagRect">
+          <a:avLst>
+            <a:gd name="adj1" fmla="val 29727"/>
+            <a:gd name="adj2" fmla="val 0"/>
+          </a:avLst>
+        </a:prstGeom>
+        <a:solidFill>
+          <a:schemeClr val="bg1">
+            <a:lumMod val="95000"/>
+            <a:hueOff val="0"/>
+            <a:satOff val="0"/>
+            <a:lumOff val="0"/>
+            <a:alphaOff val="0"/>
+          </a:schemeClr>
+        </a:solidFill>
+        <a:ln>
+          <a:noFill/>
+        </a:ln>
+        <a:effectLst/>
+      </dsp:spPr>
+      <dsp:style>
+        <a:lnRef idx="0">
+          <a:scrgbClr r="0" g="0" b="0"/>
+        </a:lnRef>
+        <a:fillRef idx="1">
+          <a:scrgbClr r="0" g="0" b="0"/>
+        </a:fillRef>
+        <a:effectRef idx="0">
+          <a:scrgbClr r="0" g="0" b="0"/>
+        </a:effectRef>
+        <a:fontRef idx="minor"/>
+      </dsp:style>
+    </dsp:sp>
+    <dsp:sp modelId="{9D2F3B06-179E-4D73-A3B2-2DE882D2071C}">
+      <dsp:nvSpPr>
+        <dsp:cNvPr id="0" name=""/>
+        <dsp:cNvSpPr/>
+      </dsp:nvSpPr>
+      <dsp:spPr>
+        <a:xfrm>
+          <a:off x="2507761" y="1424110"/>
+          <a:ext cx="585087" cy="585087"/>
+        </a:xfrm>
+        <a:prstGeom prst="rect">
+          <a:avLst/>
+        </a:prstGeom>
+        <a:blipFill>
+          <a:blip xmlns:r="http://schemas.openxmlformats.org/officeDocument/2006/relationships" r:embed="rId3">
+            <a:extLst>
+              <a:ext uri="{28A0092B-C50C-407E-A947-70E740481C1C}">
+                <a14:useLocalDpi xmlns:a14="http://schemas.microsoft.com/office/drawing/2010/main" val="0"/>
+              </a:ext>
+              <a:ext uri="{96DAC541-7B7A-43D3-8B79-37D633B846F1}">
+                <asvg:svgBlip xmlns:asvg="http://schemas.microsoft.com/office/drawing/2016/SVG/main" r:embed="rId4"/>
+              </a:ext>
+            </a:extLst>
+          </a:blip>
+          <a:stretch>
+            <a:fillRect/>
+          </a:stretch>
+        </a:blipFill>
+        <a:ln w="19050" cap="flat" cmpd="sng" algn="ctr">
+          <a:noFill/>
+          <a:prstDash val="solid"/>
+        </a:ln>
+        <a:effectLst/>
+      </dsp:spPr>
+      <dsp:style>
+        <a:lnRef idx="2">
+          <a:scrgbClr r="0" g="0" b="0"/>
+        </a:lnRef>
+        <a:fillRef idx="1">
+          <a:scrgbClr r="0" g="0" b="0"/>
+        </a:fillRef>
+        <a:effectRef idx="0">
+          <a:scrgbClr r="0" g="0" b="0"/>
+        </a:effectRef>
+        <a:fontRef idx="minor">
+          <a:schemeClr val="lt1"/>
+        </a:fontRef>
+      </dsp:style>
+    </dsp:sp>
+    <dsp:sp modelId="{462F9478-B62A-4D42-8B37-2FBDEEB06601}">
+      <dsp:nvSpPr>
+        <dsp:cNvPr id="0" name=""/>
+        <dsp:cNvSpPr/>
+      </dsp:nvSpPr>
+      <dsp:spPr>
+        <a:xfrm>
+          <a:off x="1964465" y="2544135"/>
+          <a:ext cx="1671679" cy="668671"/>
+        </a:xfrm>
+        <a:prstGeom prst="rect">
+          <a:avLst/>
+        </a:prstGeom>
+        <a:noFill/>
+        <a:ln>
+          <a:noFill/>
+        </a:ln>
+        <a:effectLst/>
+      </dsp:spPr>
+      <dsp:style>
+        <a:lnRef idx="0">
+          <a:scrgbClr r="0" g="0" b="0"/>
+        </a:lnRef>
+        <a:fillRef idx="0">
+          <a:scrgbClr r="0" g="0" b="0"/>
+        </a:fillRef>
+        <a:effectRef idx="0">
+          <a:scrgbClr r="0" g="0" b="0"/>
+        </a:effectRef>
+        <a:fontRef idx="minor"/>
+      </dsp:style>
+      <dsp:txBody>
+        <a:bodyPr spcFirstLastPara="0" vert="horz" wrap="square" lIns="0" tIns="0" rIns="0" bIns="0" numCol="1" spcCol="1270" anchor="t" anchorCtr="0">
+          <a:noAutofit/>
+        </a:bodyPr>
+        <a:lstStyle/>
+        <a:p>
+          <a:pPr marL="0" lvl="0" indent="0" algn="ctr" defTabSz="755650">
+            <a:lnSpc>
+              <a:spcPct val="100000"/>
+            </a:lnSpc>
+            <a:spcBef>
+              <a:spcPct val="0"/>
+            </a:spcBef>
+            <a:spcAft>
+              <a:spcPct val="35000"/>
+            </a:spcAft>
+            <a:buNone/>
+            <a:defRPr cap="all"/>
+          </a:pPr>
+          <a:r>
+            <a:rPr lang="es-EC" sz="1700" kern="1200"/>
+            <a:t>Empresas Aliadas</a:t>
+          </a:r>
+          <a:endParaRPr lang="en-US" sz="1700" kern="1200"/>
+        </a:p>
+      </dsp:txBody>
+      <dsp:txXfrm>
+        <a:off x="1964465" y="2544135"/>
+        <a:ext cx="1671679" cy="668671"/>
+      </dsp:txXfrm>
+    </dsp:sp>
+    <dsp:sp modelId="{117D7DC0-E6E5-4BDB-8B97-784588422104}">
+      <dsp:nvSpPr>
+        <dsp:cNvPr id="0" name=""/>
+        <dsp:cNvSpPr/>
+      </dsp:nvSpPr>
+      <dsp:spPr>
+        <a:xfrm>
+          <a:off x="4254666" y="1206792"/>
+          <a:ext cx="1019724" cy="1019724"/>
+        </a:xfrm>
+        <a:prstGeom prst="round2DiagRect">
+          <a:avLst>
+            <a:gd name="adj1" fmla="val 29727"/>
+            <a:gd name="adj2" fmla="val 0"/>
+          </a:avLst>
+        </a:prstGeom>
+        <a:solidFill>
+          <a:schemeClr val="bg1">
+            <a:lumMod val="95000"/>
+            <a:hueOff val="0"/>
+            <a:satOff val="0"/>
+            <a:lumOff val="0"/>
+            <a:alphaOff val="0"/>
+          </a:schemeClr>
+        </a:solidFill>
+        <a:ln>
+          <a:noFill/>
+        </a:ln>
+        <a:effectLst/>
+      </dsp:spPr>
+      <dsp:style>
+        <a:lnRef idx="0">
+          <a:scrgbClr r="0" g="0" b="0"/>
+        </a:lnRef>
+        <a:fillRef idx="1">
+          <a:scrgbClr r="0" g="0" b="0"/>
+        </a:fillRef>
+        <a:effectRef idx="0">
+          <a:scrgbClr r="0" g="0" b="0"/>
+        </a:effectRef>
+        <a:fontRef idx="minor"/>
+      </dsp:style>
+    </dsp:sp>
+    <dsp:sp modelId="{D61C5000-F8EC-4A95-BAC7-7C653C6F0763}">
+      <dsp:nvSpPr>
+        <dsp:cNvPr id="0" name=""/>
+        <dsp:cNvSpPr/>
+      </dsp:nvSpPr>
+      <dsp:spPr>
+        <a:xfrm>
+          <a:off x="4471984" y="1424110"/>
+          <a:ext cx="585087" cy="585087"/>
+        </a:xfrm>
+        <a:prstGeom prst="rect">
+          <a:avLst/>
+        </a:prstGeom>
+        <a:blipFill>
+          <a:blip xmlns:r="http://schemas.openxmlformats.org/officeDocument/2006/relationships" r:embed="rId5">
+            <a:extLst>
+              <a:ext uri="{28A0092B-C50C-407E-A947-70E740481C1C}">
+                <a14:useLocalDpi xmlns:a14="http://schemas.microsoft.com/office/drawing/2010/main" val="0"/>
+              </a:ext>
+              <a:ext uri="{96DAC541-7B7A-43D3-8B79-37D633B846F1}">
+                <asvg:svgBlip xmlns:asvg="http://schemas.microsoft.com/office/drawing/2016/SVG/main" r:embed="rId6"/>
+              </a:ext>
+            </a:extLst>
+          </a:blip>
+          <a:stretch>
+            <a:fillRect/>
+          </a:stretch>
+        </a:blipFill>
+        <a:ln w="19050" cap="flat" cmpd="sng" algn="ctr">
+          <a:noFill/>
+          <a:prstDash val="solid"/>
+        </a:ln>
+        <a:effectLst/>
+      </dsp:spPr>
+      <dsp:style>
+        <a:lnRef idx="2">
+          <a:scrgbClr r="0" g="0" b="0"/>
+        </a:lnRef>
+        <a:fillRef idx="1">
+          <a:scrgbClr r="0" g="0" b="0"/>
+        </a:fillRef>
+        <a:effectRef idx="0">
+          <a:scrgbClr r="0" g="0" b="0"/>
+        </a:effectRef>
+        <a:fontRef idx="minor">
+          <a:schemeClr val="lt1"/>
+        </a:fontRef>
+      </dsp:style>
+    </dsp:sp>
+    <dsp:sp modelId="{6B5C1859-E361-46B7-ADB6-D2726F18EB6E}">
+      <dsp:nvSpPr>
+        <dsp:cNvPr id="0" name=""/>
+        <dsp:cNvSpPr/>
+      </dsp:nvSpPr>
+      <dsp:spPr>
+        <a:xfrm>
+          <a:off x="3928688" y="2544135"/>
+          <a:ext cx="1671679" cy="668671"/>
+        </a:xfrm>
+        <a:prstGeom prst="rect">
+          <a:avLst/>
+        </a:prstGeom>
+        <a:noFill/>
+        <a:ln>
+          <a:noFill/>
+        </a:ln>
+        <a:effectLst/>
+      </dsp:spPr>
+      <dsp:style>
+        <a:lnRef idx="0">
+          <a:scrgbClr r="0" g="0" b="0"/>
+        </a:lnRef>
+        <a:fillRef idx="0">
+          <a:scrgbClr r="0" g="0" b="0"/>
+        </a:fillRef>
+        <a:effectRef idx="0">
+          <a:scrgbClr r="0" g="0" b="0"/>
+        </a:effectRef>
+        <a:fontRef idx="minor"/>
+      </dsp:style>
+      <dsp:txBody>
+        <a:bodyPr spcFirstLastPara="0" vert="horz" wrap="square" lIns="0" tIns="0" rIns="0" bIns="0" numCol="1" spcCol="1270" anchor="t" anchorCtr="0">
+          <a:noAutofit/>
+        </a:bodyPr>
+        <a:lstStyle/>
+        <a:p>
+          <a:pPr marL="0" lvl="0" indent="0" algn="ctr" defTabSz="755650">
+            <a:lnSpc>
+              <a:spcPct val="100000"/>
+            </a:lnSpc>
+            <a:spcBef>
+              <a:spcPct val="0"/>
+            </a:spcBef>
+            <a:spcAft>
+              <a:spcPct val="35000"/>
+            </a:spcAft>
+            <a:buNone/>
+            <a:defRPr cap="all"/>
+          </a:pPr>
+          <a:r>
+            <a:rPr lang="es-EC" sz="1700" kern="1200"/>
+            <a:t>Administrador</a:t>
+          </a:r>
+          <a:endParaRPr lang="en-US" sz="1700" kern="1200"/>
+        </a:p>
+      </dsp:txBody>
+      <dsp:txXfrm>
+        <a:off x="3928688" y="2544135"/>
+        <a:ext cx="1671679" cy="668671"/>
+      </dsp:txXfrm>
+    </dsp:sp>
+  </dsp:spTree>
+</dsp:drawing>
+</file>
+
+<file path=ppt/diagrams/layout1.xml><?xml version="1.0" encoding="utf-8"?>
+<dgm:layoutDef xmlns:dgm="http://schemas.openxmlformats.org/drawingml/2006/diagram" xmlns:a="http://schemas.openxmlformats.org/drawingml/2006/main" uniqueId="urn:microsoft.com/office/officeart/2018/5/layout/IconLeafLabelList">
+  <dgm:title val="Icon Leaf Label List"/>
+  <dgm:desc val="Use to show non-sequential or grouped chunks of information accompanied by a related visuals. Works best with icons or small pictures with short text captions."/>
+  <dgm:catLst>
+    <dgm:cat type="icon" pri="500"/>
+  </dgm:catLst>
+  <dgm:sampData useDef="1">
+    <dgm:dataModel>
+      <dgm:ptLst/>
+      <dgm:bg/>
+      <dgm:whole/>
+    </dgm:dataModel>
+  </dgm:sampData>
+  <dgm:styleData useDef="1">
+    <dgm:dataModel>
+      <dgm:ptLst/>
+      <dgm:bg/>
+      <dgm:whole/>
+    </dgm:dataModel>
+  </dgm:styleData>
+  <dgm:clrData useDef="1">
+    <dgm:dataModel>
+      <dgm:ptLst/>
+      <dgm:bg/>
+      <dgm:whole/>
+    </dgm:dataModel>
+  </dgm:clrData>
+  <dgm:layoutNode name="root">
+    <dgm:varLst>
+      <dgm:dir/>
+      <dgm:resizeHandles val="exact"/>
+    </dgm:varLst>
+    <dgm:choose name="Name0">
+      <dgm:if name="Name1" axis="self" func="var" arg="dir" op="equ" val="norm">
+        <dgm:alg type="snake">
+          <dgm:param type="grDir" val="tL"/>
+          <dgm:param type="flowDir" val="row"/>
+          <dgm:param type="contDir" val="sameDir"/>
+          <dgm:param type="off" val="ctr"/>
+          <dgm:param type="vertAlign" val="mid"/>
+          <dgm:param type="horzAlign" val="ctr"/>
+        </dgm:alg>
+      </dgm:if>
+      <dgm:else name="Name2">
+        <dgm:alg type="snake">
+          <dgm:param type="grDir" val="tR"/>
+          <dgm:param type="flowDir" val="row"/>
+          <dgm:param type="contDir" val="sameDir"/>
+          <dgm:param type="off" val="ctr"/>
+          <dgm:param type="vertAlign" val="mid"/>
+          <dgm:param type="horzAlign" val="ctr"/>
+        </dgm:alg>
+      </dgm:else>
+    </dgm:choose>
+    <dgm:shape xmlns:r="http://schemas.openxmlformats.org/officeDocument/2006/relationships" r:blip="">
+      <dgm:adjLst/>
+    </dgm:shape>
+    <dgm:presOf/>
+    <dgm:choose name="Name3">
+      <dgm:if name="Name4" axis="ch" ptType="node" func="cnt" op="lte" val="2">
+        <dgm:constrLst>
+          <dgm:constr type="h" for="ch" forName="compNode" refType="h" fact="0.4"/>
+          <dgm:constr type="w" for="ch" forName="compNode" val="100"/>
+          <dgm:constr type="w" for="ch" forName="sibTrans" refType="w" refFor="ch" refForName="compNode" fact="0.175"/>
+          <dgm:constr type="sp" refType="w" refFor="ch" refForName="compNode" op="equ" fact="0.25"/>
+          <dgm:constr type="primFontSz" for="des" ptType="node" op="equ" val="44"/>
+          <dgm:constr type="h" for="des" forName="compNode" op="equ"/>
+          <dgm:constr type="h" for="des" forName="textRect" op="equ"/>
+        </dgm:constrLst>
+      </dgm:if>
+      <dgm:if name="Name5" axis="ch" ptType="node" func="cnt" op="lte" val="3">
+        <dgm:constrLst>
+          <dgm:constr type="h" for="ch" forName="compNode" refType="h" fact="0.4"/>
+          <dgm:constr type="w" for="ch" forName="compNode" val="100"/>
+          <dgm:constr type="w" for="ch" forName="sibTrans" refType="w" refFor="ch" refForName="compNode" fact="0.175"/>
+          <dgm:constr type="sp" refType="w" refFor="ch" refForName="compNode" op="equ" fact="0.25"/>
+          <dgm:constr type="primFontSz" for="des" ptType="node" op="equ" val="40"/>
+          <dgm:constr type="h" for="des" forName="compNode" op="equ"/>
+          <dgm:constr type="h" for="des" forName="textRect" op="equ"/>
+        </dgm:constrLst>
+      </dgm:if>
+      <dgm:if name="Name6" axis="ch" ptType="node" func="cnt" op="lte" val="4">
+        <dgm:constrLst>
+          <dgm:constr type="h" for="ch" forName="compNode" refType="h" fact="0.4"/>
+          <dgm:constr type="w" for="ch" forName="compNode" refType="w"/>
+          <dgm:constr type="w" for="ch" forName="sibTrans" refType="w" refFor="ch" refForName="compNode" fact="0.175"/>
+          <dgm:constr type="sp" refType="w" refFor="ch" refForName="compNode" op="equ" fact="0.25"/>
+          <dgm:constr type="primFontSz" for="des" ptType="node" op="equ" val="32"/>
+          <dgm:constr type="h" for="des" forName="compNode" op="equ"/>
+          <dgm:constr type="h" for="des" forName="textRect" op="equ"/>
+        </dgm:constrLst>
+      </dgm:if>
+      <dgm:else name="Name7">
+        <dgm:constrLst>
+          <dgm:constr type="h" for="ch" forName="compNode" refType="h" fact="0.4"/>
+          <dgm:constr type="w" for="ch" forName="compNode" refType="w"/>
+          <dgm:constr type="w" for="ch" forName="sibTrans" refType="w" refFor="ch" refForName="compNode" fact="0.175"/>
+          <dgm:constr type="sp" refType="w" refFor="ch" refForName="compNode" op="equ" fact="0.25"/>
+          <dgm:constr type="primFontSz" for="des" ptType="node" op="equ" val="24"/>
+          <dgm:constr type="h" for="des" forName="compNode" op="equ"/>
+          <dgm:constr type="h" for="des" forName="textRect" op="equ"/>
+        </dgm:constrLst>
+      </dgm:else>
+    </dgm:choose>
+    <dgm:ruleLst>
+      <dgm:rule type="w" for="ch" forName="compNode" val="50" fact="NaN" max="NaN"/>
+    </dgm:ruleLst>
+    <dgm:forEach name="Name8" axis="ch" ptType="node">
+      <dgm:layoutNode name="compNode">
+        <dgm:alg type="composite"/>
+        <dgm:shape xmlns:r="http://schemas.openxmlformats.org/officeDocument/2006/relationships" r:blip="">
+          <dgm:adjLst/>
+        </dgm:shape>
+        <dgm:presOf axis="self"/>
+        <dgm:constrLst>
+          <dgm:constr type="w" for="ch" forName="iconBgRect" refType="w" fact="0.61"/>
+          <dgm:constr type="h" for="ch" forName="iconBgRect" refType="w" refFor="ch" refForName="iconBgRect"/>
+          <dgm:constr type="t" for="ch" forName="iconBgRect"/>
+          <dgm:constr type="ctrX" for="ch" forName="iconBgRect" refType="w" fact="0.5"/>
+          <dgm:constr type="w" for="ch" forName="iconRect" refType="w" fact="0.35"/>
+          <dgm:constr type="h" for="ch" forName="iconRect" refType="w" refFor="ch" refForName="iconRect"/>
+          <dgm:constr type="ctrX" for="ch" forName="iconRect" refType="ctrX" refFor="ch" refForName="iconBgRect"/>
+          <dgm:constr type="ctrY" for="ch" forName="iconRect" refType="ctrY" refFor="ch" refForName="iconBgRect"/>
+          <dgm:constr type="h" for="ch" forName="spaceRect" refType="w" fact="0.19"/>
+          <dgm:constr type="w" for="ch" forName="spaceRect" refType="w"/>
+          <dgm:constr type="l" for="ch" forName="spaceRect"/>
+          <dgm:constr type="t" for="ch" forName="spaceRect" refType="b" refFor="ch" refForName="iconBgRect"/>
+          <dgm:constr type="h" for="ch" forName="textRect" val="20"/>
+          <dgm:constr type="w" for="ch" forName="textRect" refType="w"/>
+          <dgm:constr type="l" for="ch" forName="textRect"/>
+          <dgm:constr type="t" for="ch" forName="textRect" refType="b" refFor="ch" refForName="spaceRect"/>
+        </dgm:constrLst>
+        <dgm:ruleLst>
+          <dgm:rule type="h" val="INF" fact="NaN" max="NaN"/>
+        </dgm:ruleLst>
+        <dgm:layoutNode name="iconBgRect" styleLbl="bgShp">
+          <dgm:alg type="sp"/>
+          <dgm:shape xmlns:r="http://schemas.openxmlformats.org/officeDocument/2006/relationships" type="round2DiagRect" r:blip="">
+            <dgm:adjLst/>
+            <dgm:extLst>
+              <a:ext uri="{B698B0E9-8C71-41B9-8309-B3DCBF30829C}">
+                <dgm1612:spPr xmlns:dgm1612="http://schemas.microsoft.com/office/drawing/2016/12/diagram">
+                  <a:prstGeom prst="round2DiagRect">
+                    <a:avLst>
+                      <a:gd name="adj1" fmla="val 29727"/>
+                      <a:gd name="adj2" fmla="val 0"/>
+                    </a:avLst>
+                  </a:prstGeom>
+                </dgm1612:spPr>
+              </a:ext>
+            </dgm:extLst>
+          </dgm:shape>
+          <dgm:presOf/>
+          <dgm:constrLst/>
+          <dgm:ruleLst/>
+        </dgm:layoutNode>
+        <dgm:layoutNode name="iconRect" styleLbl="node1">
+          <dgm:alg type="sp"/>
+          <dgm:shape xmlns:r="http://schemas.openxmlformats.org/officeDocument/2006/relationships" type="rect" r:blip="" blipPhldr="1">
+            <dgm:adjLst/>
+          </dgm:shape>
+          <dgm:presOf/>
+          <dgm:constrLst/>
+          <dgm:ruleLst/>
+        </dgm:layoutNode>
+        <dgm:layoutNode name="spaceRect">
+          <dgm:alg type="sp"/>
+          <dgm:shape xmlns:r="http://schemas.openxmlformats.org/officeDocument/2006/relationships" r:blip="">
+            <dgm:adjLst/>
+          </dgm:shape>
+          <dgm:presOf/>
+          <dgm:constrLst/>
+          <dgm:ruleLst/>
+        </dgm:layoutNode>
+        <dgm:layoutNode name="textRect" styleLbl="revTx">
+          <dgm:varLst>
+            <dgm:chMax val="1"/>
+            <dgm:chPref val="1"/>
+          </dgm:varLst>
+          <dgm:alg type="tx">
+            <dgm:param type="txAnchorVert" val="t"/>
+          </dgm:alg>
+          <dgm:shape xmlns:r="http://schemas.openxmlformats.org/officeDocument/2006/relationships" type="rect" r:blip="">
+            <dgm:adjLst/>
+          </dgm:shape>
+          <dgm:presOf axis="self" ptType="node"/>
+          <dgm:constrLst>
+            <dgm:constr type="lMarg"/>
+            <dgm:constr type="rMarg"/>
+            <dgm:constr type="tMarg"/>
+            <dgm:constr type="bMarg"/>
+          </dgm:constrLst>
+          <dgm:ruleLst>
+            <dgm:rule type="primFontSz" val="11" fact="NaN" max="NaN"/>
+            <dgm:rule type="h" val="INF" fact="NaN" max="NaN"/>
+          </dgm:ruleLst>
+        </dgm:layoutNode>
+      </dgm:layoutNode>
+      <dgm:forEach name="Name9" axis="followSib" ptType="sibTrans" cnt="1">
+        <dgm:layoutNode name="sibTrans">
+          <dgm:alg type="sp"/>
+          <dgm:shape xmlns:r="http://schemas.openxmlformats.org/officeDocument/2006/relationships" r:blip="">
+            <dgm:adjLst/>
+          </dgm:shape>
+          <dgm:presOf axis="self"/>
+          <dgm:constrLst/>
+          <dgm:ruleLst/>
+        </dgm:layoutNode>
+      </dgm:forEach>
+    </dgm:forEach>
+  </dgm:layoutNode>
+  <dgm:extLst>
+    <a:ext uri="{68A01E43-0DF5-4B5B-8FA6-DAF915123BFB}">
+      <dgm1612:lstStyle xmlns:dgm1612="http://schemas.microsoft.com/office/drawing/2016/12/diagram">
+        <a:lvl1pPr>
+          <a:lnSpc>
+            <a:spcPct val="100000"/>
+          </a:lnSpc>
+          <a:defRPr cap="all"/>
+        </a:lvl1pPr>
+      </dgm1612:lstStyle>
+    </a:ext>
+  </dgm:extLst>
+</dgm:layoutDef>
+</file>
+
+<file path=ppt/diagrams/quickStyle1.xml><?xml version="1.0" encoding="utf-8"?>
+<dgm:styleDef xmlns:dgm="http://schemas.openxmlformats.org/drawingml/2006/diagram" xmlns:a="http://schemas.openxmlformats.org/drawingml/2006/main" uniqueId="urn:microsoft.com/office/officeart/2005/8/quickstyle/simple1">
+  <dgm:title val=""/>
+  <dgm:desc val=""/>
+  <dgm:catLst>
+    <dgm:cat type="simple" pri="10100"/>
+  </dgm:catLst>
+  <dgm:scene3d>
+    <a:camera prst="orthographicFront"/>
+    <a:lightRig rig="threePt" dir="t"/>
+  </dgm:scene3d>
+  <dgm:styleLbl name="node0">
+    <dgm:scene3d>
+      <a:camera prst="orthographicFront"/>
+      <a:lightRig rig="threePt" dir="t"/>
+    </dgm:scene3d>
+    <dgm:sp3d/>
+    <dgm:txPr/>
+    <dgm:style>
+      <a:lnRef idx="2">
+        <a:scrgbClr r="0" g="0" b="0"/>
+      </a:lnRef>
+      <a:fillRef idx="1">
+        <a:scrgbClr r="0" g="0" b="0"/>
+      </a:fillRef>
+      <a:effectRef idx="0">
+        <a:scrgbClr r="0" g="0" b="0"/>
+      </a:effectRef>
+      <a:fontRef idx="minor">
+        <a:schemeClr val="lt1"/>
+      </a:fontRef>
+    </dgm:style>
+  </dgm:styleLbl>
+  <dgm:styleLbl name="lnNode1">
+    <dgm:scene3d>
+      <a:camera prst="orthographicFront"/>
+      <a:lightRig rig="threePt" dir="t"/>
+    </dgm:scene3d>
+    <dgm:sp3d/>
+    <dgm:txPr/>
+    <dgm:style>
+      <a:lnRef idx="2">
+        <a:scrgbClr r="0" g="0" b="0"/>
+      </a:lnRef>
+      <a:fillRef idx="1">
+        <a:scrgbClr r="0" g="0" b="0"/>
+      </a:fillRef>
+      <a:effectRef idx="0">
+        <a:scrgbClr r="0" g="0" b="0"/>
+      </a:effectRef>
+      <a:fontRef idx="minor">
+        <a:schemeClr val="lt1"/>
+      </a:fontRef>
+    </dgm:style>
+  </dgm:styleLbl>
+  <dgm:styleLbl name="vennNode1">
+    <dgm:scene3d>
+      <a:camera prst="orthographicFront"/>
+      <a:lightRig rig="threePt" dir="t"/>
+    </dgm:scene3d>
+    <dgm:sp3d/>
+    <dgm:txPr/>
+    <dgm:style>
+      <a:lnRef idx="2">
+        <a:scrgbClr r="0" g="0" b="0"/>
+      </a:lnRef>
+      <a:fillRef idx="1">
+        <a:scrgbClr r="0" g="0" b="0"/>
+      </a:fillRef>
+      <a:effectRef idx="0">
+        <a:scrgbClr r="0" g="0" b="0"/>
+      </a:effectRef>
+      <a:fontRef idx="minor">
+        <a:schemeClr val="tx1"/>
+      </a:fontRef>
+    </dgm:style>
+  </dgm:styleLbl>
+  <dgm:styleLbl name="alignNode1">
+    <dgm:scene3d>
+      <a:camera prst="orthographicFront"/>
+      <a:lightRig rig="threePt" dir="t"/>
+    </dgm:scene3d>
+    <dgm:sp3d/>
+    <dgm:txPr/>
+    <dgm:style>
+      <a:lnRef idx="2">
+        <a:scrgbClr r="0" g="0" b="0"/>
+      </a:lnRef>
+      <a:fillRef idx="1">
+        <a:scrgbClr r="0" g="0" b="0"/>
+      </a:fillRef>
+      <a:effectRef idx="0">
+        <a:scrgbClr r="0" g="0" b="0"/>
+      </a:effectRef>
+      <a:fontRef idx="minor">
+        <a:schemeClr val="lt1"/>
+      </a:fontRef>
+    </dgm:style>
+  </dgm:styleLbl>
+  <dgm:styleLbl name="node1">
+    <dgm:scene3d>
+      <a:camera prst="orthographicFront"/>
+      <a:lightRig rig="threePt" dir="t"/>
+    </dgm:scene3d>
+    <dgm:sp3d/>
+    <dgm:txPr/>
+    <dgm:style>
+      <a:lnRef idx="2">
+        <a:scrgbClr r="0" g="0" b="0"/>
+      </a:lnRef>
+      <a:fillRef idx="1">
+        <a:scrgbClr r="0" g="0" b="0"/>
+      </a:fillRef>
+      <a:effectRef idx="0">
+        <a:scrgbClr r="0" g="0" b="0"/>
+      </a:effectRef>
+      <a:fontRef idx="minor">
+        <a:schemeClr val="lt1"/>
+      </a:fontRef>
+    </dgm:style>
+  </dgm:styleLbl>
+  <dgm:styleLbl name="node2">
+    <dgm:scene3d>
+      <a:camera prst="orthographicFront"/>
+      <a:lightRig rig="threePt" dir="t"/>
+    </dgm:scene3d>
+    <dgm:sp3d/>
+    <dgm:txPr/>
+    <dgm:style>
+      <a:lnRef idx="2">
+        <a:scrgbClr r="0" g="0" b="0"/>
+      </a:lnRef>
+      <a:fillRef idx="1">
+        <a:scrgbClr r="0" g="0" b="0"/>
+      </a:fillRef>
+      <a:effectRef idx="0">
+        <a:scrgbClr r="0" g="0" b="0"/>
+      </a:effectRef>
+      <a:fontRef idx="minor">
+        <a:schemeClr val="lt1"/>
+      </a:fontRef>
+    </dgm:style>
+  </dgm:styleLbl>
+  <dgm:styleLbl name="node3">
+    <dgm:scene3d>
+      <a:camera prst="orthographicFront"/>
+      <a:lightRig rig="threePt" dir="t"/>
+    </dgm:scene3d>
+    <dgm:sp3d/>
+    <dgm:txPr/>
+    <dgm:style>
+      <a:lnRef idx="2">
+        <a:scrgbClr r="0" g="0" b="0"/>
+      </a:lnRef>
+      <a:fillRef idx="1">
+        <a:scrgbClr r="0" g="0" b="0"/>
+      </a:fillRef>
+      <a:effectRef idx="0">
+        <a:scrgbClr r="0" g="0" b="0"/>
+      </a:effectRef>
+      <a:fontRef idx="minor">
+        <a:schemeClr val="lt1"/>
+      </a:fontRef>
+    </dgm:style>
+  </dgm:styleLbl>
+  <dgm:styleLbl name="node4">
+    <dgm:scene3d>
+      <a:camera prst="orthographicFront"/>
+      <a:lightRig rig="threePt" dir="t"/>
+    </dgm:scene3d>
+    <dgm:sp3d/>
+    <dgm:txPr/>
+    <dgm:style>
+      <a:lnRef idx="2">
+        <a:scrgbClr r="0" g="0" b="0"/>
+      </a:lnRef>
+      <a:fillRef idx="1">
+        <a:scrgbClr r="0" g="0" b="0"/>
+      </a:fillRef>
+      <a:effectRef idx="0">
+        <a:scrgbClr r="0" g="0" b="0"/>
+      </a:effectRef>
+      <a:fontRef idx="minor">
+        <a:schemeClr val="lt1"/>
+      </a:fontRef>
+    </dgm:style>
+  </dgm:styleLbl>
+  <dgm:styleLbl name="fgImgPlace1">
+    <dgm:scene3d>
+      <a:camera prst="orthographicFront"/>
+      <a:lightRig rig="threePt" dir="t"/>
+    </dgm:scene3d>
+    <dgm:sp3d/>
+    <dgm:txPr/>
+    <dgm:style>
+      <a:lnRef idx="2">
+        <a:scrgbClr r="0" g="0" b="0"/>
+      </a:lnRef>
+      <a:fillRef idx="1">
+        <a:scrgbClr r="0" g="0" b="0"/>
+      </a:fillRef>
+      <a:effectRef idx="0">
+        <a:scrgbClr r="0" g="0" b="0"/>
+      </a:effectRef>
+      <a:fontRef idx="minor"/>
+    </dgm:style>
+  </dgm:styleLbl>
+  <dgm:styleLbl name="alignImgPlace1">
+    <dgm:scene3d>
+      <a:camera prst="orthographicFront"/>
+      <a:lightRig rig="threePt" dir="t"/>
+    </dgm:scene3d>
+    <dgm:sp3d/>
+    <dgm:txPr/>
+    <dgm:style>
+      <a:lnRef idx="2">
+        <a:scrgbClr r="0" g="0" b="0"/>
+      </a:lnRef>
+      <a:fillRef idx="1">
+        <a:scrgbClr r="0" g="0" b="0"/>
+      </a:fillRef>
+      <a:effectRef idx="0">
+        <a:scrgbClr r="0" g="0" b="0"/>
+      </a:effectRef>
+      <a:fontRef idx="minor"/>
+    </dgm:style>
+  </dgm:styleLbl>
+  <dgm:styleLbl name="bgImgPlace1">
+    <dgm:scene3d>
+      <a:camera prst="orthographicFront"/>
+      <a:lightRig rig="threePt" dir="t"/>
+    </dgm:scene3d>
+    <dgm:sp3d/>
+    <dgm:txPr/>
+    <dgm:style>
+      <a:lnRef idx="2">
+        <a:scrgbClr r="0" g="0" b="0"/>
+      </a:lnRef>
+      <a:fillRef idx="1">
+        <a:scrgbClr r="0" g="0" b="0"/>
+      </a:fillRef>
+      <a:effectRef idx="0">
+        <a:scrgbClr r="0" g="0" b="0"/>
+      </a:effectRef>
+      <a:fontRef idx="minor"/>
+    </dgm:style>
+  </dgm:styleLbl>
+  <dgm:styleLbl name="sibTrans2D1">
+    <dgm:scene3d>
+      <a:camera prst="orthographicFront"/>
+      <a:lightRig rig="threePt" dir="t"/>
+    </dgm:scene3d>
+    <dgm:sp3d/>
+    <dgm:txPr/>
+    <dgm:style>
+      <a:lnRef idx="0">
+        <a:scrgbClr r="0" g="0" b="0"/>
+      </a:lnRef>
+      <a:fillRef idx="1">
+        <a:scrgbClr r="0" g="0" b="0"/>
+      </a:fillRef>
+      <a:effectRef idx="0">
+        <a:scrgbClr r="0" g="0" b="0"/>
+      </a:effectRef>
+      <a:fontRef idx="minor">
+        <a:schemeClr val="lt1"/>
+      </a:fontRef>
+    </dgm:style>
+  </dgm:styleLbl>
+  <dgm:styleLbl name="fgSibTrans2D1">
+    <dgm:scene3d>
+      <a:camera prst="orthographicFront"/>
+      <a:lightRig rig="threePt" dir="t"/>
+    </dgm:scene3d>
+    <dgm:sp3d/>
+    <dgm:txPr/>
+    <dgm:style>
+      <a:lnRef idx="0">
+        <a:scrgbClr r="0" g="0" b="0"/>
+      </a:lnRef>
+      <a:fillRef idx="1">
+        <a:scrgbClr r="0" g="0" b="0"/>
+      </a:fillRef>
+      <a:effectRef idx="0">
+        <a:scrgbClr r="0" g="0" b="0"/>
+      </a:effectRef>
+      <a:fontRef idx="minor">
+        <a:schemeClr val="lt1"/>
+      </a:fontRef>
+    </dgm:style>
+  </dgm:styleLbl>
+  <dgm:styleLbl name="bgSibTrans2D1">
+    <dgm:scene3d>
+      <a:camera prst="orthographicFront"/>
+      <a:lightRig rig="threePt" dir="t"/>
+    </dgm:scene3d>
+    <dgm:sp3d/>
+    <dgm:txPr/>
+    <dgm:style>
+      <a:lnRef idx="0">
+        <a:scrgbClr r="0" g="0" b="0"/>
+      </a:lnRef>
+      <a:fillRef idx="1">
+        <a:scrgbClr r="0" g="0" b="0"/>
+      </a:fillRef>
+      <a:effectRef idx="0">
+        <a:scrgbClr r="0" g="0" b="0"/>
+      </a:effectRef>
+      <a:fontRef idx="minor">
+        <a:schemeClr val="lt1"/>
+      </a:fontRef>
+    </dgm:style>
+  </dgm:styleLbl>
+  <dgm:styleLbl name="sibTrans1D1">
+    <dgm:scene3d>
+      <a:camera prst="orthographicFront"/>
+      <a:lightRig rig="threePt" dir="t"/>
+    </dgm:scene3d>
+    <dgm:sp3d/>
+    <dgm:txPr/>
+    <dgm:style>
+      <a:lnRef idx="1">
+        <a:scrgbClr r="0" g="0" b="0"/>
+      </a:lnRef>
+      <a:fillRef idx="0">
+        <a:scrgbClr r="0" g="0" b="0"/>
+      </a:fillRef>
+      <a:effectRef idx="0">
+        <a:scrgbClr r="0" g="0" b="0"/>
+      </a:effectRef>
+      <a:fontRef idx="minor"/>
+    </dgm:style>
+  </dgm:styleLbl>
+  <dgm:styleLbl name="callout">
+    <dgm:scene3d>
+      <a:camera prst="orthographicFront"/>
+      <a:lightRig rig="threePt" dir="t"/>
+    </dgm:scene3d>
+    <dgm:sp3d/>
+    <dgm:txPr/>
+    <dgm:style>
+      <a:lnRef idx="2">
+        <a:scrgbClr r="0" g="0" b="0"/>
+      </a:lnRef>
+      <a:fillRef idx="1">
+        <a:scrgbClr r="0" g="0" b="0"/>
+      </a:fillRef>
+      <a:effectRef idx="0">
+        <a:scrgbClr r="0" g="0" b="0"/>
+      </a:effectRef>
+      <a:fontRef idx="minor"/>
+    </dgm:style>
+  </dgm:styleLbl>
+  <dgm:styleLbl name="asst0">
+    <dgm:scene3d>
+      <a:camera prst="orthographicFront"/>
+      <a:lightRig rig="threePt" dir="t"/>
+    </dgm:scene3d>
+    <dgm:sp3d/>
+    <dgm:txPr/>
+    <dgm:style>
+      <a:lnRef idx="2">
+        <a:scrgbClr r="0" g="0" b="0"/>
+      </a:lnRef>
+      <a:fillRef idx="1">
+        <a:scrgbClr r="0" g="0" b="0"/>
+      </a:fillRef>
+      <a:effectRef idx="0">
+        <a:scrgbClr r="0" g="0" b="0"/>
+      </a:effectRef>
+      <a:fontRef idx="minor">
+        <a:schemeClr val="lt1"/>
+      </a:fontRef>
+    </dgm:style>
+  </dgm:styleLbl>
+  <dgm:styleLbl name="asst1">
+    <dgm:scene3d>
+      <a:camera prst="orthographicFront"/>
+      <a:lightRig rig="threePt" dir="t"/>
+    </dgm:scene3d>
+    <dgm:sp3d/>
+    <dgm:txPr/>
+    <dgm:style>
+      <a:lnRef idx="2">
+        <a:scrgbClr r="0" g="0" b="0"/>
+      </a:lnRef>
+      <a:fillRef idx="1">
+        <a:scrgbClr r="0" g="0" b="0"/>
+      </a:fillRef>
+      <a:effectRef idx="0">
+        <a:scrgbClr r="0" g="0" b="0"/>
+      </a:effectRef>
+      <a:fontRef idx="minor">
+        <a:schemeClr val="lt1"/>
+      </a:fontRef>
+    </dgm:style>
+  </dgm:styleLbl>
+  <dgm:styleLbl name="asst2">
+    <dgm:scene3d>
+      <a:camera prst="orthographicFront"/>
+      <a:lightRig rig="threePt" dir="t"/>
+    </dgm:scene3d>
+    <dgm:sp3d/>
+    <dgm:txPr/>
+    <dgm:style>
+      <a:lnRef idx="2">
+        <a:scrgbClr r="0" g="0" b="0"/>
+      </a:lnRef>
+      <a:fillRef idx="1">
+        <a:scrgbClr r="0" g="0" b="0"/>
+      </a:fillRef>
+      <a:effectRef idx="0">
+        <a:scrgbClr r="0" g="0" b="0"/>
+      </a:effectRef>
+      <a:fontRef idx="minor">
+        <a:schemeClr val="lt1"/>
+      </a:fontRef>
+    </dgm:style>
+  </dgm:styleLbl>
+  <dgm:styleLbl name="asst3">
+    <dgm:scene3d>
+      <a:camera prst="orthographicFront"/>
+      <a:lightRig rig="threePt" dir="t"/>
+    </dgm:scene3d>
+    <dgm:sp3d/>
+    <dgm:txPr/>
+    <dgm:style>
+      <a:lnRef idx="2">
+        <a:scrgbClr r="0" g="0" b="0"/>
+      </a:lnRef>
+      <a:fillRef idx="1">
+        <a:scrgbClr r="0" g="0" b="0"/>
+      </a:fillRef>
+      <a:effectRef idx="0">
+        <a:scrgbClr r="0" g="0" b="0"/>
+      </a:effectRef>
+      <a:fontRef idx="minor">
+        <a:schemeClr val="lt1"/>
+      </a:fontRef>
+    </dgm:style>
+  </dgm:styleLbl>
+  <dgm:styleLbl name="asst4">
+    <dgm:scene3d>
+      <a:camera prst="orthographicFront"/>
+      <a:lightRig rig="threePt" dir="t"/>
+    </dgm:scene3d>
+    <dgm:sp3d/>
+    <dgm:txPr/>
+    <dgm:style>
+      <a:lnRef idx="2">
+        <a:scrgbClr r="0" g="0" b="0"/>
+      </a:lnRef>
+      <a:fillRef idx="1">
+        <a:scrgbClr r="0" g="0" b="0"/>
+      </a:fillRef>
+      <a:effectRef idx="0">
+        <a:scrgbClr r="0" g="0" b="0"/>
+      </a:effectRef>
+      <a:fontRef idx="minor">
+        <a:schemeClr val="lt1"/>
+      </a:fontRef>
+    </dgm:style>
+  </dgm:styleLbl>
+  <dgm:styleLbl name="parChTrans2D1">
+    <dgm:scene3d>
+      <a:camera prst="orthographicFront"/>
+      <a:lightRig rig="threePt" dir="t"/>
+    </dgm:scene3d>
+    <dgm:sp3d/>
+    <dgm:txPr/>
+    <dgm:style>
+      <a:lnRef idx="2">
+        <a:scrgbClr r="0" g="0" b="0"/>
+      </a:lnRef>
+      <a:fillRef idx="1">
+        <a:scrgbClr r="0" g="0" b="0"/>
+      </a:fillRef>
+      <a:effectRef idx="0">
+        <a:scrgbClr r="0" g="0" b="0"/>
+      </a:effectRef>
+      <a:fontRef idx="minor">
+        <a:schemeClr val="lt1"/>
+      </a:fontRef>
+    </dgm:style>
+  </dgm:styleLbl>
+  <dgm:styleLbl name="parChTrans2D2">
+    <dgm:scene3d>
+      <a:camera prst="orthographicFront"/>
+      <a:lightRig rig="threePt" dir="t"/>
+    </dgm:scene3d>
+    <dgm:sp3d/>
+    <dgm:txPr/>
+    <dgm:style>
+      <a:lnRef idx="2">
+        <a:scrgbClr r="0" g="0" b="0"/>
+      </a:lnRef>
+      <a:fillRef idx="1">
+        <a:scrgbClr r="0" g="0" b="0"/>
+      </a:fillRef>
+      <a:effectRef idx="0">
+        <a:scrgbClr r="0" g="0" b="0"/>
+      </a:effectRef>
+      <a:fontRef idx="minor">
+        <a:schemeClr val="lt1"/>
+      </a:fontRef>
+    </dgm:style>
+  </dgm:styleLbl>
+  <dgm:styleLbl name="parChTrans2D3">
+    <dgm:scene3d>
+      <a:camera prst="orthographicFront"/>
+      <a:lightRig rig="threePt" dir="t"/>
+    </dgm:scene3d>
+    <dgm:sp3d/>
+    <dgm:txPr/>
+    <dgm:style>
+      <a:lnRef idx="2">
+        <a:scrgbClr r="0" g="0" b="0"/>
+      </a:lnRef>
+      <a:fillRef idx="1">
+        <a:scrgbClr r="0" g="0" b="0"/>
+      </a:fillRef>
+      <a:effectRef idx="0">
+        <a:scrgbClr r="0" g="0" b="0"/>
+      </a:effectRef>
+      <a:fontRef idx="minor">
+        <a:schemeClr val="lt1"/>
+      </a:fontRef>
+    </dgm:style>
+  </dgm:styleLbl>
+  <dgm:styleLbl name="parChTrans2D4">
+    <dgm:scene3d>
+      <a:camera prst="orthographicFront"/>
+      <a:lightRig rig="threePt" dir="t"/>
+    </dgm:scene3d>
+    <dgm:sp3d/>
+    <dgm:txPr/>
+    <dgm:style>
+      <a:lnRef idx="2">
+        <a:scrgbClr r="0" g="0" b="0"/>
+      </a:lnRef>
+      <a:fillRef idx="1">
+        <a:scrgbClr r="0" g="0" b="0"/>
+      </a:fillRef>
+      <a:effectRef idx="0">
+        <a:scrgbClr r="0" g="0" b="0"/>
+      </a:effectRef>
+      <a:fontRef idx="minor">
+        <a:schemeClr val="lt1"/>
+      </a:fontRef>
+    </dgm:style>
+  </dgm:styleLbl>
+  <dgm:styleLbl name="parChTrans1D1">
+    <dgm:scene3d>
+      <a:camera prst="orthographicFront"/>
+      <a:lightRig rig="threePt" dir="t"/>
+    </dgm:scene3d>
+    <dgm:sp3d/>
+    <dgm:txPr/>
+    <dgm:style>
+      <a:lnRef idx="2">
+        <a:scrgbClr r="0" g="0" b="0"/>
+      </a:lnRef>
+      <a:fillRef idx="0">
+        <a:scrgbClr r="0" g="0" b="0"/>
+      </a:fillRef>
+      <a:effectRef idx="0">
+        <a:scrgbClr r="0" g="0" b="0"/>
+      </a:effectRef>
+      <a:fontRef idx="minor"/>
+    </dgm:style>
+  </dgm:styleLbl>
+  <dgm:styleLbl name="parChTrans1D2">
+    <dgm:scene3d>
+      <a:camera prst="orthographicFront"/>
+      <a:lightRig rig="threePt" dir="t"/>
+    </dgm:scene3d>
+    <dgm:sp3d/>
+    <dgm:txPr/>
+    <dgm:style>
+      <a:lnRef idx="2">
+        <a:scrgbClr r="0" g="0" b="0"/>
+      </a:lnRef>
+      <a:fillRef idx="0">
+        <a:scrgbClr r="0" g="0" b="0"/>
+      </a:fillRef>
+      <a:effectRef idx="0">
+        <a:scrgbClr r="0" g="0" b="0"/>
+      </a:effectRef>
+      <a:fontRef idx="minor"/>
+    </dgm:style>
+  </dgm:styleLbl>
+  <dgm:styleLbl name="parChTrans1D3">
+    <dgm:scene3d>
+      <a:camera prst="orthographicFront"/>
+      <a:lightRig rig="threePt" dir="t"/>
+    </dgm:scene3d>
+    <dgm:sp3d/>
+    <dgm:txPr/>
+    <dgm:style>
+      <a:lnRef idx="2">
+        <a:scrgbClr r="0" g="0" b="0"/>
+      </a:lnRef>
+      <a:fillRef idx="0">
+        <a:scrgbClr r="0" g="0" b="0"/>
+      </a:fillRef>
+      <a:effectRef idx="0">
+        <a:scrgbClr r="0" g="0" b="0"/>
+      </a:effectRef>
+      <a:fontRef idx="minor"/>
+    </dgm:style>
+  </dgm:styleLbl>
+  <dgm:styleLbl name="parChTrans1D4">
+    <dgm:scene3d>
+      <a:camera prst="orthographicFront"/>
+      <a:lightRig rig="threePt" dir="t"/>
+    </dgm:scene3d>
+    <dgm:sp3d/>
+    <dgm:txPr/>
+    <dgm:style>
+      <a:lnRef idx="2">
+        <a:scrgbClr r="0" g="0" b="0"/>
+      </a:lnRef>
+      <a:fillRef idx="0">
+        <a:scrgbClr r="0" g="0" b="0"/>
+      </a:fillRef>
+      <a:effectRef idx="0">
+        <a:scrgbClr r="0" g="0" b="0"/>
+      </a:effectRef>
+      <a:fontRef idx="minor"/>
+    </dgm:style>
+  </dgm:styleLbl>
+  <dgm:styleLbl name="fgAcc1">
+    <dgm:scene3d>
+      <a:camera prst="orthographicFront"/>
+      <a:lightRig rig="threePt" dir="t"/>
+    </dgm:scene3d>
+    <dgm:sp3d/>
+    <dgm:txPr/>
+    <dgm:style>
+      <a:lnRef idx="2">
+        <a:scrgbClr r="0" g="0" b="0"/>
+      </a:lnRef>
+      <a:fillRef idx="1">
+        <a:scrgbClr r="0" g="0" b="0"/>
+      </a:fillRef>
+      <a:effectRef idx="0">
+        <a:scrgbClr r="0" g="0" b="0"/>
+      </a:effectRef>
+      <a:fontRef idx="minor"/>
+    </dgm:style>
+  </dgm:styleLbl>
+  <dgm:styleLbl name="conFgAcc1">
+    <dgm:scene3d>
+      <a:camera prst="orthographicFront"/>
+      <a:lightRig rig="threePt" dir="t"/>
+    </dgm:scene3d>
+    <dgm:sp3d/>
+    <dgm:txPr/>
+    <dgm:style>
+      <a:lnRef idx="2">
+        <a:scrgbClr r="0" g="0" b="0"/>
+      </a:lnRef>
+      <a:fillRef idx="1">
+        <a:scrgbClr r="0" g="0" b="0"/>
+      </a:fillRef>
+      <a:effectRef idx="0">
+        <a:scrgbClr r="0" g="0" b="0"/>
+      </a:effectRef>
+      <a:fontRef idx="minor"/>
+    </dgm:style>
+  </dgm:styleLbl>
+  <dgm:styleLbl name="alignAcc1">
+    <dgm:scene3d>
+      <a:camera prst="orthographicFront"/>
+      <a:lightRig rig="threePt" dir="t"/>
+    </dgm:scene3d>
+    <dgm:sp3d/>
+    <dgm:txPr/>
+    <dgm:style>
+      <a:lnRef idx="2">
+        <a:scrgbClr r="0" g="0" b="0"/>
+      </a:lnRef>
+      <a:fillRef idx="1">
+        <a:scrgbClr r="0" g="0" b="0"/>
+      </a:fillRef>
+      <a:effectRef idx="0">
+        <a:scrgbClr r="0" g="0" b="0"/>
+      </a:effectRef>
+      <a:fontRef idx="minor"/>
+    </dgm:style>
+  </dgm:styleLbl>
+  <dgm:styleLbl name="trAlignAcc1">
+    <dgm:scene3d>
+      <a:camera prst="orthographicFront"/>
+      <a:lightRig rig="threePt" dir="t"/>
+    </dgm:scene3d>
+    <dgm:sp3d/>
+    <dgm:txPr/>
+    <dgm:style>
+      <a:lnRef idx="1">
+        <a:scrgbClr r="0" g="0" b="0"/>
+      </a:lnRef>
+      <a:fillRef idx="1">
+        <a:scrgbClr r="0" g="0" b="0"/>
+      </a:fillRef>
+      <a:effectRef idx="0">
+        <a:scrgbClr r="0" g="0" b="0"/>
+      </a:effectRef>
+      <a:fontRef idx="minor"/>
+    </dgm:style>
+  </dgm:styleLbl>
+  <dgm:styleLbl name="bgAcc1">
+    <dgm:scene3d>
+      <a:camera prst="orthographicFront"/>
+      <a:lightRig rig="threePt" dir="t"/>
+    </dgm:scene3d>
+    <dgm:sp3d/>
+    <dgm:txPr/>
+    <dgm:style>
+      <a:lnRef idx="2">
+        <a:scrgbClr r="0" g="0" b="0"/>
+      </a:lnRef>
+      <a:fillRef idx="1">
+        <a:scrgbClr r="0" g="0" b="0"/>
+      </a:fillRef>
+      <a:effectRef idx="0">
+        <a:scrgbClr r="0" g="0" b="0"/>
+      </a:effectRef>
+      <a:fontRef idx="minor"/>
+    </dgm:style>
+  </dgm:styleLbl>
+  <dgm:styleLbl name="solidFgAcc1">
+    <dgm:scene3d>
+      <a:camera prst="orthographicFront"/>
+      <a:lightRig rig="threePt" dir="t"/>
+    </dgm:scene3d>
+    <dgm:sp3d/>
+    <dgm:txPr/>
+    <dgm:style>
+      <a:lnRef idx="2">
+        <a:scrgbClr r="0" g="0" b="0"/>
+      </a:lnRef>
+      <a:fillRef idx="1">
+        <a:scrgbClr r="0" g="0" b="0"/>
+      </a:fillRef>
+      <a:effectRef idx="0">
+        <a:scrgbClr r="0" g="0" b="0"/>
+      </a:effectRef>
+      <a:fontRef idx="minor"/>
+    </dgm:style>
+  </dgm:styleLbl>
+  <dgm:styleLbl name="solidAlignAcc1">
+    <dgm:scene3d>
+      <a:camera prst="orthographicFront"/>
+      <a:lightRig rig="threePt" dir="t"/>
+    </dgm:scene3d>
+    <dgm:sp3d/>
+    <dgm:txPr/>
+    <dgm:style>
+      <a:lnRef idx="2">
+        <a:scrgbClr r="0" g="0" b="0"/>
+      </a:lnRef>
+      <a:fillRef idx="1">
+        <a:scrgbClr r="0" g="0" b="0"/>
+      </a:fillRef>
+      <a:effectRef idx="0">
+        <a:scrgbClr r="0" g="0" b="0"/>
+      </a:effectRef>
+      <a:fontRef idx="minor"/>
+    </dgm:style>
+  </dgm:styleLbl>
+  <dgm:styleLbl name="solidBgAcc1">
+    <dgm:scene3d>
+      <a:camera prst="orthographicFront"/>
+      <a:lightRig rig="threePt" dir="t"/>
+    </dgm:scene3d>
+    <dgm:sp3d/>
+    <dgm:txPr/>
+    <dgm:style>
+      <a:lnRef idx="2">
+        <a:scrgbClr r="0" g="0" b="0"/>
+      </a:lnRef>
+      <a:fillRef idx="1">
+        <a:scrgbClr r="0" g="0" b="0"/>
+      </a:fillRef>
+      <a:effectRef idx="0">
+        <a:scrgbClr r="0" g="0" b="0"/>
+      </a:effectRef>
+      <a:fontRef idx="minor"/>
+    </dgm:style>
+  </dgm:styleLbl>
+  <dgm:styleLbl name="fgAccFollowNode1">
+    <dgm:scene3d>
+      <a:camera prst="orthographicFront"/>
+      <a:lightRig rig="threePt" dir="t"/>
+    </dgm:scene3d>
+    <dgm:sp3d/>
+    <dgm:txPr/>
+    <dgm:style>
+      <a:lnRef idx="2">
+        <a:scrgbClr r="0" g="0" b="0"/>
+      </a:lnRef>
+      <a:fillRef idx="1">
+        <a:scrgbClr r="0" g="0" b="0"/>
+      </a:fillRef>
+      <a:effectRef idx="0">
+        <a:scrgbClr r="0" g="0" b="0"/>
+      </a:effectRef>
+      <a:fontRef idx="minor"/>
+    </dgm:style>
+  </dgm:styleLbl>
+  <dgm:styleLbl name="alignAccFollowNode1">
+    <dgm:scene3d>
+      <a:camera prst="orthographicFront"/>
+      <a:lightRig rig="threePt" dir="t"/>
+    </dgm:scene3d>
+    <dgm:sp3d/>
+    <dgm:txPr/>
+    <dgm:style>
+      <a:lnRef idx="2">
+        <a:scrgbClr r="0" g="0" b="0"/>
+      </a:lnRef>
+      <a:fillRef idx="1">
+        <a:scrgbClr r="0" g="0" b="0"/>
+      </a:fillRef>
+      <a:effectRef idx="0">
+        <a:scrgbClr r="0" g="0" b="0"/>
+      </a:effectRef>
+      <a:fontRef idx="minor"/>
+    </dgm:style>
+  </dgm:styleLbl>
+  <dgm:styleLbl name="bgAccFollowNode1">
+    <dgm:scene3d>
+      <a:camera prst="orthographicFront"/>
+      <a:lightRig rig="threePt" dir="t"/>
+    </dgm:scene3d>
+    <dgm:sp3d/>
+    <dgm:txPr/>
+    <dgm:style>
+      <a:lnRef idx="2">
+        <a:scrgbClr r="0" g="0" b="0"/>
+      </a:lnRef>
+      <a:fillRef idx="1">
+        <a:scrgbClr r="0" g="0" b="0"/>
+      </a:fillRef>
+      <a:effectRef idx="0">
+        <a:scrgbClr r="0" g="0" b="0"/>
+      </a:effectRef>
+      <a:fontRef idx="minor"/>
+    </dgm:style>
+  </dgm:styleLbl>
+  <dgm:styleLbl name="fgAcc0">
+    <dgm:scene3d>
+      <a:camera prst="orthographicFront"/>
+      <a:lightRig rig="threePt" dir="t"/>
+    </dgm:scene3d>
+    <dgm:sp3d/>
+    <dgm:txPr/>
+    <dgm:style>
+      <a:lnRef idx="2">
+        <a:scrgbClr r="0" g="0" b="0"/>
+      </a:lnRef>
+      <a:fillRef idx="1">
+        <a:scrgbClr r="0" g="0" b="0"/>
+      </a:fillRef>
+      <a:effectRef idx="0">
+        <a:scrgbClr r="0" g="0" b="0"/>
+      </a:effectRef>
+      <a:fontRef idx="minor"/>
+    </dgm:style>
+  </dgm:styleLbl>
+  <dgm:styleLbl name="fgAcc2">
+    <dgm:scene3d>
+      <a:camera prst="orthographicFront"/>
+      <a:lightRig rig="threePt" dir="t"/>
+    </dgm:scene3d>
+    <dgm:sp3d/>
+    <dgm:txPr/>
+    <dgm:style>
+      <a:lnRef idx="2">
+        <a:scrgbClr r="0" g="0" b="0"/>
+      </a:lnRef>
+      <a:fillRef idx="1">
+        <a:scrgbClr r="0" g="0" b="0"/>
+      </a:fillRef>
+      <a:effectRef idx="0">
+        <a:scrgbClr r="0" g="0" b="0"/>
+      </a:effectRef>
+      <a:fontRef idx="minor"/>
+    </dgm:style>
+  </dgm:styleLbl>
+  <dgm:styleLbl name="fgAcc3">
+    <dgm:scene3d>
+      <a:camera prst="orthographicFront"/>
+      <a:lightRig rig="threePt" dir="t"/>
+    </dgm:scene3d>
+    <dgm:sp3d/>
+    <dgm:txPr/>
+    <dgm:style>
+      <a:lnRef idx="2">
+        <a:scrgbClr r="0" g="0" b="0"/>
+      </a:lnRef>
+      <a:fillRef idx="1">
+        <a:scrgbClr r="0" g="0" b="0"/>
+      </a:fillRef>
+      <a:effectRef idx="0">
+        <a:scrgbClr r="0" g="0" b="0"/>
+      </a:effectRef>
+      <a:fontRef idx="minor"/>
+    </dgm:style>
+  </dgm:styleLbl>
+  <dgm:styleLbl name="fgAcc4">
+    <dgm:scene3d>
+      <a:camera prst="orthographicFront"/>
+      <a:lightRig rig="threePt" dir="t"/>
+    </dgm:scene3d>
+    <dgm:sp3d/>
+    <dgm:txPr/>
+    <dgm:style>
+      <a:lnRef idx="2">
+        <a:scrgbClr r="0" g="0" b="0"/>
+      </a:lnRef>
+      <a:fillRef idx="1">
+        <a:scrgbClr r="0" g="0" b="0"/>
+      </a:fillRef>
+      <a:effectRef idx="0">
+        <a:scrgbClr r="0" g="0" b="0"/>
+      </a:effectRef>
+      <a:fontRef idx="minor"/>
+    </dgm:style>
+  </dgm:styleLbl>
+  <dgm:styleLbl name="bgShp">
+    <dgm:scene3d>
+      <a:camera prst="orthographicFront"/>
+      <a:lightRig rig="threePt" dir="t"/>
+    </dgm:scene3d>
+    <dgm:sp3d/>
+    <dgm:txPr/>
+    <dgm:style>
+      <a:lnRef idx="0">
+        <a:scrgbClr r="0" g="0" b="0"/>
+      </a:lnRef>
+      <a:fillRef idx="1">
+        <a:scrgbClr r="0" g="0" b="0"/>
+      </a:fillRef>
+      <a:effectRef idx="0">
+        <a:scrgbClr r="0" g="0" b="0"/>
+      </a:effectRef>
+      <a:fontRef idx="minor"/>
+    </dgm:style>
+  </dgm:styleLbl>
+  <dgm:styleLbl name="dkBgShp">
+    <dgm:scene3d>
+      <a:camera prst="orthographicFront"/>
+      <a:lightRig rig="threePt" dir="t"/>
+    </dgm:scene3d>
+    <dgm:sp3d/>
+    <dgm:txPr/>
+    <dgm:style>
+      <a:lnRef idx="0">
+        <a:scrgbClr r="0" g="0" b="0"/>
+      </a:lnRef>
+      <a:fillRef idx="1">
+        <a:scrgbClr r="0" g="0" b="0"/>
+      </a:fillRef>
+      <a:effectRef idx="0">
+        <a:scrgbClr r="0" g="0" b="0"/>
+      </a:effectRef>
+      <a:fontRef idx="minor"/>
+    </dgm:style>
+  </dgm:styleLbl>
+  <dgm:styleLbl name="trBgShp">
+    <dgm:scene3d>
+      <a:camera prst="orthographicFront"/>
+      <a:lightRig rig="threePt" dir="t"/>
+    </dgm:scene3d>
+    <dgm:sp3d/>
+    <dgm:txPr/>
+    <dgm:style>
+      <a:lnRef idx="0">
+        <a:scrgbClr r="0" g="0" b="0"/>
+      </a:lnRef>
+      <a:fillRef idx="1">
+        <a:scrgbClr r="0" g="0" b="0"/>
+      </a:fillRef>
+      <a:effectRef idx="0">
+        <a:scrgbClr r="0" g="0" b="0"/>
+      </a:effectRef>
+      <a:fontRef idx="minor"/>
+    </dgm:style>
+  </dgm:styleLbl>
+  <dgm:styleLbl name="fgShp">
+    <dgm:scene3d>
+      <a:camera prst="orthographicFront"/>
+      <a:lightRig rig="threePt" dir="t"/>
+    </dgm:scene3d>
+    <dgm:sp3d/>
+    <dgm:txPr/>
+    <dgm:style>
+      <a:lnRef idx="2">
+        <a:scrgbClr r="0" g="0" b="0"/>
+      </a:lnRef>
+      <a:fillRef idx="1">
+        <a:scrgbClr r="0" g="0" b="0"/>
+      </a:fillRef>
+      <a:effectRef idx="0">
+        <a:scrgbClr r="0" g="0" b="0"/>
+      </a:effectRef>
+      <a:fontRef idx="minor"/>
+    </dgm:style>
+  </dgm:styleLbl>
+  <dgm:styleLbl name="revTx">
+    <dgm:scene3d>
+      <a:camera prst="orthographicFront"/>
+      <a:lightRig rig="threePt" dir="t"/>
+    </dgm:scene3d>
+    <dgm:sp3d/>
+    <dgm:txPr/>
+    <dgm:style>
+      <a:lnRef idx="0">
+        <a:scrgbClr r="0" g="0" b="0"/>
+      </a:lnRef>
+      <a:fillRef idx="0">
+        <a:scrgbClr r="0" g="0" b="0"/>
+      </a:fillRef>
+      <a:effectRef idx="0">
+        <a:scrgbClr r="0" g="0" b="0"/>
+      </a:effectRef>
+      <a:fontRef idx="minor"/>
+    </dgm:style>
+  </dgm:styleLbl>
+</dgm:styleDef>
 </file>
 
 <file path=ppt/slideLayouts/slideLayout1.xml><?xml version="1.0" encoding="utf-8"?>
@@ -126,13 +2987,49 @@
       </p:grpSpPr>
       <p:sp>
         <p:nvSpPr>
-          <p:cNvPr id="2" name="Título 1">
-            <a:extLst>
-              <a:ext uri="{FF2B5EF4-FFF2-40B4-BE49-F238E27FC236}">
-                <a16:creationId xmlns:a16="http://schemas.microsoft.com/office/drawing/2014/main" id="{678E126C-DF49-499E-877E-E50242635461}"/>
-              </a:ext>
-            </a:extLst>
-          </p:cNvPr>
+          <p:cNvPr id="7" name="Rectangle 6"/>
+          <p:cNvSpPr>
+            <a:spLocks noChangeAspect="1"/>
+          </p:cNvSpPr>
+          <p:nvPr/>
+        </p:nvSpPr>
+        <p:spPr>
+          <a:xfrm>
+            <a:off x="231140" y="243840"/>
+            <a:ext cx="11724640" cy="6377939"/>
+          </a:xfrm>
+          <a:prstGeom prst="rect">
+            <a:avLst/>
+          </a:prstGeom>
+          <a:solidFill>
+            <a:schemeClr val="accent1"/>
+          </a:solidFill>
+          <a:ln w="12700">
+            <a:solidFill>
+              <a:srgbClr val="FFFFFF"/>
+            </a:solidFill>
+          </a:ln>
+        </p:spPr>
+        <p:style>
+          <a:lnRef idx="2">
+            <a:schemeClr val="accent1">
+              <a:shade val="50000"/>
+            </a:schemeClr>
+          </a:lnRef>
+          <a:fillRef idx="1">
+            <a:schemeClr val="accent1"/>
+          </a:fillRef>
+          <a:effectRef idx="0">
+            <a:schemeClr val="accent1"/>
+          </a:effectRef>
+          <a:fontRef idx="minor">
+            <a:schemeClr val="lt1"/>
+          </a:fontRef>
+        </p:style>
+      </p:sp>
+      <p:sp>
+        <p:nvSpPr>
+          <p:cNvPr id="2" name="Title 1"/>
           <p:cNvSpPr>
             <a:spLocks noGrp="1"/>
           </p:cNvSpPr>
@@ -142,15 +3039,24 @@
         </p:nvSpPr>
         <p:spPr>
           <a:xfrm>
-            <a:off x="1524000" y="1122363"/>
-            <a:ext cx="9144000" cy="2387600"/>
+            <a:off x="1109980" y="882376"/>
+            <a:ext cx="9966960" cy="2926080"/>
           </a:xfrm>
         </p:spPr>
         <p:txBody>
-          <a:bodyPr anchor="b"/>
+          <a:bodyPr anchor="b">
+            <a:normAutofit/>
+          </a:bodyPr>
           <a:lstStyle>
             <a:lvl1pPr algn="ctr">
-              <a:defRPr sz="6000"/>
+              <a:lnSpc>
+                <a:spcPct val="85000"/>
+              </a:lnSpc>
+              <a:defRPr sz="7200" b="1" cap="all" baseline="0">
+                <a:solidFill>
+                  <a:srgbClr val="FFFFFF"/>
+                </a:solidFill>
+              </a:defRPr>
             </a:lvl1pPr>
           </a:lstStyle>
           <a:p>
@@ -158,19 +3064,13 @@
               <a:rPr lang="es-ES"/>
               <a:t>Haga clic para modificar el estilo de título del patrón</a:t>
             </a:r>
-            <a:endParaRPr lang="es-EC"/>
+            <a:endParaRPr lang="en-US" dirty="0"/>
           </a:p>
         </p:txBody>
       </p:sp>
       <p:sp>
         <p:nvSpPr>
-          <p:cNvPr id="3" name="Subtítulo 2">
-            <a:extLst>
-              <a:ext uri="{FF2B5EF4-FFF2-40B4-BE49-F238E27FC236}">
-                <a16:creationId xmlns:a16="http://schemas.microsoft.com/office/drawing/2014/main" id="{896F375A-81E2-4C80-AC9E-92E2A9A9A827}"/>
-              </a:ext>
-            </a:extLst>
-          </p:cNvPr>
+          <p:cNvPr id="3" name="Subtitle 2"/>
           <p:cNvSpPr>
             <a:spLocks noGrp="1"/>
           </p:cNvSpPr>
@@ -180,48 +3080,54 @@
         </p:nvSpPr>
         <p:spPr>
           <a:xfrm>
-            <a:off x="1524000" y="3602038"/>
-            <a:ext cx="9144000" cy="1655762"/>
+            <a:off x="1709530" y="3869634"/>
+            <a:ext cx="8767860" cy="1388165"/>
           </a:xfrm>
         </p:spPr>
         <p:txBody>
-          <a:bodyPr/>
+          <a:bodyPr>
+            <a:normAutofit/>
+          </a:bodyPr>
           <a:lstStyle>
             <a:lvl1pPr marL="0" indent="0" algn="ctr">
               <a:buNone/>
-              <a:defRPr sz="2400"/>
+              <a:defRPr sz="2200">
+                <a:solidFill>
+                  <a:srgbClr val="FFFFFF"/>
+                </a:solidFill>
+              </a:defRPr>
             </a:lvl1pPr>
             <a:lvl2pPr marL="457200" indent="0" algn="ctr">
               <a:buNone/>
-              <a:defRPr sz="2000"/>
+              <a:defRPr sz="2200"/>
             </a:lvl2pPr>
             <a:lvl3pPr marL="914400" indent="0" algn="ctr">
               <a:buNone/>
-              <a:defRPr sz="1800"/>
+              <a:defRPr sz="2200"/>
             </a:lvl3pPr>
             <a:lvl4pPr marL="1371600" indent="0" algn="ctr">
               <a:buNone/>
-              <a:defRPr sz="1600"/>
+              <a:defRPr sz="2000"/>
             </a:lvl4pPr>
             <a:lvl5pPr marL="1828800" indent="0" algn="ctr">
               <a:buNone/>
-              <a:defRPr sz="1600"/>
+              <a:defRPr sz="2000"/>
             </a:lvl5pPr>
             <a:lvl6pPr marL="2286000" indent="0" algn="ctr">
               <a:buNone/>
-              <a:defRPr sz="1600"/>
+              <a:defRPr sz="2000"/>
             </a:lvl6pPr>
             <a:lvl7pPr marL="2743200" indent="0" algn="ctr">
               <a:buNone/>
-              <a:defRPr sz="1600"/>
+              <a:defRPr sz="2000"/>
             </a:lvl7pPr>
             <a:lvl8pPr marL="3200400" indent="0" algn="ctr">
               <a:buNone/>
-              <a:defRPr sz="1600"/>
+              <a:defRPr sz="2000"/>
             </a:lvl8pPr>
             <a:lvl9pPr marL="3657600" indent="0" algn="ctr">
               <a:buNone/>
-              <a:defRPr sz="1600"/>
+              <a:defRPr sz="2000"/>
             </a:lvl9pPr>
           </a:lstStyle>
           <a:p>
@@ -229,19 +3135,13 @@
               <a:rPr lang="es-ES"/>
               <a:t>Haga clic para modificar el estilo de subtítulo del patrón</a:t>
             </a:r>
-            <a:endParaRPr lang="es-EC"/>
+            <a:endParaRPr lang="en-US" dirty="0"/>
           </a:p>
         </p:txBody>
       </p:sp>
       <p:sp>
         <p:nvSpPr>
-          <p:cNvPr id="4" name="Marcador de fecha 3">
-            <a:extLst>
-              <a:ext uri="{FF2B5EF4-FFF2-40B4-BE49-F238E27FC236}">
-                <a16:creationId xmlns:a16="http://schemas.microsoft.com/office/drawing/2014/main" id="{0B17BE88-DD95-4E27-8E66-26466CA5C02D}"/>
-              </a:ext>
-            </a:extLst>
-          </p:cNvPr>
+          <p:cNvPr id="4" name="Date Placeholder 3"/>
           <p:cNvSpPr>
             <a:spLocks noGrp="1"/>
           </p:cNvSpPr>
@@ -252,7 +3152,15 @@
         <p:spPr/>
         <p:txBody>
           <a:bodyPr/>
-          <a:lstStyle/>
+          <a:lstStyle>
+            <a:lvl1pPr>
+              <a:defRPr>
+                <a:solidFill>
+                  <a:srgbClr val="FFFFFF"/>
+                </a:solidFill>
+              </a:defRPr>
+            </a:lvl1pPr>
+          </a:lstStyle>
           <a:p>
             <a:fld id="{BBF29CCF-7C02-4F1F-B31C-AC7A21E95D1E}" type="datetimeFigureOut">
               <a:rPr lang="es-EC" smtClean="0"/>
@@ -264,13 +3172,7 @@
       </p:sp>
       <p:sp>
         <p:nvSpPr>
-          <p:cNvPr id="5" name="Marcador de pie de página 4">
-            <a:extLst>
-              <a:ext uri="{FF2B5EF4-FFF2-40B4-BE49-F238E27FC236}">
-                <a16:creationId xmlns:a16="http://schemas.microsoft.com/office/drawing/2014/main" id="{D9943756-42D4-41DF-B5F3-4E973658560A}"/>
-              </a:ext>
-            </a:extLst>
-          </p:cNvPr>
+          <p:cNvPr id="5" name="Footer Placeholder 4"/>
           <p:cNvSpPr>
             <a:spLocks noGrp="1"/>
           </p:cNvSpPr>
@@ -281,7 +3183,15 @@
         <p:spPr/>
         <p:txBody>
           <a:bodyPr/>
-          <a:lstStyle/>
+          <a:lstStyle>
+            <a:lvl1pPr>
+              <a:defRPr>
+                <a:solidFill>
+                  <a:srgbClr val="FFFFFF"/>
+                </a:solidFill>
+              </a:defRPr>
+            </a:lvl1pPr>
+          </a:lstStyle>
           <a:p>
             <a:endParaRPr lang="es-EC"/>
           </a:p>
@@ -289,13 +3199,7 @@
       </p:sp>
       <p:sp>
         <p:nvSpPr>
-          <p:cNvPr id="6" name="Marcador de número de diapositiva 5">
-            <a:extLst>
-              <a:ext uri="{FF2B5EF4-FFF2-40B4-BE49-F238E27FC236}">
-                <a16:creationId xmlns:a16="http://schemas.microsoft.com/office/drawing/2014/main" id="{192E54C9-EA49-47A6-ADB3-48CD3B823C08}"/>
-              </a:ext>
-            </a:extLst>
-          </p:cNvPr>
+          <p:cNvPr id="6" name="Slide Number Placeholder 5"/>
           <p:cNvSpPr>
             <a:spLocks noGrp="1"/>
           </p:cNvSpPr>
@@ -306,7 +3210,15 @@
         <p:spPr/>
         <p:txBody>
           <a:bodyPr/>
-          <a:lstStyle/>
+          <a:lstStyle>
+            <a:lvl1pPr>
+              <a:defRPr>
+                <a:solidFill>
+                  <a:srgbClr val="FFFFFF"/>
+                </a:solidFill>
+              </a:defRPr>
+            </a:lvl1pPr>
+          </a:lstStyle>
           <a:p>
             <a:fld id="{BBB7026E-98D2-4090-BA9E-A5706038BFCE}" type="slidenum">
               <a:rPr lang="es-EC" smtClean="0"/>
@@ -316,10 +3228,45 @@
           </a:p>
         </p:txBody>
       </p:sp>
+      <p:cxnSp>
+        <p:nvCxnSpPr>
+          <p:cNvPr id="8" name="Straight Connector 7"/>
+          <p:cNvCxnSpPr/>
+          <p:nvPr/>
+        </p:nvCxnSpPr>
+        <p:spPr>
+          <a:xfrm>
+            <a:off x="1978660" y="3733800"/>
+            <a:ext cx="8229601" cy="0"/>
+          </a:xfrm>
+          <a:prstGeom prst="line">
+            <a:avLst/>
+          </a:prstGeom>
+          <a:ln>
+            <a:solidFill>
+              <a:srgbClr val="FFFFFF"/>
+            </a:solidFill>
+          </a:ln>
+        </p:spPr>
+        <p:style>
+          <a:lnRef idx="1">
+            <a:schemeClr val="accent1"/>
+          </a:lnRef>
+          <a:fillRef idx="0">
+            <a:schemeClr val="accent1"/>
+          </a:fillRef>
+          <a:effectRef idx="0">
+            <a:schemeClr val="accent1"/>
+          </a:effectRef>
+          <a:fontRef idx="minor">
+            <a:schemeClr val="tx1"/>
+          </a:fontRef>
+        </p:style>
+      </p:cxnSp>
     </p:spTree>
     <p:extLst>
       <p:ext uri="{BB962C8B-B14F-4D97-AF65-F5344CB8AC3E}">
-        <p14:creationId xmlns:p14="http://schemas.microsoft.com/office/powerpoint/2010/main" val="3652978188"/>
+        <p14:creationId xmlns:p14="http://schemas.microsoft.com/office/powerpoint/2010/main" val="2834055163"/>
       </p:ext>
     </p:extLst>
   </p:cSld>
@@ -348,13 +3295,7 @@
       </p:grpSpPr>
       <p:sp>
         <p:nvSpPr>
-          <p:cNvPr id="2" name="Título 1">
-            <a:extLst>
-              <a:ext uri="{FF2B5EF4-FFF2-40B4-BE49-F238E27FC236}">
-                <a16:creationId xmlns:a16="http://schemas.microsoft.com/office/drawing/2014/main" id="{63B747C7-8801-42E2-A013-21904DE0850B}"/>
-              </a:ext>
-            </a:extLst>
-          </p:cNvPr>
+          <p:cNvPr id="2" name="Title 1"/>
           <p:cNvSpPr>
             <a:spLocks noGrp="1"/>
           </p:cNvSpPr>
@@ -371,19 +3312,13 @@
               <a:rPr lang="es-ES"/>
               <a:t>Haga clic para modificar el estilo de título del patrón</a:t>
             </a:r>
-            <a:endParaRPr lang="es-EC"/>
+            <a:endParaRPr lang="en-US" dirty="0"/>
           </a:p>
         </p:txBody>
       </p:sp>
       <p:sp>
         <p:nvSpPr>
-          <p:cNvPr id="3" name="Marcador de texto vertical 2">
-            <a:extLst>
-              <a:ext uri="{FF2B5EF4-FFF2-40B4-BE49-F238E27FC236}">
-                <a16:creationId xmlns:a16="http://schemas.microsoft.com/office/drawing/2014/main" id="{07AA1555-9799-4594-A300-5EE917893436}"/>
-              </a:ext>
-            </a:extLst>
-          </p:cNvPr>
+          <p:cNvPr id="3" name="Vertical Text Placeholder 2"/>
           <p:cNvSpPr>
             <a:spLocks noGrp="1"/>
           </p:cNvSpPr>
@@ -429,19 +3364,13 @@
               <a:rPr lang="es-ES"/>
               <a:t>Quinto nivel</a:t>
             </a:r>
-            <a:endParaRPr lang="es-EC"/>
+            <a:endParaRPr lang="en-US" dirty="0"/>
           </a:p>
         </p:txBody>
       </p:sp>
       <p:sp>
         <p:nvSpPr>
-          <p:cNvPr id="4" name="Marcador de fecha 3">
-            <a:extLst>
-              <a:ext uri="{FF2B5EF4-FFF2-40B4-BE49-F238E27FC236}">
-                <a16:creationId xmlns:a16="http://schemas.microsoft.com/office/drawing/2014/main" id="{8BEDF18E-E8B1-4B6B-AFFE-B872FB478396}"/>
-              </a:ext>
-            </a:extLst>
-          </p:cNvPr>
+          <p:cNvPr id="4" name="Date Placeholder 3"/>
           <p:cNvSpPr>
             <a:spLocks noGrp="1"/>
           </p:cNvSpPr>
@@ -464,13 +3393,7 @@
       </p:sp>
       <p:sp>
         <p:nvSpPr>
-          <p:cNvPr id="5" name="Marcador de pie de página 4">
-            <a:extLst>
-              <a:ext uri="{FF2B5EF4-FFF2-40B4-BE49-F238E27FC236}">
-                <a16:creationId xmlns:a16="http://schemas.microsoft.com/office/drawing/2014/main" id="{0A20CF8A-9A60-44AA-8B2B-0AEAB85B41B4}"/>
-              </a:ext>
-            </a:extLst>
-          </p:cNvPr>
+          <p:cNvPr id="5" name="Footer Placeholder 4"/>
           <p:cNvSpPr>
             <a:spLocks noGrp="1"/>
           </p:cNvSpPr>
@@ -489,13 +3412,7 @@
       </p:sp>
       <p:sp>
         <p:nvSpPr>
-          <p:cNvPr id="6" name="Marcador de número de diapositiva 5">
-            <a:extLst>
-              <a:ext uri="{FF2B5EF4-FFF2-40B4-BE49-F238E27FC236}">
-                <a16:creationId xmlns:a16="http://schemas.microsoft.com/office/drawing/2014/main" id="{E9A92DEC-E93B-44EE-8170-A6D9D3DC484F}"/>
-              </a:ext>
-            </a:extLst>
-          </p:cNvPr>
+          <p:cNvPr id="6" name="Slide Number Placeholder 5"/>
           <p:cNvSpPr>
             <a:spLocks noGrp="1"/>
           </p:cNvSpPr>
@@ -519,7 +3436,7 @@
     </p:spTree>
     <p:extLst>
       <p:ext uri="{BB962C8B-B14F-4D97-AF65-F5344CB8AC3E}">
-        <p14:creationId xmlns:p14="http://schemas.microsoft.com/office/powerpoint/2010/main" val="4181796852"/>
+        <p14:creationId xmlns:p14="http://schemas.microsoft.com/office/powerpoint/2010/main" val="1430340957"/>
       </p:ext>
     </p:extLst>
   </p:cSld>
@@ -548,13 +3465,7 @@
       </p:grpSpPr>
       <p:sp>
         <p:nvSpPr>
-          <p:cNvPr id="2" name="Título vertical 1">
-            <a:extLst>
-              <a:ext uri="{FF2B5EF4-FFF2-40B4-BE49-F238E27FC236}">
-                <a16:creationId xmlns:a16="http://schemas.microsoft.com/office/drawing/2014/main" id="{74C123A3-BB34-471C-B4D1-C0773CB69449}"/>
-              </a:ext>
-            </a:extLst>
-          </p:cNvPr>
+          <p:cNvPr id="2" name="Vertical Title 1"/>
           <p:cNvSpPr>
             <a:spLocks noGrp="1"/>
           </p:cNvSpPr>
@@ -564,8 +3475,8 @@
         </p:nvSpPr>
         <p:spPr>
           <a:xfrm>
-            <a:off x="8724900" y="365125"/>
-            <a:ext cx="2628900" cy="5811838"/>
+            <a:off x="8724900" y="762000"/>
+            <a:ext cx="2324100" cy="5410200"/>
           </a:xfrm>
         </p:spPr>
         <p:txBody>
@@ -576,19 +3487,13 @@
               <a:rPr lang="es-ES"/>
               <a:t>Haga clic para modificar el estilo de título del patrón</a:t>
             </a:r>
-            <a:endParaRPr lang="es-EC"/>
+            <a:endParaRPr lang="en-US" dirty="0"/>
           </a:p>
         </p:txBody>
       </p:sp>
       <p:sp>
         <p:nvSpPr>
-          <p:cNvPr id="3" name="Marcador de texto vertical 2">
-            <a:extLst>
-              <a:ext uri="{FF2B5EF4-FFF2-40B4-BE49-F238E27FC236}">
-                <a16:creationId xmlns:a16="http://schemas.microsoft.com/office/drawing/2014/main" id="{6C03F026-42F9-4038-B774-F3414FCE7DD7}"/>
-              </a:ext>
-            </a:extLst>
-          </p:cNvPr>
+          <p:cNvPr id="3" name="Vertical Text Placeholder 2"/>
           <p:cNvSpPr>
             <a:spLocks noGrp="1"/>
           </p:cNvSpPr>
@@ -598,8 +3503,8 @@
         </p:nvSpPr>
         <p:spPr>
           <a:xfrm>
-            <a:off x="838200" y="365125"/>
-            <a:ext cx="7734300" cy="5811838"/>
+            <a:off x="1143000" y="762000"/>
+            <a:ext cx="7429500" cy="5410200"/>
           </a:xfrm>
         </p:spPr>
         <p:txBody>
@@ -639,19 +3544,13 @@
               <a:rPr lang="es-ES"/>
               <a:t>Quinto nivel</a:t>
             </a:r>
-            <a:endParaRPr lang="es-EC"/>
+            <a:endParaRPr lang="en-US" dirty="0"/>
           </a:p>
         </p:txBody>
       </p:sp>
       <p:sp>
         <p:nvSpPr>
-          <p:cNvPr id="4" name="Marcador de fecha 3">
-            <a:extLst>
-              <a:ext uri="{FF2B5EF4-FFF2-40B4-BE49-F238E27FC236}">
-                <a16:creationId xmlns:a16="http://schemas.microsoft.com/office/drawing/2014/main" id="{F4CC2E2B-0500-4762-A87B-6B771CA7B4FD}"/>
-              </a:ext>
-            </a:extLst>
-          </p:cNvPr>
+          <p:cNvPr id="4" name="Date Placeholder 3"/>
           <p:cNvSpPr>
             <a:spLocks noGrp="1"/>
           </p:cNvSpPr>
@@ -674,13 +3573,7 @@
       </p:sp>
       <p:sp>
         <p:nvSpPr>
-          <p:cNvPr id="5" name="Marcador de pie de página 4">
-            <a:extLst>
-              <a:ext uri="{FF2B5EF4-FFF2-40B4-BE49-F238E27FC236}">
-                <a16:creationId xmlns:a16="http://schemas.microsoft.com/office/drawing/2014/main" id="{A317872B-EB38-4C83-A9C9-1516F553ECD0}"/>
-              </a:ext>
-            </a:extLst>
-          </p:cNvPr>
+          <p:cNvPr id="5" name="Footer Placeholder 4"/>
           <p:cNvSpPr>
             <a:spLocks noGrp="1"/>
           </p:cNvSpPr>
@@ -699,13 +3592,7 @@
       </p:sp>
       <p:sp>
         <p:nvSpPr>
-          <p:cNvPr id="6" name="Marcador de número de diapositiva 5">
-            <a:extLst>
-              <a:ext uri="{FF2B5EF4-FFF2-40B4-BE49-F238E27FC236}">
-                <a16:creationId xmlns:a16="http://schemas.microsoft.com/office/drawing/2014/main" id="{621FBE34-D782-42C9-8088-A7E64CB348CD}"/>
-              </a:ext>
-            </a:extLst>
-          </p:cNvPr>
+          <p:cNvPr id="6" name="Slide Number Placeholder 5"/>
           <p:cNvSpPr>
             <a:spLocks noGrp="1"/>
           </p:cNvSpPr>
@@ -729,7 +3616,7 @@
     </p:spTree>
     <p:extLst>
       <p:ext uri="{BB962C8B-B14F-4D97-AF65-F5344CB8AC3E}">
-        <p14:creationId xmlns:p14="http://schemas.microsoft.com/office/powerpoint/2010/main" val="1893549523"/>
+        <p14:creationId xmlns:p14="http://schemas.microsoft.com/office/powerpoint/2010/main" val="1813133145"/>
       </p:ext>
     </p:extLst>
   </p:cSld>
@@ -758,13 +3645,7 @@
       </p:grpSpPr>
       <p:sp>
         <p:nvSpPr>
-          <p:cNvPr id="2" name="Título 1">
-            <a:extLst>
-              <a:ext uri="{FF2B5EF4-FFF2-40B4-BE49-F238E27FC236}">
-                <a16:creationId xmlns:a16="http://schemas.microsoft.com/office/drawing/2014/main" id="{83F07BB4-FEBC-411C-9839-8FFA8B2EF179}"/>
-              </a:ext>
-            </a:extLst>
-          </p:cNvPr>
+          <p:cNvPr id="2" name="Title 1"/>
           <p:cNvSpPr>
             <a:spLocks noGrp="1"/>
           </p:cNvSpPr>
@@ -781,19 +3662,13 @@
               <a:rPr lang="es-ES"/>
               <a:t>Haga clic para modificar el estilo de título del patrón</a:t>
             </a:r>
-            <a:endParaRPr lang="es-EC"/>
+            <a:endParaRPr lang="en-US" dirty="0"/>
           </a:p>
         </p:txBody>
       </p:sp>
       <p:sp>
         <p:nvSpPr>
-          <p:cNvPr id="3" name="Marcador de contenido 2">
-            <a:extLst>
-              <a:ext uri="{FF2B5EF4-FFF2-40B4-BE49-F238E27FC236}">
-                <a16:creationId xmlns:a16="http://schemas.microsoft.com/office/drawing/2014/main" id="{9862BBA4-71C8-4F6E-ABA9-FB8D47B4CAD3}"/>
-              </a:ext>
-            </a:extLst>
-          </p:cNvPr>
+          <p:cNvPr id="3" name="Content Placeholder 2"/>
           <p:cNvSpPr>
             <a:spLocks noGrp="1"/>
           </p:cNvSpPr>
@@ -839,19 +3714,13 @@
               <a:rPr lang="es-ES"/>
               <a:t>Quinto nivel</a:t>
             </a:r>
-            <a:endParaRPr lang="es-EC"/>
+            <a:endParaRPr lang="en-US" dirty="0"/>
           </a:p>
         </p:txBody>
       </p:sp>
       <p:sp>
         <p:nvSpPr>
-          <p:cNvPr id="4" name="Marcador de fecha 3">
-            <a:extLst>
-              <a:ext uri="{FF2B5EF4-FFF2-40B4-BE49-F238E27FC236}">
-                <a16:creationId xmlns:a16="http://schemas.microsoft.com/office/drawing/2014/main" id="{DBC37AE3-4DE1-472E-82B7-B7D24DC8179F}"/>
-              </a:ext>
-            </a:extLst>
-          </p:cNvPr>
+          <p:cNvPr id="4" name="Date Placeholder 3"/>
           <p:cNvSpPr>
             <a:spLocks noGrp="1"/>
           </p:cNvSpPr>
@@ -874,13 +3743,7 @@
       </p:sp>
       <p:sp>
         <p:nvSpPr>
-          <p:cNvPr id="5" name="Marcador de pie de página 4">
-            <a:extLst>
-              <a:ext uri="{FF2B5EF4-FFF2-40B4-BE49-F238E27FC236}">
-                <a16:creationId xmlns:a16="http://schemas.microsoft.com/office/drawing/2014/main" id="{C524F703-DCD3-405D-81E5-AEABE155A793}"/>
-              </a:ext>
-            </a:extLst>
-          </p:cNvPr>
+          <p:cNvPr id="5" name="Footer Placeholder 4"/>
           <p:cNvSpPr>
             <a:spLocks noGrp="1"/>
           </p:cNvSpPr>
@@ -899,13 +3762,7 @@
       </p:sp>
       <p:sp>
         <p:nvSpPr>
-          <p:cNvPr id="6" name="Marcador de número de diapositiva 5">
-            <a:extLst>
-              <a:ext uri="{FF2B5EF4-FFF2-40B4-BE49-F238E27FC236}">
-                <a16:creationId xmlns:a16="http://schemas.microsoft.com/office/drawing/2014/main" id="{D442564A-87AD-4BD9-9180-6BCCA45F9B5D}"/>
-              </a:ext>
-            </a:extLst>
-          </p:cNvPr>
+          <p:cNvPr id="6" name="Slide Number Placeholder 5"/>
           <p:cNvSpPr>
             <a:spLocks noGrp="1"/>
           </p:cNvSpPr>
@@ -929,7 +3786,7 @@
     </p:spTree>
     <p:extLst>
       <p:ext uri="{BB962C8B-B14F-4D97-AF65-F5344CB8AC3E}">
-        <p14:creationId xmlns:p14="http://schemas.microsoft.com/office/powerpoint/2010/main" val="616992632"/>
+        <p14:creationId xmlns:p14="http://schemas.microsoft.com/office/powerpoint/2010/main" val="2230138141"/>
       </p:ext>
     </p:extLst>
   </p:cSld>
@@ -958,13 +3815,7 @@
       </p:grpSpPr>
       <p:sp>
         <p:nvSpPr>
-          <p:cNvPr id="2" name="Título 1">
-            <a:extLst>
-              <a:ext uri="{FF2B5EF4-FFF2-40B4-BE49-F238E27FC236}">
-                <a16:creationId xmlns:a16="http://schemas.microsoft.com/office/drawing/2014/main" id="{D40216B0-050E-46F6-A8AE-F87D996A86DD}"/>
-              </a:ext>
-            </a:extLst>
-          </p:cNvPr>
+          <p:cNvPr id="2" name="Title 1"/>
           <p:cNvSpPr>
             <a:spLocks noGrp="1"/>
           </p:cNvSpPr>
@@ -974,15 +3825,20 @@
         </p:nvSpPr>
         <p:spPr>
           <a:xfrm>
-            <a:off x="831850" y="1709738"/>
-            <a:ext cx="10515600" cy="2852737"/>
+            <a:off x="1106424" y="1173575"/>
+            <a:ext cx="9966960" cy="2926080"/>
           </a:xfrm>
         </p:spPr>
         <p:txBody>
-          <a:bodyPr anchor="b"/>
+          <a:bodyPr anchor="b">
+            <a:noAutofit/>
+          </a:bodyPr>
           <a:lstStyle>
-            <a:lvl1pPr>
-              <a:defRPr sz="6000"/>
+            <a:lvl1pPr algn="ctr">
+              <a:lnSpc>
+                <a:spcPct val="85000"/>
+              </a:lnSpc>
+              <a:defRPr sz="7200" b="0" cap="all" baseline="0"/>
             </a:lvl1pPr>
           </a:lstStyle>
           <a:p>
@@ -990,19 +3846,13 @@
               <a:rPr lang="es-ES"/>
               <a:t>Haga clic para modificar el estilo de título del patrón</a:t>
             </a:r>
-            <a:endParaRPr lang="es-EC"/>
+            <a:endParaRPr lang="en-US" dirty="0"/>
           </a:p>
         </p:txBody>
       </p:sp>
       <p:sp>
         <p:nvSpPr>
-          <p:cNvPr id="3" name="Marcador de texto 2">
-            <a:extLst>
-              <a:ext uri="{FF2B5EF4-FFF2-40B4-BE49-F238E27FC236}">
-                <a16:creationId xmlns:a16="http://schemas.microsoft.com/office/drawing/2014/main" id="{CE4A62BE-994F-4A8B-8477-DBCE780A5477}"/>
-              </a:ext>
-            </a:extLst>
-          </p:cNvPr>
+          <p:cNvPr id="3" name="Text Placeholder 2"/>
           <p:cNvSpPr>
             <a:spLocks noGrp="1"/>
           </p:cNvSpPr>
@@ -1012,26 +3862,26 @@
         </p:nvSpPr>
         <p:spPr>
           <a:xfrm>
-            <a:off x="831850" y="4589463"/>
-            <a:ext cx="10515600" cy="1500187"/>
+            <a:off x="1709928" y="4154520"/>
+            <a:ext cx="8769096" cy="1363806"/>
           </a:xfrm>
         </p:spPr>
         <p:txBody>
-          <a:bodyPr/>
+          <a:bodyPr anchor="t">
+            <a:normAutofit/>
+          </a:bodyPr>
           <a:lstStyle>
-            <a:lvl1pPr marL="0" indent="0">
+            <a:lvl1pPr marL="0" indent="0" algn="ctr">
               <a:buNone/>
-              <a:defRPr sz="2400">
+              <a:defRPr sz="2200">
                 <a:solidFill>
-                  <a:schemeClr val="tx1">
-                    <a:tint val="75000"/>
-                  </a:schemeClr>
+                  <a:schemeClr val="accent1"/>
                 </a:solidFill>
               </a:defRPr>
             </a:lvl1pPr>
             <a:lvl2pPr marL="457200" indent="0">
               <a:buNone/>
-              <a:defRPr sz="2000">
+              <a:defRPr sz="1800">
                 <a:solidFill>
                   <a:schemeClr val="tx1">
                     <a:tint val="75000"/>
@@ -1041,7 +3891,7 @@
             </a:lvl2pPr>
             <a:lvl3pPr marL="914400" indent="0">
               <a:buNone/>
-              <a:defRPr sz="1800">
+              <a:defRPr sz="1600">
                 <a:solidFill>
                   <a:schemeClr val="tx1">
                     <a:tint val="75000"/>
@@ -1051,7 +3901,7 @@
             </a:lvl3pPr>
             <a:lvl4pPr marL="1371600" indent="0">
               <a:buNone/>
-              <a:defRPr sz="1600">
+              <a:defRPr sz="1400">
                 <a:solidFill>
                   <a:schemeClr val="tx1">
                     <a:tint val="75000"/>
@@ -1061,7 +3911,7 @@
             </a:lvl4pPr>
             <a:lvl5pPr marL="1828800" indent="0">
               <a:buNone/>
-              <a:defRPr sz="1600">
+              <a:defRPr sz="1400">
                 <a:solidFill>
                   <a:schemeClr val="tx1">
                     <a:tint val="75000"/>
@@ -1071,7 +3921,7 @@
             </a:lvl5pPr>
             <a:lvl6pPr marL="2286000" indent="0">
               <a:buNone/>
-              <a:defRPr sz="1600">
+              <a:defRPr sz="1400">
                 <a:solidFill>
                   <a:schemeClr val="tx1">
                     <a:tint val="75000"/>
@@ -1081,7 +3931,7 @@
             </a:lvl6pPr>
             <a:lvl7pPr marL="2743200" indent="0">
               <a:buNone/>
-              <a:defRPr sz="1600">
+              <a:defRPr sz="1400">
                 <a:solidFill>
                   <a:schemeClr val="tx1">
                     <a:tint val="75000"/>
@@ -1091,7 +3941,7 @@
             </a:lvl7pPr>
             <a:lvl8pPr marL="3200400" indent="0">
               <a:buNone/>
-              <a:defRPr sz="1600">
+              <a:defRPr sz="1400">
                 <a:solidFill>
                   <a:schemeClr val="tx1">
                     <a:tint val="75000"/>
@@ -1101,7 +3951,7 @@
             </a:lvl8pPr>
             <a:lvl9pPr marL="3657600" indent="0">
               <a:buNone/>
-              <a:defRPr sz="1600">
+              <a:defRPr sz="1400">
                 <a:solidFill>
                   <a:schemeClr val="tx1">
                     <a:tint val="75000"/>
@@ -1121,13 +3971,7 @@
       </p:sp>
       <p:sp>
         <p:nvSpPr>
-          <p:cNvPr id="4" name="Marcador de fecha 3">
-            <a:extLst>
-              <a:ext uri="{FF2B5EF4-FFF2-40B4-BE49-F238E27FC236}">
-                <a16:creationId xmlns:a16="http://schemas.microsoft.com/office/drawing/2014/main" id="{207DE28A-2D6B-4BCB-A73D-54F61EE619AF}"/>
-              </a:ext>
-            </a:extLst>
-          </p:cNvPr>
+          <p:cNvPr id="4" name="Date Placeholder 3"/>
           <p:cNvSpPr>
             <a:spLocks noGrp="1"/>
           </p:cNvSpPr>
@@ -1150,13 +3994,7 @@
       </p:sp>
       <p:sp>
         <p:nvSpPr>
-          <p:cNvPr id="5" name="Marcador de pie de página 4">
-            <a:extLst>
-              <a:ext uri="{FF2B5EF4-FFF2-40B4-BE49-F238E27FC236}">
-                <a16:creationId xmlns:a16="http://schemas.microsoft.com/office/drawing/2014/main" id="{94623575-411A-4622-B8C3-D337465B2E48}"/>
-              </a:ext>
-            </a:extLst>
-          </p:cNvPr>
+          <p:cNvPr id="5" name="Footer Placeholder 4"/>
           <p:cNvSpPr>
             <a:spLocks noGrp="1"/>
           </p:cNvSpPr>
@@ -1175,13 +4013,7 @@
       </p:sp>
       <p:sp>
         <p:nvSpPr>
-          <p:cNvPr id="6" name="Marcador de número de diapositiva 5">
-            <a:extLst>
-              <a:ext uri="{FF2B5EF4-FFF2-40B4-BE49-F238E27FC236}">
-                <a16:creationId xmlns:a16="http://schemas.microsoft.com/office/drawing/2014/main" id="{A9239D7C-1305-4AFA-9DD7-AD2836D5C2CE}"/>
-              </a:ext>
-            </a:extLst>
-          </p:cNvPr>
+          <p:cNvPr id="6" name="Slide Number Placeholder 5"/>
           <p:cNvSpPr>
             <a:spLocks noGrp="1"/>
           </p:cNvSpPr>
@@ -1202,10 +4034,45 @@
           </a:p>
         </p:txBody>
       </p:sp>
+      <p:cxnSp>
+        <p:nvCxnSpPr>
+          <p:cNvPr id="7" name="Straight Connector 6"/>
+          <p:cNvCxnSpPr/>
+          <p:nvPr/>
+        </p:nvCxnSpPr>
+        <p:spPr>
+          <a:xfrm>
+            <a:off x="1981200" y="4020408"/>
+            <a:ext cx="8229601" cy="0"/>
+          </a:xfrm>
+          <a:prstGeom prst="line">
+            <a:avLst/>
+          </a:prstGeom>
+          <a:ln>
+            <a:solidFill>
+              <a:schemeClr val="accent1"/>
+            </a:solidFill>
+          </a:ln>
+        </p:spPr>
+        <p:style>
+          <a:lnRef idx="1">
+            <a:schemeClr val="accent1"/>
+          </a:lnRef>
+          <a:fillRef idx="0">
+            <a:schemeClr val="accent1"/>
+          </a:fillRef>
+          <a:effectRef idx="0">
+            <a:schemeClr val="accent1"/>
+          </a:effectRef>
+          <a:fontRef idx="minor">
+            <a:schemeClr val="tx1"/>
+          </a:fontRef>
+        </p:style>
+      </p:cxnSp>
     </p:spTree>
     <p:extLst>
       <p:ext uri="{BB962C8B-B14F-4D97-AF65-F5344CB8AC3E}">
-        <p14:creationId xmlns:p14="http://schemas.microsoft.com/office/powerpoint/2010/main" val="1294402913"/>
+        <p14:creationId xmlns:p14="http://schemas.microsoft.com/office/powerpoint/2010/main" val="1498532525"/>
       </p:ext>
     </p:extLst>
   </p:cSld>
@@ -1234,13 +4101,7 @@
       </p:grpSpPr>
       <p:sp>
         <p:nvSpPr>
-          <p:cNvPr id="2" name="Título 1">
-            <a:extLst>
-              <a:ext uri="{FF2B5EF4-FFF2-40B4-BE49-F238E27FC236}">
-                <a16:creationId xmlns:a16="http://schemas.microsoft.com/office/drawing/2014/main" id="{0A68CE85-10D5-496A-83D3-8E565859520D}"/>
-              </a:ext>
-            </a:extLst>
-          </p:cNvPr>
+          <p:cNvPr id="8" name="Title 7"/>
           <p:cNvSpPr>
             <a:spLocks noGrp="1"/>
           </p:cNvSpPr>
@@ -1257,19 +4118,13 @@
               <a:rPr lang="es-ES"/>
               <a:t>Haga clic para modificar el estilo de título del patrón</a:t>
             </a:r>
-            <a:endParaRPr lang="es-EC"/>
+            <a:endParaRPr lang="en-US" dirty="0"/>
           </a:p>
         </p:txBody>
       </p:sp>
       <p:sp>
         <p:nvSpPr>
-          <p:cNvPr id="3" name="Marcador de contenido 2">
-            <a:extLst>
-              <a:ext uri="{FF2B5EF4-FFF2-40B4-BE49-F238E27FC236}">
-                <a16:creationId xmlns:a16="http://schemas.microsoft.com/office/drawing/2014/main" id="{5E83EA16-AD3A-4F81-8513-92137A56A6BE}"/>
-              </a:ext>
-            </a:extLst>
-          </p:cNvPr>
+          <p:cNvPr id="3" name="Content Placeholder 2"/>
           <p:cNvSpPr>
             <a:spLocks noGrp="1"/>
           </p:cNvSpPr>
@@ -1279,13 +4134,41 @@
         </p:nvSpPr>
         <p:spPr>
           <a:xfrm>
-            <a:off x="838200" y="1825625"/>
-            <a:ext cx="5181600" cy="4351338"/>
+            <a:off x="1143000" y="2057399"/>
+            <a:ext cx="4754880" cy="4023360"/>
           </a:xfrm>
         </p:spPr>
         <p:txBody>
           <a:bodyPr/>
-          <a:lstStyle/>
+          <a:lstStyle>
+            <a:lvl1pPr>
+              <a:defRPr sz="2200"/>
+            </a:lvl1pPr>
+            <a:lvl2pPr>
+              <a:defRPr sz="2000"/>
+            </a:lvl2pPr>
+            <a:lvl3pPr>
+              <a:defRPr sz="1800"/>
+            </a:lvl3pPr>
+            <a:lvl4pPr>
+              <a:defRPr sz="1600"/>
+            </a:lvl4pPr>
+            <a:lvl5pPr>
+              <a:defRPr sz="1600"/>
+            </a:lvl5pPr>
+            <a:lvl6pPr>
+              <a:defRPr sz="1600"/>
+            </a:lvl6pPr>
+            <a:lvl7pPr>
+              <a:defRPr sz="1600"/>
+            </a:lvl7pPr>
+            <a:lvl8pPr>
+              <a:defRPr sz="1600"/>
+            </a:lvl8pPr>
+            <a:lvl9pPr>
+              <a:defRPr sz="1600"/>
+            </a:lvl9pPr>
+          </a:lstStyle>
           <a:p>
             <a:pPr lvl="0"/>
             <a:r>
@@ -1320,19 +4203,13 @@
               <a:rPr lang="es-ES"/>
               <a:t>Quinto nivel</a:t>
             </a:r>
-            <a:endParaRPr lang="es-EC"/>
+            <a:endParaRPr lang="en-US" dirty="0"/>
           </a:p>
         </p:txBody>
       </p:sp>
       <p:sp>
         <p:nvSpPr>
-          <p:cNvPr id="4" name="Marcador de contenido 3">
-            <a:extLst>
-              <a:ext uri="{FF2B5EF4-FFF2-40B4-BE49-F238E27FC236}">
-                <a16:creationId xmlns:a16="http://schemas.microsoft.com/office/drawing/2014/main" id="{D56D65DC-D1FC-4AE3-BEDD-405B8647082A}"/>
-              </a:ext>
-            </a:extLst>
-          </p:cNvPr>
+          <p:cNvPr id="4" name="Content Placeholder 3"/>
           <p:cNvSpPr>
             <a:spLocks noGrp="1"/>
           </p:cNvSpPr>
@@ -1342,13 +4219,41 @@
         </p:nvSpPr>
         <p:spPr>
           <a:xfrm>
-            <a:off x="6172200" y="1825625"/>
-            <a:ext cx="5181600" cy="4351338"/>
+            <a:off x="6267612" y="2057400"/>
+            <a:ext cx="4754880" cy="4023360"/>
           </a:xfrm>
         </p:spPr>
         <p:txBody>
           <a:bodyPr/>
-          <a:lstStyle/>
+          <a:lstStyle>
+            <a:lvl1pPr>
+              <a:defRPr sz="2200"/>
+            </a:lvl1pPr>
+            <a:lvl2pPr>
+              <a:defRPr sz="2000"/>
+            </a:lvl2pPr>
+            <a:lvl3pPr>
+              <a:defRPr sz="1800"/>
+            </a:lvl3pPr>
+            <a:lvl4pPr>
+              <a:defRPr sz="1600"/>
+            </a:lvl4pPr>
+            <a:lvl5pPr>
+              <a:defRPr sz="1600"/>
+            </a:lvl5pPr>
+            <a:lvl6pPr>
+              <a:defRPr sz="1600"/>
+            </a:lvl6pPr>
+            <a:lvl7pPr>
+              <a:defRPr sz="1600"/>
+            </a:lvl7pPr>
+            <a:lvl8pPr>
+              <a:defRPr sz="1600"/>
+            </a:lvl8pPr>
+            <a:lvl9pPr>
+              <a:defRPr sz="1600"/>
+            </a:lvl9pPr>
+          </a:lstStyle>
           <a:p>
             <a:pPr lvl="0"/>
             <a:r>
@@ -1383,19 +4288,13 @@
               <a:rPr lang="es-ES"/>
               <a:t>Quinto nivel</a:t>
             </a:r>
-            <a:endParaRPr lang="es-EC"/>
+            <a:endParaRPr lang="en-US" dirty="0"/>
           </a:p>
         </p:txBody>
       </p:sp>
       <p:sp>
         <p:nvSpPr>
-          <p:cNvPr id="5" name="Marcador de fecha 4">
-            <a:extLst>
-              <a:ext uri="{FF2B5EF4-FFF2-40B4-BE49-F238E27FC236}">
-                <a16:creationId xmlns:a16="http://schemas.microsoft.com/office/drawing/2014/main" id="{AE165CD2-5E98-4968-9C56-0A6E3F43AA9F}"/>
-              </a:ext>
-            </a:extLst>
-          </p:cNvPr>
+          <p:cNvPr id="5" name="Date Placeholder 4"/>
           <p:cNvSpPr>
             <a:spLocks noGrp="1"/>
           </p:cNvSpPr>
@@ -1418,13 +4317,7 @@
       </p:sp>
       <p:sp>
         <p:nvSpPr>
-          <p:cNvPr id="6" name="Marcador de pie de página 5">
-            <a:extLst>
-              <a:ext uri="{FF2B5EF4-FFF2-40B4-BE49-F238E27FC236}">
-                <a16:creationId xmlns:a16="http://schemas.microsoft.com/office/drawing/2014/main" id="{C4189F6D-ACC5-4079-9D82-E03775B2D119}"/>
-              </a:ext>
-            </a:extLst>
-          </p:cNvPr>
+          <p:cNvPr id="6" name="Footer Placeholder 5"/>
           <p:cNvSpPr>
             <a:spLocks noGrp="1"/>
           </p:cNvSpPr>
@@ -1443,13 +4336,7 @@
       </p:sp>
       <p:sp>
         <p:nvSpPr>
-          <p:cNvPr id="7" name="Marcador de número de diapositiva 6">
-            <a:extLst>
-              <a:ext uri="{FF2B5EF4-FFF2-40B4-BE49-F238E27FC236}">
-                <a16:creationId xmlns:a16="http://schemas.microsoft.com/office/drawing/2014/main" id="{D40F27C1-0CAF-4123-8D64-FC80E8736A05}"/>
-              </a:ext>
-            </a:extLst>
-          </p:cNvPr>
+          <p:cNvPr id="7" name="Slide Number Placeholder 6"/>
           <p:cNvSpPr>
             <a:spLocks noGrp="1"/>
           </p:cNvSpPr>
@@ -1473,7 +4360,7 @@
     </p:spTree>
     <p:extLst>
       <p:ext uri="{BB962C8B-B14F-4D97-AF65-F5344CB8AC3E}">
-        <p14:creationId xmlns:p14="http://schemas.microsoft.com/office/powerpoint/2010/main" val="2313032061"/>
+        <p14:creationId xmlns:p14="http://schemas.microsoft.com/office/powerpoint/2010/main" val="678578359"/>
       </p:ext>
     </p:extLst>
   </p:cSld>
@@ -1502,13 +4389,7 @@
       </p:grpSpPr>
       <p:sp>
         <p:nvSpPr>
-          <p:cNvPr id="2" name="Título 1">
-            <a:extLst>
-              <a:ext uri="{FF2B5EF4-FFF2-40B4-BE49-F238E27FC236}">
-                <a16:creationId xmlns:a16="http://schemas.microsoft.com/office/drawing/2014/main" id="{4556810F-627C-4D01-BCF7-9713A6D10F33}"/>
-              </a:ext>
-            </a:extLst>
-          </p:cNvPr>
+          <p:cNvPr id="10" name="Title 9"/>
           <p:cNvSpPr>
             <a:spLocks noGrp="1"/>
           </p:cNvSpPr>
@@ -1516,50 +4397,42 @@
             <p:ph type="title"/>
           </p:nvPr>
         </p:nvSpPr>
+        <p:spPr/>
+        <p:txBody>
+          <a:bodyPr/>
+          <a:lstStyle/>
+          <a:p>
+            <a:r>
+              <a:rPr lang="es-ES"/>
+              <a:t>Haga clic para modificar el estilo de título del patrón</a:t>
+            </a:r>
+            <a:endParaRPr lang="en-US" dirty="0"/>
+          </a:p>
+        </p:txBody>
+      </p:sp>
+      <p:sp>
+        <p:nvSpPr>
+          <p:cNvPr id="3" name="Text Placeholder 2"/>
+          <p:cNvSpPr>
+            <a:spLocks noGrp="1"/>
+          </p:cNvSpPr>
+          <p:nvPr>
+            <p:ph type="body" idx="1"/>
+          </p:nvPr>
+        </p:nvSpPr>
         <p:spPr>
           <a:xfrm>
-            <a:off x="839788" y="365125"/>
-            <a:ext cx="10515600" cy="1325563"/>
+            <a:off x="1143000" y="2001511"/>
+            <a:ext cx="4754880" cy="777240"/>
           </a:xfrm>
         </p:spPr>
         <p:txBody>
-          <a:bodyPr/>
-          <a:lstStyle/>
-          <a:p>
-            <a:r>
-              <a:rPr lang="es-ES"/>
-              <a:t>Haga clic para modificar el estilo de título del patrón</a:t>
-            </a:r>
-            <a:endParaRPr lang="es-EC"/>
-          </a:p>
-        </p:txBody>
-      </p:sp>
-      <p:sp>
-        <p:nvSpPr>
-          <p:cNvPr id="3" name="Marcador de texto 2">
-            <a:extLst>
-              <a:ext uri="{FF2B5EF4-FFF2-40B4-BE49-F238E27FC236}">
-                <a16:creationId xmlns:a16="http://schemas.microsoft.com/office/drawing/2014/main" id="{AD51D8F5-EDC8-4B52-B7E9-A999CEEF7121}"/>
-              </a:ext>
-            </a:extLst>
-          </p:cNvPr>
-          <p:cNvSpPr>
-            <a:spLocks noGrp="1"/>
-          </p:cNvSpPr>
-          <p:nvPr>
-            <p:ph type="body" idx="1"/>
-          </p:nvPr>
-        </p:nvSpPr>
-        <p:spPr>
-          <a:xfrm>
-            <a:off x="839788" y="1681163"/>
-            <a:ext cx="5157787" cy="823912"/>
-          </a:xfrm>
-        </p:spPr>
-        <p:txBody>
-          <a:bodyPr anchor="b"/>
+          <a:bodyPr anchor="ctr"/>
           <a:lstStyle>
             <a:lvl1pPr marL="0" indent="0">
+              <a:spcBef>
+                <a:spcPts val="0"/>
+              </a:spcBef>
               <a:buNone/>
               <a:defRPr sz="2400" b="1"/>
             </a:lvl1pPr>
@@ -1607,13 +4480,7 @@
       </p:sp>
       <p:sp>
         <p:nvSpPr>
-          <p:cNvPr id="4" name="Marcador de contenido 3">
-            <a:extLst>
-              <a:ext uri="{FF2B5EF4-FFF2-40B4-BE49-F238E27FC236}">
-                <a16:creationId xmlns:a16="http://schemas.microsoft.com/office/drawing/2014/main" id="{6D69D84D-8EEB-4D45-94D8-E2FD56E727AE}"/>
-              </a:ext>
-            </a:extLst>
-          </p:cNvPr>
+          <p:cNvPr id="4" name="Content Placeholder 3"/>
           <p:cNvSpPr>
             <a:spLocks noGrp="1"/>
           </p:cNvSpPr>
@@ -1623,13 +4490,41 @@
         </p:nvSpPr>
         <p:spPr>
           <a:xfrm>
-            <a:off x="839788" y="2505075"/>
-            <a:ext cx="5157787" cy="3684588"/>
+            <a:off x="1143000" y="2721483"/>
+            <a:ext cx="4754880" cy="3383280"/>
           </a:xfrm>
         </p:spPr>
         <p:txBody>
           <a:bodyPr/>
-          <a:lstStyle/>
+          <a:lstStyle>
+            <a:lvl1pPr>
+              <a:defRPr sz="2200"/>
+            </a:lvl1pPr>
+            <a:lvl2pPr>
+              <a:defRPr sz="2000"/>
+            </a:lvl2pPr>
+            <a:lvl3pPr>
+              <a:defRPr sz="1800"/>
+            </a:lvl3pPr>
+            <a:lvl4pPr>
+              <a:defRPr sz="1600"/>
+            </a:lvl4pPr>
+            <a:lvl5pPr>
+              <a:defRPr sz="1600"/>
+            </a:lvl5pPr>
+            <a:lvl6pPr>
+              <a:defRPr sz="1600"/>
+            </a:lvl6pPr>
+            <a:lvl7pPr>
+              <a:defRPr sz="1600"/>
+            </a:lvl7pPr>
+            <a:lvl8pPr>
+              <a:defRPr sz="1600"/>
+            </a:lvl8pPr>
+            <a:lvl9pPr>
+              <a:defRPr sz="1600"/>
+            </a:lvl9pPr>
+          </a:lstStyle>
           <a:p>
             <a:pPr lvl="0"/>
             <a:r>
@@ -1664,19 +4559,13 @@
               <a:rPr lang="es-ES"/>
               <a:t>Quinto nivel</a:t>
             </a:r>
-            <a:endParaRPr lang="es-EC"/>
+            <a:endParaRPr lang="en-US" dirty="0"/>
           </a:p>
         </p:txBody>
       </p:sp>
       <p:sp>
         <p:nvSpPr>
-          <p:cNvPr id="5" name="Marcador de texto 4">
-            <a:extLst>
-              <a:ext uri="{FF2B5EF4-FFF2-40B4-BE49-F238E27FC236}">
-                <a16:creationId xmlns:a16="http://schemas.microsoft.com/office/drawing/2014/main" id="{B56061E6-56A0-4548-ADA8-3B37EADC1E2F}"/>
-              </a:ext>
-            </a:extLst>
-          </p:cNvPr>
+          <p:cNvPr id="5" name="Text Placeholder 4"/>
           <p:cNvSpPr>
             <a:spLocks noGrp="1"/>
           </p:cNvSpPr>
@@ -1686,14 +4575,17 @@
         </p:nvSpPr>
         <p:spPr>
           <a:xfrm>
-            <a:off x="6172200" y="1681163"/>
-            <a:ext cx="5183188" cy="823912"/>
+            <a:off x="6269173" y="1999032"/>
+            <a:ext cx="4754880" cy="777240"/>
           </a:xfrm>
         </p:spPr>
         <p:txBody>
-          <a:bodyPr anchor="b"/>
+          <a:bodyPr anchor="ctr"/>
           <a:lstStyle>
             <a:lvl1pPr marL="0" indent="0">
+              <a:spcBef>
+                <a:spcPts val="0"/>
+              </a:spcBef>
               <a:buNone/>
               <a:defRPr sz="2400" b="1"/>
             </a:lvl1pPr>
@@ -1741,13 +4633,7 @@
       </p:sp>
       <p:sp>
         <p:nvSpPr>
-          <p:cNvPr id="6" name="Marcador de contenido 5">
-            <a:extLst>
-              <a:ext uri="{FF2B5EF4-FFF2-40B4-BE49-F238E27FC236}">
-                <a16:creationId xmlns:a16="http://schemas.microsoft.com/office/drawing/2014/main" id="{F88E87C1-9E34-4067-BD7C-274786D25A1D}"/>
-              </a:ext>
-            </a:extLst>
-          </p:cNvPr>
+          <p:cNvPr id="6" name="Content Placeholder 5"/>
           <p:cNvSpPr>
             <a:spLocks noGrp="1"/>
           </p:cNvSpPr>
@@ -1757,13 +4643,41 @@
         </p:nvSpPr>
         <p:spPr>
           <a:xfrm>
-            <a:off x="6172200" y="2505075"/>
-            <a:ext cx="5183188" cy="3684588"/>
+            <a:off x="6269173" y="2719322"/>
+            <a:ext cx="4754880" cy="3383280"/>
           </a:xfrm>
         </p:spPr>
         <p:txBody>
           <a:bodyPr/>
-          <a:lstStyle/>
+          <a:lstStyle>
+            <a:lvl1pPr>
+              <a:defRPr sz="2200"/>
+            </a:lvl1pPr>
+            <a:lvl2pPr>
+              <a:defRPr sz="2000"/>
+            </a:lvl2pPr>
+            <a:lvl3pPr>
+              <a:defRPr sz="1800"/>
+            </a:lvl3pPr>
+            <a:lvl4pPr>
+              <a:defRPr sz="1600"/>
+            </a:lvl4pPr>
+            <a:lvl5pPr>
+              <a:defRPr sz="1600"/>
+            </a:lvl5pPr>
+            <a:lvl6pPr>
+              <a:defRPr sz="1600"/>
+            </a:lvl6pPr>
+            <a:lvl7pPr>
+              <a:defRPr sz="1600"/>
+            </a:lvl7pPr>
+            <a:lvl8pPr>
+              <a:defRPr sz="1600"/>
+            </a:lvl8pPr>
+            <a:lvl9pPr>
+              <a:defRPr sz="1600"/>
+            </a:lvl9pPr>
+          </a:lstStyle>
           <a:p>
             <a:pPr lvl="0"/>
             <a:r>
@@ -1798,19 +4712,13 @@
               <a:rPr lang="es-ES"/>
               <a:t>Quinto nivel</a:t>
             </a:r>
-            <a:endParaRPr lang="es-EC"/>
+            <a:endParaRPr lang="en-US" dirty="0"/>
           </a:p>
         </p:txBody>
       </p:sp>
       <p:sp>
         <p:nvSpPr>
-          <p:cNvPr id="7" name="Marcador de fecha 6">
-            <a:extLst>
-              <a:ext uri="{FF2B5EF4-FFF2-40B4-BE49-F238E27FC236}">
-                <a16:creationId xmlns:a16="http://schemas.microsoft.com/office/drawing/2014/main" id="{ADFA2671-55D6-4041-A04D-9BFFD5D2E96E}"/>
-              </a:ext>
-            </a:extLst>
-          </p:cNvPr>
+          <p:cNvPr id="7" name="Date Placeholder 6"/>
           <p:cNvSpPr>
             <a:spLocks noGrp="1"/>
           </p:cNvSpPr>
@@ -1833,13 +4741,7 @@
       </p:sp>
       <p:sp>
         <p:nvSpPr>
-          <p:cNvPr id="8" name="Marcador de pie de página 7">
-            <a:extLst>
-              <a:ext uri="{FF2B5EF4-FFF2-40B4-BE49-F238E27FC236}">
-                <a16:creationId xmlns:a16="http://schemas.microsoft.com/office/drawing/2014/main" id="{F2D420FF-0FFE-4BD9-A1A1-E8003FD33F0D}"/>
-              </a:ext>
-            </a:extLst>
-          </p:cNvPr>
+          <p:cNvPr id="8" name="Footer Placeholder 7"/>
           <p:cNvSpPr>
             <a:spLocks noGrp="1"/>
           </p:cNvSpPr>
@@ -1858,13 +4760,7 @@
       </p:sp>
       <p:sp>
         <p:nvSpPr>
-          <p:cNvPr id="9" name="Marcador de número de diapositiva 8">
-            <a:extLst>
-              <a:ext uri="{FF2B5EF4-FFF2-40B4-BE49-F238E27FC236}">
-                <a16:creationId xmlns:a16="http://schemas.microsoft.com/office/drawing/2014/main" id="{891A1F31-8820-444B-92C4-AC3F8180C75E}"/>
-              </a:ext>
-            </a:extLst>
-          </p:cNvPr>
+          <p:cNvPr id="9" name="Slide Number Placeholder 8"/>
           <p:cNvSpPr>
             <a:spLocks noGrp="1"/>
           </p:cNvSpPr>
@@ -1888,7 +4784,7 @@
     </p:spTree>
     <p:extLst>
       <p:ext uri="{BB962C8B-B14F-4D97-AF65-F5344CB8AC3E}">
-        <p14:creationId xmlns:p14="http://schemas.microsoft.com/office/powerpoint/2010/main" val="3318485305"/>
+        <p14:creationId xmlns:p14="http://schemas.microsoft.com/office/powerpoint/2010/main" val="148677274"/>
       </p:ext>
     </p:extLst>
   </p:cSld>
@@ -1917,13 +4813,7 @@
       </p:grpSpPr>
       <p:sp>
         <p:nvSpPr>
-          <p:cNvPr id="2" name="Título 1">
-            <a:extLst>
-              <a:ext uri="{FF2B5EF4-FFF2-40B4-BE49-F238E27FC236}">
-                <a16:creationId xmlns:a16="http://schemas.microsoft.com/office/drawing/2014/main" id="{815066A8-532C-457B-9881-71ECBA5D8823}"/>
-              </a:ext>
-            </a:extLst>
-          </p:cNvPr>
+          <p:cNvPr id="2" name="Title 1"/>
           <p:cNvSpPr>
             <a:spLocks noGrp="1"/>
           </p:cNvSpPr>
@@ -1940,19 +4830,13 @@
               <a:rPr lang="es-ES"/>
               <a:t>Haga clic para modificar el estilo de título del patrón</a:t>
             </a:r>
-            <a:endParaRPr lang="es-EC"/>
+            <a:endParaRPr lang="en-US" dirty="0"/>
           </a:p>
         </p:txBody>
       </p:sp>
       <p:sp>
         <p:nvSpPr>
-          <p:cNvPr id="3" name="Marcador de fecha 2">
-            <a:extLst>
-              <a:ext uri="{FF2B5EF4-FFF2-40B4-BE49-F238E27FC236}">
-                <a16:creationId xmlns:a16="http://schemas.microsoft.com/office/drawing/2014/main" id="{09D1D9E2-2A4C-4B3B-A7EC-65DC25695792}"/>
-              </a:ext>
-            </a:extLst>
-          </p:cNvPr>
+          <p:cNvPr id="3" name="Date Placeholder 2"/>
           <p:cNvSpPr>
             <a:spLocks noGrp="1"/>
           </p:cNvSpPr>
@@ -1975,13 +4859,7 @@
       </p:sp>
       <p:sp>
         <p:nvSpPr>
-          <p:cNvPr id="4" name="Marcador de pie de página 3">
-            <a:extLst>
-              <a:ext uri="{FF2B5EF4-FFF2-40B4-BE49-F238E27FC236}">
-                <a16:creationId xmlns:a16="http://schemas.microsoft.com/office/drawing/2014/main" id="{EC0DB70A-F9AE-4A4B-9354-023E81C198E7}"/>
-              </a:ext>
-            </a:extLst>
-          </p:cNvPr>
+          <p:cNvPr id="4" name="Footer Placeholder 3"/>
           <p:cNvSpPr>
             <a:spLocks noGrp="1"/>
           </p:cNvSpPr>
@@ -2000,13 +4878,7 @@
       </p:sp>
       <p:sp>
         <p:nvSpPr>
-          <p:cNvPr id="5" name="Marcador de número de diapositiva 4">
-            <a:extLst>
-              <a:ext uri="{FF2B5EF4-FFF2-40B4-BE49-F238E27FC236}">
-                <a16:creationId xmlns:a16="http://schemas.microsoft.com/office/drawing/2014/main" id="{21B5D370-9E8A-4358-9411-1DD51450AF5B}"/>
-              </a:ext>
-            </a:extLst>
-          </p:cNvPr>
+          <p:cNvPr id="5" name="Slide Number Placeholder 4"/>
           <p:cNvSpPr>
             <a:spLocks noGrp="1"/>
           </p:cNvSpPr>
@@ -2030,7 +4902,7 @@
     </p:spTree>
     <p:extLst>
       <p:ext uri="{BB962C8B-B14F-4D97-AF65-F5344CB8AC3E}">
-        <p14:creationId xmlns:p14="http://schemas.microsoft.com/office/powerpoint/2010/main" val="257710133"/>
+        <p14:creationId xmlns:p14="http://schemas.microsoft.com/office/powerpoint/2010/main" val="2478011879"/>
       </p:ext>
     </p:extLst>
   </p:cSld>
@@ -2059,13 +4931,7 @@
       </p:grpSpPr>
       <p:sp>
         <p:nvSpPr>
-          <p:cNvPr id="2" name="Marcador de fecha 1">
-            <a:extLst>
-              <a:ext uri="{FF2B5EF4-FFF2-40B4-BE49-F238E27FC236}">
-                <a16:creationId xmlns:a16="http://schemas.microsoft.com/office/drawing/2014/main" id="{058E0920-ADE7-456F-86C7-549073230F4E}"/>
-              </a:ext>
-            </a:extLst>
-          </p:cNvPr>
+          <p:cNvPr id="2" name="Date Placeholder 1"/>
           <p:cNvSpPr>
             <a:spLocks noGrp="1"/>
           </p:cNvSpPr>
@@ -2088,13 +4954,7 @@
       </p:sp>
       <p:sp>
         <p:nvSpPr>
-          <p:cNvPr id="3" name="Marcador de pie de página 2">
-            <a:extLst>
-              <a:ext uri="{FF2B5EF4-FFF2-40B4-BE49-F238E27FC236}">
-                <a16:creationId xmlns:a16="http://schemas.microsoft.com/office/drawing/2014/main" id="{D5C7F7F9-E789-4BA7-A1C5-EB113000C684}"/>
-              </a:ext>
-            </a:extLst>
-          </p:cNvPr>
+          <p:cNvPr id="3" name="Footer Placeholder 2"/>
           <p:cNvSpPr>
             <a:spLocks noGrp="1"/>
           </p:cNvSpPr>
@@ -2113,13 +4973,7 @@
       </p:sp>
       <p:sp>
         <p:nvSpPr>
-          <p:cNvPr id="4" name="Marcador de número de diapositiva 3">
-            <a:extLst>
-              <a:ext uri="{FF2B5EF4-FFF2-40B4-BE49-F238E27FC236}">
-                <a16:creationId xmlns:a16="http://schemas.microsoft.com/office/drawing/2014/main" id="{04ED0AE6-2AE5-48B2-B779-F5A4E4CEA1BB}"/>
-              </a:ext>
-            </a:extLst>
-          </p:cNvPr>
+          <p:cNvPr id="4" name="Slide Number Placeholder 3"/>
           <p:cNvSpPr>
             <a:spLocks noGrp="1"/>
           </p:cNvSpPr>
@@ -2143,7 +4997,7 @@
     </p:spTree>
     <p:extLst>
       <p:ext uri="{BB962C8B-B14F-4D97-AF65-F5344CB8AC3E}">
-        <p14:creationId xmlns:p14="http://schemas.microsoft.com/office/powerpoint/2010/main" val="2013186474"/>
+        <p14:creationId xmlns:p14="http://schemas.microsoft.com/office/powerpoint/2010/main" val="3061723892"/>
       </p:ext>
     </p:extLst>
   </p:cSld>
@@ -2172,13 +5026,7 @@
       </p:grpSpPr>
       <p:sp>
         <p:nvSpPr>
-          <p:cNvPr id="2" name="Título 1">
-            <a:extLst>
-              <a:ext uri="{FF2B5EF4-FFF2-40B4-BE49-F238E27FC236}">
-                <a16:creationId xmlns:a16="http://schemas.microsoft.com/office/drawing/2014/main" id="{84F208C4-A2BA-46B3-8DA6-E250EDD52E56}"/>
-              </a:ext>
-            </a:extLst>
-          </p:cNvPr>
+          <p:cNvPr id="2" name="Title 1"/>
           <p:cNvSpPr>
             <a:spLocks noGrp="1"/>
           </p:cNvSpPr>
@@ -2188,15 +5036,20 @@
         </p:nvSpPr>
         <p:spPr>
           <a:xfrm>
-            <a:off x="839788" y="457200"/>
-            <a:ext cx="3932237" cy="1600200"/>
+            <a:off x="1143000" y="1097280"/>
+            <a:ext cx="3931920" cy="1737360"/>
           </a:xfrm>
         </p:spPr>
         <p:txBody>
-          <a:bodyPr anchor="b"/>
+          <a:bodyPr anchor="b">
+            <a:noAutofit/>
+          </a:bodyPr>
           <a:lstStyle>
             <a:lvl1pPr>
-              <a:defRPr sz="3200"/>
+              <a:lnSpc>
+                <a:spcPct val="90000"/>
+              </a:lnSpc>
+              <a:defRPr sz="4000" b="0"/>
             </a:lvl1pPr>
           </a:lstStyle>
           <a:p>
@@ -2204,19 +5057,13 @@
               <a:rPr lang="es-ES"/>
               <a:t>Haga clic para modificar el estilo de título del patrón</a:t>
             </a:r>
-            <a:endParaRPr lang="es-EC"/>
+            <a:endParaRPr lang="en-US" dirty="0"/>
           </a:p>
         </p:txBody>
       </p:sp>
       <p:sp>
         <p:nvSpPr>
-          <p:cNvPr id="3" name="Marcador de contenido 2">
-            <a:extLst>
-              <a:ext uri="{FF2B5EF4-FFF2-40B4-BE49-F238E27FC236}">
-                <a16:creationId xmlns:a16="http://schemas.microsoft.com/office/drawing/2014/main" id="{7B336CB8-00AC-45AB-A588-7DD0905318FD}"/>
-              </a:ext>
-            </a:extLst>
-          </p:cNvPr>
+          <p:cNvPr id="3" name="Content Placeholder 2"/>
           <p:cNvSpPr>
             <a:spLocks noGrp="1"/>
           </p:cNvSpPr>
@@ -2226,8 +5073,8 @@
         </p:nvSpPr>
         <p:spPr>
           <a:xfrm>
-            <a:off x="5183188" y="987425"/>
-            <a:ext cx="6172200" cy="4873625"/>
+            <a:off x="5852159" y="1097280"/>
+            <a:ext cx="5212080" cy="4663440"/>
           </a:xfrm>
         </p:spPr>
         <p:txBody>
@@ -2295,19 +5142,13 @@
               <a:rPr lang="es-ES"/>
               <a:t>Quinto nivel</a:t>
             </a:r>
-            <a:endParaRPr lang="es-EC"/>
+            <a:endParaRPr lang="en-US" dirty="0"/>
           </a:p>
         </p:txBody>
       </p:sp>
       <p:sp>
         <p:nvSpPr>
-          <p:cNvPr id="4" name="Marcador de texto 3">
-            <a:extLst>
-              <a:ext uri="{FF2B5EF4-FFF2-40B4-BE49-F238E27FC236}">
-                <a16:creationId xmlns:a16="http://schemas.microsoft.com/office/drawing/2014/main" id="{E1DB142F-84BA-4F41-80B5-A86C30BE7414}"/>
-              </a:ext>
-            </a:extLst>
-          </p:cNvPr>
+          <p:cNvPr id="4" name="Text Placeholder 3"/>
           <p:cNvSpPr>
             <a:spLocks noGrp="1"/>
           </p:cNvSpPr>
@@ -2317,48 +5158,56 @@
         </p:nvSpPr>
         <p:spPr>
           <a:xfrm>
-            <a:off x="839788" y="2057400"/>
-            <a:ext cx="3932237" cy="3811588"/>
+            <a:off x="1143000" y="2834640"/>
+            <a:ext cx="3931920" cy="3017520"/>
           </a:xfrm>
         </p:spPr>
         <p:txBody>
-          <a:bodyPr/>
+          <a:bodyPr>
+            <a:normAutofit/>
+          </a:bodyPr>
           <a:lstStyle>
             <a:lvl1pPr marL="0" indent="0">
+              <a:lnSpc>
+                <a:spcPct val="100000"/>
+              </a:lnSpc>
+              <a:spcBef>
+                <a:spcPts val="1000"/>
+              </a:spcBef>
               <a:buNone/>
-              <a:defRPr sz="1600"/>
+              <a:defRPr sz="1700"/>
             </a:lvl1pPr>
             <a:lvl2pPr marL="457200" indent="0">
               <a:buNone/>
-              <a:defRPr sz="1400"/>
+              <a:defRPr sz="1200"/>
             </a:lvl2pPr>
             <a:lvl3pPr marL="914400" indent="0">
               <a:buNone/>
-              <a:defRPr sz="1200"/>
+              <a:defRPr sz="1000"/>
             </a:lvl3pPr>
             <a:lvl4pPr marL="1371600" indent="0">
               <a:buNone/>
-              <a:defRPr sz="1000"/>
+              <a:defRPr sz="900"/>
             </a:lvl4pPr>
             <a:lvl5pPr marL="1828800" indent="0">
               <a:buNone/>
-              <a:defRPr sz="1000"/>
+              <a:defRPr sz="900"/>
             </a:lvl5pPr>
             <a:lvl6pPr marL="2286000" indent="0">
               <a:buNone/>
-              <a:defRPr sz="1000"/>
+              <a:defRPr sz="900"/>
             </a:lvl6pPr>
             <a:lvl7pPr marL="2743200" indent="0">
               <a:buNone/>
-              <a:defRPr sz="1000"/>
+              <a:defRPr sz="900"/>
             </a:lvl7pPr>
             <a:lvl8pPr marL="3200400" indent="0">
               <a:buNone/>
-              <a:defRPr sz="1000"/>
+              <a:defRPr sz="900"/>
             </a:lvl8pPr>
             <a:lvl9pPr marL="3657600" indent="0">
               <a:buNone/>
-              <a:defRPr sz="1000"/>
+              <a:defRPr sz="900"/>
             </a:lvl9pPr>
           </a:lstStyle>
           <a:p>
@@ -2372,13 +5221,7 @@
       </p:sp>
       <p:sp>
         <p:nvSpPr>
-          <p:cNvPr id="5" name="Marcador de fecha 4">
-            <a:extLst>
-              <a:ext uri="{FF2B5EF4-FFF2-40B4-BE49-F238E27FC236}">
-                <a16:creationId xmlns:a16="http://schemas.microsoft.com/office/drawing/2014/main" id="{7395089E-9178-4694-BB04-9BAFF4558401}"/>
-              </a:ext>
-            </a:extLst>
-          </p:cNvPr>
+          <p:cNvPr id="5" name="Date Placeholder 4"/>
           <p:cNvSpPr>
             <a:spLocks noGrp="1"/>
           </p:cNvSpPr>
@@ -2401,13 +5244,7 @@
       </p:sp>
       <p:sp>
         <p:nvSpPr>
-          <p:cNvPr id="6" name="Marcador de pie de página 5">
-            <a:extLst>
-              <a:ext uri="{FF2B5EF4-FFF2-40B4-BE49-F238E27FC236}">
-                <a16:creationId xmlns:a16="http://schemas.microsoft.com/office/drawing/2014/main" id="{97F4497F-BC88-46BC-81C2-006C80E82D2D}"/>
-              </a:ext>
-            </a:extLst>
-          </p:cNvPr>
+          <p:cNvPr id="6" name="Footer Placeholder 5"/>
           <p:cNvSpPr>
             <a:spLocks noGrp="1"/>
           </p:cNvSpPr>
@@ -2426,13 +5263,7 @@
       </p:sp>
       <p:sp>
         <p:nvSpPr>
-          <p:cNvPr id="7" name="Marcador de número de diapositiva 6">
-            <a:extLst>
-              <a:ext uri="{FF2B5EF4-FFF2-40B4-BE49-F238E27FC236}">
-                <a16:creationId xmlns:a16="http://schemas.microsoft.com/office/drawing/2014/main" id="{378349F1-AD00-4404-8FE1-67F7D9389637}"/>
-              </a:ext>
-            </a:extLst>
-          </p:cNvPr>
+          <p:cNvPr id="7" name="Slide Number Placeholder 6"/>
           <p:cNvSpPr>
             <a:spLocks noGrp="1"/>
           </p:cNvSpPr>
@@ -2456,7 +5287,7 @@
     </p:spTree>
     <p:extLst>
       <p:ext uri="{BB962C8B-B14F-4D97-AF65-F5344CB8AC3E}">
-        <p14:creationId xmlns:p14="http://schemas.microsoft.com/office/powerpoint/2010/main" val="2944190713"/>
+        <p14:creationId xmlns:p14="http://schemas.microsoft.com/office/powerpoint/2010/main" val="2615949437"/>
       </p:ext>
     </p:extLst>
   </p:cSld>
@@ -2485,13 +5316,7 @@
       </p:grpSpPr>
       <p:sp>
         <p:nvSpPr>
-          <p:cNvPr id="2" name="Título 1">
-            <a:extLst>
-              <a:ext uri="{FF2B5EF4-FFF2-40B4-BE49-F238E27FC236}">
-                <a16:creationId xmlns:a16="http://schemas.microsoft.com/office/drawing/2014/main" id="{FF224C44-F6BA-4215-87F9-869376299595}"/>
-              </a:ext>
-            </a:extLst>
-          </p:cNvPr>
+          <p:cNvPr id="2" name="Title 1"/>
           <p:cNvSpPr>
             <a:spLocks noGrp="1"/>
           </p:cNvSpPr>
@@ -2501,15 +5326,20 @@
         </p:nvSpPr>
         <p:spPr>
           <a:xfrm>
-            <a:off x="839788" y="457200"/>
-            <a:ext cx="3932237" cy="1600200"/>
+            <a:off x="1143000" y="1097280"/>
+            <a:ext cx="3931920" cy="1737360"/>
           </a:xfrm>
         </p:spPr>
         <p:txBody>
-          <a:bodyPr anchor="b"/>
+          <a:bodyPr anchor="b">
+            <a:noAutofit/>
+          </a:bodyPr>
           <a:lstStyle>
             <a:lvl1pPr>
-              <a:defRPr sz="3200"/>
+              <a:lnSpc>
+                <a:spcPct val="90000"/>
+              </a:lnSpc>
+              <a:defRPr sz="4000" b="0"/>
             </a:lvl1pPr>
           </a:lstStyle>
           <a:p>
@@ -2517,21 +5347,15 @@
               <a:rPr lang="es-ES"/>
               <a:t>Haga clic para modificar el estilo de título del patrón</a:t>
             </a:r>
-            <a:endParaRPr lang="es-EC"/>
+            <a:endParaRPr lang="en-US" dirty="0"/>
           </a:p>
         </p:txBody>
       </p:sp>
       <p:sp>
         <p:nvSpPr>
-          <p:cNvPr id="3" name="Marcador de posición de imagen 2">
-            <a:extLst>
-              <a:ext uri="{FF2B5EF4-FFF2-40B4-BE49-F238E27FC236}">
-                <a16:creationId xmlns:a16="http://schemas.microsoft.com/office/drawing/2014/main" id="{563613A1-CC30-4672-A61C-82535E4329A8}"/>
-              </a:ext>
-            </a:extLst>
-          </p:cNvPr>
-          <p:cNvSpPr>
-            <a:spLocks noGrp="1"/>
+          <p:cNvPr id="3" name="Picture Placeholder 2"/>
+          <p:cNvSpPr>
+            <a:spLocks noGrp="1" noChangeAspect="1"/>
           </p:cNvSpPr>
           <p:nvPr>
             <p:ph type="pic" idx="1"/>
@@ -2539,16 +5363,18 @@
         </p:nvSpPr>
         <p:spPr>
           <a:xfrm>
-            <a:off x="5183188" y="987425"/>
-            <a:ext cx="6172200" cy="4873625"/>
+            <a:off x="5413248" y="1069847"/>
+            <a:ext cx="6099048" cy="4800600"/>
           </a:xfrm>
         </p:spPr>
         <p:txBody>
-          <a:bodyPr/>
+          <a:bodyPr lIns="274320" tIns="182880" anchor="t">
+            <a:normAutofit/>
+          </a:bodyPr>
           <a:lstStyle>
             <a:lvl1pPr marL="0" indent="0">
               <a:buNone/>
-              <a:defRPr sz="3200"/>
+              <a:defRPr sz="2800"/>
             </a:lvl1pPr>
             <a:lvl2pPr marL="457200" indent="0">
               <a:buNone/>
@@ -2584,19 +5410,17 @@
             </a:lvl9pPr>
           </a:lstStyle>
           <a:p>
-            <a:endParaRPr lang="es-EC"/>
+            <a:r>
+              <a:rPr lang="es-ES"/>
+              <a:t>Haga clic en el icono para agregar una imagen</a:t>
+            </a:r>
+            <a:endParaRPr lang="en-US" dirty="0"/>
           </a:p>
         </p:txBody>
       </p:sp>
       <p:sp>
         <p:nvSpPr>
-          <p:cNvPr id="4" name="Marcador de texto 3">
-            <a:extLst>
-              <a:ext uri="{FF2B5EF4-FFF2-40B4-BE49-F238E27FC236}">
-                <a16:creationId xmlns:a16="http://schemas.microsoft.com/office/drawing/2014/main" id="{E9573910-7F90-480A-9CB8-3BADEB61A446}"/>
-              </a:ext>
-            </a:extLst>
-          </p:cNvPr>
+          <p:cNvPr id="4" name="Text Placeholder 3"/>
           <p:cNvSpPr>
             <a:spLocks noGrp="1"/>
           </p:cNvSpPr>
@@ -2606,48 +5430,56 @@
         </p:nvSpPr>
         <p:spPr>
           <a:xfrm>
-            <a:off x="839788" y="2057400"/>
-            <a:ext cx="3932237" cy="3811588"/>
+            <a:off x="1143000" y="2834640"/>
+            <a:ext cx="3931920" cy="2880360"/>
           </a:xfrm>
         </p:spPr>
         <p:txBody>
-          <a:bodyPr/>
+          <a:bodyPr>
+            <a:normAutofit/>
+          </a:bodyPr>
           <a:lstStyle>
             <a:lvl1pPr marL="0" indent="0">
+              <a:lnSpc>
+                <a:spcPct val="100000"/>
+              </a:lnSpc>
+              <a:spcBef>
+                <a:spcPts val="1000"/>
+              </a:spcBef>
               <a:buNone/>
-              <a:defRPr sz="1600"/>
+              <a:defRPr sz="1700"/>
             </a:lvl1pPr>
             <a:lvl2pPr marL="457200" indent="0">
               <a:buNone/>
-              <a:defRPr sz="1400"/>
+              <a:defRPr sz="1200"/>
             </a:lvl2pPr>
             <a:lvl3pPr marL="914400" indent="0">
               <a:buNone/>
-              <a:defRPr sz="1200"/>
+              <a:defRPr sz="1000"/>
             </a:lvl3pPr>
             <a:lvl4pPr marL="1371600" indent="0">
               <a:buNone/>
-              <a:defRPr sz="1000"/>
+              <a:defRPr sz="900"/>
             </a:lvl4pPr>
             <a:lvl5pPr marL="1828800" indent="0">
               <a:buNone/>
-              <a:defRPr sz="1000"/>
+              <a:defRPr sz="900"/>
             </a:lvl5pPr>
             <a:lvl6pPr marL="2286000" indent="0">
               <a:buNone/>
-              <a:defRPr sz="1000"/>
+              <a:defRPr sz="900"/>
             </a:lvl6pPr>
             <a:lvl7pPr marL="2743200" indent="0">
               <a:buNone/>
-              <a:defRPr sz="1000"/>
+              <a:defRPr sz="900"/>
             </a:lvl7pPr>
             <a:lvl8pPr marL="3200400" indent="0">
               <a:buNone/>
-              <a:defRPr sz="1000"/>
+              <a:defRPr sz="900"/>
             </a:lvl8pPr>
             <a:lvl9pPr marL="3657600" indent="0">
               <a:buNone/>
-              <a:defRPr sz="1000"/>
+              <a:defRPr sz="900"/>
             </a:lvl9pPr>
           </a:lstStyle>
           <a:p>
@@ -2661,13 +5493,7 @@
       </p:sp>
       <p:sp>
         <p:nvSpPr>
-          <p:cNvPr id="5" name="Marcador de fecha 4">
-            <a:extLst>
-              <a:ext uri="{FF2B5EF4-FFF2-40B4-BE49-F238E27FC236}">
-                <a16:creationId xmlns:a16="http://schemas.microsoft.com/office/drawing/2014/main" id="{610EAF74-EF0D-4A6F-B454-836989B80BFC}"/>
-              </a:ext>
-            </a:extLst>
-          </p:cNvPr>
+          <p:cNvPr id="5" name="Date Placeholder 4"/>
           <p:cNvSpPr>
             <a:spLocks noGrp="1"/>
           </p:cNvSpPr>
@@ -2690,13 +5516,7 @@
       </p:sp>
       <p:sp>
         <p:nvSpPr>
-          <p:cNvPr id="6" name="Marcador de pie de página 5">
-            <a:extLst>
-              <a:ext uri="{FF2B5EF4-FFF2-40B4-BE49-F238E27FC236}">
-                <a16:creationId xmlns:a16="http://schemas.microsoft.com/office/drawing/2014/main" id="{E03A3004-0487-456C-9DB5-851F76B35208}"/>
-              </a:ext>
-            </a:extLst>
-          </p:cNvPr>
+          <p:cNvPr id="6" name="Footer Placeholder 5"/>
           <p:cNvSpPr>
             <a:spLocks noGrp="1"/>
           </p:cNvSpPr>
@@ -2715,13 +5535,7 @@
       </p:sp>
       <p:sp>
         <p:nvSpPr>
-          <p:cNvPr id="7" name="Marcador de número de diapositiva 6">
-            <a:extLst>
-              <a:ext uri="{FF2B5EF4-FFF2-40B4-BE49-F238E27FC236}">
-                <a16:creationId xmlns:a16="http://schemas.microsoft.com/office/drawing/2014/main" id="{6ACBBB39-DA8E-4C46-858E-14F696AFB6CB}"/>
-              </a:ext>
-            </a:extLst>
-          </p:cNvPr>
+          <p:cNvPr id="7" name="Slide Number Placeholder 6"/>
           <p:cNvSpPr>
             <a:spLocks noGrp="1"/>
           </p:cNvSpPr>
@@ -2745,7 +5559,7 @@
     </p:spTree>
     <p:extLst>
       <p:ext uri="{BB962C8B-B14F-4D97-AF65-F5344CB8AC3E}">
-        <p14:creationId xmlns:p14="http://schemas.microsoft.com/office/powerpoint/2010/main" val="4037116844"/>
+        <p14:creationId xmlns:p14="http://schemas.microsoft.com/office/powerpoint/2010/main" val="3746917719"/>
       </p:ext>
     </p:extLst>
   </p:cSld>
@@ -2759,9 +5573,12 @@
 <p:sldMaster xmlns:a="http://schemas.openxmlformats.org/drawingml/2006/main" xmlns:r="http://schemas.openxmlformats.org/officeDocument/2006/relationships" xmlns:p="http://schemas.openxmlformats.org/presentationml/2006/main">
   <p:cSld>
     <p:bg>
-      <p:bgRef idx="1001">
-        <a:schemeClr val="bg1"/>
-      </p:bgRef>
+      <p:bgPr>
+        <a:solidFill>
+          <a:schemeClr val="accent1"/>
+        </a:solidFill>
+        <a:effectLst/>
+      </p:bgPr>
     </p:bg>
     <p:spTree>
       <p:nvGrpSpPr>
@@ -2779,13 +5596,47 @@
       </p:grpSpPr>
       <p:sp>
         <p:nvSpPr>
-          <p:cNvPr id="2" name="Marcador de título 1">
-            <a:extLst>
-              <a:ext uri="{FF2B5EF4-FFF2-40B4-BE49-F238E27FC236}">
-                <a16:creationId xmlns:a16="http://schemas.microsoft.com/office/drawing/2014/main" id="{96221677-5891-42D7-8D69-12036F229F00}"/>
-              </a:ext>
-            </a:extLst>
-          </p:cNvPr>
+          <p:cNvPr id="7" name="Rectangle 6"/>
+          <p:cNvSpPr>
+            <a:spLocks noChangeAspect="1"/>
+          </p:cNvSpPr>
+          <p:nvPr/>
+        </p:nvSpPr>
+        <p:spPr>
+          <a:xfrm>
+            <a:off x="231140" y="243840"/>
+            <a:ext cx="11724640" cy="6377939"/>
+          </a:xfrm>
+          <a:prstGeom prst="rect">
+            <a:avLst/>
+          </a:prstGeom>
+          <a:solidFill>
+            <a:schemeClr val="bg1"/>
+          </a:solidFill>
+          <a:ln w="12700">
+            <a:noFill/>
+          </a:ln>
+        </p:spPr>
+        <p:style>
+          <a:lnRef idx="2">
+            <a:schemeClr val="accent1">
+              <a:shade val="50000"/>
+            </a:schemeClr>
+          </a:lnRef>
+          <a:fillRef idx="1">
+            <a:schemeClr val="accent1"/>
+          </a:fillRef>
+          <a:effectRef idx="0">
+            <a:schemeClr val="accent1"/>
+          </a:effectRef>
+          <a:fontRef idx="minor">
+            <a:schemeClr val="lt1"/>
+          </a:fontRef>
+        </p:style>
+      </p:sp>
+      <p:sp>
+        <p:nvSpPr>
+          <p:cNvPr id="2" name="Title Placeholder 1"/>
           <p:cNvSpPr>
             <a:spLocks noGrp="1"/>
           </p:cNvSpPr>
@@ -2795,8 +5646,8 @@
         </p:nvSpPr>
         <p:spPr>
           <a:xfrm>
-            <a:off x="838200" y="365125"/>
-            <a:ext cx="10515600" cy="1325563"/>
+            <a:off x="1143000" y="609600"/>
+            <a:ext cx="9875520" cy="1356360"/>
           </a:xfrm>
           <a:prstGeom prst="rect">
             <a:avLst/>
@@ -2812,19 +5663,13 @@
               <a:rPr lang="es-ES"/>
               <a:t>Haga clic para modificar el estilo de título del patrón</a:t>
             </a:r>
-            <a:endParaRPr lang="es-EC"/>
+            <a:endParaRPr lang="en-US" dirty="0"/>
           </a:p>
         </p:txBody>
       </p:sp>
       <p:sp>
         <p:nvSpPr>
-          <p:cNvPr id="3" name="Marcador de texto 2">
-            <a:extLst>
-              <a:ext uri="{FF2B5EF4-FFF2-40B4-BE49-F238E27FC236}">
-                <a16:creationId xmlns:a16="http://schemas.microsoft.com/office/drawing/2014/main" id="{B2AB558A-4371-4697-BC7F-B21FCF576E16}"/>
-              </a:ext>
-            </a:extLst>
-          </p:cNvPr>
+          <p:cNvPr id="3" name="Text Placeholder 2"/>
           <p:cNvSpPr>
             <a:spLocks noGrp="1"/>
           </p:cNvSpPr>
@@ -2834,8 +5679,8 @@
         </p:nvSpPr>
         <p:spPr>
           <a:xfrm>
-            <a:off x="838200" y="1825625"/>
-            <a:ext cx="10515600" cy="4351338"/>
+            <a:off x="1143000" y="2057400"/>
+            <a:ext cx="9872871" cy="4038600"/>
           </a:xfrm>
           <a:prstGeom prst="rect">
             <a:avLst/>
@@ -2880,19 +5725,13 @@
               <a:rPr lang="es-ES"/>
               <a:t>Quinto nivel</a:t>
             </a:r>
-            <a:endParaRPr lang="es-EC"/>
+            <a:endParaRPr lang="en-US" dirty="0"/>
           </a:p>
         </p:txBody>
       </p:sp>
       <p:sp>
         <p:nvSpPr>
-          <p:cNvPr id="4" name="Marcador de fecha 3">
-            <a:extLst>
-              <a:ext uri="{FF2B5EF4-FFF2-40B4-BE49-F238E27FC236}">
-                <a16:creationId xmlns:a16="http://schemas.microsoft.com/office/drawing/2014/main" id="{9706DBD8-C4C4-413F-B53B-439A271DF20A}"/>
-              </a:ext>
-            </a:extLst>
-          </p:cNvPr>
+          <p:cNvPr id="4" name="Date Placeholder 3"/>
           <p:cNvSpPr>
             <a:spLocks noGrp="1"/>
           </p:cNvSpPr>
@@ -2902,8 +5741,8 @@
         </p:nvSpPr>
         <p:spPr>
           <a:xfrm>
-            <a:off x="838200" y="6356350"/>
-            <a:ext cx="2743200" cy="365125"/>
+            <a:off x="1142996" y="6223828"/>
+            <a:ext cx="2329074" cy="365125"/>
           </a:xfrm>
           <a:prstGeom prst="rect">
             <a:avLst/>
@@ -2915,9 +5754,7 @@
             <a:lvl1pPr algn="l">
               <a:defRPr sz="1200">
                 <a:solidFill>
-                  <a:schemeClr val="tx1">
-                    <a:tint val="75000"/>
-                  </a:schemeClr>
+                  <a:schemeClr val="accent1"/>
                 </a:solidFill>
               </a:defRPr>
             </a:lvl1pPr>
@@ -2933,13 +5770,7 @@
       </p:sp>
       <p:sp>
         <p:nvSpPr>
-          <p:cNvPr id="5" name="Marcador de pie de página 4">
-            <a:extLst>
-              <a:ext uri="{FF2B5EF4-FFF2-40B4-BE49-F238E27FC236}">
-                <a16:creationId xmlns:a16="http://schemas.microsoft.com/office/drawing/2014/main" id="{CB9C947E-5D44-4A3B-A443-82ECB3989198}"/>
-              </a:ext>
-            </a:extLst>
-          </p:cNvPr>
+          <p:cNvPr id="5" name="Footer Placeholder 4"/>
           <p:cNvSpPr>
             <a:spLocks noGrp="1"/>
           </p:cNvSpPr>
@@ -2949,8 +5780,8 @@
         </p:nvSpPr>
         <p:spPr>
           <a:xfrm>
-            <a:off x="4038600" y="6356350"/>
-            <a:ext cx="4114800" cy="365125"/>
+            <a:off x="3949148" y="6223828"/>
+            <a:ext cx="4717774" cy="365125"/>
           </a:xfrm>
           <a:prstGeom prst="rect">
             <a:avLst/>
@@ -2962,9 +5793,7 @@
             <a:lvl1pPr algn="ctr">
               <a:defRPr sz="1200">
                 <a:solidFill>
-                  <a:schemeClr val="tx1">
-                    <a:tint val="75000"/>
-                  </a:schemeClr>
+                  <a:schemeClr val="accent1"/>
                 </a:solidFill>
               </a:defRPr>
             </a:lvl1pPr>
@@ -2976,13 +5805,7 @@
       </p:sp>
       <p:sp>
         <p:nvSpPr>
-          <p:cNvPr id="6" name="Marcador de número de diapositiva 5">
-            <a:extLst>
-              <a:ext uri="{FF2B5EF4-FFF2-40B4-BE49-F238E27FC236}">
-                <a16:creationId xmlns:a16="http://schemas.microsoft.com/office/drawing/2014/main" id="{305EE7B3-F66B-45BA-A22B-48EF764AAC2C}"/>
-              </a:ext>
-            </a:extLst>
-          </p:cNvPr>
+          <p:cNvPr id="6" name="Slide Number Placeholder 5"/>
           <p:cNvSpPr>
             <a:spLocks noGrp="1"/>
           </p:cNvSpPr>
@@ -2992,8 +5815,8 @@
         </p:nvSpPr>
         <p:spPr>
           <a:xfrm>
-            <a:off x="8610600" y="6356350"/>
-            <a:ext cx="2743200" cy="365125"/>
+            <a:off x="9329530" y="6223828"/>
+            <a:ext cx="1706217" cy="365125"/>
           </a:xfrm>
           <a:prstGeom prst="rect">
             <a:avLst/>
@@ -3005,9 +5828,7 @@
             <a:lvl1pPr algn="r">
               <a:defRPr sz="1200">
                 <a:solidFill>
-                  <a:schemeClr val="tx1">
-                    <a:tint val="75000"/>
-                  </a:schemeClr>
+                  <a:schemeClr val="accent1"/>
                 </a:solidFill>
               </a:defRPr>
             </a:lvl1pPr>
@@ -3024,23 +5845,23 @@
     </p:spTree>
     <p:extLst>
       <p:ext uri="{BB962C8B-B14F-4D97-AF65-F5344CB8AC3E}">
-        <p14:creationId xmlns:p14="http://schemas.microsoft.com/office/powerpoint/2010/main" val="3925033430"/>
+        <p14:creationId xmlns:p14="http://schemas.microsoft.com/office/powerpoint/2010/main" val="2542117768"/>
       </p:ext>
     </p:extLst>
   </p:cSld>
   <p:clrMap bg1="lt1" tx1="dk1" bg2="lt2" tx2="dk2" accent1="accent1" accent2="accent2" accent3="accent3" accent4="accent4" accent5="accent5" accent6="accent6" hlink="hlink" folHlink="folHlink"/>
   <p:sldLayoutIdLst>
-    <p:sldLayoutId id="2147483649" r:id="rId1"/>
-    <p:sldLayoutId id="2147483650" r:id="rId2"/>
-    <p:sldLayoutId id="2147483651" r:id="rId3"/>
-    <p:sldLayoutId id="2147483652" r:id="rId4"/>
-    <p:sldLayoutId id="2147483653" r:id="rId5"/>
-    <p:sldLayoutId id="2147483654" r:id="rId6"/>
-    <p:sldLayoutId id="2147483655" r:id="rId7"/>
-    <p:sldLayoutId id="2147483656" r:id="rId8"/>
-    <p:sldLayoutId id="2147483657" r:id="rId9"/>
-    <p:sldLayoutId id="2147483658" r:id="rId10"/>
-    <p:sldLayoutId id="2147483659" r:id="rId11"/>
+    <p:sldLayoutId id="2147483720" r:id="rId1"/>
+    <p:sldLayoutId id="2147483721" r:id="rId2"/>
+    <p:sldLayoutId id="2147483722" r:id="rId3"/>
+    <p:sldLayoutId id="2147483723" r:id="rId4"/>
+    <p:sldLayoutId id="2147483724" r:id="rId5"/>
+    <p:sldLayoutId id="2147483725" r:id="rId6"/>
+    <p:sldLayoutId id="2147483726" r:id="rId7"/>
+    <p:sldLayoutId id="2147483727" r:id="rId8"/>
+    <p:sldLayoutId id="2147483728" r:id="rId9"/>
+    <p:sldLayoutId id="2147483729" r:id="rId10"/>
+    <p:sldLayoutId id="2147483730" r:id="rId11"/>
   </p:sldLayoutIdLst>
   <p:txStyles>
     <p:titleStyle>
@@ -3054,7 +5875,7 @@
         <a:buNone/>
         <a:defRPr sz="4400" kern="1200">
           <a:solidFill>
-            <a:schemeClr val="tx1"/>
+            <a:schemeClr val="accent1"/>
           </a:solidFill>
           <a:latin typeface="+mj-lt"/>
           <a:ea typeface="+mj-ea"/>
@@ -3063,162 +5884,222 @@
       </a:lvl1pPr>
     </p:titleStyle>
     <p:bodyStyle>
-      <a:lvl1pPr marL="228600" indent="-228600" algn="l" defTabSz="914400" rtl="0" eaLnBrk="1" latinLnBrk="0" hangingPunct="1">
+      <a:lvl1pPr marL="228600" indent="-182880" algn="l" defTabSz="914400" rtl="0" eaLnBrk="1" latinLnBrk="0" hangingPunct="1">
         <a:lnSpc>
           <a:spcPct val="90000"/>
         </a:lnSpc>
         <a:spcBef>
-          <a:spcPts val="1000"/>
+          <a:spcPts val="1400"/>
         </a:spcBef>
-        <a:buFont typeface="Arial" panose="020B0604020202020204" pitchFamily="34" charset="0"/>
+        <a:buClr>
+          <a:schemeClr val="accent1"/>
+        </a:buClr>
+        <a:buSzPct val="80000"/>
+        <a:buFont typeface="Corbel" pitchFamily="34" charset="0"/>
         <a:buChar char="•"/>
-        <a:defRPr sz="2800" kern="1200">
+        <a:defRPr sz="2200" kern="1200">
           <a:solidFill>
-            <a:schemeClr val="tx1"/>
+            <a:schemeClr val="accent1"/>
           </a:solidFill>
           <a:latin typeface="+mn-lt"/>
           <a:ea typeface="+mn-ea"/>
           <a:cs typeface="+mn-cs"/>
         </a:defRPr>
       </a:lvl1pPr>
-      <a:lvl2pPr marL="685800" indent="-228600" algn="l" defTabSz="914400" rtl="0" eaLnBrk="1" latinLnBrk="0" hangingPunct="1">
+      <a:lvl2pPr marL="457200" indent="-182880" algn="l" defTabSz="914400" rtl="0" eaLnBrk="1" latinLnBrk="0" hangingPunct="1">
         <a:lnSpc>
           <a:spcPct val="90000"/>
         </a:lnSpc>
         <a:spcBef>
-          <a:spcPts val="500"/>
+          <a:spcPts val="200"/>
         </a:spcBef>
-        <a:buFont typeface="Arial" panose="020B0604020202020204" pitchFamily="34" charset="0"/>
+        <a:spcAft>
+          <a:spcPts val="400"/>
+        </a:spcAft>
+        <a:buClr>
+          <a:schemeClr val="accent1"/>
+        </a:buClr>
+        <a:buSzPct val="80000"/>
+        <a:buFont typeface="Corbel" pitchFamily="34" charset="0"/>
         <a:buChar char="•"/>
-        <a:defRPr sz="2400" kern="1200">
+        <a:defRPr sz="2000" kern="1200">
           <a:solidFill>
-            <a:schemeClr val="tx1"/>
+            <a:schemeClr val="accent1"/>
           </a:solidFill>
           <a:latin typeface="+mn-lt"/>
           <a:ea typeface="+mn-ea"/>
           <a:cs typeface="+mn-cs"/>
         </a:defRPr>
       </a:lvl2pPr>
-      <a:lvl3pPr marL="1143000" indent="-228600" algn="l" defTabSz="914400" rtl="0" eaLnBrk="1" latinLnBrk="0" hangingPunct="1">
+      <a:lvl3pPr marL="731520" indent="-182880" algn="l" defTabSz="914400" rtl="0" eaLnBrk="1" latinLnBrk="0" hangingPunct="1">
         <a:lnSpc>
           <a:spcPct val="90000"/>
         </a:lnSpc>
         <a:spcBef>
-          <a:spcPts val="500"/>
+          <a:spcPts val="200"/>
         </a:spcBef>
-        <a:buFont typeface="Arial" panose="020B0604020202020204" pitchFamily="34" charset="0"/>
+        <a:spcAft>
+          <a:spcPts val="400"/>
+        </a:spcAft>
+        <a:buClr>
+          <a:schemeClr val="accent1"/>
+        </a:buClr>
+        <a:buSzPct val="80000"/>
+        <a:buFont typeface="Corbel" pitchFamily="34" charset="0"/>
         <a:buChar char="•"/>
-        <a:defRPr sz="2000" kern="1200">
+        <a:defRPr sz="1800" kern="1200">
           <a:solidFill>
-            <a:schemeClr val="tx1"/>
+            <a:schemeClr val="accent1"/>
           </a:solidFill>
           <a:latin typeface="+mn-lt"/>
           <a:ea typeface="+mn-ea"/>
           <a:cs typeface="+mn-cs"/>
         </a:defRPr>
       </a:lvl3pPr>
-      <a:lvl4pPr marL="1600200" indent="-228600" algn="l" defTabSz="914400" rtl="0" eaLnBrk="1" latinLnBrk="0" hangingPunct="1">
+      <a:lvl4pPr marL="1005840" indent="-182880" algn="l" defTabSz="914400" rtl="0" eaLnBrk="1" latinLnBrk="0" hangingPunct="1">
         <a:lnSpc>
           <a:spcPct val="90000"/>
         </a:lnSpc>
         <a:spcBef>
-          <a:spcPts val="500"/>
+          <a:spcPts val="200"/>
         </a:spcBef>
-        <a:buFont typeface="Arial" panose="020B0604020202020204" pitchFamily="34" charset="0"/>
+        <a:spcAft>
+          <a:spcPts val="400"/>
+        </a:spcAft>
+        <a:buClr>
+          <a:schemeClr val="accent1"/>
+        </a:buClr>
+        <a:buSzPct val="80000"/>
+        <a:buFont typeface="Corbel" pitchFamily="34" charset="0"/>
         <a:buChar char="•"/>
-        <a:defRPr sz="1800" kern="1200">
+        <a:defRPr sz="1600" kern="1200">
           <a:solidFill>
-            <a:schemeClr val="tx1"/>
+            <a:schemeClr val="accent1"/>
           </a:solidFill>
           <a:latin typeface="+mn-lt"/>
           <a:ea typeface="+mn-ea"/>
           <a:cs typeface="+mn-cs"/>
         </a:defRPr>
       </a:lvl4pPr>
-      <a:lvl5pPr marL="2057400" indent="-228600" algn="l" defTabSz="914400" rtl="0" eaLnBrk="1" latinLnBrk="0" hangingPunct="1">
+      <a:lvl5pPr marL="1280160" indent="-182880" algn="l" defTabSz="914400" rtl="0" eaLnBrk="1" latinLnBrk="0" hangingPunct="1">
         <a:lnSpc>
           <a:spcPct val="90000"/>
         </a:lnSpc>
         <a:spcBef>
-          <a:spcPts val="500"/>
+          <a:spcPts val="200"/>
         </a:spcBef>
-        <a:buFont typeface="Arial" panose="020B0604020202020204" pitchFamily="34" charset="0"/>
+        <a:spcAft>
+          <a:spcPts val="400"/>
+        </a:spcAft>
+        <a:buClr>
+          <a:schemeClr val="accent1"/>
+        </a:buClr>
+        <a:buSzPct val="80000"/>
+        <a:buFont typeface="Corbel" pitchFamily="34" charset="0"/>
         <a:buChar char="•"/>
-        <a:defRPr sz="1800" kern="1200">
+        <a:defRPr sz="1600" kern="1200">
           <a:solidFill>
-            <a:schemeClr val="tx1"/>
+            <a:schemeClr val="accent1"/>
           </a:solidFill>
           <a:latin typeface="+mn-lt"/>
           <a:ea typeface="+mn-ea"/>
           <a:cs typeface="+mn-cs"/>
         </a:defRPr>
       </a:lvl5pPr>
-      <a:lvl6pPr marL="2514600" indent="-228600" algn="l" defTabSz="914400" rtl="0" eaLnBrk="1" latinLnBrk="0" hangingPunct="1">
+      <a:lvl6pPr marL="1600000" indent="-228600" algn="l" defTabSz="914400" rtl="0" eaLnBrk="1" latinLnBrk="0" hangingPunct="1">
         <a:lnSpc>
           <a:spcPct val="90000"/>
         </a:lnSpc>
         <a:spcBef>
-          <a:spcPts val="500"/>
+          <a:spcPts val="200"/>
         </a:spcBef>
-        <a:buFont typeface="Arial" panose="020B0604020202020204" pitchFamily="34" charset="0"/>
+        <a:spcAft>
+          <a:spcPts val="400"/>
+        </a:spcAft>
+        <a:buClr>
+          <a:schemeClr val="accent1"/>
+        </a:buClr>
+        <a:buSzPct val="80000"/>
+        <a:buFont typeface="Corbel" pitchFamily="34" charset="0"/>
         <a:buChar char="•"/>
-        <a:defRPr sz="1800" kern="1200">
+        <a:defRPr sz="1600" kern="1200">
           <a:solidFill>
-            <a:schemeClr val="tx1"/>
+            <a:schemeClr val="accent1"/>
           </a:solidFill>
           <a:latin typeface="+mn-lt"/>
           <a:ea typeface="+mn-ea"/>
           <a:cs typeface="+mn-cs"/>
         </a:defRPr>
       </a:lvl6pPr>
-      <a:lvl7pPr marL="2971800" indent="-228600" algn="l" defTabSz="914400" rtl="0" eaLnBrk="1" latinLnBrk="0" hangingPunct="1">
+      <a:lvl7pPr marL="1900000" indent="-228600" algn="l" defTabSz="914400" rtl="0" eaLnBrk="1" latinLnBrk="0" hangingPunct="1">
         <a:lnSpc>
           <a:spcPct val="90000"/>
         </a:lnSpc>
         <a:spcBef>
-          <a:spcPts val="500"/>
+          <a:spcPts val="200"/>
         </a:spcBef>
-        <a:buFont typeface="Arial" panose="020B0604020202020204" pitchFamily="34" charset="0"/>
+        <a:spcAft>
+          <a:spcPts val="400"/>
+        </a:spcAft>
+        <a:buClr>
+          <a:schemeClr val="accent1"/>
+        </a:buClr>
+        <a:buSzPct val="80000"/>
+        <a:buFont typeface="Corbel" pitchFamily="34" charset="0"/>
         <a:buChar char="•"/>
-        <a:defRPr sz="1800" kern="1200">
+        <a:defRPr sz="1600" kern="1200">
           <a:solidFill>
-            <a:schemeClr val="tx1"/>
+            <a:schemeClr val="accent1"/>
           </a:solidFill>
           <a:latin typeface="+mn-lt"/>
           <a:ea typeface="+mn-ea"/>
           <a:cs typeface="+mn-cs"/>
         </a:defRPr>
       </a:lvl7pPr>
-      <a:lvl8pPr marL="3429000" indent="-228600" algn="l" defTabSz="914400" rtl="0" eaLnBrk="1" latinLnBrk="0" hangingPunct="1">
+      <a:lvl8pPr marL="2200000" indent="-228600" algn="l" defTabSz="914400" rtl="0" eaLnBrk="1" latinLnBrk="0" hangingPunct="1">
         <a:lnSpc>
           <a:spcPct val="90000"/>
         </a:lnSpc>
         <a:spcBef>
-          <a:spcPts val="500"/>
+          <a:spcPts val="200"/>
         </a:spcBef>
-        <a:buFont typeface="Arial" panose="020B0604020202020204" pitchFamily="34" charset="0"/>
+        <a:spcAft>
+          <a:spcPts val="400"/>
+        </a:spcAft>
+        <a:buClr>
+          <a:schemeClr val="accent1"/>
+        </a:buClr>
+        <a:buSzPct val="80000"/>
+        <a:buFont typeface="Corbel" pitchFamily="34" charset="0"/>
         <a:buChar char="•"/>
-        <a:defRPr sz="1800" kern="1200">
+        <a:defRPr sz="1600" kern="1200">
           <a:solidFill>
-            <a:schemeClr val="tx1"/>
+            <a:schemeClr val="accent1"/>
           </a:solidFill>
           <a:latin typeface="+mn-lt"/>
           <a:ea typeface="+mn-ea"/>
           <a:cs typeface="+mn-cs"/>
         </a:defRPr>
       </a:lvl8pPr>
-      <a:lvl9pPr marL="3886200" indent="-228600" algn="l" defTabSz="914400" rtl="0" eaLnBrk="1" latinLnBrk="0" hangingPunct="1">
+      <a:lvl9pPr marL="2500000" indent="-228600" algn="l" defTabSz="914400" rtl="0" eaLnBrk="1" latinLnBrk="0" hangingPunct="1">
         <a:lnSpc>
           <a:spcPct val="90000"/>
         </a:lnSpc>
         <a:spcBef>
-          <a:spcPts val="500"/>
+          <a:spcPts val="200"/>
         </a:spcBef>
-        <a:buFont typeface="Arial" panose="020B0604020202020204" pitchFamily="34" charset="0"/>
+        <a:spcAft>
+          <a:spcPts val="400"/>
+        </a:spcAft>
+        <a:buClr>
+          <a:schemeClr val="accent1"/>
+        </a:buClr>
+        <a:buSzPct val="80000"/>
+        <a:buFont typeface="Corbel" pitchFamily="34" charset="0"/>
         <a:buChar char="•"/>
-        <a:defRPr sz="1800" kern="1200">
+        <a:defRPr sz="1600" kern="1200">
           <a:solidFill>
-            <a:schemeClr val="tx1"/>
+            <a:schemeClr val="accent1"/>
           </a:solidFill>
           <a:latin typeface="+mn-lt"/>
           <a:ea typeface="+mn-ea"/>
@@ -3228,7 +6109,7 @@
     </p:bodyStyle>
     <p:otherStyle>
       <a:defPPr>
-        <a:defRPr lang="es-EC"/>
+        <a:defRPr lang="en-US"/>
       </a:defPPr>
       <a:lvl1pPr marL="0" algn="l" defTabSz="914400" rtl="0" eaLnBrk="1" latinLnBrk="0" hangingPunct="1">
         <a:defRPr sz="1800" kern="1200">
@@ -3358,13 +6239,20 @@
             <p:ph type="ctrTitle"/>
           </p:nvPr>
         </p:nvSpPr>
-        <p:spPr/>
+        <p:spPr>
+          <a:xfrm>
+            <a:off x="1524000" y="688181"/>
+            <a:ext cx="9324975" cy="2963862"/>
+          </a:xfrm>
+        </p:spPr>
         <p:txBody>
-          <a:bodyPr/>
+          <a:bodyPr>
+            <a:normAutofit fontScale="90000"/>
+          </a:bodyPr>
           <a:lstStyle/>
           <a:p>
             <a:r>
-              <a:rPr lang="es-EC" dirty="0"/>
+              <a:rPr lang="es-EC" sz="8000" dirty="0"/>
               <a:t>Proyecto Ambientes No Propietarios</a:t>
             </a:r>
           </a:p>
@@ -3386,12 +6274,62 @@
             <p:ph type="subTitle" idx="1"/>
           </p:nvPr>
         </p:nvSpPr>
-        <p:spPr/>
+        <p:spPr>
+          <a:xfrm>
+            <a:off x="1524000" y="4324350"/>
+            <a:ext cx="9144000" cy="2019300"/>
+          </a:xfrm>
+        </p:spPr>
         <p:txBody>
-          <a:bodyPr/>
+          <a:bodyPr>
+            <a:normAutofit fontScale="85000" lnSpcReduction="20000"/>
+          </a:bodyPr>
           <a:lstStyle/>
           <a:p>
-            <a:endParaRPr lang="es-EC"/>
+            <a:r>
+              <a:rPr lang="es-EC" sz="1800" dirty="0"/>
+              <a:t>GRUPO 2</a:t>
+            </a:r>
+          </a:p>
+          <a:p>
+            <a:r>
+              <a:rPr lang="es-EC" sz="1800" dirty="0"/>
+              <a:t>Oscar Mateo Peñaherrera</a:t>
+            </a:r>
+          </a:p>
+          <a:p>
+            <a:r>
+              <a:rPr lang="es-EC" sz="1800" dirty="0"/>
+              <a:t>Fernando Sanmartin</a:t>
+            </a:r>
+          </a:p>
+          <a:p>
+            <a:r>
+              <a:rPr lang="es-EC" sz="1800" dirty="0"/>
+              <a:t>Alfonso Heredia</a:t>
+            </a:r>
+          </a:p>
+          <a:p>
+            <a:r>
+              <a:rPr lang="es-EC" sz="1800" dirty="0"/>
+              <a:t>Anthony </a:t>
+            </a:r>
+            <a:r>
+              <a:rPr lang="es-EC" sz="1800" dirty="0" err="1"/>
+              <a:t>Tacuri</a:t>
+            </a:r>
+            <a:endParaRPr lang="es-EC" sz="1800" dirty="0"/>
+          </a:p>
+          <a:p>
+            <a:r>
+              <a:rPr lang="es-EC" sz="1800" dirty="0"/>
+              <a:t>Elvis </a:t>
+            </a:r>
+            <a:r>
+              <a:rPr lang="es-EC" sz="1800" dirty="0" err="1"/>
+              <a:t>Perez</a:t>
+            </a:r>
+            <a:endParaRPr lang="es-EC" sz="1800" dirty="0"/>
           </a:p>
         </p:txBody>
       </p:sp>
@@ -3408,10 +6346,381 @@
 </p:sld>
 </file>
 
+<file path=ppt/slides/slide2.xml><?xml version="1.0" encoding="utf-8"?>
+<p:sld xmlns:a="http://schemas.openxmlformats.org/drawingml/2006/main" xmlns:r="http://schemas.openxmlformats.org/officeDocument/2006/relationships" xmlns:p="http://schemas.openxmlformats.org/presentationml/2006/main">
+  <p:cSld>
+    <p:spTree>
+      <p:nvGrpSpPr>
+        <p:cNvPr id="1" name=""/>
+        <p:cNvGrpSpPr/>
+        <p:nvPr/>
+      </p:nvGrpSpPr>
+      <p:grpSpPr>
+        <a:xfrm>
+          <a:off x="0" y="0"/>
+          <a:ext cx="0" cy="0"/>
+          <a:chOff x="0" y="0"/>
+          <a:chExt cx="0" cy="0"/>
+        </a:xfrm>
+      </p:grpSpPr>
+      <p:sp>
+        <p:nvSpPr>
+          <p:cNvPr id="3" name="Subtítulo 2">
+            <a:extLst>
+              <a:ext uri="{FF2B5EF4-FFF2-40B4-BE49-F238E27FC236}">
+                <a16:creationId xmlns:a16="http://schemas.microsoft.com/office/drawing/2014/main" id="{E6F7EFED-829C-450D-8B8F-D41AC14A6975}"/>
+              </a:ext>
+            </a:extLst>
+          </p:cNvPr>
+          <p:cNvSpPr>
+            <a:spLocks noGrp="1"/>
+          </p:cNvSpPr>
+          <p:nvPr>
+            <p:ph type="subTitle" idx="1"/>
+          </p:nvPr>
+        </p:nvSpPr>
+        <p:spPr>
+          <a:xfrm>
+            <a:off x="1185655" y="6200775"/>
+            <a:ext cx="8767860" cy="419099"/>
+          </a:xfrm>
+        </p:spPr>
+        <p:txBody>
+          <a:bodyPr/>
+          <a:lstStyle/>
+          <a:p>
+            <a:r>
+              <a:rPr lang="es-EC" dirty="0"/>
+              <a:t>Proyecto desarrollado en PHP</a:t>
+            </a:r>
+          </a:p>
+        </p:txBody>
+      </p:sp>
+      <p:pic>
+        <p:nvPicPr>
+          <p:cNvPr id="5" name="Imagen 4" descr="Imagen que contiene texto&#10;&#10;Descripción generada automáticamente">
+            <a:extLst>
+              <a:ext uri="{FF2B5EF4-FFF2-40B4-BE49-F238E27FC236}">
+                <a16:creationId xmlns:a16="http://schemas.microsoft.com/office/drawing/2014/main" id="{23BCCCF5-A0AB-43C2-9B7F-8CC0BB32D4D3}"/>
+              </a:ext>
+            </a:extLst>
+          </p:cNvPr>
+          <p:cNvPicPr>
+            <a:picLocks noChangeAspect="1"/>
+          </p:cNvPicPr>
+          <p:nvPr/>
+        </p:nvPicPr>
+        <p:blipFill>
+          <a:blip r:embed="rId2">
+            <a:extLst>
+              <a:ext uri="{28A0092B-C50C-407E-A947-70E740481C1C}">
+                <a14:useLocalDpi xmlns:a14="http://schemas.microsoft.com/office/drawing/2010/main" val="0"/>
+              </a:ext>
+            </a:extLst>
+          </a:blip>
+          <a:stretch>
+            <a:fillRect/>
+          </a:stretch>
+        </p:blipFill>
+        <p:spPr>
+          <a:xfrm>
+            <a:off x="2524235" y="238126"/>
+            <a:ext cx="6962665" cy="5826722"/>
+          </a:xfrm>
+          <a:prstGeom prst="rect">
+            <a:avLst/>
+          </a:prstGeom>
+        </p:spPr>
+      </p:pic>
+    </p:spTree>
+    <p:extLst>
+      <p:ext uri="{BB962C8B-B14F-4D97-AF65-F5344CB8AC3E}">
+        <p14:creationId xmlns:p14="http://schemas.microsoft.com/office/powerpoint/2010/main" val="597963114"/>
+      </p:ext>
+    </p:extLst>
+  </p:cSld>
+  <p:clrMapOvr>
+    <a:masterClrMapping/>
+  </p:clrMapOvr>
+</p:sld>
+</file>
+
+<file path=ppt/slides/slide3.xml><?xml version="1.0" encoding="utf-8"?>
+<p:sld xmlns:a="http://schemas.openxmlformats.org/drawingml/2006/main" xmlns:r="http://schemas.openxmlformats.org/officeDocument/2006/relationships" xmlns:p="http://schemas.openxmlformats.org/presentationml/2006/main">
+  <p:cSld>
+    <p:spTree>
+      <p:nvGrpSpPr>
+        <p:cNvPr id="1" name=""/>
+        <p:cNvGrpSpPr/>
+        <p:nvPr/>
+      </p:nvGrpSpPr>
+      <p:grpSpPr>
+        <a:xfrm>
+          <a:off x="0" y="0"/>
+          <a:ext cx="0" cy="0"/>
+          <a:chOff x="0" y="0"/>
+          <a:chExt cx="0" cy="0"/>
+        </a:xfrm>
+      </p:grpSpPr>
+      <p:sp>
+        <p:nvSpPr>
+          <p:cNvPr id="2" name="Título 1">
+            <a:extLst>
+              <a:ext uri="{FF2B5EF4-FFF2-40B4-BE49-F238E27FC236}">
+                <a16:creationId xmlns:a16="http://schemas.microsoft.com/office/drawing/2014/main" id="{24DE158C-22D4-4CE3-99BE-4457046E4F03}"/>
+              </a:ext>
+            </a:extLst>
+          </p:cNvPr>
+          <p:cNvSpPr>
+            <a:spLocks noGrp="1"/>
+          </p:cNvSpPr>
+          <p:nvPr>
+            <p:ph type="title"/>
+          </p:nvPr>
+        </p:nvSpPr>
+        <p:spPr/>
+        <p:txBody>
+          <a:bodyPr/>
+          <a:lstStyle/>
+          <a:p>
+            <a:r>
+              <a:rPr lang="es-EC" dirty="0"/>
+              <a:t>¿Qué queremos hacer?</a:t>
+            </a:r>
+          </a:p>
+        </p:txBody>
+      </p:sp>
+      <p:sp>
+        <p:nvSpPr>
+          <p:cNvPr id="3" name="Marcador de contenido 2">
+            <a:extLst>
+              <a:ext uri="{FF2B5EF4-FFF2-40B4-BE49-F238E27FC236}">
+                <a16:creationId xmlns:a16="http://schemas.microsoft.com/office/drawing/2014/main" id="{29FE6C35-064F-4706-B890-8F6AE14B0BFC}"/>
+              </a:ext>
+            </a:extLst>
+          </p:cNvPr>
+          <p:cNvSpPr>
+            <a:spLocks noGrp="1"/>
+          </p:cNvSpPr>
+          <p:nvPr>
+            <p:ph idx="1"/>
+          </p:nvPr>
+        </p:nvSpPr>
+        <p:spPr>
+          <a:xfrm>
+            <a:off x="5598795" y="1871663"/>
+            <a:ext cx="5419725" cy="4376737"/>
+          </a:xfrm>
+        </p:spPr>
+        <p:txBody>
+          <a:bodyPr>
+            <a:normAutofit lnSpcReduction="10000"/>
+          </a:bodyPr>
+          <a:lstStyle/>
+          <a:p>
+            <a:r>
+              <a:rPr lang="es-ES" sz="2400" dirty="0"/>
+              <a:t>El sistema consiste en un sitio web desarrollado en PHP, para facilitar al turista nacional o extranjero, sobre las condiciones meteorológicas de lugares turísticos de Ecuador. </a:t>
+            </a:r>
+          </a:p>
+          <a:p>
+            <a:r>
+              <a:rPr lang="es-ES" sz="2400" dirty="0"/>
+              <a:t>De este modo el turista puede ir y estar seguro de que las condiciones de clima serán las mejores para que pueda disfrutar de su viaje. Además de ello, se integrará un servicio adicional de reserva de pasajes de transporte terrestre, y varios </a:t>
+            </a:r>
+            <a:r>
+              <a:rPr lang="es-ES" sz="2400" dirty="0" err="1"/>
+              <a:t>tips</a:t>
+            </a:r>
+            <a:r>
+              <a:rPr lang="es-ES" sz="2400" dirty="0"/>
+              <a:t> para viajeros poco frecuentes o poco experimentados.</a:t>
+            </a:r>
+            <a:endParaRPr lang="es-EC" sz="2400" dirty="0"/>
+          </a:p>
+        </p:txBody>
+      </p:sp>
+      <p:pic>
+        <p:nvPicPr>
+          <p:cNvPr id="4" name="Imagen 3">
+            <a:extLst>
+              <a:ext uri="{FF2B5EF4-FFF2-40B4-BE49-F238E27FC236}">
+                <a16:creationId xmlns:a16="http://schemas.microsoft.com/office/drawing/2014/main" id="{AE590917-E138-4E20-ADCC-E2BF095417B6}"/>
+              </a:ext>
+            </a:extLst>
+          </p:cNvPr>
+          <p:cNvPicPr>
+            <a:picLocks noChangeAspect="1"/>
+          </p:cNvPicPr>
+          <p:nvPr/>
+        </p:nvPicPr>
+        <p:blipFill>
+          <a:blip r:embed="rId2"/>
+          <a:stretch>
+            <a:fillRect/>
+          </a:stretch>
+        </p:blipFill>
+        <p:spPr>
+          <a:xfrm rot="20105923">
+            <a:off x="1107559" y="2113279"/>
+            <a:ext cx="3744915" cy="3744915"/>
+          </a:xfrm>
+          <a:prstGeom prst="rect">
+            <a:avLst/>
+          </a:prstGeom>
+        </p:spPr>
+      </p:pic>
+    </p:spTree>
+    <p:extLst>
+      <p:ext uri="{BB962C8B-B14F-4D97-AF65-F5344CB8AC3E}">
+        <p14:creationId xmlns:p14="http://schemas.microsoft.com/office/powerpoint/2010/main" val="2502944781"/>
+      </p:ext>
+    </p:extLst>
+  </p:cSld>
+  <p:clrMapOvr>
+    <a:masterClrMapping/>
+  </p:clrMapOvr>
+</p:sld>
+</file>
+
+<file path=ppt/slides/slide4.xml><?xml version="1.0" encoding="utf-8"?>
+<p:sld xmlns:a="http://schemas.openxmlformats.org/drawingml/2006/main" xmlns:r="http://schemas.openxmlformats.org/officeDocument/2006/relationships" xmlns:p="http://schemas.openxmlformats.org/presentationml/2006/main">
+  <p:cSld>
+    <p:bg>
+      <p:bgPr>
+        <a:solidFill>
+          <a:schemeClr val="accent1"/>
+        </a:solidFill>
+        <a:effectLst/>
+      </p:bgPr>
+    </p:bg>
+    <p:spTree>
+      <p:nvGrpSpPr>
+        <p:cNvPr id="1" name=""/>
+        <p:cNvGrpSpPr/>
+        <p:nvPr/>
+      </p:nvGrpSpPr>
+      <p:grpSpPr>
+        <a:xfrm>
+          <a:off x="0" y="0"/>
+          <a:ext cx="0" cy="0"/>
+          <a:chOff x="0" y="0"/>
+          <a:chExt cx="0" cy="0"/>
+        </a:xfrm>
+      </p:grpSpPr>
+      <p:sp>
+        <p:nvSpPr>
+          <p:cNvPr id="2" name="Título 1">
+            <a:extLst>
+              <a:ext uri="{FF2B5EF4-FFF2-40B4-BE49-F238E27FC236}">
+                <a16:creationId xmlns:a16="http://schemas.microsoft.com/office/drawing/2014/main" id="{A4443E80-44C0-4487-9944-5701C0AA9AC4}"/>
+              </a:ext>
+            </a:extLst>
+          </p:cNvPr>
+          <p:cNvSpPr>
+            <a:spLocks noGrp="1"/>
+          </p:cNvSpPr>
+          <p:nvPr>
+            <p:ph type="title"/>
+          </p:nvPr>
+        </p:nvSpPr>
+        <p:spPr>
+          <a:xfrm>
+            <a:off x="2997227" y="505777"/>
+            <a:ext cx="5746622" cy="1527810"/>
+          </a:xfrm>
+        </p:spPr>
+        <p:txBody>
+          <a:bodyPr>
+            <a:normAutofit/>
+          </a:bodyPr>
+          <a:lstStyle/>
+          <a:p>
+            <a:r>
+              <a:rPr lang="es-EC" sz="3200" dirty="0"/>
+              <a:t>¿Quiénes usaran el sistema?</a:t>
+            </a:r>
+          </a:p>
+        </p:txBody>
+      </p:sp>
+      <p:pic>
+        <p:nvPicPr>
+          <p:cNvPr id="7" name="Imagen 6">
+            <a:extLst>
+              <a:ext uri="{FF2B5EF4-FFF2-40B4-BE49-F238E27FC236}">
+                <a16:creationId xmlns:a16="http://schemas.microsoft.com/office/drawing/2014/main" id="{57EC2438-3601-4BD3-B07C-F2224D993E99}"/>
+              </a:ext>
+            </a:extLst>
+          </p:cNvPr>
+          <p:cNvPicPr>
+            <a:picLocks noChangeAspect="1"/>
+          </p:cNvPicPr>
+          <p:nvPr/>
+        </p:nvPicPr>
+        <p:blipFill>
+          <a:blip r:embed="rId2"/>
+          <a:stretch>
+            <a:fillRect/>
+          </a:stretch>
+        </p:blipFill>
+        <p:spPr>
+          <a:xfrm>
+            <a:off x="872064" y="2390774"/>
+            <a:ext cx="4998473" cy="2624197"/>
+          </a:xfrm>
+          <a:prstGeom prst="rect">
+            <a:avLst/>
+          </a:prstGeom>
+        </p:spPr>
+      </p:pic>
+      <p:graphicFrame>
+        <p:nvGraphicFramePr>
+          <p:cNvPr id="6" name="Marcador de contenido 2">
+            <a:extLst>
+              <a:ext uri="{FF2B5EF4-FFF2-40B4-BE49-F238E27FC236}">
+                <a16:creationId xmlns:a16="http://schemas.microsoft.com/office/drawing/2014/main" id="{7B04A372-5CCF-4718-96AD-9E82352F3F69}"/>
+              </a:ext>
+            </a:extLst>
+          </p:cNvPr>
+          <p:cNvGraphicFramePr>
+            <a:graphicFrameLocks noGrp="1"/>
+          </p:cNvGraphicFramePr>
+          <p:nvPr>
+            <p:ph idx="1"/>
+            <p:extLst>
+              <p:ext uri="{D42A27DB-BD31-4B8C-83A1-F6EECF244321}">
+                <p14:modId xmlns:p14="http://schemas.microsoft.com/office/powerpoint/2010/main" val="959168942"/>
+              </p:ext>
+            </p:extLst>
+          </p:nvPr>
+        </p:nvGraphicFramePr>
+        <p:xfrm>
+          <a:off x="5870538" y="1676400"/>
+          <a:ext cx="5600610" cy="4419600"/>
+        </p:xfrm>
+        <a:graphic>
+          <a:graphicData uri="http://schemas.openxmlformats.org/drawingml/2006/diagram">
+            <dgm:relIds xmlns:dgm="http://schemas.openxmlformats.org/drawingml/2006/diagram" xmlns:r="http://schemas.openxmlformats.org/officeDocument/2006/relationships" r:dm="rId3" r:lo="rId4" r:qs="rId5" r:cs="rId6"/>
+          </a:graphicData>
+        </a:graphic>
+      </p:graphicFrame>
+    </p:spTree>
+    <p:extLst>
+      <p:ext uri="{BB962C8B-B14F-4D97-AF65-F5344CB8AC3E}">
+        <p14:creationId xmlns:p14="http://schemas.microsoft.com/office/powerpoint/2010/main" val="973231383"/>
+      </p:ext>
+    </p:extLst>
+  </p:cSld>
+  <p:clrMapOvr>
+    <a:masterClrMapping/>
+  </p:clrMapOvr>
+</p:sld>
+</file>
+
 <file path=ppt/theme/theme1.xml><?xml version="1.0" encoding="utf-8"?>
-<a:theme xmlns:a="http://schemas.openxmlformats.org/drawingml/2006/main" name="Tema de Office">
+<a:theme xmlns:a="http://schemas.openxmlformats.org/drawingml/2006/main" name="Base">
   <a:themeElements>
-    <a:clrScheme name="Office">
+    <a:clrScheme name="Base">
       <a:dk1>
         <a:sysClr val="windowText" lastClr="000000"/>
       </a:dk1>
@@ -3419,100 +6728,48 @@
         <a:sysClr val="window" lastClr="FFFFFF"/>
       </a:lt1>
       <a:dk2>
-        <a:srgbClr val="44546A"/>
+        <a:srgbClr val="335B74"/>
       </a:dk2>
       <a:lt2>
-        <a:srgbClr val="E7E6E6"/>
+        <a:srgbClr val="DFE3E5"/>
       </a:lt2>
       <a:accent1>
-        <a:srgbClr val="4472C4"/>
+        <a:srgbClr val="1CADE4"/>
       </a:accent1>
       <a:accent2>
-        <a:srgbClr val="ED7D31"/>
+        <a:srgbClr val="2683C6"/>
       </a:accent2>
       <a:accent3>
-        <a:srgbClr val="A5A5A5"/>
+        <a:srgbClr val="27CED7"/>
       </a:accent3>
       <a:accent4>
-        <a:srgbClr val="FFC000"/>
+        <a:srgbClr val="42BA97"/>
       </a:accent4>
       <a:accent5>
-        <a:srgbClr val="5B9BD5"/>
+        <a:srgbClr val="3E8853"/>
       </a:accent5>
       <a:accent6>
-        <a:srgbClr val="70AD47"/>
+        <a:srgbClr val="62A39F"/>
       </a:accent6>
       <a:hlink>
-        <a:srgbClr val="0563C1"/>
+        <a:srgbClr val="6EAC1C"/>
       </a:hlink>
       <a:folHlink>
-        <a:srgbClr val="954F72"/>
+        <a:srgbClr val="B26B02"/>
       </a:folHlink>
     </a:clrScheme>
-    <a:fontScheme name="Office">
+    <a:fontScheme name="Base">
       <a:majorFont>
-        <a:latin typeface="Calibri Light" panose="020F0302020204030204"/>
+        <a:latin typeface="Corbel" panose="020B0503020204020204"/>
         <a:ea typeface=""/>
         <a:cs typeface=""/>
-        <a:font script="Jpan" typeface="游ゴシック Light"/>
+        <a:font script="Jpan" typeface="ＭＳ ゴシック"/>
         <a:font script="Hang" typeface="맑은 고딕"/>
-        <a:font script="Hans" typeface="等线 Light"/>
+        <a:font script="Hans" typeface="宋体"/>
         <a:font script="Hant" typeface="新細明體"/>
-        <a:font script="Arab" typeface="Times New Roman"/>
-        <a:font script="Hebr" typeface="Times New Roman"/>
-        <a:font script="Thai" typeface="Angsana New"/>
-        <a:font script="Ethi" typeface="Nyala"/>
-        <a:font script="Beng" typeface="Vrinda"/>
-        <a:font script="Gujr" typeface="Shruti"/>
-        <a:font script="Khmr" typeface="MoolBoran"/>
-        <a:font script="Knda" typeface="Tunga"/>
-        <a:font script="Guru" typeface="Raavi"/>
-        <a:font script="Cans" typeface="Euphemia"/>
-        <a:font script="Cher" typeface="Plantagenet Cherokee"/>
-        <a:font script="Yiii" typeface="Microsoft Yi Baiti"/>
-        <a:font script="Tibt" typeface="Microsoft Himalaya"/>
-        <a:font script="Thaa" typeface="MV Boli"/>
-        <a:font script="Deva" typeface="Mangal"/>
-        <a:font script="Telu" typeface="Gautami"/>
-        <a:font script="Taml" typeface="Latha"/>
-        <a:font script="Syrc" typeface="Estrangelo Edessa"/>
-        <a:font script="Orya" typeface="Kalinga"/>
-        <a:font script="Mlym" typeface="Kartika"/>
-        <a:font script="Laoo" typeface="DokChampa"/>
-        <a:font script="Sinh" typeface="Iskoola Pota"/>
-        <a:font script="Mong" typeface="Mongolian Baiti"/>
-        <a:font script="Viet" typeface="Times New Roman"/>
-        <a:font script="Uigh" typeface="Microsoft Uighur"/>
-        <a:font script="Geor" typeface="Sylfaen"/>
-        <a:font script="Armn" typeface="Arial"/>
-        <a:font script="Bugi" typeface="Leelawadee UI"/>
-        <a:font script="Bopo" typeface="Microsoft JhengHei"/>
-        <a:font script="Java" typeface="Javanese Text"/>
-        <a:font script="Lisu" typeface="Segoe UI"/>
-        <a:font script="Mymr" typeface="Myanmar Text"/>
-        <a:font script="Nkoo" typeface="Ebrima"/>
-        <a:font script="Olck" typeface="Nirmala UI"/>
-        <a:font script="Osma" typeface="Ebrima"/>
-        <a:font script="Phag" typeface="Phagspa"/>
-        <a:font script="Syrn" typeface="Estrangelo Edessa"/>
-        <a:font script="Syrj" typeface="Estrangelo Edessa"/>
-        <a:font script="Syre" typeface="Estrangelo Edessa"/>
-        <a:font script="Sora" typeface="Nirmala UI"/>
-        <a:font script="Tale" typeface="Microsoft Tai Le"/>
-        <a:font script="Talu" typeface="Microsoft New Tai Lue"/>
-        <a:font script="Tfng" typeface="Ebrima"/>
-      </a:majorFont>
-      <a:minorFont>
-        <a:latin typeface="Calibri" panose="020F0502020204030204"/>
-        <a:ea typeface=""/>
-        <a:cs typeface=""/>
-        <a:font script="Jpan" typeface="游ゴシック"/>
-        <a:font script="Hang" typeface="맑은 고딕"/>
-        <a:font script="Hans" typeface="等线"/>
-        <a:font script="Hant" typeface="新細明體"/>
-        <a:font script="Arab" typeface="Arial"/>
-        <a:font script="Hebr" typeface="Arial"/>
-        <a:font script="Thai" typeface="Cordia New"/>
+        <a:font script="Arab" typeface="Tahoma"/>
+        <a:font script="Hebr" typeface="Gisha"/>
+        <a:font script="Thai" typeface="DilleniaUPC"/>
         <a:font script="Ethi" typeface="Nyala"/>
         <a:font script="Beng" typeface="Vrinda"/>
         <a:font script="Gujr" typeface="Shruti"/>
@@ -3533,107 +6790,98 @@
         <a:font script="Laoo" typeface="DokChampa"/>
         <a:font script="Sinh" typeface="Iskoola Pota"/>
         <a:font script="Mong" typeface="Mongolian Baiti"/>
-        <a:font script="Viet" typeface="Arial"/>
+        <a:font script="Viet" typeface="Tahoma"/>
         <a:font script="Uigh" typeface="Microsoft Uighur"/>
         <a:font script="Geor" typeface="Sylfaen"/>
-        <a:font script="Armn" typeface="Arial"/>
-        <a:font script="Bugi" typeface="Leelawadee UI"/>
-        <a:font script="Bopo" typeface="Microsoft JhengHei"/>
-        <a:font script="Java" typeface="Javanese Text"/>
-        <a:font script="Lisu" typeface="Segoe UI"/>
-        <a:font script="Mymr" typeface="Myanmar Text"/>
-        <a:font script="Nkoo" typeface="Ebrima"/>
-        <a:font script="Olck" typeface="Nirmala UI"/>
-        <a:font script="Osma" typeface="Ebrima"/>
-        <a:font script="Phag" typeface="Phagspa"/>
-        <a:font script="Syrn" typeface="Estrangelo Edessa"/>
-        <a:font script="Syrj" typeface="Estrangelo Edessa"/>
-        <a:font script="Syre" typeface="Estrangelo Edessa"/>
-        <a:font script="Sora" typeface="Nirmala UI"/>
-        <a:font script="Tale" typeface="Microsoft Tai Le"/>
-        <a:font script="Talu" typeface="Microsoft New Tai Lue"/>
-        <a:font script="Tfng" typeface="Ebrima"/>
+      </a:majorFont>
+      <a:minorFont>
+        <a:latin typeface="Corbel" panose="020B0503020204020204"/>
+        <a:ea typeface=""/>
+        <a:cs typeface=""/>
+        <a:font script="Jpan" typeface="ＭＳ ゴシック"/>
+        <a:font script="Hang" typeface="맑은 고딕"/>
+        <a:font script="Hans" typeface="宋体"/>
+        <a:font script="Hant" typeface="新細明體"/>
+        <a:font script="Arab" typeface="Tahoma"/>
+        <a:font script="Hebr" typeface="Gisha"/>
+        <a:font script="Thai" typeface="DilleniaUPC"/>
+        <a:font script="Ethi" typeface="Nyala"/>
+        <a:font script="Beng" typeface="Vrinda"/>
+        <a:font script="Gujr" typeface="Shruti"/>
+        <a:font script="Khmr" typeface="DaunPenh"/>
+        <a:font script="Knda" typeface="Tunga"/>
+        <a:font script="Guru" typeface="Raavi"/>
+        <a:font script="Cans" typeface="Euphemia"/>
+        <a:font script="Cher" typeface="Plantagenet Cherokee"/>
+        <a:font script="Yiii" typeface="Microsoft Yi Baiti"/>
+        <a:font script="Tibt" typeface="Microsoft Himalaya"/>
+        <a:font script="Thaa" typeface="MV Boli"/>
+        <a:font script="Deva" typeface="Mangal"/>
+        <a:font script="Telu" typeface="Gautami"/>
+        <a:font script="Taml" typeface="Latha"/>
+        <a:font script="Syrc" typeface="Estrangelo Edessa"/>
+        <a:font script="Orya" typeface="Kalinga"/>
+        <a:font script="Mlym" typeface="Kartika"/>
+        <a:font script="Laoo" typeface="DokChampa"/>
+        <a:font script="Sinh" typeface="Iskoola Pota"/>
+        <a:font script="Mong" typeface="Mongolian Baiti"/>
+        <a:font script="Viet" typeface="Verdana"/>
+        <a:font script="Uigh" typeface="Microsoft Uighur"/>
+        <a:font script="Geor" typeface="Sylfaen"/>
       </a:minorFont>
     </a:fontScheme>
-    <a:fmtScheme name="Office">
+    <a:fmtScheme name="Base">
       <a:fillStyleLst>
         <a:solidFill>
           <a:schemeClr val="phClr"/>
         </a:solidFill>
+        <a:solidFill>
+          <a:schemeClr val="phClr">
+            <a:tint val="55000"/>
+            <a:satMod val="130000"/>
+          </a:schemeClr>
+        </a:solidFill>
         <a:gradFill rotWithShape="1">
           <a:gsLst>
             <a:gs pos="0">
+              <a:schemeClr val="phClr"/>
+            </a:gs>
+            <a:gs pos="90000">
               <a:schemeClr val="phClr">
-                <a:lumMod val="110000"/>
+                <a:shade val="100000"/>
                 <a:satMod val="105000"/>
-                <a:tint val="67000"/>
-              </a:schemeClr>
-            </a:gs>
-            <a:gs pos="50000">
-              <a:schemeClr val="phClr">
-                <a:lumMod val="105000"/>
-                <a:satMod val="103000"/>
-                <a:tint val="73000"/>
               </a:schemeClr>
             </a:gs>
             <a:gs pos="100000">
               <a:schemeClr val="phClr">
-                <a:lumMod val="105000"/>
-                <a:satMod val="109000"/>
-                <a:tint val="81000"/>
+                <a:shade val="80000"/>
+                <a:satMod val="120000"/>
               </a:schemeClr>
             </a:gs>
           </a:gsLst>
-          <a:lin ang="5400000" scaled="0"/>
-        </a:gradFill>
-        <a:gradFill rotWithShape="1">
-          <a:gsLst>
-            <a:gs pos="0">
-              <a:schemeClr val="phClr">
-                <a:satMod val="103000"/>
-                <a:lumMod val="102000"/>
-                <a:tint val="94000"/>
-              </a:schemeClr>
-            </a:gs>
-            <a:gs pos="50000">
-              <a:schemeClr val="phClr">
-                <a:satMod val="110000"/>
-                <a:lumMod val="100000"/>
-                <a:shade val="100000"/>
-              </a:schemeClr>
-            </a:gs>
-            <a:gs pos="100000">
-              <a:schemeClr val="phClr">
-                <a:lumMod val="99000"/>
-                <a:satMod val="120000"/>
-                <a:shade val="78000"/>
-              </a:schemeClr>
-            </a:gs>
-          </a:gsLst>
-          <a:lin ang="5400000" scaled="0"/>
+          <a:path path="circle">
+            <a:fillToRect l="100000" t="100000" r="100000" b="100000"/>
+          </a:path>
         </a:gradFill>
       </a:fillStyleLst>
       <a:lnStyleLst>
-        <a:ln w="6350" cap="flat" cmpd="sng" algn="ctr">
+        <a:ln w="10000" cap="flat" cmpd="sng" algn="ctr">
           <a:solidFill>
             <a:schemeClr val="phClr"/>
           </a:solidFill>
           <a:prstDash val="solid"/>
-          <a:miter lim="800000"/>
-        </a:ln>
-        <a:ln w="12700" cap="flat" cmpd="sng" algn="ctr">
-          <a:solidFill>
-            <a:schemeClr val="phClr"/>
-          </a:solidFill>
-          <a:prstDash val="solid"/>
-          <a:miter lim="800000"/>
         </a:ln>
         <a:ln w="19050" cap="flat" cmpd="sng" algn="ctr">
           <a:solidFill>
             <a:schemeClr val="phClr"/>
           </a:solidFill>
           <a:prstDash val="solid"/>
-          <a:miter lim="800000"/>
+        </a:ln>
+        <a:ln w="53975" cap="flat" cmpd="dbl" algn="ctr">
+          <a:solidFill>
+            <a:schemeClr val="phClr"/>
+          </a:solidFill>
+          <a:prstDash val="solid"/>
         </a:ln>
       </a:lnStyleLst>
       <a:effectStyleLst>
@@ -3641,16 +6889,37 @@
           <a:effectLst/>
         </a:effectStyle>
         <a:effectStyle>
-          <a:effectLst/>
+          <a:effectLst>
+            <a:outerShdw blurRad="38100" dist="25400" dir="5400000" rotWithShape="0">
+              <a:srgbClr val="000000">
+                <a:alpha val="45000"/>
+              </a:srgbClr>
+            </a:outerShdw>
+          </a:effectLst>
         </a:effectStyle>
         <a:effectStyle>
           <a:effectLst>
-            <a:outerShdw blurRad="57150" dist="19050" dir="5400000" algn="ctr" rotWithShape="0">
+            <a:outerShdw blurRad="38100" dist="25400" dir="5400000" rotWithShape="0">
               <a:srgbClr val="000000">
-                <a:alpha val="63000"/>
+                <a:alpha val="45000"/>
               </a:srgbClr>
             </a:outerShdw>
           </a:effectLst>
+          <a:scene3d>
+            <a:camera prst="orthographicFront">
+              <a:rot lat="0" lon="0" rev="0"/>
+            </a:camera>
+            <a:lightRig rig="brightRoom" dir="t"/>
+          </a:scene3d>
+          <a:sp3d extrusionH="12700" contourW="25400" prstMaterial="flat">
+            <a:bevelT w="63500" h="152400" prst="angle"/>
+            <a:contourClr>
+              <a:schemeClr val="phClr">
+                <a:shade val="27000"/>
+                <a:satMod val="120000"/>
+              </a:schemeClr>
+            </a:contourClr>
+          </a:sp3d>
         </a:effectStyle>
       </a:effectStyleLst>
       <a:bgFillStyleLst>
@@ -3660,36 +6929,18 @@
         <a:solidFill>
           <a:schemeClr val="phClr">
             <a:tint val="95000"/>
-            <a:satMod val="170000"/>
+            <a:shade val="95000"/>
+            <a:satMod val="140000"/>
           </a:schemeClr>
         </a:solidFill>
-        <a:gradFill rotWithShape="1">
-          <a:gsLst>
-            <a:gs pos="0">
-              <a:schemeClr val="phClr">
-                <a:tint val="93000"/>
-                <a:satMod val="150000"/>
-                <a:shade val="98000"/>
-                <a:lumMod val="102000"/>
-              </a:schemeClr>
-            </a:gs>
-            <a:gs pos="50000">
-              <a:schemeClr val="phClr">
-                <a:tint val="98000"/>
-                <a:satMod val="130000"/>
-                <a:shade val="90000"/>
-                <a:lumMod val="103000"/>
-              </a:schemeClr>
-            </a:gs>
-            <a:gs pos="100000">
-              <a:schemeClr val="phClr">
-                <a:shade val="63000"/>
-                <a:satMod val="120000"/>
-              </a:schemeClr>
-            </a:gs>
-          </a:gsLst>
-          <a:lin ang="5400000" scaled="0"/>
-        </a:gradFill>
+        <a:solidFill>
+          <a:schemeClr val="phClr">
+            <a:tint val="90000"/>
+            <a:shade val="85000"/>
+            <a:satMod val="160000"/>
+            <a:lumMod val="110000"/>
+          </a:schemeClr>
+        </a:solidFill>
       </a:bgFillStyleLst>
     </a:fmtScheme>
   </a:themeElements>
@@ -3697,7 +6948,7 @@
   <a:extraClrSchemeLst/>
   <a:extLst>
     <a:ext uri="{05A4C25C-085E-4340-85A3-A5531E510DB2}">
-      <thm15:themeFamily xmlns:thm15="http://schemas.microsoft.com/office/thememl/2012/main" name="Office Theme" id="{62F939B6-93AF-4DB8-9C6B-D6C7DFDC589F}" vid="{4A3C46E8-61CC-4603-A589-7422A47A8E4A}"/>
+      <thm15:themeFamily xmlns:thm15="http://schemas.microsoft.com/office/thememl/2012/main" name="Basis" id="{5665723A-49BA-4B57-8411-A56F8F207965}" vid="{D9D01AC2-EE7D-4E49-99EE-8E62E4E7E8A7}"/>
     </a:ext>
   </a:extLst>
 </a:theme>

--- a/Proyecto Ambientes No Propietarios.pptx
+++ b/Proyecto Ambientes No Propietarios.pptx
@@ -9,6 +9,7 @@
     <p:sldId id="258" r:id="rId3"/>
     <p:sldId id="259" r:id="rId4"/>
     <p:sldId id="260" r:id="rId5"/>
+    <p:sldId id="261" r:id="rId6"/>
   </p:sldIdLst>
   <p:sldSz cx="12192000" cy="6858000"/>
   <p:notesSz cx="6858000" cy="9144000"/>
@@ -1019,6 +1020,13 @@
         </dgm:presLayoutVars>
       </dgm:prSet>
       <dgm:spPr/>
+      <dgm:t>
+        <a:bodyPr/>
+        <a:lstStyle/>
+        <a:p>
+          <a:endParaRPr lang="es-ES"/>
+        </a:p>
+      </dgm:t>
     </dgm:pt>
     <dgm:pt modelId="{53B14151-8822-4DC5-9A77-52A25D12C232}" type="pres">
       <dgm:prSet presAssocID="{5BF25B86-A5EF-438C-8D79-BA63AA124D3B}" presName="compNode" presStyleCnt="0"/>
@@ -1039,13 +1047,13 @@
       <dgm:prSet presAssocID="{5BF25B86-A5EF-438C-8D79-BA63AA124D3B}" presName="iconRect" presStyleLbl="node1" presStyleIdx="0" presStyleCnt="3"/>
       <dgm:spPr>
         <a:blipFill>
-          <a:blip xmlns:r="http://schemas.openxmlformats.org/officeDocument/2006/relationships" r:embed="rId1">
+          <a:blip xmlns:r="http://schemas.openxmlformats.org/officeDocument/2006/relationships" r:embed="rId1" cstate="hqprint">
             <a:extLst>
               <a:ext uri="{28A0092B-C50C-407E-A947-70E740481C1C}">
                 <a14:useLocalDpi xmlns:a14="http://schemas.microsoft.com/office/drawing/2010/main" val="0"/>
               </a:ext>
               <a:ext uri="{96DAC541-7B7A-43D3-8B79-37D633B846F1}">
-                <asvg:svgBlip xmlns:asvg="http://schemas.microsoft.com/office/drawing/2016/SVG/main" r:embed="rId2"/>
+                <asvg:svgBlip xmlns:asvg="http://schemas.microsoft.com/office/drawing/2016/SVG/main" xmlns="" r:embed="rId2"/>
               </a:ext>
             </a:extLst>
           </a:blip>
@@ -1057,6 +1065,13 @@
           <a:noFill/>
         </a:ln>
       </dgm:spPr>
+      <dgm:t>
+        <a:bodyPr/>
+        <a:lstStyle/>
+        <a:p>
+          <a:endParaRPr lang="es-ES"/>
+        </a:p>
+      </dgm:t>
       <dgm:extLst>
         <a:ext uri="{E40237B7-FDA0-4F09-8148-C483321AD2D9}">
           <dgm14:cNvPr xmlns:dgm14="http://schemas.microsoft.com/office/drawing/2010/diagram" id="0" name="" descr="Users"/>
@@ -1075,6 +1090,13 @@
         </dgm:presLayoutVars>
       </dgm:prSet>
       <dgm:spPr/>
+      <dgm:t>
+        <a:bodyPr/>
+        <a:lstStyle/>
+        <a:p>
+          <a:endParaRPr lang="es-ES"/>
+        </a:p>
+      </dgm:t>
     </dgm:pt>
     <dgm:pt modelId="{E862CA57-A042-435E-90E4-2CBEA3440F4F}" type="pres">
       <dgm:prSet presAssocID="{ACB478F3-DFF2-4601-B340-FF95D790D6C2}" presName="sibTrans" presStyleCnt="0"/>
@@ -1099,13 +1121,13 @@
       <dgm:prSet presAssocID="{F03C2972-4FD6-4AAB-95E2-EF161F9FEB7C}" presName="iconRect" presStyleLbl="node1" presStyleIdx="1" presStyleCnt="3"/>
       <dgm:spPr>
         <a:blipFill>
-          <a:blip xmlns:r="http://schemas.openxmlformats.org/officeDocument/2006/relationships" r:embed="rId3">
+          <a:blip xmlns:r="http://schemas.openxmlformats.org/officeDocument/2006/relationships" r:embed="rId3" cstate="hqprint">
             <a:extLst>
               <a:ext uri="{28A0092B-C50C-407E-A947-70E740481C1C}">
                 <a14:useLocalDpi xmlns:a14="http://schemas.microsoft.com/office/drawing/2010/main" val="0"/>
               </a:ext>
               <a:ext uri="{96DAC541-7B7A-43D3-8B79-37D633B846F1}">
-                <asvg:svgBlip xmlns:asvg="http://schemas.microsoft.com/office/drawing/2016/SVG/main" r:embed="rId4"/>
+                <asvg:svgBlip xmlns:asvg="http://schemas.microsoft.com/office/drawing/2016/SVG/main" xmlns="" r:embed="rId4"/>
               </a:ext>
             </a:extLst>
           </a:blip>
@@ -1117,6 +1139,13 @@
           <a:noFill/>
         </a:ln>
       </dgm:spPr>
+      <dgm:t>
+        <a:bodyPr/>
+        <a:lstStyle/>
+        <a:p>
+          <a:endParaRPr lang="es-ES"/>
+        </a:p>
+      </dgm:t>
       <dgm:extLst>
         <a:ext uri="{E40237B7-FDA0-4F09-8148-C483321AD2D9}">
           <dgm14:cNvPr xmlns:dgm14="http://schemas.microsoft.com/office/drawing/2010/diagram" id="0" name="" descr="Handshake"/>
@@ -1135,6 +1164,13 @@
         </dgm:presLayoutVars>
       </dgm:prSet>
       <dgm:spPr/>
+      <dgm:t>
+        <a:bodyPr/>
+        <a:lstStyle/>
+        <a:p>
+          <a:endParaRPr lang="es-ES"/>
+        </a:p>
+      </dgm:t>
     </dgm:pt>
     <dgm:pt modelId="{2986198A-44D6-45EF-B2AF-FA4E33DCCFA6}" type="pres">
       <dgm:prSet presAssocID="{027834A0-09D7-48DA-A375-1AADED90F254}" presName="sibTrans" presStyleCnt="0"/>
@@ -1159,13 +1195,13 @@
       <dgm:prSet presAssocID="{66BB2FB4-1BD5-4FBF-8B62-50E4D564060E}" presName="iconRect" presStyleLbl="node1" presStyleIdx="2" presStyleCnt="3"/>
       <dgm:spPr>
         <a:blipFill>
-          <a:blip xmlns:r="http://schemas.openxmlformats.org/officeDocument/2006/relationships" r:embed="rId5">
+          <a:blip xmlns:r="http://schemas.openxmlformats.org/officeDocument/2006/relationships" r:embed="rId5" cstate="hqprint">
             <a:extLst>
               <a:ext uri="{28A0092B-C50C-407E-A947-70E740481C1C}">
                 <a14:useLocalDpi xmlns:a14="http://schemas.microsoft.com/office/drawing/2010/main" val="0"/>
               </a:ext>
               <a:ext uri="{96DAC541-7B7A-43D3-8B79-37D633B846F1}">
-                <asvg:svgBlip xmlns:asvg="http://schemas.microsoft.com/office/drawing/2016/SVG/main" r:embed="rId6"/>
+                <asvg:svgBlip xmlns:asvg="http://schemas.microsoft.com/office/drawing/2016/SVG/main" xmlns="" r:embed="rId6"/>
               </a:ext>
             </a:extLst>
           </a:blip>
@@ -1177,6 +1213,13 @@
           <a:noFill/>
         </a:ln>
       </dgm:spPr>
+      <dgm:t>
+        <a:bodyPr/>
+        <a:lstStyle/>
+        <a:p>
+          <a:endParaRPr lang="es-ES"/>
+        </a:p>
+      </dgm:t>
       <dgm:extLst>
         <a:ext uri="{E40237B7-FDA0-4F09-8148-C483321AD2D9}">
           <dgm14:cNvPr xmlns:dgm14="http://schemas.microsoft.com/office/drawing/2010/diagram" id="0" name="" descr="Hierarchy"/>
@@ -1195,16 +1238,23 @@
         </dgm:presLayoutVars>
       </dgm:prSet>
       <dgm:spPr/>
+      <dgm:t>
+        <a:bodyPr/>
+        <a:lstStyle/>
+        <a:p>
+          <a:endParaRPr lang="es-ES"/>
+        </a:p>
+      </dgm:t>
     </dgm:pt>
   </dgm:ptLst>
   <dgm:cxnLst>
     <dgm:cxn modelId="{37966025-8324-425F-9148-364B7EF38767}" type="presOf" srcId="{66BB2FB4-1BD5-4FBF-8B62-50E4D564060E}" destId="{6B5C1859-E361-46B7-ADB6-D2726F18EB6E}" srcOrd="0" destOrd="0" presId="urn:microsoft.com/office/officeart/2018/5/layout/IconLeafLabelList"/>
-    <dgm:cxn modelId="{75F32A35-6F8E-4B0F-9A09-5D8E94D5FD53}" srcId="{1FBBAEE2-0C55-4632-989A-343344003A80}" destId="{66BB2FB4-1BD5-4FBF-8B62-50E4D564060E}" srcOrd="2" destOrd="0" parTransId="{2722059D-3B54-4172-89A1-05306D0E58BA}" sibTransId="{41FCB870-BF41-4C5A-8451-4AC351054E4A}"/>
+    <dgm:cxn modelId="{A66D6F60-E483-4E3E-A429-AF28BBC8B98C}" srcId="{1FBBAEE2-0C55-4632-989A-343344003A80}" destId="{5BF25B86-A5EF-438C-8D79-BA63AA124D3B}" srcOrd="0" destOrd="0" parTransId="{2CFF4365-AD27-4BB6-B400-B9617E502DA8}" sibTransId="{ACB478F3-DFF2-4601-B340-FF95D790D6C2}"/>
     <dgm:cxn modelId="{ABB98936-C0F6-4DBC-B822-B7738A462A52}" type="presOf" srcId="{5BF25B86-A5EF-438C-8D79-BA63AA124D3B}" destId="{DEF78C13-85C1-40C9-AAD8-E384A7FC62CA}" srcOrd="0" destOrd="0" presId="urn:microsoft.com/office/officeart/2018/5/layout/IconLeafLabelList"/>
     <dgm:cxn modelId="{469D0E5F-E0A5-4EDA-B39B-75A59930E7C1}" type="presOf" srcId="{1FBBAEE2-0C55-4632-989A-343344003A80}" destId="{C155B8CF-294F-49FA-9690-402720DF8B8E}" srcOrd="0" destOrd="0" presId="urn:microsoft.com/office/officeart/2018/5/layout/IconLeafLabelList"/>
-    <dgm:cxn modelId="{A66D6F60-E483-4E3E-A429-AF28BBC8B98C}" srcId="{1FBBAEE2-0C55-4632-989A-343344003A80}" destId="{5BF25B86-A5EF-438C-8D79-BA63AA124D3B}" srcOrd="0" destOrd="0" parTransId="{2CFF4365-AD27-4BB6-B400-B9617E502DA8}" sibTransId="{ACB478F3-DFF2-4601-B340-FF95D790D6C2}"/>
+    <dgm:cxn modelId="{8B05B0CC-4943-4E2C-B19B-658A262E3000}" type="presOf" srcId="{F03C2972-4FD6-4AAB-95E2-EF161F9FEB7C}" destId="{462F9478-B62A-4D42-8B37-2FBDEEB06601}" srcOrd="0" destOrd="0" presId="urn:microsoft.com/office/officeart/2018/5/layout/IconLeafLabelList"/>
+    <dgm:cxn modelId="{75F32A35-6F8E-4B0F-9A09-5D8E94D5FD53}" srcId="{1FBBAEE2-0C55-4632-989A-343344003A80}" destId="{66BB2FB4-1BD5-4FBF-8B62-50E4D564060E}" srcOrd="2" destOrd="0" parTransId="{2722059D-3B54-4172-89A1-05306D0E58BA}" sibTransId="{41FCB870-BF41-4C5A-8451-4AC351054E4A}"/>
     <dgm:cxn modelId="{2A0B72AB-0182-4CA6-888A-48D7B510F087}" srcId="{1FBBAEE2-0C55-4632-989A-343344003A80}" destId="{F03C2972-4FD6-4AAB-95E2-EF161F9FEB7C}" srcOrd="1" destOrd="0" parTransId="{D854370B-F30C-4FF8-8BCE-63FB96AA9895}" sibTransId="{027834A0-09D7-48DA-A375-1AADED90F254}"/>
-    <dgm:cxn modelId="{8B05B0CC-4943-4E2C-B19B-658A262E3000}" type="presOf" srcId="{F03C2972-4FD6-4AAB-95E2-EF161F9FEB7C}" destId="{462F9478-B62A-4D42-8B37-2FBDEEB06601}" srcOrd="0" destOrd="0" presId="urn:microsoft.com/office/officeart/2018/5/layout/IconLeafLabelList"/>
     <dgm:cxn modelId="{80CE0ADA-47EE-469E-AE6E-D1567270BFFD}" type="presParOf" srcId="{C155B8CF-294F-49FA-9690-402720DF8B8E}" destId="{53B14151-8822-4DC5-9A77-52A25D12C232}" srcOrd="0" destOrd="0" presId="urn:microsoft.com/office/officeart/2018/5/layout/IconLeafLabelList"/>
     <dgm:cxn modelId="{C5E2CB59-81A3-4443-842A-869061F69989}" type="presParOf" srcId="{53B14151-8822-4DC5-9A77-52A25D12C232}" destId="{2FBEDC3B-314C-4951-AB8F-C3A3AF8AEF79}" srcOrd="0" destOrd="0" presId="urn:microsoft.com/office/officeart/2018/5/layout/IconLeafLabelList"/>
     <dgm:cxn modelId="{4548859B-B5D1-4B9C-8C2A-186719DC0409}" type="presParOf" srcId="{53B14151-8822-4DC5-9A77-52A25D12C232}" destId="{6A73FF33-72B1-4B34-A0EF-8DFB188B1881}" srcOrd="1" destOrd="0" presId="urn:microsoft.com/office/officeart/2018/5/layout/IconLeafLabelList"/>
@@ -1298,13 +1348,13 @@
           <a:avLst/>
         </a:prstGeom>
         <a:blipFill>
-          <a:blip xmlns:r="http://schemas.openxmlformats.org/officeDocument/2006/relationships" r:embed="rId1">
+          <a:blip xmlns:r="http://schemas.openxmlformats.org/officeDocument/2006/relationships" r:embed="rId1" cstate="hqprint">
             <a:extLst>
               <a:ext uri="{28A0092B-C50C-407E-A947-70E740481C1C}">
                 <a14:useLocalDpi xmlns:a14="http://schemas.microsoft.com/office/drawing/2010/main" val="0"/>
               </a:ext>
               <a:ext uri="{96DAC541-7B7A-43D3-8B79-37D633B846F1}">
-                <asvg:svgBlip xmlns:asvg="http://schemas.microsoft.com/office/drawing/2016/SVG/main" r:embed="rId2"/>
+                <asvg:svgBlip xmlns:asvg="http://schemas.microsoft.com/office/drawing/2016/SVG/main" xmlns="" r:embed="rId2"/>
               </a:ext>
             </a:extLst>
           </a:blip>
@@ -1370,7 +1420,7 @@
         </a:bodyPr>
         <a:lstStyle/>
         <a:p>
-          <a:pPr marL="0" lvl="0" indent="0" algn="ctr" defTabSz="755650">
+          <a:pPr lvl="0" algn="ctr" defTabSz="755650">
             <a:lnSpc>
               <a:spcPct val="100000"/>
             </a:lnSpc>
@@ -1380,7 +1430,6 @@
             <a:spcAft>
               <a:spcPct val="35000"/>
             </a:spcAft>
-            <a:buNone/>
             <a:defRPr cap="all"/>
           </a:pPr>
           <a:r>
@@ -1452,13 +1501,13 @@
           <a:avLst/>
         </a:prstGeom>
         <a:blipFill>
-          <a:blip xmlns:r="http://schemas.openxmlformats.org/officeDocument/2006/relationships" r:embed="rId3">
+          <a:blip xmlns:r="http://schemas.openxmlformats.org/officeDocument/2006/relationships" r:embed="rId3" cstate="hqprint">
             <a:extLst>
               <a:ext uri="{28A0092B-C50C-407E-A947-70E740481C1C}">
                 <a14:useLocalDpi xmlns:a14="http://schemas.microsoft.com/office/drawing/2010/main" val="0"/>
               </a:ext>
               <a:ext uri="{96DAC541-7B7A-43D3-8B79-37D633B846F1}">
-                <asvg:svgBlip xmlns:asvg="http://schemas.microsoft.com/office/drawing/2016/SVG/main" r:embed="rId4"/>
+                <asvg:svgBlip xmlns:asvg="http://schemas.microsoft.com/office/drawing/2016/SVG/main" xmlns="" r:embed="rId4"/>
               </a:ext>
             </a:extLst>
           </a:blip>
@@ -1524,7 +1573,7 @@
         </a:bodyPr>
         <a:lstStyle/>
         <a:p>
-          <a:pPr marL="0" lvl="0" indent="0" algn="ctr" defTabSz="755650">
+          <a:pPr lvl="0" algn="ctr" defTabSz="755650">
             <a:lnSpc>
               <a:spcPct val="100000"/>
             </a:lnSpc>
@@ -1534,7 +1583,6 @@
             <a:spcAft>
               <a:spcPct val="35000"/>
             </a:spcAft>
-            <a:buNone/>
             <a:defRPr cap="all"/>
           </a:pPr>
           <a:r>
@@ -1606,13 +1654,13 @@
           <a:avLst/>
         </a:prstGeom>
         <a:blipFill>
-          <a:blip xmlns:r="http://schemas.openxmlformats.org/officeDocument/2006/relationships" r:embed="rId5">
+          <a:blip xmlns:r="http://schemas.openxmlformats.org/officeDocument/2006/relationships" r:embed="rId5" cstate="hqprint">
             <a:extLst>
               <a:ext uri="{28A0092B-C50C-407E-A947-70E740481C1C}">
                 <a14:useLocalDpi xmlns:a14="http://schemas.microsoft.com/office/drawing/2010/main" val="0"/>
               </a:ext>
               <a:ext uri="{96DAC541-7B7A-43D3-8B79-37D633B846F1}">
-                <asvg:svgBlip xmlns:asvg="http://schemas.microsoft.com/office/drawing/2016/SVG/main" r:embed="rId6"/>
+                <asvg:svgBlip xmlns:asvg="http://schemas.microsoft.com/office/drawing/2016/SVG/main" xmlns="" r:embed="rId6"/>
               </a:ext>
             </a:extLst>
           </a:blip>
@@ -1678,7 +1726,7 @@
         </a:bodyPr>
         <a:lstStyle/>
         <a:p>
-          <a:pPr marL="0" lvl="0" indent="0" algn="ctr" defTabSz="755650">
+          <a:pPr lvl="0" algn="ctr" defTabSz="755650">
             <a:lnSpc>
               <a:spcPct val="100000"/>
             </a:lnSpc>
@@ -1688,7 +1736,6 @@
             <a:spcAft>
               <a:spcPct val="35000"/>
             </a:spcAft>
-            <a:buNone/>
             <a:defRPr cap="all"/>
           </a:pPr>
           <a:r>
@@ -1849,7 +1896,7 @@
             <dgm:adjLst/>
             <dgm:extLst>
               <a:ext uri="{B698B0E9-8C71-41B9-8309-B3DCBF30829C}">
-                <dgm1612:spPr xmlns:dgm1612="http://schemas.microsoft.com/office/drawing/2016/12/diagram">
+                <dgm1612:spPr xmlns:dgm1612="http://schemas.microsoft.com/office/drawing/2016/12/diagram" xmlns="">
                   <a:prstGeom prst="round2DiagRect">
                     <a:avLst>
                       <a:gd name="adj1" fmla="val 29727"/>
@@ -1921,7 +1968,7 @@
   </dgm:layoutNode>
   <dgm:extLst>
     <a:ext uri="{68A01E43-0DF5-4B5B-8FA6-DAF915123BFB}">
-      <dgm1612:lstStyle xmlns:dgm1612="http://schemas.microsoft.com/office/drawing/2016/12/diagram">
+      <dgm1612:lstStyle xmlns:dgm1612="http://schemas.microsoft.com/office/drawing/2016/12/diagram" xmlns="">
         <a:lvl1pPr>
           <a:lnSpc>
             <a:spcPct val="100000"/>
@@ -3164,7 +3211,7 @@
           <a:p>
             <a:fld id="{BBF29CCF-7C02-4F1F-B31C-AC7A21E95D1E}" type="datetimeFigureOut">
               <a:rPr lang="es-EC" smtClean="0"/>
-              <a:t>3/6/2019</a:t>
+              <a:t>04/06/2019</a:t>
             </a:fld>
             <a:endParaRPr lang="es-EC"/>
           </a:p>
@@ -3385,7 +3432,7 @@
           <a:p>
             <a:fld id="{BBF29CCF-7C02-4F1F-B31C-AC7A21E95D1E}" type="datetimeFigureOut">
               <a:rPr lang="es-EC" smtClean="0"/>
-              <a:t>3/6/2019</a:t>
+              <a:t>04/06/2019</a:t>
             </a:fld>
             <a:endParaRPr lang="es-EC"/>
           </a:p>
@@ -3565,7 +3612,7 @@
           <a:p>
             <a:fld id="{BBF29CCF-7C02-4F1F-B31C-AC7A21E95D1E}" type="datetimeFigureOut">
               <a:rPr lang="es-EC" smtClean="0"/>
-              <a:t>3/6/2019</a:t>
+              <a:t>04/06/2019</a:t>
             </a:fld>
             <a:endParaRPr lang="es-EC"/>
           </a:p>
@@ -3735,7 +3782,7 @@
           <a:p>
             <a:fld id="{BBF29CCF-7C02-4F1F-B31C-AC7A21E95D1E}" type="datetimeFigureOut">
               <a:rPr lang="es-EC" smtClean="0"/>
-              <a:t>3/6/2019</a:t>
+              <a:t>04/06/2019</a:t>
             </a:fld>
             <a:endParaRPr lang="es-EC"/>
           </a:p>
@@ -3986,7 +4033,7 @@
           <a:p>
             <a:fld id="{BBF29CCF-7C02-4F1F-B31C-AC7A21E95D1E}" type="datetimeFigureOut">
               <a:rPr lang="es-EC" smtClean="0"/>
-              <a:t>3/6/2019</a:t>
+              <a:t>04/06/2019</a:t>
             </a:fld>
             <a:endParaRPr lang="es-EC"/>
           </a:p>
@@ -4309,7 +4356,7 @@
           <a:p>
             <a:fld id="{BBF29CCF-7C02-4F1F-B31C-AC7A21E95D1E}" type="datetimeFigureOut">
               <a:rPr lang="es-EC" smtClean="0"/>
-              <a:t>3/6/2019</a:t>
+              <a:t>04/06/2019</a:t>
             </a:fld>
             <a:endParaRPr lang="es-EC"/>
           </a:p>
@@ -4733,7 +4780,7 @@
           <a:p>
             <a:fld id="{BBF29CCF-7C02-4F1F-B31C-AC7A21E95D1E}" type="datetimeFigureOut">
               <a:rPr lang="es-EC" smtClean="0"/>
-              <a:t>3/6/2019</a:t>
+              <a:t>04/06/2019</a:t>
             </a:fld>
             <a:endParaRPr lang="es-EC"/>
           </a:p>
@@ -4851,7 +4898,7 @@
           <a:p>
             <a:fld id="{BBF29CCF-7C02-4F1F-B31C-AC7A21E95D1E}" type="datetimeFigureOut">
               <a:rPr lang="es-EC" smtClean="0"/>
-              <a:t>3/6/2019</a:t>
+              <a:t>04/06/2019</a:t>
             </a:fld>
             <a:endParaRPr lang="es-EC"/>
           </a:p>
@@ -4946,7 +4993,7 @@
           <a:p>
             <a:fld id="{BBF29CCF-7C02-4F1F-B31C-AC7A21E95D1E}" type="datetimeFigureOut">
               <a:rPr lang="es-EC" smtClean="0"/>
-              <a:t>3/6/2019</a:t>
+              <a:t>04/06/2019</a:t>
             </a:fld>
             <a:endParaRPr lang="es-EC"/>
           </a:p>
@@ -5236,7 +5283,7 @@
           <a:p>
             <a:fld id="{BBF29CCF-7C02-4F1F-B31C-AC7A21E95D1E}" type="datetimeFigureOut">
               <a:rPr lang="es-EC" smtClean="0"/>
-              <a:t>3/6/2019</a:t>
+              <a:t>04/06/2019</a:t>
             </a:fld>
             <a:endParaRPr lang="es-EC"/>
           </a:p>
@@ -5508,7 +5555,7 @@
           <a:p>
             <a:fld id="{BBF29CCF-7C02-4F1F-B31C-AC7A21E95D1E}" type="datetimeFigureOut">
               <a:rPr lang="es-EC" smtClean="0"/>
-              <a:t>3/6/2019</a:t>
+              <a:t>04/06/2019</a:t>
             </a:fld>
             <a:endParaRPr lang="es-EC"/>
           </a:p>
@@ -5762,7 +5809,7 @@
           <a:p>
             <a:fld id="{BBF29CCF-7C02-4F1F-B31C-AC7A21E95D1E}" type="datetimeFigureOut">
               <a:rPr lang="es-EC" smtClean="0"/>
-              <a:t>3/6/2019</a:t>
+              <a:t>04/06/2019</a:t>
             </a:fld>
             <a:endParaRPr lang="es-EC"/>
           </a:p>
@@ -6717,6 +6764,194 @@
 </p:sld>
 </file>
 
+<file path=ppt/slides/slide5.xml><?xml version="1.0" encoding="utf-8"?>
+<p:sld xmlns:a="http://schemas.openxmlformats.org/drawingml/2006/main" xmlns:r="http://schemas.openxmlformats.org/officeDocument/2006/relationships" xmlns:p="http://schemas.openxmlformats.org/presentationml/2006/main">
+  <p:cSld>
+    <p:spTree>
+      <p:nvGrpSpPr>
+        <p:cNvPr id="1" name=""/>
+        <p:cNvGrpSpPr/>
+        <p:nvPr/>
+      </p:nvGrpSpPr>
+      <p:grpSpPr>
+        <a:xfrm>
+          <a:off x="0" y="0"/>
+          <a:ext cx="0" cy="0"/>
+          <a:chOff x="0" y="0"/>
+          <a:chExt cx="0" cy="0"/>
+        </a:xfrm>
+      </p:grpSpPr>
+      <p:sp>
+        <p:nvSpPr>
+          <p:cNvPr id="4" name="Título 1">
+            <a:extLst>
+              <a:ext uri="{FF2B5EF4-FFF2-40B4-BE49-F238E27FC236}">
+                <a16:creationId xmlns:a16="http://schemas.microsoft.com/office/drawing/2014/main" id="{A4443E80-44C0-4487-9944-5701C0AA9AC4}"/>
+              </a:ext>
+            </a:extLst>
+          </p:cNvPr>
+          <p:cNvSpPr>
+            <a:spLocks noGrp="1"/>
+          </p:cNvSpPr>
+          <p:nvPr>
+            <p:ph type="title"/>
+          </p:nvPr>
+        </p:nvSpPr>
+        <p:spPr>
+          <a:xfrm>
+            <a:off x="2658980" y="415636"/>
+            <a:ext cx="6874136" cy="976746"/>
+          </a:xfrm>
+        </p:spPr>
+        <p:txBody>
+          <a:bodyPr>
+            <a:normAutofit/>
+          </a:bodyPr>
+          <a:lstStyle/>
+          <a:p>
+            <a:r>
+              <a:rPr lang="es-EC" sz="3200" dirty="0" smtClean="0"/>
+              <a:t>¿Hacia quiénes esta dirigido el </a:t>
+            </a:r>
+            <a:r>
+              <a:rPr lang="es-EC" sz="3200" dirty="0"/>
+              <a:t>sistema?</a:t>
+            </a:r>
+          </a:p>
+        </p:txBody>
+      </p:sp>
+      <p:sp>
+        <p:nvSpPr>
+          <p:cNvPr id="5" name="AutoShape 2" descr="Resultado de imagen para entusiastas de los viajes"/>
+          <p:cNvSpPr>
+            <a:spLocks noChangeAspect="1" noChangeArrowheads="1"/>
+          </p:cNvSpPr>
+          <p:nvPr/>
+        </p:nvSpPr>
+        <p:spPr bwMode="auto">
+          <a:xfrm>
+            <a:off x="155575" y="-144463"/>
+            <a:ext cx="304800" cy="304801"/>
+          </a:xfrm>
+          <a:prstGeom prst="rect">
+            <a:avLst/>
+          </a:prstGeom>
+          <a:noFill/>
+          <a:extLst>
+            <a:ext uri="{909E8E84-426E-40DD-AFC4-6F175D3DCCD1}">
+              <a14:hiddenFill xmlns:a14="http://schemas.microsoft.com/office/drawing/2010/main">
+                <a:solidFill>
+                  <a:srgbClr val="FFFFFF"/>
+                </a:solidFill>
+              </a14:hiddenFill>
+            </a:ext>
+          </a:extLst>
+        </p:spPr>
+        <p:txBody>
+          <a:bodyPr vert="horz" wrap="square" lIns="91440" tIns="45720" rIns="91440" bIns="45720" numCol="1" anchor="t" anchorCtr="0" compatLnSpc="1">
+            <a:prstTxWarp prst="textNoShape">
+              <a:avLst/>
+            </a:prstTxWarp>
+          </a:bodyPr>
+          <a:lstStyle/>
+          <a:p>
+            <a:endParaRPr lang="es-ES"/>
+          </a:p>
+        </p:txBody>
+      </p:sp>
+      <p:pic>
+        <p:nvPicPr>
+          <p:cNvPr id="1030" name="Picture 6" descr="Resultado de imagen para jovenes viajeros"/>
+          <p:cNvPicPr>
+            <a:picLocks noChangeAspect="1" noChangeArrowheads="1"/>
+          </p:cNvPicPr>
+          <p:nvPr/>
+        </p:nvPicPr>
+        <p:blipFill>
+          <a:blip r:embed="rId2">
+            <a:extLst>
+              <a:ext uri="{28A0092B-C50C-407E-A947-70E740481C1C}">
+                <a14:useLocalDpi xmlns:a14="http://schemas.microsoft.com/office/drawing/2010/main" val="0"/>
+              </a:ext>
+            </a:extLst>
+          </a:blip>
+          <a:srcRect/>
+          <a:stretch>
+            <a:fillRect/>
+          </a:stretch>
+        </p:blipFill>
+        <p:spPr bwMode="auto">
+          <a:xfrm>
+            <a:off x="420281" y="1688148"/>
+            <a:ext cx="5607684" cy="3299488"/>
+          </a:xfrm>
+          <a:prstGeom prst="rect">
+            <a:avLst/>
+          </a:prstGeom>
+          <a:noFill/>
+          <a:extLst>
+            <a:ext uri="{909E8E84-426E-40DD-AFC4-6F175D3DCCD1}">
+              <a14:hiddenFill xmlns:a14="http://schemas.microsoft.com/office/drawing/2010/main">
+                <a:solidFill>
+                  <a:srgbClr val="FFFFFF"/>
+                </a:solidFill>
+              </a14:hiddenFill>
+            </a:ext>
+          </a:extLst>
+        </p:spPr>
+      </p:pic>
+      <p:pic>
+        <p:nvPicPr>
+          <p:cNvPr id="1032" name="Picture 8" descr="Resultado de imagen para empresas de turismo logos"/>
+          <p:cNvPicPr>
+            <a:picLocks noChangeAspect="1" noChangeArrowheads="1"/>
+          </p:cNvPicPr>
+          <p:nvPr/>
+        </p:nvPicPr>
+        <p:blipFill rotWithShape="1">
+          <a:blip r:embed="rId3" cstate="hqprint">
+            <a:extLst>
+              <a:ext uri="{28A0092B-C50C-407E-A947-70E740481C1C}">
+                <a14:useLocalDpi xmlns:a14="http://schemas.microsoft.com/office/drawing/2010/main" val="0"/>
+              </a:ext>
+            </a:extLst>
+          </a:blip>
+          <a:srcRect b="18859"/>
+          <a:stretch/>
+        </p:blipFill>
+        <p:spPr bwMode="auto">
+          <a:xfrm>
+            <a:off x="6164131" y="3500220"/>
+            <a:ext cx="5576998" cy="2974831"/>
+          </a:xfrm>
+          <a:prstGeom prst="rect">
+            <a:avLst/>
+          </a:prstGeom>
+          <a:noFill/>
+          <a:extLst>
+            <a:ext uri="{909E8E84-426E-40DD-AFC4-6F175D3DCCD1}">
+              <a14:hiddenFill xmlns:a14="http://schemas.microsoft.com/office/drawing/2010/main">
+                <a:solidFill>
+                  <a:srgbClr val="FFFFFF"/>
+                </a:solidFill>
+              </a14:hiddenFill>
+            </a:ext>
+          </a:extLst>
+        </p:spPr>
+      </p:pic>
+    </p:spTree>
+    <p:extLst>
+      <p:ext uri="{BB962C8B-B14F-4D97-AF65-F5344CB8AC3E}">
+        <p14:creationId xmlns:p14="http://schemas.microsoft.com/office/powerpoint/2010/main" val="3704347160"/>
+      </p:ext>
+    </p:extLst>
+  </p:cSld>
+  <p:clrMapOvr>
+    <a:masterClrMapping/>
+  </p:clrMapOvr>
+</p:sld>
+</file>
+
 <file path=ppt/theme/theme1.xml><?xml version="1.0" encoding="utf-8"?>
 <a:theme xmlns:a="http://schemas.openxmlformats.org/drawingml/2006/main" name="Base">
   <a:themeElements>

--- a/Proyecto Ambientes No Propietarios.pptx
+++ b/Proyecto Ambientes No Propietarios.pptx
@@ -10,6 +10,14 @@
     <p:sldId id="259" r:id="rId4"/>
     <p:sldId id="260" r:id="rId5"/>
     <p:sldId id="261" r:id="rId6"/>
+    <p:sldId id="265" r:id="rId7"/>
+    <p:sldId id="264" r:id="rId8"/>
+    <p:sldId id="262" r:id="rId9"/>
+    <p:sldId id="263" r:id="rId10"/>
+    <p:sldId id="266" r:id="rId11"/>
+    <p:sldId id="267" r:id="rId12"/>
+    <p:sldId id="268" r:id="rId13"/>
+    <p:sldId id="269" r:id="rId14"/>
   </p:sldIdLst>
   <p:sldSz cx="12192000" cy="6858000"/>
   <p:notesSz cx="6858000" cy="9144000"/>
@@ -1020,13 +1028,6 @@
         </dgm:presLayoutVars>
       </dgm:prSet>
       <dgm:spPr/>
-      <dgm:t>
-        <a:bodyPr/>
-        <a:lstStyle/>
-        <a:p>
-          <a:endParaRPr lang="es-ES"/>
-        </a:p>
-      </dgm:t>
     </dgm:pt>
     <dgm:pt modelId="{53B14151-8822-4DC5-9A77-52A25D12C232}" type="pres">
       <dgm:prSet presAssocID="{5BF25B86-A5EF-438C-8D79-BA63AA124D3B}" presName="compNode" presStyleCnt="0"/>
@@ -1047,13 +1048,13 @@
       <dgm:prSet presAssocID="{5BF25B86-A5EF-438C-8D79-BA63AA124D3B}" presName="iconRect" presStyleLbl="node1" presStyleIdx="0" presStyleCnt="3"/>
       <dgm:spPr>
         <a:blipFill>
-          <a:blip xmlns:r="http://schemas.openxmlformats.org/officeDocument/2006/relationships" r:embed="rId1" cstate="hqprint">
+          <a:blip xmlns:r="http://schemas.openxmlformats.org/officeDocument/2006/relationships" r:embed="rId1">
             <a:extLst>
               <a:ext uri="{28A0092B-C50C-407E-A947-70E740481C1C}">
                 <a14:useLocalDpi xmlns:a14="http://schemas.microsoft.com/office/drawing/2010/main" val="0"/>
               </a:ext>
               <a:ext uri="{96DAC541-7B7A-43D3-8B79-37D633B846F1}">
-                <asvg:svgBlip xmlns:asvg="http://schemas.microsoft.com/office/drawing/2016/SVG/main" xmlns="" r:embed="rId2"/>
+                <asvg:svgBlip xmlns:asvg="http://schemas.microsoft.com/office/drawing/2016/SVG/main" r:embed="rId2"/>
               </a:ext>
             </a:extLst>
           </a:blip>
@@ -1065,13 +1066,6 @@
           <a:noFill/>
         </a:ln>
       </dgm:spPr>
-      <dgm:t>
-        <a:bodyPr/>
-        <a:lstStyle/>
-        <a:p>
-          <a:endParaRPr lang="es-ES"/>
-        </a:p>
-      </dgm:t>
       <dgm:extLst>
         <a:ext uri="{E40237B7-FDA0-4F09-8148-C483321AD2D9}">
           <dgm14:cNvPr xmlns:dgm14="http://schemas.microsoft.com/office/drawing/2010/diagram" id="0" name="" descr="Users"/>
@@ -1090,13 +1084,6 @@
         </dgm:presLayoutVars>
       </dgm:prSet>
       <dgm:spPr/>
-      <dgm:t>
-        <a:bodyPr/>
-        <a:lstStyle/>
-        <a:p>
-          <a:endParaRPr lang="es-ES"/>
-        </a:p>
-      </dgm:t>
     </dgm:pt>
     <dgm:pt modelId="{E862CA57-A042-435E-90E4-2CBEA3440F4F}" type="pres">
       <dgm:prSet presAssocID="{ACB478F3-DFF2-4601-B340-FF95D790D6C2}" presName="sibTrans" presStyleCnt="0"/>
@@ -1121,13 +1108,13 @@
       <dgm:prSet presAssocID="{F03C2972-4FD6-4AAB-95E2-EF161F9FEB7C}" presName="iconRect" presStyleLbl="node1" presStyleIdx="1" presStyleCnt="3"/>
       <dgm:spPr>
         <a:blipFill>
-          <a:blip xmlns:r="http://schemas.openxmlformats.org/officeDocument/2006/relationships" r:embed="rId3" cstate="hqprint">
+          <a:blip xmlns:r="http://schemas.openxmlformats.org/officeDocument/2006/relationships" r:embed="rId3">
             <a:extLst>
               <a:ext uri="{28A0092B-C50C-407E-A947-70E740481C1C}">
                 <a14:useLocalDpi xmlns:a14="http://schemas.microsoft.com/office/drawing/2010/main" val="0"/>
               </a:ext>
               <a:ext uri="{96DAC541-7B7A-43D3-8B79-37D633B846F1}">
-                <asvg:svgBlip xmlns:asvg="http://schemas.microsoft.com/office/drawing/2016/SVG/main" xmlns="" r:embed="rId4"/>
+                <asvg:svgBlip xmlns:asvg="http://schemas.microsoft.com/office/drawing/2016/SVG/main" r:embed="rId4"/>
               </a:ext>
             </a:extLst>
           </a:blip>
@@ -1139,13 +1126,6 @@
           <a:noFill/>
         </a:ln>
       </dgm:spPr>
-      <dgm:t>
-        <a:bodyPr/>
-        <a:lstStyle/>
-        <a:p>
-          <a:endParaRPr lang="es-ES"/>
-        </a:p>
-      </dgm:t>
       <dgm:extLst>
         <a:ext uri="{E40237B7-FDA0-4F09-8148-C483321AD2D9}">
           <dgm14:cNvPr xmlns:dgm14="http://schemas.microsoft.com/office/drawing/2010/diagram" id="0" name="" descr="Handshake"/>
@@ -1164,13 +1144,6 @@
         </dgm:presLayoutVars>
       </dgm:prSet>
       <dgm:spPr/>
-      <dgm:t>
-        <a:bodyPr/>
-        <a:lstStyle/>
-        <a:p>
-          <a:endParaRPr lang="es-ES"/>
-        </a:p>
-      </dgm:t>
     </dgm:pt>
     <dgm:pt modelId="{2986198A-44D6-45EF-B2AF-FA4E33DCCFA6}" type="pres">
       <dgm:prSet presAssocID="{027834A0-09D7-48DA-A375-1AADED90F254}" presName="sibTrans" presStyleCnt="0"/>
@@ -1195,13 +1168,13 @@
       <dgm:prSet presAssocID="{66BB2FB4-1BD5-4FBF-8B62-50E4D564060E}" presName="iconRect" presStyleLbl="node1" presStyleIdx="2" presStyleCnt="3"/>
       <dgm:spPr>
         <a:blipFill>
-          <a:blip xmlns:r="http://schemas.openxmlformats.org/officeDocument/2006/relationships" r:embed="rId5" cstate="hqprint">
+          <a:blip xmlns:r="http://schemas.openxmlformats.org/officeDocument/2006/relationships" r:embed="rId5">
             <a:extLst>
               <a:ext uri="{28A0092B-C50C-407E-A947-70E740481C1C}">
                 <a14:useLocalDpi xmlns:a14="http://schemas.microsoft.com/office/drawing/2010/main" val="0"/>
               </a:ext>
               <a:ext uri="{96DAC541-7B7A-43D3-8B79-37D633B846F1}">
-                <asvg:svgBlip xmlns:asvg="http://schemas.microsoft.com/office/drawing/2016/SVG/main" xmlns="" r:embed="rId6"/>
+                <asvg:svgBlip xmlns:asvg="http://schemas.microsoft.com/office/drawing/2016/SVG/main" r:embed="rId6"/>
               </a:ext>
             </a:extLst>
           </a:blip>
@@ -1213,13 +1186,6 @@
           <a:noFill/>
         </a:ln>
       </dgm:spPr>
-      <dgm:t>
-        <a:bodyPr/>
-        <a:lstStyle/>
-        <a:p>
-          <a:endParaRPr lang="es-ES"/>
-        </a:p>
-      </dgm:t>
       <dgm:extLst>
         <a:ext uri="{E40237B7-FDA0-4F09-8148-C483321AD2D9}">
           <dgm14:cNvPr xmlns:dgm14="http://schemas.microsoft.com/office/drawing/2010/diagram" id="0" name="" descr="Hierarchy"/>
@@ -1238,23 +1204,16 @@
         </dgm:presLayoutVars>
       </dgm:prSet>
       <dgm:spPr/>
-      <dgm:t>
-        <a:bodyPr/>
-        <a:lstStyle/>
-        <a:p>
-          <a:endParaRPr lang="es-ES"/>
-        </a:p>
-      </dgm:t>
     </dgm:pt>
   </dgm:ptLst>
   <dgm:cxnLst>
     <dgm:cxn modelId="{37966025-8324-425F-9148-364B7EF38767}" type="presOf" srcId="{66BB2FB4-1BD5-4FBF-8B62-50E4D564060E}" destId="{6B5C1859-E361-46B7-ADB6-D2726F18EB6E}" srcOrd="0" destOrd="0" presId="urn:microsoft.com/office/officeart/2018/5/layout/IconLeafLabelList"/>
-    <dgm:cxn modelId="{A66D6F60-E483-4E3E-A429-AF28BBC8B98C}" srcId="{1FBBAEE2-0C55-4632-989A-343344003A80}" destId="{5BF25B86-A5EF-438C-8D79-BA63AA124D3B}" srcOrd="0" destOrd="0" parTransId="{2CFF4365-AD27-4BB6-B400-B9617E502DA8}" sibTransId="{ACB478F3-DFF2-4601-B340-FF95D790D6C2}"/>
+    <dgm:cxn modelId="{75F32A35-6F8E-4B0F-9A09-5D8E94D5FD53}" srcId="{1FBBAEE2-0C55-4632-989A-343344003A80}" destId="{66BB2FB4-1BD5-4FBF-8B62-50E4D564060E}" srcOrd="2" destOrd="0" parTransId="{2722059D-3B54-4172-89A1-05306D0E58BA}" sibTransId="{41FCB870-BF41-4C5A-8451-4AC351054E4A}"/>
     <dgm:cxn modelId="{ABB98936-C0F6-4DBC-B822-B7738A462A52}" type="presOf" srcId="{5BF25B86-A5EF-438C-8D79-BA63AA124D3B}" destId="{DEF78C13-85C1-40C9-AAD8-E384A7FC62CA}" srcOrd="0" destOrd="0" presId="urn:microsoft.com/office/officeart/2018/5/layout/IconLeafLabelList"/>
     <dgm:cxn modelId="{469D0E5F-E0A5-4EDA-B39B-75A59930E7C1}" type="presOf" srcId="{1FBBAEE2-0C55-4632-989A-343344003A80}" destId="{C155B8CF-294F-49FA-9690-402720DF8B8E}" srcOrd="0" destOrd="0" presId="urn:microsoft.com/office/officeart/2018/5/layout/IconLeafLabelList"/>
+    <dgm:cxn modelId="{A66D6F60-E483-4E3E-A429-AF28BBC8B98C}" srcId="{1FBBAEE2-0C55-4632-989A-343344003A80}" destId="{5BF25B86-A5EF-438C-8D79-BA63AA124D3B}" srcOrd="0" destOrd="0" parTransId="{2CFF4365-AD27-4BB6-B400-B9617E502DA8}" sibTransId="{ACB478F3-DFF2-4601-B340-FF95D790D6C2}"/>
+    <dgm:cxn modelId="{2A0B72AB-0182-4CA6-888A-48D7B510F087}" srcId="{1FBBAEE2-0C55-4632-989A-343344003A80}" destId="{F03C2972-4FD6-4AAB-95E2-EF161F9FEB7C}" srcOrd="1" destOrd="0" parTransId="{D854370B-F30C-4FF8-8BCE-63FB96AA9895}" sibTransId="{027834A0-09D7-48DA-A375-1AADED90F254}"/>
     <dgm:cxn modelId="{8B05B0CC-4943-4E2C-B19B-658A262E3000}" type="presOf" srcId="{F03C2972-4FD6-4AAB-95E2-EF161F9FEB7C}" destId="{462F9478-B62A-4D42-8B37-2FBDEEB06601}" srcOrd="0" destOrd="0" presId="urn:microsoft.com/office/officeart/2018/5/layout/IconLeafLabelList"/>
-    <dgm:cxn modelId="{75F32A35-6F8E-4B0F-9A09-5D8E94D5FD53}" srcId="{1FBBAEE2-0C55-4632-989A-343344003A80}" destId="{66BB2FB4-1BD5-4FBF-8B62-50E4D564060E}" srcOrd="2" destOrd="0" parTransId="{2722059D-3B54-4172-89A1-05306D0E58BA}" sibTransId="{41FCB870-BF41-4C5A-8451-4AC351054E4A}"/>
-    <dgm:cxn modelId="{2A0B72AB-0182-4CA6-888A-48D7B510F087}" srcId="{1FBBAEE2-0C55-4632-989A-343344003A80}" destId="{F03C2972-4FD6-4AAB-95E2-EF161F9FEB7C}" srcOrd="1" destOrd="0" parTransId="{D854370B-F30C-4FF8-8BCE-63FB96AA9895}" sibTransId="{027834A0-09D7-48DA-A375-1AADED90F254}"/>
     <dgm:cxn modelId="{80CE0ADA-47EE-469E-AE6E-D1567270BFFD}" type="presParOf" srcId="{C155B8CF-294F-49FA-9690-402720DF8B8E}" destId="{53B14151-8822-4DC5-9A77-52A25D12C232}" srcOrd="0" destOrd="0" presId="urn:microsoft.com/office/officeart/2018/5/layout/IconLeafLabelList"/>
     <dgm:cxn modelId="{C5E2CB59-81A3-4443-842A-869061F69989}" type="presParOf" srcId="{53B14151-8822-4DC5-9A77-52A25D12C232}" destId="{2FBEDC3B-314C-4951-AB8F-C3A3AF8AEF79}" srcOrd="0" destOrd="0" presId="urn:microsoft.com/office/officeart/2018/5/layout/IconLeafLabelList"/>
     <dgm:cxn modelId="{4548859B-B5D1-4B9C-8C2A-186719DC0409}" type="presParOf" srcId="{53B14151-8822-4DC5-9A77-52A25D12C232}" destId="{6A73FF33-72B1-4B34-A0EF-8DFB188B1881}" srcOrd="1" destOrd="0" presId="urn:microsoft.com/office/officeart/2018/5/layout/IconLeafLabelList"/>
@@ -1348,13 +1307,13 @@
           <a:avLst/>
         </a:prstGeom>
         <a:blipFill>
-          <a:blip xmlns:r="http://schemas.openxmlformats.org/officeDocument/2006/relationships" r:embed="rId1" cstate="hqprint">
+          <a:blip xmlns:r="http://schemas.openxmlformats.org/officeDocument/2006/relationships" r:embed="rId1">
             <a:extLst>
               <a:ext uri="{28A0092B-C50C-407E-A947-70E740481C1C}">
                 <a14:useLocalDpi xmlns:a14="http://schemas.microsoft.com/office/drawing/2010/main" val="0"/>
               </a:ext>
               <a:ext uri="{96DAC541-7B7A-43D3-8B79-37D633B846F1}">
-                <asvg:svgBlip xmlns:asvg="http://schemas.microsoft.com/office/drawing/2016/SVG/main" xmlns="" r:embed="rId2"/>
+                <asvg:svgBlip xmlns:asvg="http://schemas.microsoft.com/office/drawing/2016/SVG/main" r:embed="rId2"/>
               </a:ext>
             </a:extLst>
           </a:blip>
@@ -1420,7 +1379,7 @@
         </a:bodyPr>
         <a:lstStyle/>
         <a:p>
-          <a:pPr lvl="0" algn="ctr" defTabSz="755650">
+          <a:pPr marL="0" lvl="0" indent="0" algn="ctr" defTabSz="755650">
             <a:lnSpc>
               <a:spcPct val="100000"/>
             </a:lnSpc>
@@ -1430,6 +1389,7 @@
             <a:spcAft>
               <a:spcPct val="35000"/>
             </a:spcAft>
+            <a:buNone/>
             <a:defRPr cap="all"/>
           </a:pPr>
           <a:r>
@@ -1501,13 +1461,13 @@
           <a:avLst/>
         </a:prstGeom>
         <a:blipFill>
-          <a:blip xmlns:r="http://schemas.openxmlformats.org/officeDocument/2006/relationships" r:embed="rId3" cstate="hqprint">
+          <a:blip xmlns:r="http://schemas.openxmlformats.org/officeDocument/2006/relationships" r:embed="rId3">
             <a:extLst>
               <a:ext uri="{28A0092B-C50C-407E-A947-70E740481C1C}">
                 <a14:useLocalDpi xmlns:a14="http://schemas.microsoft.com/office/drawing/2010/main" val="0"/>
               </a:ext>
               <a:ext uri="{96DAC541-7B7A-43D3-8B79-37D633B846F1}">
-                <asvg:svgBlip xmlns:asvg="http://schemas.microsoft.com/office/drawing/2016/SVG/main" xmlns="" r:embed="rId4"/>
+                <asvg:svgBlip xmlns:asvg="http://schemas.microsoft.com/office/drawing/2016/SVG/main" r:embed="rId4"/>
               </a:ext>
             </a:extLst>
           </a:blip>
@@ -1573,7 +1533,7 @@
         </a:bodyPr>
         <a:lstStyle/>
         <a:p>
-          <a:pPr lvl="0" algn="ctr" defTabSz="755650">
+          <a:pPr marL="0" lvl="0" indent="0" algn="ctr" defTabSz="755650">
             <a:lnSpc>
               <a:spcPct val="100000"/>
             </a:lnSpc>
@@ -1583,6 +1543,7 @@
             <a:spcAft>
               <a:spcPct val="35000"/>
             </a:spcAft>
+            <a:buNone/>
             <a:defRPr cap="all"/>
           </a:pPr>
           <a:r>
@@ -1654,13 +1615,13 @@
           <a:avLst/>
         </a:prstGeom>
         <a:blipFill>
-          <a:blip xmlns:r="http://schemas.openxmlformats.org/officeDocument/2006/relationships" r:embed="rId5" cstate="hqprint">
+          <a:blip xmlns:r="http://schemas.openxmlformats.org/officeDocument/2006/relationships" r:embed="rId5">
             <a:extLst>
               <a:ext uri="{28A0092B-C50C-407E-A947-70E740481C1C}">
                 <a14:useLocalDpi xmlns:a14="http://schemas.microsoft.com/office/drawing/2010/main" val="0"/>
               </a:ext>
               <a:ext uri="{96DAC541-7B7A-43D3-8B79-37D633B846F1}">
-                <asvg:svgBlip xmlns:asvg="http://schemas.microsoft.com/office/drawing/2016/SVG/main" xmlns="" r:embed="rId6"/>
+                <asvg:svgBlip xmlns:asvg="http://schemas.microsoft.com/office/drawing/2016/SVG/main" r:embed="rId6"/>
               </a:ext>
             </a:extLst>
           </a:blip>
@@ -1726,7 +1687,7 @@
         </a:bodyPr>
         <a:lstStyle/>
         <a:p>
-          <a:pPr lvl="0" algn="ctr" defTabSz="755650">
+          <a:pPr marL="0" lvl="0" indent="0" algn="ctr" defTabSz="755650">
             <a:lnSpc>
               <a:spcPct val="100000"/>
             </a:lnSpc>
@@ -1736,6 +1697,7 @@
             <a:spcAft>
               <a:spcPct val="35000"/>
             </a:spcAft>
+            <a:buNone/>
             <a:defRPr cap="all"/>
           </a:pPr>
           <a:r>
@@ -1896,7 +1858,7 @@
             <dgm:adjLst/>
             <dgm:extLst>
               <a:ext uri="{B698B0E9-8C71-41B9-8309-B3DCBF30829C}">
-                <dgm1612:spPr xmlns:dgm1612="http://schemas.microsoft.com/office/drawing/2016/12/diagram" xmlns="">
+                <dgm1612:spPr xmlns:dgm1612="http://schemas.microsoft.com/office/drawing/2016/12/diagram">
                   <a:prstGeom prst="round2DiagRect">
                     <a:avLst>
                       <a:gd name="adj1" fmla="val 29727"/>
@@ -1968,7 +1930,7 @@
   </dgm:layoutNode>
   <dgm:extLst>
     <a:ext uri="{68A01E43-0DF5-4B5B-8FA6-DAF915123BFB}">
-      <dgm1612:lstStyle xmlns:dgm1612="http://schemas.microsoft.com/office/drawing/2016/12/diagram" xmlns="">
+      <dgm1612:lstStyle xmlns:dgm1612="http://schemas.microsoft.com/office/drawing/2016/12/diagram">
         <a:lvl1pPr>
           <a:lnSpc>
             <a:spcPct val="100000"/>
@@ -3211,7 +3173,7 @@
           <a:p>
             <a:fld id="{BBF29CCF-7C02-4F1F-B31C-AC7A21E95D1E}" type="datetimeFigureOut">
               <a:rPr lang="es-EC" smtClean="0"/>
-              <a:t>04/06/2019</a:t>
+              <a:t>4/6/2019</a:t>
             </a:fld>
             <a:endParaRPr lang="es-EC"/>
           </a:p>
@@ -3320,6 +3282,18 @@
   <p:clrMapOvr>
     <a:masterClrMapping/>
   </p:clrMapOvr>
+  <mc:AlternateContent xmlns:mc="http://schemas.openxmlformats.org/markup-compatibility/2006">
+    <mc:Choice xmlns:p159="http://schemas.microsoft.com/office/powerpoint/2015/09/main" Requires="p159">
+      <p:transition xmlns:p14="http://schemas.microsoft.com/office/powerpoint/2010/main" spd="slow" p14:dur="2000">
+        <p159:morph option="byObject"/>
+      </p:transition>
+    </mc:Choice>
+    <mc:Fallback>
+      <p:transition spd="slow">
+        <p:fade/>
+      </p:transition>
+    </mc:Fallback>
+  </mc:AlternateContent>
 </p:sldLayout>
 </file>
 
@@ -3432,7 +3406,7 @@
           <a:p>
             <a:fld id="{BBF29CCF-7C02-4F1F-B31C-AC7A21E95D1E}" type="datetimeFigureOut">
               <a:rPr lang="es-EC" smtClean="0"/>
-              <a:t>04/06/2019</a:t>
+              <a:t>4/6/2019</a:t>
             </a:fld>
             <a:endParaRPr lang="es-EC"/>
           </a:p>
@@ -3490,6 +3464,18 @@
   <p:clrMapOvr>
     <a:masterClrMapping/>
   </p:clrMapOvr>
+  <mc:AlternateContent xmlns:mc="http://schemas.openxmlformats.org/markup-compatibility/2006">
+    <mc:Choice xmlns:p159="http://schemas.microsoft.com/office/powerpoint/2015/09/main" Requires="p159">
+      <p:transition xmlns:p14="http://schemas.microsoft.com/office/powerpoint/2010/main" spd="slow" p14:dur="2000">
+        <p159:morph option="byObject"/>
+      </p:transition>
+    </mc:Choice>
+    <mc:Fallback>
+      <p:transition spd="slow">
+        <p:fade/>
+      </p:transition>
+    </mc:Fallback>
+  </mc:AlternateContent>
 </p:sldLayout>
 </file>
 
@@ -3612,7 +3598,7 @@
           <a:p>
             <a:fld id="{BBF29CCF-7C02-4F1F-B31C-AC7A21E95D1E}" type="datetimeFigureOut">
               <a:rPr lang="es-EC" smtClean="0"/>
-              <a:t>04/06/2019</a:t>
+              <a:t>4/6/2019</a:t>
             </a:fld>
             <a:endParaRPr lang="es-EC"/>
           </a:p>
@@ -3670,6 +3656,18 @@
   <p:clrMapOvr>
     <a:masterClrMapping/>
   </p:clrMapOvr>
+  <mc:AlternateContent xmlns:mc="http://schemas.openxmlformats.org/markup-compatibility/2006">
+    <mc:Choice xmlns:p159="http://schemas.microsoft.com/office/powerpoint/2015/09/main" Requires="p159">
+      <p:transition xmlns:p14="http://schemas.microsoft.com/office/powerpoint/2010/main" spd="slow" p14:dur="2000">
+        <p159:morph option="byObject"/>
+      </p:transition>
+    </mc:Choice>
+    <mc:Fallback>
+      <p:transition spd="slow">
+        <p:fade/>
+      </p:transition>
+    </mc:Fallback>
+  </mc:AlternateContent>
 </p:sldLayout>
 </file>
 
@@ -3782,7 +3780,7 @@
           <a:p>
             <a:fld id="{BBF29CCF-7C02-4F1F-B31C-AC7A21E95D1E}" type="datetimeFigureOut">
               <a:rPr lang="es-EC" smtClean="0"/>
-              <a:t>04/06/2019</a:t>
+              <a:t>4/6/2019</a:t>
             </a:fld>
             <a:endParaRPr lang="es-EC"/>
           </a:p>
@@ -3840,6 +3838,18 @@
   <p:clrMapOvr>
     <a:masterClrMapping/>
   </p:clrMapOvr>
+  <mc:AlternateContent xmlns:mc="http://schemas.openxmlformats.org/markup-compatibility/2006">
+    <mc:Choice xmlns:p159="http://schemas.microsoft.com/office/powerpoint/2015/09/main" Requires="p159">
+      <p:transition xmlns:p14="http://schemas.microsoft.com/office/powerpoint/2010/main" spd="slow" p14:dur="2000">
+        <p159:morph option="byObject"/>
+      </p:transition>
+    </mc:Choice>
+    <mc:Fallback>
+      <p:transition spd="slow">
+        <p:fade/>
+      </p:transition>
+    </mc:Fallback>
+  </mc:AlternateContent>
 </p:sldLayout>
 </file>
 
@@ -4033,7 +4043,7 @@
           <a:p>
             <a:fld id="{BBF29CCF-7C02-4F1F-B31C-AC7A21E95D1E}" type="datetimeFigureOut">
               <a:rPr lang="es-EC" smtClean="0"/>
-              <a:t>04/06/2019</a:t>
+              <a:t>4/6/2019</a:t>
             </a:fld>
             <a:endParaRPr lang="es-EC"/>
           </a:p>
@@ -4126,6 +4136,18 @@
   <p:clrMapOvr>
     <a:masterClrMapping/>
   </p:clrMapOvr>
+  <mc:AlternateContent xmlns:mc="http://schemas.openxmlformats.org/markup-compatibility/2006">
+    <mc:Choice xmlns:p159="http://schemas.microsoft.com/office/powerpoint/2015/09/main" Requires="p159">
+      <p:transition xmlns:p14="http://schemas.microsoft.com/office/powerpoint/2010/main" spd="slow" p14:dur="2000">
+        <p159:morph option="byObject"/>
+      </p:transition>
+    </mc:Choice>
+    <mc:Fallback>
+      <p:transition spd="slow">
+        <p:fade/>
+      </p:transition>
+    </mc:Fallback>
+  </mc:AlternateContent>
 </p:sldLayout>
 </file>
 
@@ -4356,7 +4378,7 @@
           <a:p>
             <a:fld id="{BBF29CCF-7C02-4F1F-B31C-AC7A21E95D1E}" type="datetimeFigureOut">
               <a:rPr lang="es-EC" smtClean="0"/>
-              <a:t>04/06/2019</a:t>
+              <a:t>4/6/2019</a:t>
             </a:fld>
             <a:endParaRPr lang="es-EC"/>
           </a:p>
@@ -4414,6 +4436,18 @@
   <p:clrMapOvr>
     <a:masterClrMapping/>
   </p:clrMapOvr>
+  <mc:AlternateContent xmlns:mc="http://schemas.openxmlformats.org/markup-compatibility/2006">
+    <mc:Choice xmlns:p159="http://schemas.microsoft.com/office/powerpoint/2015/09/main" Requires="p159">
+      <p:transition xmlns:p14="http://schemas.microsoft.com/office/powerpoint/2010/main" spd="slow" p14:dur="2000">
+        <p159:morph option="byObject"/>
+      </p:transition>
+    </mc:Choice>
+    <mc:Fallback>
+      <p:transition spd="slow">
+        <p:fade/>
+      </p:transition>
+    </mc:Fallback>
+  </mc:AlternateContent>
 </p:sldLayout>
 </file>
 
@@ -4780,7 +4814,7 @@
           <a:p>
             <a:fld id="{BBF29CCF-7C02-4F1F-B31C-AC7A21E95D1E}" type="datetimeFigureOut">
               <a:rPr lang="es-EC" smtClean="0"/>
-              <a:t>04/06/2019</a:t>
+              <a:t>4/6/2019</a:t>
             </a:fld>
             <a:endParaRPr lang="es-EC"/>
           </a:p>
@@ -4838,6 +4872,18 @@
   <p:clrMapOvr>
     <a:masterClrMapping/>
   </p:clrMapOvr>
+  <mc:AlternateContent xmlns:mc="http://schemas.openxmlformats.org/markup-compatibility/2006">
+    <mc:Choice xmlns:p159="http://schemas.microsoft.com/office/powerpoint/2015/09/main" Requires="p159">
+      <p:transition xmlns:p14="http://schemas.microsoft.com/office/powerpoint/2010/main" spd="slow" p14:dur="2000">
+        <p159:morph option="byObject"/>
+      </p:transition>
+    </mc:Choice>
+    <mc:Fallback>
+      <p:transition spd="slow">
+        <p:fade/>
+      </p:transition>
+    </mc:Fallback>
+  </mc:AlternateContent>
 </p:sldLayout>
 </file>
 
@@ -4898,7 +4944,7 @@
           <a:p>
             <a:fld id="{BBF29CCF-7C02-4F1F-B31C-AC7A21E95D1E}" type="datetimeFigureOut">
               <a:rPr lang="es-EC" smtClean="0"/>
-              <a:t>04/06/2019</a:t>
+              <a:t>4/6/2019</a:t>
             </a:fld>
             <a:endParaRPr lang="es-EC"/>
           </a:p>
@@ -4956,6 +5002,18 @@
   <p:clrMapOvr>
     <a:masterClrMapping/>
   </p:clrMapOvr>
+  <mc:AlternateContent xmlns:mc="http://schemas.openxmlformats.org/markup-compatibility/2006">
+    <mc:Choice xmlns:p159="http://schemas.microsoft.com/office/powerpoint/2015/09/main" Requires="p159">
+      <p:transition xmlns:p14="http://schemas.microsoft.com/office/powerpoint/2010/main" spd="slow" p14:dur="2000">
+        <p159:morph option="byObject"/>
+      </p:transition>
+    </mc:Choice>
+    <mc:Fallback>
+      <p:transition spd="slow">
+        <p:fade/>
+      </p:transition>
+    </mc:Fallback>
+  </mc:AlternateContent>
 </p:sldLayout>
 </file>
 
@@ -4993,7 +5051,7 @@
           <a:p>
             <a:fld id="{BBF29CCF-7C02-4F1F-B31C-AC7A21E95D1E}" type="datetimeFigureOut">
               <a:rPr lang="es-EC" smtClean="0"/>
-              <a:t>04/06/2019</a:t>
+              <a:t>4/6/2019</a:t>
             </a:fld>
             <a:endParaRPr lang="es-EC"/>
           </a:p>
@@ -5051,6 +5109,18 @@
   <p:clrMapOvr>
     <a:masterClrMapping/>
   </p:clrMapOvr>
+  <mc:AlternateContent xmlns:mc="http://schemas.openxmlformats.org/markup-compatibility/2006">
+    <mc:Choice xmlns:p159="http://schemas.microsoft.com/office/powerpoint/2015/09/main" Requires="p159">
+      <p:transition xmlns:p14="http://schemas.microsoft.com/office/powerpoint/2010/main" spd="slow" p14:dur="2000">
+        <p159:morph option="byObject"/>
+      </p:transition>
+    </mc:Choice>
+    <mc:Fallback>
+      <p:transition spd="slow">
+        <p:fade/>
+      </p:transition>
+    </mc:Fallback>
+  </mc:AlternateContent>
 </p:sldLayout>
 </file>
 
@@ -5283,7 +5353,7 @@
           <a:p>
             <a:fld id="{BBF29CCF-7C02-4F1F-B31C-AC7A21E95D1E}" type="datetimeFigureOut">
               <a:rPr lang="es-EC" smtClean="0"/>
-              <a:t>04/06/2019</a:t>
+              <a:t>4/6/2019</a:t>
             </a:fld>
             <a:endParaRPr lang="es-EC"/>
           </a:p>
@@ -5341,6 +5411,18 @@
   <p:clrMapOvr>
     <a:masterClrMapping/>
   </p:clrMapOvr>
+  <mc:AlternateContent xmlns:mc="http://schemas.openxmlformats.org/markup-compatibility/2006">
+    <mc:Choice xmlns:p159="http://schemas.microsoft.com/office/powerpoint/2015/09/main" Requires="p159">
+      <p:transition xmlns:p14="http://schemas.microsoft.com/office/powerpoint/2010/main" spd="slow" p14:dur="2000">
+        <p159:morph option="byObject"/>
+      </p:transition>
+    </mc:Choice>
+    <mc:Fallback>
+      <p:transition spd="slow">
+        <p:fade/>
+      </p:transition>
+    </mc:Fallback>
+  </mc:AlternateContent>
 </p:sldLayout>
 </file>
 
@@ -5555,7 +5637,7 @@
           <a:p>
             <a:fld id="{BBF29CCF-7C02-4F1F-B31C-AC7A21E95D1E}" type="datetimeFigureOut">
               <a:rPr lang="es-EC" smtClean="0"/>
-              <a:t>04/06/2019</a:t>
+              <a:t>4/6/2019</a:t>
             </a:fld>
             <a:endParaRPr lang="es-EC"/>
           </a:p>
@@ -5613,6 +5695,18 @@
   <p:clrMapOvr>
     <a:masterClrMapping/>
   </p:clrMapOvr>
+  <mc:AlternateContent xmlns:mc="http://schemas.openxmlformats.org/markup-compatibility/2006">
+    <mc:Choice xmlns:p159="http://schemas.microsoft.com/office/powerpoint/2015/09/main" Requires="p159">
+      <p:transition xmlns:p14="http://schemas.microsoft.com/office/powerpoint/2010/main" spd="slow" p14:dur="2000">
+        <p159:morph option="byObject"/>
+      </p:transition>
+    </mc:Choice>
+    <mc:Fallback>
+      <p:transition spd="slow">
+        <p:fade/>
+      </p:transition>
+    </mc:Fallback>
+  </mc:AlternateContent>
 </p:sldLayout>
 </file>
 
@@ -5809,7 +5903,7 @@
           <a:p>
             <a:fld id="{BBF29CCF-7C02-4F1F-B31C-AC7A21E95D1E}" type="datetimeFigureOut">
               <a:rPr lang="es-EC" smtClean="0"/>
-              <a:t>04/06/2019</a:t>
+              <a:t>4/6/2019</a:t>
             </a:fld>
             <a:endParaRPr lang="es-EC"/>
           </a:p>
@@ -5910,6 +6004,18 @@
     <p:sldLayoutId id="2147483729" r:id="rId10"/>
     <p:sldLayoutId id="2147483730" r:id="rId11"/>
   </p:sldLayoutIdLst>
+  <mc:AlternateContent xmlns:mc="http://schemas.openxmlformats.org/markup-compatibility/2006">
+    <mc:Choice xmlns:p159="http://schemas.microsoft.com/office/powerpoint/2015/09/main" Requires="p159">
+      <p:transition xmlns:p14="http://schemas.microsoft.com/office/powerpoint/2010/main" spd="slow" p14:dur="2000">
+        <p159:morph option="byObject"/>
+      </p:transition>
+    </mc:Choice>
+    <mc:Fallback>
+      <p:transition spd="slow">
+        <p:fade/>
+      </p:transition>
+    </mc:Fallback>
+  </mc:AlternateContent>
   <p:txStyles>
     <p:titleStyle>
       <a:lvl1pPr algn="l" defTabSz="914400" rtl="0" eaLnBrk="1" latinLnBrk="0" hangingPunct="1">
@@ -6390,6 +6496,560 @@
   <p:clrMapOvr>
     <a:masterClrMapping/>
   </p:clrMapOvr>
+  <mc:AlternateContent xmlns:mc="http://schemas.openxmlformats.org/markup-compatibility/2006">
+    <mc:Choice xmlns:p159="http://schemas.microsoft.com/office/powerpoint/2015/09/main" Requires="p159">
+      <p:transition xmlns:p14="http://schemas.microsoft.com/office/powerpoint/2010/main" spd="slow" p14:dur="2000">
+        <p159:morph option="byObject"/>
+      </p:transition>
+    </mc:Choice>
+    <mc:Fallback>
+      <p:transition spd="slow">
+        <p:fade/>
+      </p:transition>
+    </mc:Fallback>
+  </mc:AlternateContent>
+</p:sld>
+</file>
+
+<file path=ppt/slides/slide10.xml><?xml version="1.0" encoding="utf-8"?>
+<p:sld xmlns:a="http://schemas.openxmlformats.org/drawingml/2006/main" xmlns:r="http://schemas.openxmlformats.org/officeDocument/2006/relationships" xmlns:p="http://schemas.openxmlformats.org/presentationml/2006/main">
+  <p:cSld>
+    <p:spTree>
+      <p:nvGrpSpPr>
+        <p:cNvPr id="1" name=""/>
+        <p:cNvGrpSpPr/>
+        <p:nvPr/>
+      </p:nvGrpSpPr>
+      <p:grpSpPr>
+        <a:xfrm>
+          <a:off x="0" y="0"/>
+          <a:ext cx="0" cy="0"/>
+          <a:chOff x="0" y="0"/>
+          <a:chExt cx="0" cy="0"/>
+        </a:xfrm>
+      </p:grpSpPr>
+      <p:pic>
+        <p:nvPicPr>
+          <p:cNvPr id="5" name="Imagen 4" descr="Imagen que contiene captura de pantalla&#10;&#10;Descripción generada automáticamente">
+            <a:extLst>
+              <a:ext uri="{FF2B5EF4-FFF2-40B4-BE49-F238E27FC236}">
+                <a16:creationId xmlns:a16="http://schemas.microsoft.com/office/drawing/2014/main" id="{781291B7-4025-40C0-A05D-0A473A3E660E}"/>
+              </a:ext>
+            </a:extLst>
+          </p:cNvPr>
+          <p:cNvPicPr>
+            <a:picLocks noChangeAspect="1"/>
+          </p:cNvPicPr>
+          <p:nvPr/>
+        </p:nvPicPr>
+        <p:blipFill>
+          <a:blip r:embed="rId2">
+            <a:extLst>
+              <a:ext uri="{28A0092B-C50C-407E-A947-70E740481C1C}">
+                <a14:useLocalDpi xmlns:a14="http://schemas.microsoft.com/office/drawing/2010/main" val="0"/>
+              </a:ext>
+            </a:extLst>
+          </a:blip>
+          <a:stretch>
+            <a:fillRect/>
+          </a:stretch>
+        </p:blipFill>
+        <p:spPr>
+          <a:xfrm>
+            <a:off x="1955852" y="0"/>
+            <a:ext cx="7989297" cy="6858000"/>
+          </a:xfrm>
+          <a:prstGeom prst="rect">
+            <a:avLst/>
+          </a:prstGeom>
+        </p:spPr>
+      </p:pic>
+      <p:pic>
+        <p:nvPicPr>
+          <p:cNvPr id="4" name="Imagen 3" descr="Imagen que contiene texto&#10;&#10;Descripción generada automáticamente">
+            <a:extLst>
+              <a:ext uri="{FF2B5EF4-FFF2-40B4-BE49-F238E27FC236}">
+                <a16:creationId xmlns:a16="http://schemas.microsoft.com/office/drawing/2014/main" id="{F47DD0A4-42C7-4E9C-B291-BC53E2437B59}"/>
+              </a:ext>
+            </a:extLst>
+          </p:cNvPr>
+          <p:cNvPicPr>
+            <a:picLocks noChangeAspect="1"/>
+          </p:cNvPicPr>
+          <p:nvPr/>
+        </p:nvPicPr>
+        <p:blipFill>
+          <a:blip r:embed="rId3">
+            <a:extLst>
+              <a:ext uri="{28A0092B-C50C-407E-A947-70E740481C1C}">
+                <a14:useLocalDpi xmlns:a14="http://schemas.microsoft.com/office/drawing/2010/main" val="0"/>
+              </a:ext>
+            </a:extLst>
+          </a:blip>
+          <a:stretch>
+            <a:fillRect/>
+          </a:stretch>
+        </p:blipFill>
+        <p:spPr>
+          <a:xfrm>
+            <a:off x="5181970" y="1285876"/>
+            <a:ext cx="1537062" cy="1323974"/>
+          </a:xfrm>
+          <a:prstGeom prst="rect">
+            <a:avLst/>
+          </a:prstGeom>
+        </p:spPr>
+      </p:pic>
+      <p:sp>
+        <p:nvSpPr>
+          <p:cNvPr id="6" name="CuadroTexto 5">
+            <a:extLst>
+              <a:ext uri="{FF2B5EF4-FFF2-40B4-BE49-F238E27FC236}">
+                <a16:creationId xmlns:a16="http://schemas.microsoft.com/office/drawing/2014/main" id="{0361683C-51C8-466A-83D9-5298FC15F6A1}"/>
+              </a:ext>
+            </a:extLst>
+          </p:cNvPr>
+          <p:cNvSpPr txBox="1"/>
+          <p:nvPr/>
+        </p:nvSpPr>
+        <p:spPr>
+          <a:xfrm>
+            <a:off x="10090648" y="457200"/>
+            <a:ext cx="1729877" cy="369332"/>
+          </a:xfrm>
+          <a:prstGeom prst="rect">
+            <a:avLst/>
+          </a:prstGeom>
+          <a:noFill/>
+        </p:spPr>
+        <p:txBody>
+          <a:bodyPr wrap="square" rtlCol="0">
+            <a:spAutoFit/>
+          </a:bodyPr>
+          <a:lstStyle/>
+          <a:p>
+            <a:r>
+              <a:rPr lang="es-EC" dirty="0"/>
+              <a:t>TRANSPORTES</a:t>
+            </a:r>
+          </a:p>
+        </p:txBody>
+      </p:sp>
+    </p:spTree>
+    <p:extLst>
+      <p:ext uri="{BB962C8B-B14F-4D97-AF65-F5344CB8AC3E}">
+        <p14:creationId xmlns:p14="http://schemas.microsoft.com/office/powerpoint/2010/main" val="1865729349"/>
+      </p:ext>
+    </p:extLst>
+  </p:cSld>
+  <p:clrMapOvr>
+    <a:masterClrMapping/>
+  </p:clrMapOvr>
+  <mc:AlternateContent xmlns:mc="http://schemas.openxmlformats.org/markup-compatibility/2006">
+    <mc:Choice xmlns:p159="http://schemas.microsoft.com/office/powerpoint/2015/09/main" Requires="p159">
+      <p:transition xmlns:p14="http://schemas.microsoft.com/office/powerpoint/2010/main" spd="slow" p14:dur="2000">
+        <p159:morph option="byObject"/>
+      </p:transition>
+    </mc:Choice>
+    <mc:Fallback>
+      <p:transition spd="slow">
+        <p:fade/>
+      </p:transition>
+    </mc:Fallback>
+  </mc:AlternateContent>
+</p:sld>
+</file>
+
+<file path=ppt/slides/slide11.xml><?xml version="1.0" encoding="utf-8"?>
+<p:sld xmlns:a="http://schemas.openxmlformats.org/drawingml/2006/main" xmlns:r="http://schemas.openxmlformats.org/officeDocument/2006/relationships" xmlns:p="http://schemas.openxmlformats.org/presentationml/2006/main">
+  <p:cSld>
+    <p:spTree>
+      <p:nvGrpSpPr>
+        <p:cNvPr id="1" name=""/>
+        <p:cNvGrpSpPr/>
+        <p:nvPr/>
+      </p:nvGrpSpPr>
+      <p:grpSpPr>
+        <a:xfrm>
+          <a:off x="0" y="0"/>
+          <a:ext cx="0" cy="0"/>
+          <a:chOff x="0" y="0"/>
+          <a:chExt cx="0" cy="0"/>
+        </a:xfrm>
+      </p:grpSpPr>
+      <p:pic>
+        <p:nvPicPr>
+          <p:cNvPr id="3" name="Imagen 2" descr="Imagen que contiene captura de pantalla, electrónica&#10;&#10;Descripción generada automáticamente">
+            <a:extLst>
+              <a:ext uri="{FF2B5EF4-FFF2-40B4-BE49-F238E27FC236}">
+                <a16:creationId xmlns:a16="http://schemas.microsoft.com/office/drawing/2014/main" id="{C264E2A8-6CA6-45A0-9D3F-E95F6A47C1E4}"/>
+              </a:ext>
+            </a:extLst>
+          </p:cNvPr>
+          <p:cNvPicPr>
+            <a:picLocks noChangeAspect="1"/>
+          </p:cNvPicPr>
+          <p:nvPr/>
+        </p:nvPicPr>
+        <p:blipFill>
+          <a:blip r:embed="rId2">
+            <a:extLst>
+              <a:ext uri="{28A0092B-C50C-407E-A947-70E740481C1C}">
+                <a14:useLocalDpi xmlns:a14="http://schemas.microsoft.com/office/drawing/2010/main" val="0"/>
+              </a:ext>
+            </a:extLst>
+          </a:blip>
+          <a:stretch>
+            <a:fillRect/>
+          </a:stretch>
+        </p:blipFill>
+        <p:spPr>
+          <a:xfrm>
+            <a:off x="2101351" y="0"/>
+            <a:ext cx="7989297" cy="6858000"/>
+          </a:xfrm>
+          <a:prstGeom prst="rect">
+            <a:avLst/>
+          </a:prstGeom>
+        </p:spPr>
+      </p:pic>
+      <p:pic>
+        <p:nvPicPr>
+          <p:cNvPr id="4" name="Imagen 3" descr="Imagen que contiene texto&#10;&#10;Descripción generada automáticamente">
+            <a:extLst>
+              <a:ext uri="{FF2B5EF4-FFF2-40B4-BE49-F238E27FC236}">
+                <a16:creationId xmlns:a16="http://schemas.microsoft.com/office/drawing/2014/main" id="{F47DD0A4-42C7-4E9C-B291-BC53E2437B59}"/>
+              </a:ext>
+            </a:extLst>
+          </p:cNvPr>
+          <p:cNvPicPr>
+            <a:picLocks noChangeAspect="1"/>
+          </p:cNvPicPr>
+          <p:nvPr/>
+        </p:nvPicPr>
+        <p:blipFill>
+          <a:blip r:embed="rId3">
+            <a:extLst>
+              <a:ext uri="{28A0092B-C50C-407E-A947-70E740481C1C}">
+                <a14:useLocalDpi xmlns:a14="http://schemas.microsoft.com/office/drawing/2010/main" val="0"/>
+              </a:ext>
+            </a:extLst>
+          </a:blip>
+          <a:stretch>
+            <a:fillRect/>
+          </a:stretch>
+        </p:blipFill>
+        <p:spPr>
+          <a:xfrm>
+            <a:off x="5200650" y="1305026"/>
+            <a:ext cx="1537433" cy="1324294"/>
+          </a:xfrm>
+          <a:prstGeom prst="rect">
+            <a:avLst/>
+          </a:prstGeom>
+        </p:spPr>
+      </p:pic>
+      <p:sp>
+        <p:nvSpPr>
+          <p:cNvPr id="6" name="CuadroTexto 5">
+            <a:extLst>
+              <a:ext uri="{FF2B5EF4-FFF2-40B4-BE49-F238E27FC236}">
+                <a16:creationId xmlns:a16="http://schemas.microsoft.com/office/drawing/2014/main" id="{0EAA5B34-6878-4270-BEB2-DA0F97BA63E7}"/>
+              </a:ext>
+            </a:extLst>
+          </p:cNvPr>
+          <p:cNvSpPr txBox="1"/>
+          <p:nvPr/>
+        </p:nvSpPr>
+        <p:spPr>
+          <a:xfrm>
+            <a:off x="10296525" y="533400"/>
+            <a:ext cx="1504950" cy="369332"/>
+          </a:xfrm>
+          <a:prstGeom prst="rect">
+            <a:avLst/>
+          </a:prstGeom>
+          <a:noFill/>
+        </p:spPr>
+        <p:txBody>
+          <a:bodyPr wrap="square" rtlCol="0">
+            <a:spAutoFit/>
+          </a:bodyPr>
+          <a:lstStyle/>
+          <a:p>
+            <a:r>
+              <a:rPr lang="es-EC" dirty="0"/>
+              <a:t>PAQUETES</a:t>
+            </a:r>
+          </a:p>
+        </p:txBody>
+      </p:sp>
+    </p:spTree>
+    <p:extLst>
+      <p:ext uri="{BB962C8B-B14F-4D97-AF65-F5344CB8AC3E}">
+        <p14:creationId xmlns:p14="http://schemas.microsoft.com/office/powerpoint/2010/main" val="718594963"/>
+      </p:ext>
+    </p:extLst>
+  </p:cSld>
+  <p:clrMapOvr>
+    <a:masterClrMapping/>
+  </p:clrMapOvr>
+  <mc:AlternateContent xmlns:mc="http://schemas.openxmlformats.org/markup-compatibility/2006">
+    <mc:Choice xmlns:p159="http://schemas.microsoft.com/office/powerpoint/2015/09/main" Requires="p159">
+      <p:transition xmlns:p14="http://schemas.microsoft.com/office/powerpoint/2010/main" spd="slow" p14:dur="2000">
+        <p159:morph option="byObject"/>
+      </p:transition>
+    </mc:Choice>
+    <mc:Fallback>
+      <p:transition spd="slow">
+        <p:fade/>
+      </p:transition>
+    </mc:Fallback>
+  </mc:AlternateContent>
+</p:sld>
+</file>
+
+<file path=ppt/slides/slide12.xml><?xml version="1.0" encoding="utf-8"?>
+<p:sld xmlns:a="http://schemas.openxmlformats.org/drawingml/2006/main" xmlns:r="http://schemas.openxmlformats.org/officeDocument/2006/relationships" xmlns:p="http://schemas.openxmlformats.org/presentationml/2006/main">
+  <p:cSld>
+    <p:spTree>
+      <p:nvGrpSpPr>
+        <p:cNvPr id="1" name=""/>
+        <p:cNvGrpSpPr/>
+        <p:nvPr/>
+      </p:nvGrpSpPr>
+      <p:grpSpPr>
+        <a:xfrm>
+          <a:off x="0" y="0"/>
+          <a:ext cx="0" cy="0"/>
+          <a:chOff x="0" y="0"/>
+          <a:chExt cx="0" cy="0"/>
+        </a:xfrm>
+      </p:grpSpPr>
+      <p:pic>
+        <p:nvPicPr>
+          <p:cNvPr id="5" name="Imagen 4" descr="Imagen que contiene captura de pantalla&#10;&#10;Descripción generada automáticamente">
+            <a:extLst>
+              <a:ext uri="{FF2B5EF4-FFF2-40B4-BE49-F238E27FC236}">
+                <a16:creationId xmlns:a16="http://schemas.microsoft.com/office/drawing/2014/main" id="{0F886E83-693A-493A-9D6E-0123309340F2}"/>
+              </a:ext>
+            </a:extLst>
+          </p:cNvPr>
+          <p:cNvPicPr>
+            <a:picLocks noChangeAspect="1"/>
+          </p:cNvPicPr>
+          <p:nvPr/>
+        </p:nvPicPr>
+        <p:blipFill>
+          <a:blip r:embed="rId2">
+            <a:extLst>
+              <a:ext uri="{28A0092B-C50C-407E-A947-70E740481C1C}">
+                <a14:useLocalDpi xmlns:a14="http://schemas.microsoft.com/office/drawing/2010/main" val="0"/>
+              </a:ext>
+            </a:extLst>
+          </a:blip>
+          <a:stretch>
+            <a:fillRect/>
+          </a:stretch>
+        </p:blipFill>
+        <p:spPr>
+          <a:xfrm>
+            <a:off x="2007570" y="0"/>
+            <a:ext cx="7989297" cy="6858000"/>
+          </a:xfrm>
+          <a:prstGeom prst="rect">
+            <a:avLst/>
+          </a:prstGeom>
+        </p:spPr>
+      </p:pic>
+      <p:pic>
+        <p:nvPicPr>
+          <p:cNvPr id="4" name="Imagen 3" descr="Imagen que contiene texto&#10;&#10;Descripción generada automáticamente">
+            <a:extLst>
+              <a:ext uri="{FF2B5EF4-FFF2-40B4-BE49-F238E27FC236}">
+                <a16:creationId xmlns:a16="http://schemas.microsoft.com/office/drawing/2014/main" id="{F47DD0A4-42C7-4E9C-B291-BC53E2437B59}"/>
+              </a:ext>
+            </a:extLst>
+          </p:cNvPr>
+          <p:cNvPicPr>
+            <a:picLocks noChangeAspect="1"/>
+          </p:cNvPicPr>
+          <p:nvPr/>
+        </p:nvPicPr>
+        <p:blipFill>
+          <a:blip r:embed="rId3">
+            <a:extLst>
+              <a:ext uri="{28A0092B-C50C-407E-A947-70E740481C1C}">
+                <a14:useLocalDpi xmlns:a14="http://schemas.microsoft.com/office/drawing/2010/main" val="0"/>
+              </a:ext>
+            </a:extLst>
+          </a:blip>
+          <a:stretch>
+            <a:fillRect/>
+          </a:stretch>
+        </p:blipFill>
+        <p:spPr>
+          <a:xfrm>
+            <a:off x="5122981" y="1260408"/>
+            <a:ext cx="1584088" cy="1364481"/>
+          </a:xfrm>
+          <a:prstGeom prst="rect">
+            <a:avLst/>
+          </a:prstGeom>
+        </p:spPr>
+      </p:pic>
+      <p:sp>
+        <p:nvSpPr>
+          <p:cNvPr id="6" name="CuadroTexto 5">
+            <a:extLst>
+              <a:ext uri="{FF2B5EF4-FFF2-40B4-BE49-F238E27FC236}">
+                <a16:creationId xmlns:a16="http://schemas.microsoft.com/office/drawing/2014/main" id="{21418739-931D-4793-9916-3BEE2CC7CF9E}"/>
+              </a:ext>
+            </a:extLst>
+          </p:cNvPr>
+          <p:cNvSpPr txBox="1"/>
+          <p:nvPr/>
+        </p:nvSpPr>
+        <p:spPr>
+          <a:xfrm>
+            <a:off x="10391775" y="609600"/>
+            <a:ext cx="1485900" cy="369332"/>
+          </a:xfrm>
+          <a:prstGeom prst="rect">
+            <a:avLst/>
+          </a:prstGeom>
+          <a:noFill/>
+        </p:spPr>
+        <p:txBody>
+          <a:bodyPr wrap="square" rtlCol="0">
+            <a:spAutoFit/>
+          </a:bodyPr>
+          <a:lstStyle/>
+          <a:p>
+            <a:r>
+              <a:rPr lang="es-EC" dirty="0"/>
+              <a:t>HOTELES</a:t>
+            </a:r>
+          </a:p>
+        </p:txBody>
+      </p:sp>
+    </p:spTree>
+    <p:extLst>
+      <p:ext uri="{BB962C8B-B14F-4D97-AF65-F5344CB8AC3E}">
+        <p14:creationId xmlns:p14="http://schemas.microsoft.com/office/powerpoint/2010/main" val="3249476186"/>
+      </p:ext>
+    </p:extLst>
+  </p:cSld>
+  <p:clrMapOvr>
+    <a:masterClrMapping/>
+  </p:clrMapOvr>
+  <mc:AlternateContent xmlns:mc="http://schemas.openxmlformats.org/markup-compatibility/2006">
+    <mc:Choice xmlns:p159="http://schemas.microsoft.com/office/powerpoint/2015/09/main" Requires="p159">
+      <p:transition xmlns:p14="http://schemas.microsoft.com/office/powerpoint/2010/main" spd="slow" p14:dur="2000">
+        <p159:morph option="byObject"/>
+      </p:transition>
+    </mc:Choice>
+    <mc:Fallback>
+      <p:transition spd="slow">
+        <p:fade/>
+      </p:transition>
+    </mc:Fallback>
+  </mc:AlternateContent>
+</p:sld>
+</file>
+
+<file path=ppt/slides/slide13.xml><?xml version="1.0" encoding="utf-8"?>
+<p:sld xmlns:a="http://schemas.openxmlformats.org/drawingml/2006/main" xmlns:r="http://schemas.openxmlformats.org/officeDocument/2006/relationships" xmlns:p="http://schemas.openxmlformats.org/presentationml/2006/main">
+  <p:cSld>
+    <p:spTree>
+      <p:nvGrpSpPr>
+        <p:cNvPr id="1" name=""/>
+        <p:cNvGrpSpPr/>
+        <p:nvPr/>
+      </p:nvGrpSpPr>
+      <p:grpSpPr>
+        <a:xfrm>
+          <a:off x="0" y="0"/>
+          <a:ext cx="0" cy="0"/>
+          <a:chOff x="0" y="0"/>
+          <a:chExt cx="0" cy="0"/>
+        </a:xfrm>
+      </p:grpSpPr>
+      <p:sp>
+        <p:nvSpPr>
+          <p:cNvPr id="2" name="Título 1">
+            <a:extLst>
+              <a:ext uri="{FF2B5EF4-FFF2-40B4-BE49-F238E27FC236}">
+                <a16:creationId xmlns:a16="http://schemas.microsoft.com/office/drawing/2014/main" id="{85F2D97B-7A59-49FC-B769-D81B3466F3BB}"/>
+              </a:ext>
+            </a:extLst>
+          </p:cNvPr>
+          <p:cNvSpPr>
+            <a:spLocks noGrp="1"/>
+          </p:cNvSpPr>
+          <p:nvPr>
+            <p:ph type="ctrTitle"/>
+          </p:nvPr>
+        </p:nvSpPr>
+        <p:spPr/>
+        <p:txBody>
+          <a:bodyPr/>
+          <a:lstStyle/>
+          <a:p>
+            <a:r>
+              <a:rPr lang="es-EC" dirty="0"/>
+              <a:t>gracias</a:t>
+            </a:r>
+          </a:p>
+        </p:txBody>
+      </p:sp>
+      <p:sp>
+        <p:nvSpPr>
+          <p:cNvPr id="3" name="Subtítulo 2">
+            <a:extLst>
+              <a:ext uri="{FF2B5EF4-FFF2-40B4-BE49-F238E27FC236}">
+                <a16:creationId xmlns:a16="http://schemas.microsoft.com/office/drawing/2014/main" id="{3D30F944-3B43-4F21-AED1-AEE9DF502093}"/>
+              </a:ext>
+            </a:extLst>
+          </p:cNvPr>
+          <p:cNvSpPr>
+            <a:spLocks noGrp="1"/>
+          </p:cNvSpPr>
+          <p:nvPr>
+            <p:ph type="subTitle" idx="1"/>
+          </p:nvPr>
+        </p:nvSpPr>
+        <p:spPr/>
+        <p:txBody>
+          <a:bodyPr/>
+          <a:lstStyle/>
+          <a:p>
+            <a:endParaRPr lang="es-EC"/>
+          </a:p>
+        </p:txBody>
+      </p:sp>
+    </p:spTree>
+    <p:extLst>
+      <p:ext uri="{BB962C8B-B14F-4D97-AF65-F5344CB8AC3E}">
+        <p14:creationId xmlns:p14="http://schemas.microsoft.com/office/powerpoint/2010/main" val="3357575016"/>
+      </p:ext>
+    </p:extLst>
+  </p:cSld>
+  <p:clrMapOvr>
+    <a:masterClrMapping/>
+  </p:clrMapOvr>
+  <mc:AlternateContent xmlns:mc="http://schemas.openxmlformats.org/markup-compatibility/2006">
+    <mc:Choice xmlns:p159="http://schemas.microsoft.com/office/powerpoint/2015/09/main" Requires="p159">
+      <p:transition xmlns:p14="http://schemas.microsoft.com/office/powerpoint/2010/main" spd="slow" p14:dur="2000">
+        <p159:morph option="byObject"/>
+      </p:transition>
+    </mc:Choice>
+    <mc:Fallback>
+      <p:transition spd="slow">
+        <p:fade/>
+      </p:transition>
+    </mc:Fallback>
+  </mc:AlternateContent>
 </p:sld>
 </file>
 
@@ -6489,6 +7149,18 @@
   <p:clrMapOvr>
     <a:masterClrMapping/>
   </p:clrMapOvr>
+  <mc:AlternateContent xmlns:mc="http://schemas.openxmlformats.org/markup-compatibility/2006">
+    <mc:Choice xmlns:p159="http://schemas.microsoft.com/office/powerpoint/2015/09/main" Requires="p159">
+      <p:transition xmlns:p14="http://schemas.microsoft.com/office/powerpoint/2010/main" spd="slow" p14:dur="2000">
+        <p159:morph option="byObject"/>
+      </p:transition>
+    </mc:Choice>
+    <mc:Fallback>
+      <p:transition spd="slow">
+        <p:fade/>
+      </p:transition>
+    </mc:Fallback>
+  </mc:AlternateContent>
 </p:sld>
 </file>
 
@@ -6627,6 +7299,18 @@
   <p:clrMapOvr>
     <a:masterClrMapping/>
   </p:clrMapOvr>
+  <mc:AlternateContent xmlns:mc="http://schemas.openxmlformats.org/markup-compatibility/2006">
+    <mc:Choice xmlns:p159="http://schemas.microsoft.com/office/powerpoint/2015/09/main" Requires="p159">
+      <p:transition xmlns:p14="http://schemas.microsoft.com/office/powerpoint/2010/main" spd="slow" p14:dur="2000">
+        <p159:morph option="byObject"/>
+      </p:transition>
+    </mc:Choice>
+    <mc:Fallback>
+      <p:transition spd="slow">
+        <p:fade/>
+      </p:transition>
+    </mc:Fallback>
+  </mc:AlternateContent>
 </p:sld>
 </file>
 
@@ -6761,10 +7445,263 @@
   <p:clrMapOvr>
     <a:masterClrMapping/>
   </p:clrMapOvr>
+  <mc:AlternateContent xmlns:mc="http://schemas.openxmlformats.org/markup-compatibility/2006">
+    <mc:Choice xmlns:p159="http://schemas.microsoft.com/office/powerpoint/2015/09/main" Requires="p159">
+      <p:transition xmlns:p14="http://schemas.microsoft.com/office/powerpoint/2010/main" spd="slow" p14:dur="2000">
+        <p159:morph option="byObject"/>
+      </p:transition>
+    </mc:Choice>
+    <mc:Fallback>
+      <p:transition spd="slow">
+        <p:fade/>
+      </p:transition>
+    </mc:Fallback>
+  </mc:AlternateContent>
 </p:sld>
 </file>
 
 <file path=ppt/slides/slide5.xml><?xml version="1.0" encoding="utf-8"?>
+<p:sld xmlns:a="http://schemas.openxmlformats.org/drawingml/2006/main" xmlns:r="http://schemas.openxmlformats.org/officeDocument/2006/relationships" xmlns:p="http://schemas.openxmlformats.org/presentationml/2006/main">
+  <p:cSld>
+    <p:bg>
+      <p:bgPr>
+        <a:solidFill>
+          <a:schemeClr val="bg1"/>
+        </a:solidFill>
+        <a:effectLst/>
+      </p:bgPr>
+    </p:bg>
+    <p:spTree>
+      <p:nvGrpSpPr>
+        <p:cNvPr id="1" name=""/>
+        <p:cNvGrpSpPr/>
+        <p:nvPr/>
+      </p:nvGrpSpPr>
+      <p:grpSpPr>
+        <a:xfrm>
+          <a:off x="0" y="0"/>
+          <a:ext cx="0" cy="0"/>
+          <a:chOff x="0" y="0"/>
+          <a:chExt cx="0" cy="0"/>
+        </a:xfrm>
+      </p:grpSpPr>
+      <p:sp>
+        <p:nvSpPr>
+          <p:cNvPr id="14" name="Rectangle 9">
+            <a:extLst>
+              <a:ext uri="{FF2B5EF4-FFF2-40B4-BE49-F238E27FC236}">
+                <a16:creationId xmlns:a16="http://schemas.microsoft.com/office/drawing/2014/main" id="{A62E6B9D-7061-462E-8947-2825B75789B9}"/>
+              </a:ext>
+              <a:ext uri="{C183D7F6-B498-43B3-948B-1728B52AA6E4}">
+                <adec:decorative xmlns:adec="http://schemas.microsoft.com/office/drawing/2017/decorative" val="1"/>
+              </a:ext>
+            </a:extLst>
+          </p:cNvPr>
+          <p:cNvSpPr>
+            <a:spLocks noGrp="1" noRot="1" noChangeAspect="1" noMove="1" noResize="1" noEditPoints="1" noAdjustHandles="1" noChangeArrowheads="1" noChangeShapeType="1" noTextEdit="1"/>
+          </p:cNvSpPr>
+          <p:nvPr>
+            <p:extLst>
+              <p:ext uri="{386F3935-93C4-4BCD-93E2-E3B085C9AB24}">
+                <p16:designElem xmlns:p16="http://schemas.microsoft.com/office/powerpoint/2015/main" val="1"/>
+              </p:ext>
+            </p:extLst>
+          </p:nvPr>
+        </p:nvSpPr>
+        <p:spPr>
+          <a:xfrm>
+            <a:off x="0" y="0"/>
+            <a:ext cx="12192000" cy="6858000"/>
+          </a:xfrm>
+          <a:prstGeom prst="rect">
+            <a:avLst/>
+          </a:prstGeom>
+          <a:solidFill>
+            <a:schemeClr val="accent1"/>
+          </a:solidFill>
+          <a:ln w="12700" cmpd="sng">
+            <a:noFill/>
+          </a:ln>
+        </p:spPr>
+        <p:style>
+          <a:lnRef idx="2">
+            <a:schemeClr val="accent1">
+              <a:shade val="50000"/>
+            </a:schemeClr>
+          </a:lnRef>
+          <a:fillRef idx="1">
+            <a:schemeClr val="accent1"/>
+          </a:fillRef>
+          <a:effectRef idx="0">
+            <a:schemeClr val="accent1"/>
+          </a:effectRef>
+          <a:fontRef idx="minor">
+            <a:schemeClr val="lt1"/>
+          </a:fontRef>
+        </p:style>
+      </p:sp>
+      <p:sp useBgFill="1">
+        <p:nvSpPr>
+          <p:cNvPr id="15" name="Rectangle 11">
+            <a:extLst>
+              <a:ext uri="{FF2B5EF4-FFF2-40B4-BE49-F238E27FC236}">
+                <a16:creationId xmlns:a16="http://schemas.microsoft.com/office/drawing/2014/main" id="{EBCBE66D-4E28-4F31-90A0-960C40C59C7D}"/>
+              </a:ext>
+              <a:ext uri="{C183D7F6-B498-43B3-948B-1728B52AA6E4}">
+                <adec:decorative xmlns:adec="http://schemas.microsoft.com/office/drawing/2017/decorative" val="1"/>
+              </a:ext>
+            </a:extLst>
+          </p:cNvPr>
+          <p:cNvSpPr>
+            <a:spLocks noGrp="1" noRot="1" noChangeAspect="1" noMove="1" noResize="1" noEditPoints="1" noAdjustHandles="1" noChangeArrowheads="1" noChangeShapeType="1" noTextEdit="1"/>
+          </p:cNvSpPr>
+          <p:nvPr>
+            <p:extLst>
+              <p:ext uri="{386F3935-93C4-4BCD-93E2-E3B085C9AB24}">
+                <p16:designElem xmlns:p16="http://schemas.microsoft.com/office/powerpoint/2015/main" val="1"/>
+              </p:ext>
+            </p:extLst>
+          </p:nvPr>
+        </p:nvSpPr>
+        <p:spPr>
+          <a:xfrm>
+            <a:off x="231140" y="243840"/>
+            <a:ext cx="11724640" cy="6377939"/>
+          </a:xfrm>
+          <a:prstGeom prst="rect">
+            <a:avLst/>
+          </a:prstGeom>
+          <a:ln w="12700">
+            <a:noFill/>
+          </a:ln>
+        </p:spPr>
+        <p:style>
+          <a:lnRef idx="2">
+            <a:schemeClr val="accent1">
+              <a:shade val="50000"/>
+            </a:schemeClr>
+          </a:lnRef>
+          <a:fillRef idx="1">
+            <a:schemeClr val="accent1"/>
+          </a:fillRef>
+          <a:effectRef idx="0">
+            <a:schemeClr val="accent1"/>
+          </a:effectRef>
+          <a:fontRef idx="minor">
+            <a:schemeClr val="lt1"/>
+          </a:fontRef>
+        </p:style>
+      </p:sp>
+      <p:sp>
+        <p:nvSpPr>
+          <p:cNvPr id="4" name="Título 3">
+            <a:extLst>
+              <a:ext uri="{FF2B5EF4-FFF2-40B4-BE49-F238E27FC236}">
+                <a16:creationId xmlns:a16="http://schemas.microsoft.com/office/drawing/2014/main" id="{9BEA146F-1AD4-45FB-8617-843630A053B4}"/>
+              </a:ext>
+            </a:extLst>
+          </p:cNvPr>
+          <p:cNvSpPr>
+            <a:spLocks noGrp="1"/>
+          </p:cNvSpPr>
+          <p:nvPr>
+            <p:ph type="ctrTitle"/>
+          </p:nvPr>
+        </p:nvSpPr>
+        <p:spPr>
+          <a:xfrm>
+            <a:off x="1142996" y="532263"/>
+            <a:ext cx="9892751" cy="3684895"/>
+          </a:xfrm>
+          <a:noFill/>
+          <a:ln w="12700" cmpd="sng">
+            <a:noFill/>
+          </a:ln>
+        </p:spPr>
+        <p:txBody>
+          <a:bodyPr anchor="b">
+            <a:normAutofit/>
+          </a:bodyPr>
+          <a:lstStyle/>
+          <a:p>
+            <a:pPr algn="l"/>
+            <a:r>
+              <a:rPr lang="es-EC" sz="11500" dirty="0">
+                <a:solidFill>
+                  <a:schemeClr val="tx1"/>
+                </a:solidFill>
+              </a:rPr>
+              <a:t>PROTOTIPOS</a:t>
+            </a:r>
+          </a:p>
+        </p:txBody>
+      </p:sp>
+      <p:sp>
+        <p:nvSpPr>
+          <p:cNvPr id="5" name="Subtítulo 4">
+            <a:extLst>
+              <a:ext uri="{FF2B5EF4-FFF2-40B4-BE49-F238E27FC236}">
+                <a16:creationId xmlns:a16="http://schemas.microsoft.com/office/drawing/2014/main" id="{F3E3F51E-D425-4843-8953-742DD583F5B7}"/>
+              </a:ext>
+            </a:extLst>
+          </p:cNvPr>
+          <p:cNvSpPr>
+            <a:spLocks noGrp="1"/>
+          </p:cNvSpPr>
+          <p:nvPr>
+            <p:ph type="subTitle" idx="1"/>
+          </p:nvPr>
+        </p:nvSpPr>
+        <p:spPr>
+          <a:xfrm>
+            <a:off x="1142996" y="4217158"/>
+            <a:ext cx="9892751" cy="1649338"/>
+          </a:xfrm>
+        </p:spPr>
+        <p:txBody>
+          <a:bodyPr anchor="t">
+            <a:normAutofit/>
+          </a:bodyPr>
+          <a:lstStyle/>
+          <a:p>
+            <a:pPr algn="l"/>
+            <a:r>
+              <a:rPr lang="es-EC" sz="4000" dirty="0">
+                <a:solidFill>
+                  <a:schemeClr val="accent1"/>
+                </a:solidFill>
+              </a:rPr>
+              <a:t>Diseño de la Base de Datos</a:t>
+            </a:r>
+          </a:p>
+        </p:txBody>
+      </p:sp>
+    </p:spTree>
+    <p:extLst>
+      <p:ext uri="{BB962C8B-B14F-4D97-AF65-F5344CB8AC3E}">
+        <p14:creationId xmlns:p14="http://schemas.microsoft.com/office/powerpoint/2010/main" val="2673214504"/>
+      </p:ext>
+    </p:extLst>
+  </p:cSld>
+  <p:clrMapOvr>
+    <a:overrideClrMapping bg1="dk1" tx1="lt1" bg2="dk2" tx2="lt2" accent1="accent1" accent2="accent2" accent3="accent3" accent4="accent4" accent5="accent5" accent6="accent6" hlink="hlink" folHlink="folHlink"/>
+  </p:clrMapOvr>
+  <mc:AlternateContent xmlns:mc="http://schemas.openxmlformats.org/markup-compatibility/2006">
+    <mc:Choice xmlns:p159="http://schemas.microsoft.com/office/powerpoint/2015/09/main" Requires="p159">
+      <p:transition xmlns:p14="http://schemas.microsoft.com/office/powerpoint/2010/main" spd="slow" p14:dur="2000">
+        <p159:morph option="byObject"/>
+      </p:transition>
+    </mc:Choice>
+    <mc:Fallback>
+      <p:transition spd="slow">
+        <p:fade/>
+      </p:transition>
+    </mc:Fallback>
+  </mc:AlternateContent>
+</p:sld>
+</file>
+
+<file path=ppt/slides/slide6.xml><?xml version="1.0" encoding="utf-8"?>
 <p:sld xmlns:a="http://schemas.openxmlformats.org/drawingml/2006/main" xmlns:r="http://schemas.openxmlformats.org/officeDocument/2006/relationships" xmlns:p="http://schemas.openxmlformats.org/presentationml/2006/main">
   <p:cSld>
     <p:spTree>
@@ -6781,89 +7718,17 @@
           <a:chExt cx="0" cy="0"/>
         </a:xfrm>
       </p:grpSpPr>
-      <p:sp>
-        <p:nvSpPr>
-          <p:cNvPr id="4" name="Título 1">
+      <p:pic>
+        <p:nvPicPr>
+          <p:cNvPr id="5" name="Imagen 4" descr="Imagen que contiene texto, mapa&#10;&#10;Descripción generada automáticamente">
             <a:extLst>
               <a:ext uri="{FF2B5EF4-FFF2-40B4-BE49-F238E27FC236}">
-                <a16:creationId xmlns:a16="http://schemas.microsoft.com/office/drawing/2014/main" id="{A4443E80-44C0-4487-9944-5701C0AA9AC4}"/>
+                <a16:creationId xmlns:a16="http://schemas.microsoft.com/office/drawing/2014/main" id="{3F459039-555D-487A-8F66-2E9963693CCD}"/>
               </a:ext>
             </a:extLst>
           </p:cNvPr>
-          <p:cNvSpPr>
-            <a:spLocks noGrp="1"/>
-          </p:cNvSpPr>
-          <p:nvPr>
-            <p:ph type="title"/>
-          </p:nvPr>
-        </p:nvSpPr>
-        <p:spPr>
-          <a:xfrm>
-            <a:off x="2658980" y="415636"/>
-            <a:ext cx="6874136" cy="976746"/>
-          </a:xfrm>
-        </p:spPr>
-        <p:txBody>
-          <a:bodyPr>
-            <a:normAutofit/>
-          </a:bodyPr>
-          <a:lstStyle/>
-          <a:p>
-            <a:r>
-              <a:rPr lang="es-EC" sz="3200" dirty="0" smtClean="0"/>
-              <a:t>¿Hacia quiénes esta dirigido el </a:t>
-            </a:r>
-            <a:r>
-              <a:rPr lang="es-EC" sz="3200" dirty="0"/>
-              <a:t>sistema?</a:t>
-            </a:r>
-          </a:p>
-        </p:txBody>
-      </p:sp>
-      <p:sp>
-        <p:nvSpPr>
-          <p:cNvPr id="5" name="AutoShape 2" descr="Resultado de imagen para entusiastas de los viajes"/>
-          <p:cNvSpPr>
-            <a:spLocks noChangeAspect="1" noChangeArrowheads="1"/>
-          </p:cNvSpPr>
-          <p:nvPr/>
-        </p:nvSpPr>
-        <p:spPr bwMode="auto">
-          <a:xfrm>
-            <a:off x="155575" y="-144463"/>
-            <a:ext cx="304800" cy="304801"/>
-          </a:xfrm>
-          <a:prstGeom prst="rect">
-            <a:avLst/>
-          </a:prstGeom>
-          <a:noFill/>
-          <a:extLst>
-            <a:ext uri="{909E8E84-426E-40DD-AFC4-6F175D3DCCD1}">
-              <a14:hiddenFill xmlns:a14="http://schemas.microsoft.com/office/drawing/2010/main">
-                <a:solidFill>
-                  <a:srgbClr val="FFFFFF"/>
-                </a:solidFill>
-              </a14:hiddenFill>
-            </a:ext>
-          </a:extLst>
-        </p:spPr>
-        <p:txBody>
-          <a:bodyPr vert="horz" wrap="square" lIns="91440" tIns="45720" rIns="91440" bIns="45720" numCol="1" anchor="t" anchorCtr="0" compatLnSpc="1">
-            <a:prstTxWarp prst="textNoShape">
-              <a:avLst/>
-            </a:prstTxWarp>
-          </a:bodyPr>
-          <a:lstStyle/>
-          <a:p>
-            <a:endParaRPr lang="es-ES"/>
-          </a:p>
-        </p:txBody>
-      </p:sp>
-      <p:pic>
-        <p:nvPicPr>
-          <p:cNvPr id="1030" name="Picture 6" descr="Resultado de imagen para jovenes viajeros"/>
           <p:cNvPicPr>
-            <a:picLocks noChangeAspect="1" noChangeArrowheads="1"/>
+            <a:picLocks noChangeAspect="1"/>
           </p:cNvPicPr>
           <p:nvPr/>
         </p:nvPicPr>
@@ -6875,80 +7740,589 @@
               </a:ext>
             </a:extLst>
           </a:blip>
-          <a:srcRect/>
           <a:stretch>
             <a:fillRect/>
           </a:stretch>
         </p:blipFill>
-        <p:spPr bwMode="auto">
+        <p:spPr>
           <a:xfrm>
-            <a:off x="420281" y="1688148"/>
-            <a:ext cx="5607684" cy="3299488"/>
+            <a:off x="2291080" y="243840"/>
+            <a:ext cx="7609840" cy="6333345"/>
           </a:xfrm>
           <a:prstGeom prst="rect">
             <a:avLst/>
           </a:prstGeom>
-          <a:noFill/>
-          <a:extLst>
-            <a:ext uri="{909E8E84-426E-40DD-AFC4-6F175D3DCCD1}">
-              <a14:hiddenFill xmlns:a14="http://schemas.microsoft.com/office/drawing/2010/main">
-                <a:solidFill>
-                  <a:srgbClr val="FFFFFF"/>
-                </a:solidFill>
-              </a14:hiddenFill>
-            </a:ext>
-          </a:extLst>
         </p:spPr>
       </p:pic>
+    </p:spTree>
+    <p:extLst>
+      <p:ext uri="{BB962C8B-B14F-4D97-AF65-F5344CB8AC3E}">
+        <p14:creationId xmlns:p14="http://schemas.microsoft.com/office/powerpoint/2010/main" val="3462525293"/>
+      </p:ext>
+    </p:extLst>
+  </p:cSld>
+  <p:clrMapOvr>
+    <a:masterClrMapping/>
+  </p:clrMapOvr>
+  <mc:AlternateContent xmlns:mc="http://schemas.openxmlformats.org/markup-compatibility/2006">
+    <mc:Choice xmlns:p159="http://schemas.microsoft.com/office/powerpoint/2015/09/main" Requires="p159">
+      <p:transition xmlns:p14="http://schemas.microsoft.com/office/powerpoint/2010/main" spd="slow" p14:dur="2000">
+        <p159:morph option="byObject"/>
+      </p:transition>
+    </mc:Choice>
+    <mc:Fallback>
+      <p:transition spd="slow">
+        <p:fade/>
+      </p:transition>
+    </mc:Fallback>
+  </mc:AlternateContent>
+</p:sld>
+</file>
+
+<file path=ppt/slides/slide7.xml><?xml version="1.0" encoding="utf-8"?>
+<p:sld xmlns:a="http://schemas.openxmlformats.org/drawingml/2006/main" xmlns:r="http://schemas.openxmlformats.org/officeDocument/2006/relationships" xmlns:p="http://schemas.openxmlformats.org/presentationml/2006/main">
+  <p:cSld>
+    <p:bg>
+      <p:bgPr>
+        <a:solidFill>
+          <a:schemeClr val="bg1"/>
+        </a:solidFill>
+        <a:effectLst/>
+      </p:bgPr>
+    </p:bg>
+    <p:spTree>
+      <p:nvGrpSpPr>
+        <p:cNvPr id="1" name=""/>
+        <p:cNvGrpSpPr/>
+        <p:nvPr/>
+      </p:nvGrpSpPr>
+      <p:grpSpPr>
+        <a:xfrm>
+          <a:off x="0" y="0"/>
+          <a:ext cx="0" cy="0"/>
+          <a:chOff x="0" y="0"/>
+          <a:chExt cx="0" cy="0"/>
+        </a:xfrm>
+      </p:grpSpPr>
+      <p:sp>
+        <p:nvSpPr>
+          <p:cNvPr id="14" name="Rectangle 9">
+            <a:extLst>
+              <a:ext uri="{FF2B5EF4-FFF2-40B4-BE49-F238E27FC236}">
+                <a16:creationId xmlns:a16="http://schemas.microsoft.com/office/drawing/2014/main" id="{A62E6B9D-7061-462E-8947-2825B75789B9}"/>
+              </a:ext>
+              <a:ext uri="{C183D7F6-B498-43B3-948B-1728B52AA6E4}">
+                <adec:decorative xmlns:adec="http://schemas.microsoft.com/office/drawing/2017/decorative" val="1"/>
+              </a:ext>
+            </a:extLst>
+          </p:cNvPr>
+          <p:cNvSpPr>
+            <a:spLocks noGrp="1" noRot="1" noChangeAspect="1" noMove="1" noResize="1" noEditPoints="1" noAdjustHandles="1" noChangeArrowheads="1" noChangeShapeType="1" noTextEdit="1"/>
+          </p:cNvSpPr>
+          <p:nvPr>
+            <p:extLst>
+              <p:ext uri="{386F3935-93C4-4BCD-93E2-E3B085C9AB24}">
+                <p16:designElem xmlns:p16="http://schemas.microsoft.com/office/powerpoint/2015/main" val="1"/>
+              </p:ext>
+            </p:extLst>
+          </p:nvPr>
+        </p:nvSpPr>
+        <p:spPr>
+          <a:xfrm>
+            <a:off x="0" y="0"/>
+            <a:ext cx="12192000" cy="6858000"/>
+          </a:xfrm>
+          <a:prstGeom prst="rect">
+            <a:avLst/>
+          </a:prstGeom>
+          <a:solidFill>
+            <a:schemeClr val="accent1"/>
+          </a:solidFill>
+          <a:ln w="12700" cmpd="sng">
+            <a:noFill/>
+          </a:ln>
+        </p:spPr>
+        <p:style>
+          <a:lnRef idx="2">
+            <a:schemeClr val="accent1">
+              <a:shade val="50000"/>
+            </a:schemeClr>
+          </a:lnRef>
+          <a:fillRef idx="1">
+            <a:schemeClr val="accent1"/>
+          </a:fillRef>
+          <a:effectRef idx="0">
+            <a:schemeClr val="accent1"/>
+          </a:effectRef>
+          <a:fontRef idx="minor">
+            <a:schemeClr val="lt1"/>
+          </a:fontRef>
+        </p:style>
+      </p:sp>
+      <p:sp useBgFill="1">
+        <p:nvSpPr>
+          <p:cNvPr id="15" name="Rectangle 11">
+            <a:extLst>
+              <a:ext uri="{FF2B5EF4-FFF2-40B4-BE49-F238E27FC236}">
+                <a16:creationId xmlns:a16="http://schemas.microsoft.com/office/drawing/2014/main" id="{EBCBE66D-4E28-4F31-90A0-960C40C59C7D}"/>
+              </a:ext>
+              <a:ext uri="{C183D7F6-B498-43B3-948B-1728B52AA6E4}">
+                <adec:decorative xmlns:adec="http://schemas.microsoft.com/office/drawing/2017/decorative" val="1"/>
+              </a:ext>
+            </a:extLst>
+          </p:cNvPr>
+          <p:cNvSpPr>
+            <a:spLocks noGrp="1" noRot="1" noChangeAspect="1" noMove="1" noResize="1" noEditPoints="1" noAdjustHandles="1" noChangeArrowheads="1" noChangeShapeType="1" noTextEdit="1"/>
+          </p:cNvSpPr>
+          <p:nvPr>
+            <p:extLst>
+              <p:ext uri="{386F3935-93C4-4BCD-93E2-E3B085C9AB24}">
+                <p16:designElem xmlns:p16="http://schemas.microsoft.com/office/powerpoint/2015/main" val="1"/>
+              </p:ext>
+            </p:extLst>
+          </p:nvPr>
+        </p:nvSpPr>
+        <p:spPr>
+          <a:xfrm>
+            <a:off x="231140" y="243840"/>
+            <a:ext cx="11724640" cy="6377939"/>
+          </a:xfrm>
+          <a:prstGeom prst="rect">
+            <a:avLst/>
+          </a:prstGeom>
+          <a:ln w="12700">
+            <a:noFill/>
+          </a:ln>
+        </p:spPr>
+        <p:style>
+          <a:lnRef idx="2">
+            <a:schemeClr val="accent1">
+              <a:shade val="50000"/>
+            </a:schemeClr>
+          </a:lnRef>
+          <a:fillRef idx="1">
+            <a:schemeClr val="accent1"/>
+          </a:fillRef>
+          <a:effectRef idx="0">
+            <a:schemeClr val="accent1"/>
+          </a:effectRef>
+          <a:fontRef idx="minor">
+            <a:schemeClr val="lt1"/>
+          </a:fontRef>
+        </p:style>
+      </p:sp>
+      <p:sp>
+        <p:nvSpPr>
+          <p:cNvPr id="4" name="Título 3">
+            <a:extLst>
+              <a:ext uri="{FF2B5EF4-FFF2-40B4-BE49-F238E27FC236}">
+                <a16:creationId xmlns:a16="http://schemas.microsoft.com/office/drawing/2014/main" id="{9BEA146F-1AD4-45FB-8617-843630A053B4}"/>
+              </a:ext>
+            </a:extLst>
+          </p:cNvPr>
+          <p:cNvSpPr>
+            <a:spLocks noGrp="1"/>
+          </p:cNvSpPr>
+          <p:nvPr>
+            <p:ph type="ctrTitle"/>
+          </p:nvPr>
+        </p:nvSpPr>
+        <p:spPr>
+          <a:xfrm>
+            <a:off x="1142996" y="532263"/>
+            <a:ext cx="9892751" cy="3684895"/>
+          </a:xfrm>
+          <a:noFill/>
+          <a:ln w="12700" cmpd="sng">
+            <a:noFill/>
+          </a:ln>
+        </p:spPr>
+        <p:txBody>
+          <a:bodyPr anchor="b">
+            <a:normAutofit/>
+          </a:bodyPr>
+          <a:lstStyle/>
+          <a:p>
+            <a:pPr algn="l"/>
+            <a:r>
+              <a:rPr lang="es-EC" sz="11500" dirty="0">
+                <a:solidFill>
+                  <a:schemeClr val="tx1"/>
+                </a:solidFill>
+              </a:rPr>
+              <a:t>PROTOTIPOS</a:t>
+            </a:r>
+          </a:p>
+        </p:txBody>
+      </p:sp>
+      <p:sp>
+        <p:nvSpPr>
+          <p:cNvPr id="5" name="Subtítulo 4">
+            <a:extLst>
+              <a:ext uri="{FF2B5EF4-FFF2-40B4-BE49-F238E27FC236}">
+                <a16:creationId xmlns:a16="http://schemas.microsoft.com/office/drawing/2014/main" id="{F3E3F51E-D425-4843-8953-742DD583F5B7}"/>
+              </a:ext>
+            </a:extLst>
+          </p:cNvPr>
+          <p:cNvSpPr>
+            <a:spLocks noGrp="1"/>
+          </p:cNvSpPr>
+          <p:nvPr>
+            <p:ph type="subTitle" idx="1"/>
+          </p:nvPr>
+        </p:nvSpPr>
+        <p:spPr>
+          <a:xfrm>
+            <a:off x="1142996" y="4217158"/>
+            <a:ext cx="9892751" cy="1649338"/>
+          </a:xfrm>
+        </p:spPr>
+        <p:txBody>
+          <a:bodyPr anchor="t">
+            <a:normAutofit/>
+          </a:bodyPr>
+          <a:lstStyle/>
+          <a:p>
+            <a:pPr algn="l"/>
+            <a:r>
+              <a:rPr lang="es-EC" sz="4000" dirty="0">
+                <a:solidFill>
+                  <a:schemeClr val="accent1"/>
+                </a:solidFill>
+              </a:rPr>
+              <a:t>Diseño de la Interfaz</a:t>
+            </a:r>
+          </a:p>
+        </p:txBody>
+      </p:sp>
+    </p:spTree>
+    <p:extLst>
+      <p:ext uri="{BB962C8B-B14F-4D97-AF65-F5344CB8AC3E}">
+        <p14:creationId xmlns:p14="http://schemas.microsoft.com/office/powerpoint/2010/main" val="1628012796"/>
+      </p:ext>
+    </p:extLst>
+  </p:cSld>
+  <p:clrMapOvr>
+    <a:overrideClrMapping bg1="dk1" tx1="lt1" bg2="dk2" tx2="lt2" accent1="accent1" accent2="accent2" accent3="accent3" accent4="accent4" accent5="accent5" accent6="accent6" hlink="hlink" folHlink="folHlink"/>
+  </p:clrMapOvr>
+  <mc:AlternateContent xmlns:mc="http://schemas.openxmlformats.org/markup-compatibility/2006">
+    <mc:Choice xmlns:p159="http://schemas.microsoft.com/office/powerpoint/2015/09/main" Requires="p159">
+      <p:transition xmlns:p14="http://schemas.microsoft.com/office/powerpoint/2010/main" spd="slow" p14:dur="2000">
+        <p159:morph option="byObject"/>
+      </p:transition>
+    </mc:Choice>
+    <mc:Fallback>
+      <p:transition spd="slow">
+        <p:fade/>
+      </p:transition>
+    </mc:Fallback>
+  </mc:AlternateContent>
+</p:sld>
+</file>
+
+<file path=ppt/slides/slide8.xml><?xml version="1.0" encoding="utf-8"?>
+<p:sld xmlns:a="http://schemas.openxmlformats.org/drawingml/2006/main" xmlns:r="http://schemas.openxmlformats.org/officeDocument/2006/relationships" xmlns:p="http://schemas.openxmlformats.org/presentationml/2006/main">
+  <p:cSld>
+    <p:bg>
+      <p:bgPr>
+        <a:solidFill>
+          <a:schemeClr val="accent1"/>
+        </a:solidFill>
+        <a:effectLst/>
+      </p:bgPr>
+    </p:bg>
+    <p:spTree>
+      <p:nvGrpSpPr>
+        <p:cNvPr id="1" name=""/>
+        <p:cNvGrpSpPr/>
+        <p:nvPr/>
+      </p:nvGrpSpPr>
+      <p:grpSpPr>
+        <a:xfrm>
+          <a:off x="0" y="0"/>
+          <a:ext cx="0" cy="0"/>
+          <a:chOff x="0" y="0"/>
+          <a:chExt cx="0" cy="0"/>
+        </a:xfrm>
+      </p:grpSpPr>
       <p:pic>
         <p:nvPicPr>
-          <p:cNvPr id="1032" name="Picture 8" descr="Resultado de imagen para empresas de turismo logos"/>
+          <p:cNvPr id="5" name="Imagen 4" descr="Imagen que contiene captura de pantalla&#10;&#10;Descripción generada automáticamente">
+            <a:extLst>
+              <a:ext uri="{FF2B5EF4-FFF2-40B4-BE49-F238E27FC236}">
+                <a16:creationId xmlns:a16="http://schemas.microsoft.com/office/drawing/2014/main" id="{2FAD92E5-5BBA-4E3E-9E40-B31BF3B8135E}"/>
+              </a:ext>
+            </a:extLst>
+          </p:cNvPr>
           <p:cNvPicPr>
-            <a:picLocks noChangeAspect="1" noChangeArrowheads="1"/>
+            <a:picLocks noChangeAspect="1"/>
           </p:cNvPicPr>
           <p:nvPr/>
         </p:nvPicPr>
-        <p:blipFill rotWithShape="1">
-          <a:blip r:embed="rId3" cstate="hqprint">
+        <p:blipFill>
+          <a:blip r:embed="rId2">
             <a:extLst>
               <a:ext uri="{28A0092B-C50C-407E-A947-70E740481C1C}">
                 <a14:useLocalDpi xmlns:a14="http://schemas.microsoft.com/office/drawing/2010/main" val="0"/>
               </a:ext>
             </a:extLst>
           </a:blip>
-          <a:srcRect b="18859"/>
-          <a:stretch/>
+          <a:stretch>
+            <a:fillRect/>
+          </a:stretch>
         </p:blipFill>
-        <p:spPr bwMode="auto">
+        <p:spPr>
           <a:xfrm>
-            <a:off x="6164131" y="3500220"/>
-            <a:ext cx="5576998" cy="2974831"/>
+            <a:off x="2372342" y="235964"/>
+            <a:ext cx="7447315" cy="6386072"/>
+          </a:xfrm>
+          <a:prstGeom prst="rect">
+            <a:avLst/>
+          </a:prstGeom>
+        </p:spPr>
+      </p:pic>
+      <p:pic>
+        <p:nvPicPr>
+          <p:cNvPr id="7" name="Imagen 6" descr="Imagen que contiene texto&#10;&#10;Descripción generada automáticamente">
+            <a:extLst>
+              <a:ext uri="{FF2B5EF4-FFF2-40B4-BE49-F238E27FC236}">
+                <a16:creationId xmlns:a16="http://schemas.microsoft.com/office/drawing/2014/main" id="{53040EC2-115C-4C63-B196-1458311AB495}"/>
+              </a:ext>
+            </a:extLst>
+          </p:cNvPr>
+          <p:cNvPicPr>
+            <a:picLocks noChangeAspect="1"/>
+          </p:cNvPicPr>
+          <p:nvPr/>
+        </p:nvPicPr>
+        <p:blipFill>
+          <a:blip r:embed="rId3">
+            <a:extLst>
+              <a:ext uri="{28A0092B-C50C-407E-A947-70E740481C1C}">
+                <a14:useLocalDpi xmlns:a14="http://schemas.microsoft.com/office/drawing/2010/main" val="0"/>
+              </a:ext>
+            </a:extLst>
+          </a:blip>
+          <a:stretch>
+            <a:fillRect/>
+          </a:stretch>
+        </p:blipFill>
+        <p:spPr>
+          <a:xfrm>
+            <a:off x="5300973" y="1426846"/>
+            <a:ext cx="1398468" cy="1204594"/>
+          </a:xfrm>
+          <a:prstGeom prst="rect">
+            <a:avLst/>
+          </a:prstGeom>
+        </p:spPr>
+      </p:pic>
+      <p:sp>
+        <p:nvSpPr>
+          <p:cNvPr id="8" name="CuadroTexto 7">
+            <a:extLst>
+              <a:ext uri="{FF2B5EF4-FFF2-40B4-BE49-F238E27FC236}">
+                <a16:creationId xmlns:a16="http://schemas.microsoft.com/office/drawing/2014/main" id="{7900BE99-D224-45EA-B50F-AF943DE18F88}"/>
+              </a:ext>
+            </a:extLst>
+          </p:cNvPr>
+          <p:cNvSpPr txBox="1"/>
+          <p:nvPr/>
+        </p:nvSpPr>
+        <p:spPr>
+          <a:xfrm>
+            <a:off x="10848975" y="361950"/>
+            <a:ext cx="914400" cy="369332"/>
           </a:xfrm>
           <a:prstGeom prst="rect">
             <a:avLst/>
           </a:prstGeom>
           <a:noFill/>
-          <a:extLst>
-            <a:ext uri="{909E8E84-426E-40DD-AFC4-6F175D3DCCD1}">
-              <a14:hiddenFill xmlns:a14="http://schemas.microsoft.com/office/drawing/2010/main">
-                <a:solidFill>
-                  <a:srgbClr val="FFFFFF"/>
-                </a:solidFill>
-              </a14:hiddenFill>
-            </a:ext>
-          </a:extLst>
         </p:spPr>
-      </p:pic>
+        <p:txBody>
+          <a:bodyPr wrap="square" rtlCol="0">
+            <a:spAutoFit/>
+          </a:bodyPr>
+          <a:lstStyle/>
+          <a:p>
+            <a:r>
+              <a:rPr lang="es-EC" dirty="0"/>
+              <a:t>INICIO</a:t>
+            </a:r>
+          </a:p>
+        </p:txBody>
+      </p:sp>
     </p:spTree>
     <p:extLst>
       <p:ext uri="{BB962C8B-B14F-4D97-AF65-F5344CB8AC3E}">
-        <p14:creationId xmlns:p14="http://schemas.microsoft.com/office/powerpoint/2010/main" val="3704347160"/>
+        <p14:creationId xmlns:p14="http://schemas.microsoft.com/office/powerpoint/2010/main" val="331867906"/>
       </p:ext>
     </p:extLst>
   </p:cSld>
   <p:clrMapOvr>
     <a:masterClrMapping/>
   </p:clrMapOvr>
+  <mc:AlternateContent xmlns:mc="http://schemas.openxmlformats.org/markup-compatibility/2006">
+    <mc:Choice xmlns:p159="http://schemas.microsoft.com/office/powerpoint/2015/09/main" Requires="p159">
+      <p:transition xmlns:p14="http://schemas.microsoft.com/office/powerpoint/2010/main" spd="slow" p14:dur="2000">
+        <p159:morph option="byObject"/>
+      </p:transition>
+    </mc:Choice>
+    <mc:Fallback>
+      <p:transition spd="slow">
+        <p:fade/>
+      </p:transition>
+    </mc:Fallback>
+  </mc:AlternateContent>
+</p:sld>
+</file>
+
+<file path=ppt/slides/slide9.xml><?xml version="1.0" encoding="utf-8"?>
+<p:sld xmlns:a="http://schemas.openxmlformats.org/drawingml/2006/main" xmlns:r="http://schemas.openxmlformats.org/officeDocument/2006/relationships" xmlns:p="http://schemas.openxmlformats.org/presentationml/2006/main">
+  <p:cSld>
+    <p:spTree>
+      <p:nvGrpSpPr>
+        <p:cNvPr id="1" name=""/>
+        <p:cNvGrpSpPr/>
+        <p:nvPr/>
+      </p:nvGrpSpPr>
+      <p:grpSpPr>
+        <a:xfrm>
+          <a:off x="0" y="0"/>
+          <a:ext cx="0" cy="0"/>
+          <a:chOff x="0" y="0"/>
+          <a:chExt cx="0" cy="0"/>
+        </a:xfrm>
+      </p:grpSpPr>
+      <p:pic>
+        <p:nvPicPr>
+          <p:cNvPr id="3" name="Imagen 2" descr="Imagen que contiene electrónica, captura de pantalla&#10;&#10;Descripción generada automáticamente">
+            <a:extLst>
+              <a:ext uri="{FF2B5EF4-FFF2-40B4-BE49-F238E27FC236}">
+                <a16:creationId xmlns:a16="http://schemas.microsoft.com/office/drawing/2014/main" id="{603CA849-7358-4AF9-99B5-98C962984A91}"/>
+              </a:ext>
+            </a:extLst>
+          </p:cNvPr>
+          <p:cNvPicPr>
+            <a:picLocks noChangeAspect="1"/>
+          </p:cNvPicPr>
+          <p:nvPr/>
+        </p:nvPicPr>
+        <p:blipFill>
+          <a:blip r:embed="rId2">
+            <a:extLst>
+              <a:ext uri="{28A0092B-C50C-407E-A947-70E740481C1C}">
+                <a14:useLocalDpi xmlns:a14="http://schemas.microsoft.com/office/drawing/2010/main" val="0"/>
+              </a:ext>
+            </a:extLst>
+          </a:blip>
+          <a:stretch>
+            <a:fillRect/>
+          </a:stretch>
+        </p:blipFill>
+        <p:spPr>
+          <a:xfrm>
+            <a:off x="2101351" y="0"/>
+            <a:ext cx="7989297" cy="6858000"/>
+          </a:xfrm>
+          <a:prstGeom prst="rect">
+            <a:avLst/>
+          </a:prstGeom>
+        </p:spPr>
+      </p:pic>
+      <p:pic>
+        <p:nvPicPr>
+          <p:cNvPr id="4" name="Imagen 3" descr="Imagen que contiene texto&#10;&#10;Descripción generada automáticamente">
+            <a:extLst>
+              <a:ext uri="{FF2B5EF4-FFF2-40B4-BE49-F238E27FC236}">
+                <a16:creationId xmlns:a16="http://schemas.microsoft.com/office/drawing/2014/main" id="{F47DD0A4-42C7-4E9C-B291-BC53E2437B59}"/>
+              </a:ext>
+            </a:extLst>
+          </p:cNvPr>
+          <p:cNvPicPr>
+            <a:picLocks noChangeAspect="1"/>
+          </p:cNvPicPr>
+          <p:nvPr/>
+        </p:nvPicPr>
+        <p:blipFill>
+          <a:blip r:embed="rId3">
+            <a:extLst>
+              <a:ext uri="{28A0092B-C50C-407E-A947-70E740481C1C}">
+                <a14:useLocalDpi xmlns:a14="http://schemas.microsoft.com/office/drawing/2010/main" val="0"/>
+              </a:ext>
+            </a:extLst>
+          </a:blip>
+          <a:stretch>
+            <a:fillRect/>
+          </a:stretch>
+        </p:blipFill>
+        <p:spPr>
+          <a:xfrm>
+            <a:off x="5300973" y="1426846"/>
+            <a:ext cx="1398468" cy="1204594"/>
+          </a:xfrm>
+          <a:prstGeom prst="rect">
+            <a:avLst/>
+          </a:prstGeom>
+        </p:spPr>
+      </p:pic>
+      <p:sp>
+        <p:nvSpPr>
+          <p:cNvPr id="5" name="CuadroTexto 4">
+            <a:extLst>
+              <a:ext uri="{FF2B5EF4-FFF2-40B4-BE49-F238E27FC236}">
+                <a16:creationId xmlns:a16="http://schemas.microsoft.com/office/drawing/2014/main" id="{3AE63A9E-023F-427F-91EC-6BE97C7F1B9D}"/>
+              </a:ext>
+            </a:extLst>
+          </p:cNvPr>
+          <p:cNvSpPr txBox="1"/>
+          <p:nvPr/>
+        </p:nvSpPr>
+        <p:spPr>
+          <a:xfrm>
+            <a:off x="10382250" y="476250"/>
+            <a:ext cx="1409700" cy="369332"/>
+          </a:xfrm>
+          <a:prstGeom prst="rect">
+            <a:avLst/>
+          </a:prstGeom>
+          <a:noFill/>
+        </p:spPr>
+        <p:txBody>
+          <a:bodyPr wrap="square" rtlCol="0">
+            <a:spAutoFit/>
+          </a:bodyPr>
+          <a:lstStyle/>
+          <a:p>
+            <a:r>
+              <a:rPr lang="es-EC" dirty="0"/>
+              <a:t>LOGIN</a:t>
+            </a:r>
+          </a:p>
+        </p:txBody>
+      </p:sp>
+    </p:spTree>
+    <p:extLst>
+      <p:ext uri="{BB962C8B-B14F-4D97-AF65-F5344CB8AC3E}">
+        <p14:creationId xmlns:p14="http://schemas.microsoft.com/office/powerpoint/2010/main" val="3115273323"/>
+      </p:ext>
+    </p:extLst>
+  </p:cSld>
+  <p:clrMapOvr>
+    <a:masterClrMapping/>
+  </p:clrMapOvr>
+  <mc:AlternateContent xmlns:mc="http://schemas.openxmlformats.org/markup-compatibility/2006">
+    <mc:Choice xmlns:p159="http://schemas.microsoft.com/office/powerpoint/2015/09/main" Requires="p159">
+      <p:transition xmlns:p14="http://schemas.microsoft.com/office/powerpoint/2010/main" spd="slow" p14:dur="2000">
+        <p159:morph option="byObject"/>
+      </p:transition>
+    </mc:Choice>
+    <mc:Fallback>
+      <p:transition spd="slow">
+        <p:fade/>
+      </p:transition>
+    </mc:Fallback>
+  </mc:AlternateContent>
 </p:sld>
 </file>
 
